--- a/Publications/Presentation2014-04-07-MIECHV Paper Discussion/REDCapR.pptx
+++ b/Publications/Presentation2014-04-07-MIECHV Paper Discussion/REDCapR.pptx
@@ -5,7 +5,7 @@
     <p:sldMasterId id="2147483648" r:id="rId1"/>
   </p:sldMasterIdLst>
   <p:notesMasterIdLst>
-    <p:notesMasterId r:id="rId29"/>
+    <p:notesMasterId r:id="rId32"/>
   </p:notesMasterIdLst>
   <p:sldIdLst>
     <p:sldId id="268" r:id="rId2"/>
@@ -35,6 +35,9 @@
     <p:sldId id="286" r:id="rId26"/>
     <p:sldId id="288" r:id="rId27"/>
     <p:sldId id="273" r:id="rId28"/>
+    <p:sldId id="296" r:id="rId29"/>
+    <p:sldId id="297" r:id="rId30"/>
+    <p:sldId id="298" r:id="rId31"/>
   </p:sldIdLst>
   <p:sldSz cx="9144000" cy="6858000" type="screen4x3"/>
   <p:notesSz cx="6858000" cy="9144000"/>
@@ -218,7 +221,7 @@
           <a:p>
             <a:fld id="{9638921B-546A-4974-9E20-B16E146250B5}" type="datetimeFigureOut">
               <a:rPr lang="en-US" smtClean="0"/>
-              <a:t>2014-04-03</a:t>
+              <a:t>2014-04-04</a:t>
             </a:fld>
             <a:endParaRPr lang="en-US"/>
           </a:p>
@@ -849,7 +852,7 @@
           <a:p>
             <a:fld id="{BEE7CD21-9F80-49E8-98DE-B542690D23E7}" type="datetimeFigureOut">
               <a:rPr lang="en-US" smtClean="0"/>
-              <a:t>2014-04-03</a:t>
+              <a:t>2014-04-04</a:t>
             </a:fld>
             <a:endParaRPr lang="en-US"/>
           </a:p>
@@ -1019,7 +1022,7 @@
           <a:p>
             <a:fld id="{BEE7CD21-9F80-49E8-98DE-B542690D23E7}" type="datetimeFigureOut">
               <a:rPr lang="en-US" smtClean="0"/>
-              <a:t>2014-04-03</a:t>
+              <a:t>2014-04-04</a:t>
             </a:fld>
             <a:endParaRPr lang="en-US"/>
           </a:p>
@@ -1199,7 +1202,7 @@
           <a:p>
             <a:fld id="{BEE7CD21-9F80-49E8-98DE-B542690D23E7}" type="datetimeFigureOut">
               <a:rPr lang="en-US" smtClean="0"/>
-              <a:t>2014-04-03</a:t>
+              <a:t>2014-04-04</a:t>
             </a:fld>
             <a:endParaRPr lang="en-US"/>
           </a:p>
@@ -1369,7 +1372,7 @@
           <a:p>
             <a:fld id="{BEE7CD21-9F80-49E8-98DE-B542690D23E7}" type="datetimeFigureOut">
               <a:rPr lang="en-US" smtClean="0"/>
-              <a:t>2014-04-03</a:t>
+              <a:t>2014-04-04</a:t>
             </a:fld>
             <a:endParaRPr lang="en-US"/>
           </a:p>
@@ -1615,7 +1618,7 @@
           <a:p>
             <a:fld id="{BEE7CD21-9F80-49E8-98DE-B542690D23E7}" type="datetimeFigureOut">
               <a:rPr lang="en-US" smtClean="0"/>
-              <a:t>2014-04-03</a:t>
+              <a:t>2014-04-04</a:t>
             </a:fld>
             <a:endParaRPr lang="en-US"/>
           </a:p>
@@ -1903,7 +1906,7 @@
           <a:p>
             <a:fld id="{BEE7CD21-9F80-49E8-98DE-B542690D23E7}" type="datetimeFigureOut">
               <a:rPr lang="en-US" smtClean="0"/>
-              <a:t>2014-04-03</a:t>
+              <a:t>2014-04-04</a:t>
             </a:fld>
             <a:endParaRPr lang="en-US"/>
           </a:p>
@@ -2325,7 +2328,7 @@
           <a:p>
             <a:fld id="{BEE7CD21-9F80-49E8-98DE-B542690D23E7}" type="datetimeFigureOut">
               <a:rPr lang="en-US" smtClean="0"/>
-              <a:t>2014-04-03</a:t>
+              <a:t>2014-04-04</a:t>
             </a:fld>
             <a:endParaRPr lang="en-US"/>
           </a:p>
@@ -2443,7 +2446,7 @@
           <a:p>
             <a:fld id="{BEE7CD21-9F80-49E8-98DE-B542690D23E7}" type="datetimeFigureOut">
               <a:rPr lang="en-US" smtClean="0"/>
-              <a:t>2014-04-03</a:t>
+              <a:t>2014-04-04</a:t>
             </a:fld>
             <a:endParaRPr lang="en-US"/>
           </a:p>
@@ -2538,7 +2541,7 @@
           <a:p>
             <a:fld id="{BEE7CD21-9F80-49E8-98DE-B542690D23E7}" type="datetimeFigureOut">
               <a:rPr lang="en-US" smtClean="0"/>
-              <a:t>2014-04-03</a:t>
+              <a:t>2014-04-04</a:t>
             </a:fld>
             <a:endParaRPr lang="en-US"/>
           </a:p>
@@ -2815,7 +2818,7 @@
           <a:p>
             <a:fld id="{BEE7CD21-9F80-49E8-98DE-B542690D23E7}" type="datetimeFigureOut">
               <a:rPr lang="en-US" smtClean="0"/>
-              <a:t>2014-04-03</a:t>
+              <a:t>2014-04-04</a:t>
             </a:fld>
             <a:endParaRPr lang="en-US"/>
           </a:p>
@@ -3068,7 +3071,7 @@
           <a:p>
             <a:fld id="{BEE7CD21-9F80-49E8-98DE-B542690D23E7}" type="datetimeFigureOut">
               <a:rPr lang="en-US" smtClean="0"/>
-              <a:t>2014-04-03</a:t>
+              <a:t>2014-04-04</a:t>
             </a:fld>
             <a:endParaRPr lang="en-US"/>
           </a:p>
@@ -3281,7 +3284,7 @@
           <a:p>
             <a:fld id="{BEE7CD21-9F80-49E8-98DE-B542690D23E7}" type="datetimeFigureOut">
               <a:rPr lang="en-US" smtClean="0"/>
-              <a:t>2014-04-03</a:t>
+              <a:t>2014-04-04</a:t>
             </a:fld>
             <a:endParaRPr lang="en-US"/>
           </a:p>
@@ -3685,10 +3688,6 @@
               <a:rPr lang="en-US" sz="4000" b="1" dirty="0" smtClean="0"/>
               <a:t>Exporting Data from </a:t>
             </a:r>
-            <a:r>
-              <a:rPr lang="en-US" sz="4000" b="1" dirty="0" smtClean="0"/>
-              <a:t/>
-            </a:r>
             <a:br>
               <a:rPr lang="en-US" sz="4000" b="1" dirty="0" smtClean="0"/>
             </a:br>
@@ -3762,39 +3761,43 @@
           </a:p>
           <a:p>
             <a:r>
+              <a:rPr lang="en-US" sz="2000" dirty="0" smtClean="0">
+                <a:solidFill>
+                  <a:schemeClr val="bg1"/>
+                </a:solidFill>
+              </a:rPr>
+              <a:t>Center on Child Abuse and Neglect</a:t>
+            </a:r>
+            <a:endParaRPr lang="en-US" sz="2000" dirty="0">
+              <a:solidFill>
+                <a:schemeClr val="bg1"/>
+              </a:solidFill>
+            </a:endParaRPr>
+          </a:p>
+          <a:p>
+            <a:r>
               <a:rPr lang="en-US" sz="2000" dirty="0">
                 <a:solidFill>
                   <a:schemeClr val="bg1"/>
                 </a:solidFill>
               </a:rPr>
-              <a:t>Biomedical and Behavioral Methodology Core (</a:t>
-            </a:r>
-            <a:r>
-              <a:rPr lang="el-GR" sz="2000" dirty="0">
+              <a:t>Department of Pediatrics, </a:t>
+            </a:r>
+            <a:r>
+              <a:rPr lang="en-US" sz="2000" dirty="0" smtClean="0">
                 <a:solidFill>
                   <a:schemeClr val="bg1"/>
                 </a:solidFill>
               </a:rPr>
-              <a:t>ββ</a:t>
-            </a:r>
-            <a:r>
-              <a:rPr lang="en-US" sz="2000" dirty="0">
-                <a:solidFill>
-                  <a:schemeClr val="bg1"/>
-                </a:solidFill>
-              </a:rPr>
-              <a:t>ϺC)</a:t>
-            </a:r>
-          </a:p>
-          <a:p>
-            <a:r>
-              <a:rPr lang="en-US" sz="2000" dirty="0">
-                <a:solidFill>
-                  <a:schemeClr val="bg1"/>
-                </a:solidFill>
-              </a:rPr>
-              <a:t>Department of Pediatrics, OU College of Medicine</a:t>
-            </a:r>
+              <a:t>OUHSC</a:t>
+            </a:r>
+          </a:p>
+          <a:p>
+            <a:endParaRPr lang="en-US" sz="2000" b="1" dirty="0" smtClean="0">
+              <a:solidFill>
+                <a:schemeClr val="bg1"/>
+              </a:solidFill>
+            </a:endParaRPr>
           </a:p>
           <a:p>
             <a:endParaRPr lang="en-US" sz="2000" b="1" dirty="0" smtClean="0">
@@ -3820,25 +3823,15 @@
                   <a:schemeClr val="bg1"/>
                 </a:solidFill>
               </a:rPr>
-              <a:t>Center on Child Abuse and Neglect</a:t>
-            </a:r>
-          </a:p>
-          <a:p>
+              <a:t>April </a:t>
+            </a:r>
             <a:r>
               <a:rPr lang="en-US" sz="2000" dirty="0" smtClean="0">
                 <a:solidFill>
                   <a:schemeClr val="bg1"/>
                 </a:solidFill>
               </a:rPr>
-              <a:t>April 7, </a:t>
-            </a:r>
-            <a:r>
-              <a:rPr lang="en-US" sz="2000" dirty="0" smtClean="0">
-                <a:solidFill>
-                  <a:schemeClr val="bg1"/>
-                </a:solidFill>
-              </a:rPr>
-              <a:t>2014</a:t>
+              <a:t>7, 2014</a:t>
             </a:r>
             <a:endParaRPr lang="en-US" sz="2000" dirty="0">
               <a:solidFill>
@@ -3949,7 +3942,11 @@
             <a:pPr marL="0" indent="0"/>
             <a:r>
               <a:rPr lang="en-US" sz="4900" dirty="0" smtClean="0"/>
-              <a:t>Data Export via API</a:t>
+              <a:t>Data Export </a:t>
+            </a:r>
+            <a:r>
+              <a:rPr lang="en-US" sz="4900" dirty="0" smtClean="0"/>
+              <a:t>API</a:t>
             </a:r>
             <a:endParaRPr lang="en-US" dirty="0"/>
           </a:p>
@@ -3980,7 +3977,7 @@
             <a:pPr marL="0" lvl="3" indent="0">
               <a:buNone/>
             </a:pPr>
-            <a:endParaRPr lang="en-US" dirty="0"/>
+            <a:endParaRPr lang="en-US" dirty="0" smtClean="0"/>
           </a:p>
           <a:p>
             <a:pPr marL="342900" lvl="3" indent="-342900">
@@ -3989,7 +3986,11 @@
             </a:pPr>
             <a:r>
               <a:rPr lang="en-US" dirty="0" smtClean="0"/>
-              <a:t>Programmatic data retrieval</a:t>
+              <a:t>Programmatic </a:t>
+            </a:r>
+            <a:r>
+              <a:rPr lang="en-US" dirty="0" smtClean="0"/>
+              <a:t>data retrieval</a:t>
             </a:r>
           </a:p>
           <a:p>
@@ -3999,8 +4000,13 @@
             </a:pPr>
             <a:r>
               <a:rPr lang="en-US" dirty="0" smtClean="0"/>
-              <a:t>Users must have approved API privileges in the User Rights section of REDCap</a:t>
-            </a:r>
+              <a:t>Users must have approved API privileges in the User Rights section of </a:t>
+            </a:r>
+            <a:r>
+              <a:rPr lang="en-US" dirty="0" smtClean="0"/>
+              <a:t>REDCap</a:t>
+            </a:r>
+            <a:endParaRPr lang="en-US" dirty="0" smtClean="0"/>
           </a:p>
           <a:p>
             <a:pPr marL="342900" lvl="3" indent="-342900">
@@ -4009,8 +4015,70 @@
             </a:pPr>
             <a:r>
               <a:rPr lang="en-US" dirty="0" smtClean="0"/>
-              <a:t>Tokens utilized as unique identifiers for an application requesting access to REDCap</a:t>
-            </a:r>
+              <a:t>Tokens utilized as unique identifiers for an application requesting access to </a:t>
+            </a:r>
+            <a:r>
+              <a:rPr lang="en-US" dirty="0" smtClean="0"/>
+              <a:t>REDCap</a:t>
+            </a:r>
+          </a:p>
+          <a:p>
+            <a:pPr marL="800100" lvl="4" indent="-342900">
+              <a:buFont typeface="Arial" panose="020B0604020202020204" pitchFamily="34" charset="0"/>
+              <a:buChar char="–"/>
+            </a:pPr>
+            <a:r>
+              <a:rPr lang="en-US" dirty="0" smtClean="0"/>
+              <a:t>REDCap </a:t>
+            </a:r>
+            <a:r>
+              <a:rPr lang="en-US" dirty="0" err="1" smtClean="0"/>
+              <a:t>superusers</a:t>
+            </a:r>
+            <a:r>
+              <a:rPr lang="en-US" dirty="0" smtClean="0"/>
+              <a:t> can create their own tokens</a:t>
+            </a:r>
+          </a:p>
+          <a:p>
+            <a:pPr marL="800100" lvl="4" indent="-342900">
+              <a:buFont typeface="Arial" panose="020B0604020202020204" pitchFamily="34" charset="0"/>
+              <a:buChar char="–"/>
+            </a:pPr>
+            <a:r>
+              <a:rPr lang="en-US" dirty="0" smtClean="0"/>
+              <a:t>REDCap users with API privileges can request a token be created</a:t>
+            </a:r>
+          </a:p>
+          <a:p>
+            <a:pPr marL="457200" lvl="4" indent="0">
+              <a:buNone/>
+            </a:pPr>
+            <a:endParaRPr lang="en-US" dirty="0" smtClean="0"/>
+          </a:p>
+          <a:p>
+            <a:pPr marL="457200" lvl="4" indent="0">
+              <a:buNone/>
+            </a:pPr>
+            <a:endParaRPr lang="en-US" dirty="0"/>
+          </a:p>
+          <a:p>
+            <a:pPr marL="457200" lvl="4" indent="0">
+              <a:buNone/>
+            </a:pPr>
+            <a:endParaRPr lang="en-US" dirty="0" smtClean="0"/>
+          </a:p>
+          <a:p>
+            <a:pPr marL="457200" lvl="4" indent="0">
+              <a:buNone/>
+            </a:pPr>
+            <a:endParaRPr lang="en-US" dirty="0" smtClean="0"/>
+          </a:p>
+          <a:p>
+            <a:pPr marL="457200" lvl="4" indent="0">
+              <a:buNone/>
+            </a:pPr>
+            <a:endParaRPr lang="en-US" dirty="0" smtClean="0"/>
           </a:p>
           <a:p>
             <a:pPr marL="342900" lvl="3" indent="-342900">
@@ -4031,7 +4099,6 @@
               <a:rPr lang="en-US" dirty="0" smtClean="0"/>
               <a:t>Offers a higher level of data security</a:t>
             </a:r>
-            <a:endParaRPr lang="en-US" dirty="0" smtClean="0"/>
           </a:p>
           <a:p>
             <a:pPr marL="342900" lvl="3" indent="-342900">
@@ -4054,6 +4121,70 @@
           </a:p>
         </p:txBody>
       </p:sp>
+      <p:pic>
+        <p:nvPicPr>
+          <p:cNvPr id="1027" name="Picture 3"/>
+          <p:cNvPicPr>
+            <a:picLocks noChangeAspect="1" noChangeArrowheads="1"/>
+          </p:cNvPicPr>
+          <p:nvPr/>
+        </p:nvPicPr>
+        <p:blipFill>
+          <a:blip r:embed="rId2">
+            <a:extLst>
+              <a:ext uri="{28A0092B-C50C-407E-A947-70E740481C1C}">
+                <a14:useLocalDpi xmlns:a14="http://schemas.microsoft.com/office/drawing/2010/main" val="0"/>
+              </a:ext>
+            </a:extLst>
+          </a:blip>
+          <a:srcRect/>
+          <a:stretch>
+            <a:fillRect/>
+          </a:stretch>
+        </p:blipFill>
+        <p:spPr bwMode="auto">
+          <a:xfrm>
+            <a:off x="533400" y="3124200"/>
+            <a:ext cx="5334000" cy="1524000"/>
+          </a:xfrm>
+          <a:prstGeom prst="rect">
+            <a:avLst/>
+          </a:prstGeom>
+          <a:noFill/>
+          <a:ln>
+            <a:noFill/>
+          </a:ln>
+          <a:effectLst/>
+          <a:extLst>
+            <a:ext uri="{909E8E84-426E-40DD-AFC4-6F175D3DCCD1}">
+              <a14:hiddenFill xmlns:a14="http://schemas.microsoft.com/office/drawing/2010/main">
+                <a:solidFill>
+                  <a:schemeClr val="accent1"/>
+                </a:solidFill>
+              </a14:hiddenFill>
+            </a:ext>
+            <a:ext uri="{91240B29-F687-4F45-9708-019B960494DF}">
+              <a14:hiddenLine xmlns:a14="http://schemas.microsoft.com/office/drawing/2010/main" w="9525">
+                <a:solidFill>
+                  <a:schemeClr val="tx1"/>
+                </a:solidFill>
+                <a:miter lim="800000"/>
+                <a:headEnd/>
+                <a:tailEnd/>
+              </a14:hiddenLine>
+            </a:ext>
+            <a:ext uri="{AF507438-7753-43E0-B8FC-AC1667EBCBE1}">
+              <a14:hiddenEffects xmlns:a14="http://schemas.microsoft.com/office/drawing/2010/main">
+                <a:effectLst>
+                  <a:outerShdw dist="35921" dir="2700000" algn="ctr" rotWithShape="0">
+                    <a:schemeClr val="bg2"/>
+                  </a:outerShdw>
+                </a:effectLst>
+              </a14:hiddenEffects>
+            </a:ext>
+          </a:extLst>
+        </p:spPr>
+      </p:pic>
     </p:spTree>
     <p:extLst>
       <p:ext uri="{BB962C8B-B14F-4D97-AF65-F5344CB8AC3E}">
@@ -4146,7 +4277,7 @@
         </p:spPr>
         <p:txBody>
           <a:bodyPr>
-            <a:normAutofit/>
+            <a:normAutofit fontScale="32500" lnSpcReduction="20000"/>
           </a:bodyPr>
           <a:lstStyle/>
           <a:p>
@@ -4158,22 +4289,895 @@
           <a:p>
             <a:pPr marL="0" indent="0">
               <a:buNone/>
-            </a:pPr>
-            <a:r>
-              <a:rPr lang="en-US" dirty="0" smtClean="0"/>
-              <a:t>placeholder</a:t>
-            </a:r>
-            <a:endParaRPr lang="en-US" dirty="0" smtClean="0"/>
-          </a:p>
-          <a:p>
-            <a:pPr marL="0" indent="0">
-              <a:buNone/>
-            </a:pPr>
+              <a:tabLst>
+                <a:tab pos="396875" algn="l"/>
+              </a:tabLst>
+            </a:pPr>
+            <a:r>
+              <a:rPr lang="en-US" i="1" dirty="0"/>
+              <a:t>#############################</a:t>
+            </a:r>
             <a:endParaRPr lang="en-US" dirty="0"/>
           </a:p>
           <a:p>
             <a:pPr marL="0" indent="0">
               <a:buNone/>
+              <a:tabLst>
+                <a:tab pos="396875" algn="l"/>
+              </a:tabLst>
+            </a:pPr>
+            <a:r>
+              <a:rPr lang="en-US" i="1" dirty="0"/>
+              <a:t>### Retrieve token and REDCap URL</a:t>
+            </a:r>
+            <a:endParaRPr lang="en-US" dirty="0"/>
+          </a:p>
+          <a:p>
+            <a:pPr marL="0" indent="0">
+              <a:buNone/>
+              <a:tabLst>
+                <a:tab pos="396875" algn="l"/>
+              </a:tabLst>
+            </a:pPr>
+            <a:r>
+              <a:rPr lang="en-US" i="1" dirty="0"/>
+              <a:t>#############################</a:t>
+            </a:r>
+            <a:endParaRPr lang="en-US" dirty="0"/>
+          </a:p>
+          <a:p>
+            <a:pPr marL="0" indent="0">
+              <a:buNone/>
+              <a:tabLst>
+                <a:tab pos="396875" algn="l"/>
+              </a:tabLst>
+            </a:pPr>
+            <a:r>
+              <a:rPr lang="en-US" dirty="0" err="1"/>
+              <a:t>dsnName</a:t>
+            </a:r>
+            <a:r>
+              <a:rPr lang="en-US" dirty="0"/>
+              <a:t> </a:t>
+            </a:r>
+            <a:r>
+              <a:rPr lang="en-US" b="1" dirty="0"/>
+              <a:t>&lt;-</a:t>
+            </a:r>
+            <a:r>
+              <a:rPr lang="en-US" dirty="0"/>
+              <a:t> "</a:t>
+            </a:r>
+            <a:r>
+              <a:rPr lang="en-US" dirty="0" err="1"/>
+              <a:t>NothingToSeeHere</a:t>
+            </a:r>
+            <a:r>
+              <a:rPr lang="en-US" dirty="0"/>
+              <a:t>"</a:t>
+            </a:r>
+          </a:p>
+          <a:p>
+            <a:pPr marL="0" indent="0">
+              <a:buNone/>
+              <a:tabLst>
+                <a:tab pos="396875" algn="l"/>
+              </a:tabLst>
+            </a:pPr>
+            <a:r>
+              <a:rPr lang="en-US" dirty="0"/>
+              <a:t>channel </a:t>
+            </a:r>
+            <a:r>
+              <a:rPr lang="en-US" b="1" dirty="0"/>
+              <a:t>&lt;-</a:t>
+            </a:r>
+            <a:r>
+              <a:rPr lang="en-US" dirty="0"/>
+              <a:t> RODBC</a:t>
+            </a:r>
+            <a:r>
+              <a:rPr lang="en-US" b="1" dirty="0"/>
+              <a:t>::</a:t>
+            </a:r>
+            <a:r>
+              <a:rPr lang="en-US" dirty="0" err="1"/>
+              <a:t>odbcConnect</a:t>
+            </a:r>
+            <a:r>
+              <a:rPr lang="en-US" dirty="0"/>
+              <a:t>(</a:t>
+            </a:r>
+            <a:r>
+              <a:rPr lang="en-US" dirty="0" err="1"/>
+              <a:t>dsnName</a:t>
+            </a:r>
+            <a:r>
+              <a:rPr lang="en-US" dirty="0"/>
+              <a:t>) </a:t>
+            </a:r>
+            <a:r>
+              <a:rPr lang="en-US" i="1" dirty="0"/>
+              <a:t>#</a:t>
+            </a:r>
+            <a:r>
+              <a:rPr lang="en-US" i="1" dirty="0" err="1"/>
+              <a:t>getSqlTypeInfo</a:t>
+            </a:r>
+            <a:r>
+              <a:rPr lang="en-US" i="1" dirty="0"/>
+              <a:t>("Microsoft SQL Server") #</a:t>
+            </a:r>
+            <a:r>
+              <a:rPr lang="en-US" i="1" dirty="0" err="1"/>
+              <a:t>odbcGetInfo</a:t>
+            </a:r>
+            <a:r>
+              <a:rPr lang="en-US" i="1" dirty="0"/>
+              <a:t>(channel)</a:t>
+            </a:r>
+            <a:endParaRPr lang="en-US" dirty="0"/>
+          </a:p>
+          <a:p>
+            <a:pPr marL="0" indent="0">
+              <a:buNone/>
+              <a:tabLst>
+                <a:tab pos="396875" algn="l"/>
+              </a:tabLst>
+            </a:pPr>
+            <a:r>
+              <a:rPr lang="en-US" dirty="0"/>
+              <a:t> </a:t>
+            </a:r>
+          </a:p>
+          <a:p>
+            <a:pPr marL="0" indent="0">
+              <a:buNone/>
+              <a:tabLst>
+                <a:tab pos="396875" algn="l"/>
+              </a:tabLst>
+            </a:pPr>
+            <a:r>
+              <a:rPr lang="en-US" dirty="0" err="1"/>
+              <a:t>redcapUri</a:t>
+            </a:r>
+            <a:r>
+              <a:rPr lang="en-US" dirty="0"/>
+              <a:t> </a:t>
+            </a:r>
+            <a:r>
+              <a:rPr lang="en-US" b="1" dirty="0"/>
+              <a:t>&lt;-</a:t>
+            </a:r>
+            <a:r>
+              <a:rPr lang="en-US" dirty="0"/>
+              <a:t> RODBC</a:t>
+            </a:r>
+            <a:r>
+              <a:rPr lang="en-US" b="1" dirty="0"/>
+              <a:t>::</a:t>
+            </a:r>
+            <a:r>
+              <a:rPr lang="en-US" dirty="0" err="1"/>
+              <a:t>sqlQuery</a:t>
+            </a:r>
+            <a:r>
+              <a:rPr lang="en-US" dirty="0"/>
+              <a:t>(channel, "EXEC </a:t>
+            </a:r>
+            <a:r>
+              <a:rPr lang="en-US" dirty="0" err="1"/>
+              <a:t>Security.prcUri</a:t>
+            </a:r>
+            <a:r>
+              <a:rPr lang="en-US" dirty="0"/>
+              <a:t> @</a:t>
+            </a:r>
+            <a:r>
+              <a:rPr lang="en-US" dirty="0" err="1"/>
+              <a:t>UriName</a:t>
+            </a:r>
+            <a:r>
+              <a:rPr lang="en-US" dirty="0"/>
+              <a:t> = 'ABCD1'", </a:t>
+            </a:r>
+            <a:r>
+              <a:rPr lang="en-US" dirty="0" err="1"/>
+              <a:t>stringsAsFactors</a:t>
+            </a:r>
+            <a:r>
+              <a:rPr lang="en-US" b="1" dirty="0"/>
+              <a:t>=FALSE</a:t>
+            </a:r>
+            <a:r>
+              <a:rPr lang="en-US" dirty="0"/>
+              <a:t>)[1, 'Value']</a:t>
+            </a:r>
+          </a:p>
+          <a:p>
+            <a:pPr marL="0" indent="0">
+              <a:buNone/>
+              <a:tabLst>
+                <a:tab pos="396875" algn="l"/>
+              </a:tabLst>
+            </a:pPr>
+            <a:r>
+              <a:rPr lang="en-US" dirty="0"/>
+              <a:t>token </a:t>
+            </a:r>
+            <a:r>
+              <a:rPr lang="en-US" b="1" dirty="0"/>
+              <a:t>&lt;-</a:t>
+            </a:r>
+            <a:r>
+              <a:rPr lang="en-US" dirty="0"/>
+              <a:t> RODBC</a:t>
+            </a:r>
+            <a:r>
+              <a:rPr lang="en-US" b="1" dirty="0"/>
+              <a:t>::</a:t>
+            </a:r>
+            <a:r>
+              <a:rPr lang="en-US" dirty="0" err="1"/>
+              <a:t>sqlQuery</a:t>
+            </a:r>
+            <a:r>
+              <a:rPr lang="en-US" dirty="0"/>
+              <a:t>(channel, "EXEC [Security].[</a:t>
+            </a:r>
+            <a:r>
+              <a:rPr lang="en-US" dirty="0" err="1"/>
+              <a:t>prcRedcapToken</a:t>
+            </a:r>
+            <a:r>
+              <a:rPr lang="en-US" dirty="0"/>
+              <a:t>] @</a:t>
+            </a:r>
+            <a:r>
+              <a:rPr lang="en-US" dirty="0" err="1"/>
+              <a:t>RedcapProjectName</a:t>
+            </a:r>
+            <a:r>
+              <a:rPr lang="en-US" dirty="0"/>
+              <a:t> = '</a:t>
+            </a:r>
+            <a:r>
+              <a:rPr lang="en-US" dirty="0" err="1"/>
+              <a:t>NullResearchProject</a:t>
+            </a:r>
+            <a:r>
+              <a:rPr lang="en-US" dirty="0"/>
+              <a:t>'", </a:t>
+            </a:r>
+            <a:r>
+              <a:rPr lang="en-US" dirty="0" err="1"/>
+              <a:t>stringsAsFactors</a:t>
+            </a:r>
+            <a:r>
+              <a:rPr lang="en-US" b="1" dirty="0"/>
+              <a:t>=FALSE</a:t>
+            </a:r>
+            <a:r>
+              <a:rPr lang="en-US" dirty="0"/>
+              <a:t>)[1, 'Token']</a:t>
+            </a:r>
+          </a:p>
+          <a:p>
+            <a:pPr marL="0" indent="0">
+              <a:buNone/>
+              <a:tabLst>
+                <a:tab pos="396875" algn="l"/>
+              </a:tabLst>
+            </a:pPr>
+            <a:r>
+              <a:rPr lang="en-US" dirty="0"/>
+              <a:t>RODBC</a:t>
+            </a:r>
+            <a:r>
+              <a:rPr lang="en-US" b="1" dirty="0"/>
+              <a:t>::</a:t>
+            </a:r>
+            <a:r>
+              <a:rPr lang="en-US" dirty="0" err="1"/>
+              <a:t>odbcClose</a:t>
+            </a:r>
+            <a:r>
+              <a:rPr lang="en-US" dirty="0"/>
+              <a:t>(channel)</a:t>
+            </a:r>
+          </a:p>
+          <a:p>
+            <a:pPr marL="0" indent="0">
+              <a:buNone/>
+              <a:tabLst>
+                <a:tab pos="396875" algn="l"/>
+              </a:tabLst>
+            </a:pPr>
+            <a:r>
+              <a:rPr lang="en-US" i="1" dirty="0"/>
+              <a:t> </a:t>
+            </a:r>
+            <a:endParaRPr lang="en-US" dirty="0"/>
+          </a:p>
+          <a:p>
+            <a:pPr marL="0" indent="0">
+              <a:buNone/>
+              <a:tabLst>
+                <a:tab pos="396875" algn="l"/>
+              </a:tabLst>
+            </a:pPr>
+            <a:r>
+              <a:rPr lang="en-US" i="1" dirty="0"/>
+              <a:t># Removes the channel and the </a:t>
+            </a:r>
+            <a:r>
+              <a:rPr lang="en-US" i="1" dirty="0" err="1"/>
+              <a:t>dsnName</a:t>
+            </a:r>
+            <a:r>
+              <a:rPr lang="en-US" dirty="0"/>
+              <a:t> </a:t>
+            </a:r>
+          </a:p>
+          <a:p>
+            <a:pPr marL="0" indent="0">
+              <a:buNone/>
+              <a:tabLst>
+                <a:tab pos="396875" algn="l"/>
+              </a:tabLst>
+            </a:pPr>
+            <a:r>
+              <a:rPr lang="en-US" dirty="0" err="1"/>
+              <a:t>rm</a:t>
+            </a:r>
+            <a:r>
+              <a:rPr lang="en-US" dirty="0"/>
+              <a:t>(channel, </a:t>
+            </a:r>
+            <a:r>
+              <a:rPr lang="en-US" dirty="0" err="1"/>
+              <a:t>dsnName</a:t>
+            </a:r>
+            <a:r>
+              <a:rPr lang="en-US" dirty="0"/>
+              <a:t>)</a:t>
+            </a:r>
+          </a:p>
+          <a:p>
+            <a:pPr marL="0" indent="0">
+              <a:buNone/>
+              <a:tabLst>
+                <a:tab pos="396875" algn="l"/>
+              </a:tabLst>
+            </a:pPr>
+            <a:r>
+              <a:rPr lang="en-US" i="1" dirty="0"/>
+              <a:t> </a:t>
+            </a:r>
+            <a:endParaRPr lang="en-US" dirty="0"/>
+          </a:p>
+          <a:p>
+            <a:pPr marL="0" indent="0">
+              <a:buNone/>
+              <a:tabLst>
+                <a:tab pos="396875" algn="l"/>
+              </a:tabLst>
+            </a:pPr>
+            <a:r>
+              <a:rPr lang="en-US" i="1" dirty="0"/>
+              <a:t>#############################</a:t>
+            </a:r>
+            <a:endParaRPr lang="en-US" dirty="0"/>
+          </a:p>
+          <a:p>
+            <a:pPr marL="0" indent="0">
+              <a:buNone/>
+              <a:tabLst>
+                <a:tab pos="396875" algn="l"/>
+              </a:tabLst>
+            </a:pPr>
+            <a:r>
+              <a:rPr lang="en-US" i="1" dirty="0"/>
+              <a:t>### Query REDCap API</a:t>
+            </a:r>
+            <a:endParaRPr lang="en-US" dirty="0"/>
+          </a:p>
+          <a:p>
+            <a:pPr marL="0" indent="0">
+              <a:buNone/>
+              <a:tabLst>
+                <a:tab pos="396875" algn="l"/>
+              </a:tabLst>
+            </a:pPr>
+            <a:r>
+              <a:rPr lang="en-US" i="1" dirty="0"/>
+              <a:t>#############################</a:t>
+            </a:r>
+            <a:endParaRPr lang="en-US" dirty="0"/>
+          </a:p>
+          <a:p>
+            <a:pPr marL="0" indent="0">
+              <a:buNone/>
+              <a:tabLst>
+                <a:tab pos="396875" algn="l"/>
+              </a:tabLst>
+            </a:pPr>
+            <a:r>
+              <a:rPr lang="en-US" i="1" dirty="0"/>
+              <a:t>#Call REDCap</a:t>
+            </a:r>
+            <a:endParaRPr lang="en-US" dirty="0"/>
+          </a:p>
+          <a:p>
+            <a:pPr marL="0" indent="0">
+              <a:buNone/>
+              <a:tabLst>
+                <a:tab pos="396875" algn="l"/>
+              </a:tabLst>
+            </a:pPr>
+            <a:r>
+              <a:rPr lang="en-US" dirty="0" err="1"/>
+              <a:t>system.time</a:t>
+            </a:r>
+            <a:r>
+              <a:rPr lang="en-US" dirty="0"/>
+              <a:t>(</a:t>
+            </a:r>
+            <a:r>
+              <a:rPr lang="en-US" dirty="0" err="1"/>
+              <a:t>gcFirst</a:t>
+            </a:r>
+            <a:r>
+              <a:rPr lang="en-US" b="1" dirty="0"/>
+              <a:t>=</a:t>
+            </a:r>
+            <a:r>
+              <a:rPr lang="en-US" dirty="0"/>
+              <a:t>T, expr</a:t>
+            </a:r>
+            <a:r>
+              <a:rPr lang="en-US" b="1" dirty="0"/>
+              <a:t>=</a:t>
+            </a:r>
+            <a:r>
+              <a:rPr lang="en-US" dirty="0"/>
+              <a:t>{</a:t>
+            </a:r>
+          </a:p>
+          <a:p>
+            <a:pPr marL="0" indent="0">
+              <a:buNone/>
+              <a:tabLst>
+                <a:tab pos="396875" algn="l"/>
+              </a:tabLst>
+            </a:pPr>
+            <a:r>
+              <a:rPr lang="en-US" dirty="0"/>
+              <a:t>  </a:t>
+            </a:r>
+            <a:r>
+              <a:rPr lang="en-US" dirty="0" err="1"/>
+              <a:t>rawCsvText</a:t>
+            </a:r>
+            <a:r>
+              <a:rPr lang="en-US" dirty="0"/>
+              <a:t> </a:t>
+            </a:r>
+            <a:r>
+              <a:rPr lang="en-US" b="1" dirty="0"/>
+              <a:t>&lt;-</a:t>
+            </a:r>
+            <a:r>
+              <a:rPr lang="en-US" dirty="0"/>
+              <a:t> </a:t>
+            </a:r>
+            <a:r>
+              <a:rPr lang="en-US" dirty="0" err="1"/>
+              <a:t>RCurl</a:t>
+            </a:r>
+            <a:r>
+              <a:rPr lang="en-US" b="1" dirty="0"/>
+              <a:t>::</a:t>
+            </a:r>
+            <a:r>
+              <a:rPr lang="en-US" dirty="0" err="1"/>
+              <a:t>postForm</a:t>
+            </a:r>
+            <a:r>
+              <a:rPr lang="en-US" dirty="0"/>
+              <a:t>(</a:t>
+            </a:r>
+          </a:p>
+          <a:p>
+            <a:pPr marL="0" indent="0">
+              <a:buNone/>
+              <a:tabLst>
+                <a:tab pos="396875" algn="l"/>
+              </a:tabLst>
+            </a:pPr>
+            <a:r>
+              <a:rPr lang="en-US" dirty="0"/>
+              <a:t>    </a:t>
+            </a:r>
+            <a:r>
+              <a:rPr lang="en-US" dirty="0" err="1"/>
+              <a:t>uri</a:t>
+            </a:r>
+            <a:r>
+              <a:rPr lang="en-US" b="1" dirty="0"/>
+              <a:t>=</a:t>
+            </a:r>
+            <a:r>
+              <a:rPr lang="en-US" dirty="0" err="1"/>
+              <a:t>redcapUri</a:t>
+            </a:r>
+            <a:r>
+              <a:rPr lang="en-US" dirty="0"/>
+              <a:t>, </a:t>
+            </a:r>
+          </a:p>
+          <a:p>
+            <a:pPr marL="0" indent="0">
+              <a:buNone/>
+              <a:tabLst>
+                <a:tab pos="396875" algn="l"/>
+              </a:tabLst>
+            </a:pPr>
+            <a:r>
+              <a:rPr lang="en-US" dirty="0"/>
+              <a:t>    token</a:t>
+            </a:r>
+            <a:r>
+              <a:rPr lang="en-US" b="1" dirty="0"/>
+              <a:t>=</a:t>
+            </a:r>
+            <a:r>
+              <a:rPr lang="en-US" dirty="0"/>
+              <a:t>token,</a:t>
+            </a:r>
+          </a:p>
+          <a:p>
+            <a:pPr marL="0" indent="0">
+              <a:buNone/>
+              <a:tabLst>
+                <a:tab pos="396875" algn="l"/>
+              </a:tabLst>
+            </a:pPr>
+            <a:r>
+              <a:rPr lang="en-US" dirty="0"/>
+              <a:t>    content</a:t>
+            </a:r>
+            <a:r>
+              <a:rPr lang="en-US" b="1" dirty="0"/>
+              <a:t>=</a:t>
+            </a:r>
+            <a:r>
+              <a:rPr lang="en-US" dirty="0"/>
+              <a:t>'record',</a:t>
+            </a:r>
+          </a:p>
+          <a:p>
+            <a:pPr marL="0" indent="0">
+              <a:buNone/>
+              <a:tabLst>
+                <a:tab pos="396875" algn="l"/>
+              </a:tabLst>
+            </a:pPr>
+            <a:r>
+              <a:rPr lang="en-US" dirty="0"/>
+              <a:t>    format</a:t>
+            </a:r>
+            <a:r>
+              <a:rPr lang="en-US" b="1" dirty="0"/>
+              <a:t>=</a:t>
+            </a:r>
+            <a:r>
+              <a:rPr lang="en-US" dirty="0"/>
+              <a:t>'csv', </a:t>
+            </a:r>
+          </a:p>
+          <a:p>
+            <a:pPr marL="0" indent="0">
+              <a:buNone/>
+              <a:tabLst>
+                <a:tab pos="396875" algn="l"/>
+              </a:tabLst>
+            </a:pPr>
+            <a:r>
+              <a:rPr lang="en-US" dirty="0"/>
+              <a:t>    type</a:t>
+            </a:r>
+            <a:r>
+              <a:rPr lang="en-US" b="1" dirty="0"/>
+              <a:t>=</a:t>
+            </a:r>
+            <a:r>
+              <a:rPr lang="en-US" dirty="0"/>
+              <a:t>'flat', </a:t>
+            </a:r>
+          </a:p>
+          <a:p>
+            <a:pPr marL="0" indent="0">
+              <a:buNone/>
+              <a:tabLst>
+                <a:tab pos="396875" algn="l"/>
+              </a:tabLst>
+            </a:pPr>
+            <a:r>
+              <a:rPr lang="en-US" dirty="0"/>
+              <a:t>    .opts</a:t>
+            </a:r>
+            <a:r>
+              <a:rPr lang="en-US" b="1" dirty="0"/>
+              <a:t>=</a:t>
+            </a:r>
+            <a:r>
+              <a:rPr lang="en-US" dirty="0" err="1"/>
+              <a:t>curlOptions</a:t>
+            </a:r>
+            <a:r>
+              <a:rPr lang="en-US" dirty="0"/>
+              <a:t>(</a:t>
+            </a:r>
+            <a:r>
+              <a:rPr lang="en-US" dirty="0" err="1"/>
+              <a:t>cainfo</a:t>
+            </a:r>
+            <a:r>
+              <a:rPr lang="en-US" b="1" dirty="0"/>
+              <a:t>=</a:t>
+            </a:r>
+            <a:r>
+              <a:rPr lang="en-US" dirty="0"/>
+              <a:t>"./Dal/Certs/ca-bundle.crt")</a:t>
+            </a:r>
+          </a:p>
+          <a:p>
+            <a:pPr marL="0" indent="0">
+              <a:buNone/>
+              <a:tabLst>
+                <a:tab pos="396875" algn="l"/>
+              </a:tabLst>
+            </a:pPr>
+            <a:r>
+              <a:rPr lang="en-US" i="1" dirty="0"/>
+              <a:t>#     .opts=</a:t>
+            </a:r>
+            <a:r>
+              <a:rPr lang="en-US" i="1" dirty="0" err="1"/>
+              <a:t>curlOptions</a:t>
+            </a:r>
+            <a:r>
+              <a:rPr lang="en-US" i="1" dirty="0"/>
+              <a:t>(</a:t>
+            </a:r>
+            <a:r>
+              <a:rPr lang="en-US" i="1" dirty="0" err="1"/>
+              <a:t>ssl.verifypeer</a:t>
+            </a:r>
+            <a:r>
+              <a:rPr lang="en-US" i="1" dirty="0"/>
+              <a:t>=FALSE)</a:t>
+            </a:r>
+            <a:endParaRPr lang="en-US" dirty="0"/>
+          </a:p>
+          <a:p>
+            <a:pPr marL="0" indent="0">
+              <a:buNone/>
+              <a:tabLst>
+                <a:tab pos="396875" algn="l"/>
+              </a:tabLst>
+            </a:pPr>
+            <a:r>
+              <a:rPr lang="en-US" dirty="0"/>
+              <a:t>  )</a:t>
+            </a:r>
+          </a:p>
+          <a:p>
+            <a:pPr marL="0" indent="0">
+              <a:buNone/>
+              <a:tabLst>
+                <a:tab pos="396875" algn="l"/>
+              </a:tabLst>
+            </a:pPr>
+            <a:r>
+              <a:rPr lang="en-US" dirty="0"/>
+              <a:t>})  </a:t>
+            </a:r>
+          </a:p>
+          <a:p>
+            <a:pPr marL="0" indent="0">
+              <a:buNone/>
+              <a:tabLst>
+                <a:tab pos="396875" algn="l"/>
+              </a:tabLst>
+            </a:pPr>
+            <a:r>
+              <a:rPr lang="en-US" i="1" dirty="0"/>
+              <a:t># head(</a:t>
+            </a:r>
+            <a:r>
+              <a:rPr lang="en-US" i="1" dirty="0" err="1"/>
+              <a:t>rawCsvText</a:t>
+            </a:r>
+            <a:r>
+              <a:rPr lang="en-US" i="1" dirty="0"/>
+              <a:t>) #Inspect the raw data, if desired.</a:t>
+            </a:r>
+            <a:endParaRPr lang="en-US" dirty="0"/>
+          </a:p>
+          <a:p>
+            <a:pPr marL="0" indent="0">
+              <a:buNone/>
+              <a:tabLst>
+                <a:tab pos="396875" algn="l"/>
+              </a:tabLst>
+            </a:pPr>
+            <a:r>
+              <a:rPr lang="en-US" dirty="0"/>
+              <a:t>ds </a:t>
+            </a:r>
+            <a:r>
+              <a:rPr lang="en-US" b="1" dirty="0"/>
+              <a:t>&lt;-</a:t>
+            </a:r>
+            <a:r>
+              <a:rPr lang="en-US" dirty="0"/>
+              <a:t> read.csv(text</a:t>
+            </a:r>
+            <a:r>
+              <a:rPr lang="en-US" b="1" dirty="0"/>
+              <a:t>=</a:t>
+            </a:r>
+            <a:r>
+              <a:rPr lang="en-US" dirty="0" err="1"/>
+              <a:t>rawCsvText</a:t>
+            </a:r>
+            <a:r>
+              <a:rPr lang="en-US" dirty="0"/>
+              <a:t>, </a:t>
+            </a:r>
+            <a:r>
+              <a:rPr lang="en-US" dirty="0" err="1"/>
+              <a:t>stringsAsFactors</a:t>
+            </a:r>
+            <a:r>
+              <a:rPr lang="en-US" b="1" dirty="0"/>
+              <a:t>=FALSE</a:t>
+            </a:r>
+            <a:r>
+              <a:rPr lang="en-US" dirty="0"/>
+              <a:t>) </a:t>
+            </a:r>
+            <a:r>
+              <a:rPr lang="en-US" i="1" dirty="0"/>
+              <a:t>#Convert the raw text to a dataset.</a:t>
+            </a:r>
+            <a:endParaRPr lang="en-US" dirty="0"/>
+          </a:p>
+          <a:p>
+            <a:pPr marL="0" indent="0">
+              <a:buNone/>
+              <a:tabLst>
+                <a:tab pos="396875" algn="l"/>
+              </a:tabLst>
+            </a:pPr>
+            <a:r>
+              <a:rPr lang="en-US" dirty="0" err="1"/>
+              <a:t>ds</a:t>
+            </a:r>
+            <a:r>
+              <a:rPr lang="en-US" b="1" dirty="0" err="1"/>
+              <a:t>$</a:t>
+            </a:r>
+            <a:r>
+              <a:rPr lang="en-US" dirty="0" err="1"/>
+              <a:t>RowID</a:t>
+            </a:r>
+            <a:r>
+              <a:rPr lang="en-US" dirty="0"/>
+              <a:t> </a:t>
+            </a:r>
+            <a:r>
+              <a:rPr lang="en-US" b="1" dirty="0"/>
+              <a:t>&lt;-</a:t>
+            </a:r>
+            <a:r>
+              <a:rPr lang="en-US" dirty="0"/>
+              <a:t> </a:t>
+            </a:r>
+            <a:r>
+              <a:rPr lang="en-US" dirty="0" err="1"/>
+              <a:t>as.integer</a:t>
+            </a:r>
+            <a:r>
+              <a:rPr lang="en-US" dirty="0"/>
+              <a:t>(</a:t>
+            </a:r>
+            <a:r>
+              <a:rPr lang="en-US" dirty="0" err="1"/>
+              <a:t>row.names</a:t>
+            </a:r>
+            <a:r>
+              <a:rPr lang="en-US" dirty="0"/>
+              <a:t>(ds))</a:t>
+            </a:r>
+          </a:p>
+          <a:p>
+            <a:pPr marL="0" indent="0">
+              <a:buNone/>
+              <a:tabLst>
+                <a:tab pos="396875" algn="l"/>
+              </a:tabLst>
+            </a:pPr>
+            <a:r>
+              <a:rPr lang="en-US" dirty="0" err="1"/>
+              <a:t>object.size</a:t>
+            </a:r>
+            <a:r>
+              <a:rPr lang="en-US" dirty="0"/>
+              <a:t>(ds)</a:t>
+            </a:r>
+          </a:p>
+          <a:p>
+            <a:pPr marL="0" indent="0">
+              <a:buNone/>
+              <a:tabLst>
+                <a:tab pos="396875" algn="l"/>
+              </a:tabLst>
+            </a:pPr>
+            <a:r>
+              <a:rPr lang="en-US" dirty="0"/>
+              <a:t> </a:t>
+            </a:r>
+          </a:p>
+          <a:p>
+            <a:pPr marL="0" indent="0">
+              <a:buNone/>
+              <a:tabLst>
+                <a:tab pos="396875" algn="l"/>
+              </a:tabLst>
+            </a:pPr>
+            <a:r>
+              <a:rPr lang="en-US" dirty="0" err="1"/>
+              <a:t>rm</a:t>
+            </a:r>
+            <a:r>
+              <a:rPr lang="en-US" dirty="0"/>
+              <a:t>(</a:t>
+            </a:r>
+            <a:r>
+              <a:rPr lang="en-US" dirty="0" err="1"/>
+              <a:t>redcapUri</a:t>
+            </a:r>
+            <a:r>
+              <a:rPr lang="en-US" dirty="0"/>
+              <a:t>, token, </a:t>
+            </a:r>
+            <a:r>
+              <a:rPr lang="en-US" dirty="0" err="1"/>
+              <a:t>rawCsvText</a:t>
+            </a:r>
+            <a:r>
+              <a:rPr lang="en-US" dirty="0"/>
+              <a:t>)</a:t>
+            </a:r>
+          </a:p>
+          <a:p>
+            <a:pPr marL="0" indent="0">
+              <a:buNone/>
+              <a:tabLst>
+                <a:tab pos="396875" algn="l"/>
+              </a:tabLst>
+            </a:pPr>
+            <a:endParaRPr lang="en-US" dirty="0"/>
+          </a:p>
+          <a:p>
+            <a:pPr marL="0" indent="0">
+              <a:buNone/>
+              <a:tabLst>
+                <a:tab pos="396875" algn="l"/>
+              </a:tabLst>
             </a:pPr>
             <a:endParaRPr lang="en-US" dirty="0" smtClean="0"/>
           </a:p>
@@ -4253,21 +5257,32 @@
               <a:rPr lang="en-US" dirty="0" smtClean="0"/>
               <a:t> you speak of?</a:t>
             </a:r>
+          </a:p>
+          <a:p>
+            <a:pPr marL="0" indent="0">
+              <a:buNone/>
+            </a:pPr>
             <a:endParaRPr lang="en-US" dirty="0" smtClean="0"/>
           </a:p>
           <a:p>
             <a:pPr marL="0" indent="0">
               <a:buNone/>
             </a:pPr>
-            <a:endParaRPr lang="en-US" dirty="0" smtClean="0"/>
-          </a:p>
-          <a:p>
-            <a:pPr marL="0" indent="0">
-              <a:buNone/>
-            </a:pPr>
             <a:r>
               <a:rPr lang="en-US" sz="2800" dirty="0" smtClean="0"/>
-              <a:t>It is a function similar to </a:t>
+              <a:t>Written by Will Beasley, </a:t>
+            </a:r>
+            <a:r>
+              <a:rPr lang="en-US" sz="2800" dirty="0" err="1" smtClean="0"/>
+              <a:t>REDCapr</a:t>
+            </a:r>
+            <a:r>
+              <a:rPr lang="en-US" sz="2800" dirty="0" smtClean="0"/>
+              <a:t> </a:t>
+            </a:r>
+            <a:r>
+              <a:rPr lang="en-US" sz="2800" dirty="0" smtClean="0"/>
+              <a:t>is a function similar to </a:t>
             </a:r>
             <a:r>
               <a:rPr lang="en-US" sz="2800" dirty="0" err="1" smtClean="0"/>
@@ -4316,7 +5331,6 @@
               <a:rPr lang="en-US" sz="2800" dirty="0" smtClean="0"/>
               <a:t> when returning large datasets that could tie up the server.</a:t>
             </a:r>
-            <a:endParaRPr lang="en-US" sz="2800" dirty="0" smtClean="0"/>
           </a:p>
           <a:p>
             <a:pPr marL="0" indent="0">
@@ -4530,7 +5544,6 @@
               <a:rPr lang="en-US" sz="2000" dirty="0"/>
               <a:t> = NULL)</a:t>
             </a:r>
-            <a:endParaRPr lang="en-US" sz="2000" dirty="0"/>
           </a:p>
         </p:txBody>
       </p:sp>
@@ -4775,7 +5788,11 @@
             </a:r>
             <a:r>
               <a:rPr lang="en-US" sz="2000" dirty="0" smtClean="0"/>
-              <a:t>: 	The maximum number of subject records a single batch should</a:t>
+              <a:t>:	The </a:t>
+            </a:r>
+            <a:r>
+              <a:rPr lang="en-US" sz="2000" dirty="0" smtClean="0"/>
+              <a:t>maximum number of subject records a single batch should</a:t>
             </a:r>
           </a:p>
           <a:p>
@@ -5035,7 +6052,15 @@
             </a:r>
             <a:r>
               <a:rPr lang="en-US" sz="2000" dirty="0" smtClean="0"/>
-              <a:t>:		The number of seconds the function will wait before</a:t>
+              <a:t>:	</a:t>
+            </a:r>
+            <a:r>
+              <a:rPr lang="en-US" sz="2000" dirty="0" smtClean="0"/>
+              <a:t>	The </a:t>
+            </a:r>
+            <a:r>
+              <a:rPr lang="en-US" sz="2000" dirty="0" smtClean="0"/>
+              <a:t>number of seconds the function will wait before</a:t>
             </a:r>
           </a:p>
           <a:p>
@@ -5300,7 +6325,19 @@
             </a:r>
             <a:r>
               <a:rPr lang="en-US" sz="2000" dirty="0" smtClean="0"/>
-              <a:t>:		The URI of the REDCap project.  Required.</a:t>
+              <a:t>:</a:t>
+            </a:r>
+            <a:r>
+              <a:rPr lang="en-US" sz="2000" dirty="0"/>
+              <a:t>	</a:t>
+            </a:r>
+            <a:r>
+              <a:rPr lang="en-US" sz="2000" dirty="0" smtClean="0"/>
+              <a:t>The </a:t>
+            </a:r>
+            <a:r>
+              <a:rPr lang="en-US" sz="2000" dirty="0" smtClean="0"/>
+              <a:t>URI of the REDCap project.  Required.</a:t>
             </a:r>
           </a:p>
           <a:p>
@@ -5347,7 +6384,6 @@
               <a:rPr lang="en-US" sz="1400" dirty="0"/>
               <a:t>) is a string of characters used to identify a name of a web resource. Such identification enables interaction with representations of the web resource over a network (typically the World Wide Web) using specific protocols.</a:t>
             </a:r>
-            <a:endParaRPr lang="en-US" sz="1400" dirty="0"/>
           </a:p>
         </p:txBody>
       </p:sp>
@@ -5588,20 +6624,19 @@
             </a:pPr>
             <a:r>
               <a:rPr lang="en-US" sz="2000" dirty="0" smtClean="0"/>
-              <a:t>token:			The user-specific string that serves as the password for a </a:t>
-            </a:r>
-          </a:p>
-          <a:p>
-            <a:pPr marL="0" indent="0">
-              <a:buNone/>
-            </a:pPr>
-            <a:r>
-              <a:rPr lang="en-US" sz="2000" dirty="0"/>
-              <a:t>	</a:t>
+              <a:t>token:	The </a:t>
             </a:r>
             <a:r>
               <a:rPr lang="en-US" sz="2000" dirty="0" smtClean="0"/>
-              <a:t>		project.  Required.</a:t>
+              <a:t>user-specific string that serves as the password for a </a:t>
+            </a:r>
+            <a:r>
+              <a:rPr lang="en-US" sz="2000" dirty="0" smtClean="0"/>
+              <a:t>project</a:t>
+            </a:r>
+            <a:r>
+              <a:rPr lang="en-US" sz="2000" dirty="0" smtClean="0"/>
+              <a:t>.  Required.</a:t>
             </a:r>
           </a:p>
           <a:p>
@@ -5845,20 +6880,52 @@
             </a:pPr>
             <a:r>
               <a:rPr lang="en-US" sz="2000" dirty="0" smtClean="0"/>
-              <a:t>records:			An array, where each element corresponds to the ID</a:t>
-            </a:r>
-          </a:p>
-          <a:p>
-            <a:pPr marL="0" indent="0">
-              <a:buNone/>
-            </a:pPr>
+              <a:t>records:	</a:t>
+            </a:r>
             <a:r>
               <a:rPr lang="en-US" sz="2000" dirty="0"/>
               <a:t>	</a:t>
             </a:r>
             <a:r>
               <a:rPr lang="en-US" sz="2000" dirty="0" smtClean="0"/>
-              <a:t>		of a desired record.  Optional.</a:t>
+              <a:t>An </a:t>
+            </a:r>
+            <a:r>
+              <a:rPr lang="en-US" sz="2000" dirty="0" smtClean="0"/>
+              <a:t>array, where each element corresponds to the </a:t>
+            </a:r>
+            <a:r>
+              <a:rPr lang="en-US" sz="2000" dirty="0" smtClean="0"/>
+              <a:t>ID of </a:t>
+            </a:r>
+            <a:r>
+              <a:rPr lang="en-US" sz="2000" dirty="0" smtClean="0"/>
+              <a:t>a </a:t>
+            </a:r>
+            <a:r>
+              <a:rPr lang="en-US" sz="2000" dirty="0" smtClean="0"/>
+              <a:t>desired</a:t>
+            </a:r>
+          </a:p>
+          <a:p>
+            <a:pPr marL="0" indent="0">
+              <a:buNone/>
+            </a:pPr>
+            <a:r>
+              <a:rPr lang="en-US" sz="2000" dirty="0"/>
+              <a:t>	</a:t>
+            </a:r>
+            <a:r>
+              <a:rPr lang="en-US" sz="2000" dirty="0" smtClean="0"/>
+              <a:t>	</a:t>
+            </a:r>
+            <a:r>
+              <a:rPr lang="en-US" sz="2000" dirty="0" smtClean="0"/>
+              <a:t>record</a:t>
+            </a:r>
+            <a:r>
+              <a:rPr lang="en-US" sz="2000" dirty="0" smtClean="0"/>
+              <a:t>.  Optional.</a:t>
             </a:r>
             <a:endParaRPr lang="en-US" sz="2000" dirty="0"/>
           </a:p>
@@ -6297,7 +7364,7 @@
           <p:nvPr>
             <p:extLst>
               <p:ext uri="{D42A27DB-BD31-4B8C-83A1-F6EECF244321}">
-                <p14:modId xmlns:p14="http://schemas.microsoft.com/office/powerpoint/2010/main" val="3483129204"/>
+                <p14:modId xmlns:p14="http://schemas.microsoft.com/office/powerpoint/2010/main" val="3542670464"/>
               </p:ext>
             </p:extLst>
           </p:nvPr>
@@ -6376,7 +7443,7 @@
                       </a:pPr>
                       <a:r>
                         <a:rPr lang="en-US" sz="3600" dirty="0" smtClean="0"/>
-                        <a:t>What REDCap does well</a:t>
+                        <a:t>Scenarios Favoring REDCap</a:t>
                       </a:r>
                       <a:endParaRPr lang="en-US" sz="3600" dirty="0"/>
                     </a:p>
@@ -6454,7 +7521,11 @@
                       </a:pPr>
                       <a:r>
                         <a:rPr lang="en-US" sz="3600" dirty="0" smtClean="0"/>
-                        <a:t>REDCap Data Export</a:t>
+                        <a:t>REDCap Data </a:t>
+                      </a:r>
+                      <a:r>
+                        <a:rPr lang="en-US" sz="3600" dirty="0" smtClean="0"/>
+                        <a:t>Export Options</a:t>
                       </a:r>
                       <a:endParaRPr lang="en-US" sz="3600" dirty="0" smtClean="0"/>
                     </a:p>
@@ -6538,7 +7609,11 @@
                       </a:r>
                       <a:r>
                         <a:rPr lang="en-US" sz="3600" baseline="0" dirty="0" smtClean="0"/>
-                        <a:t> via API</a:t>
+                        <a:t> </a:t>
+                      </a:r>
+                      <a:r>
+                        <a:rPr lang="en-US" sz="3600" baseline="0" dirty="0" smtClean="0"/>
+                        <a:t>API</a:t>
                       </a:r>
                       <a:endParaRPr lang="en-US" sz="3600" dirty="0" smtClean="0"/>
                     </a:p>
@@ -6646,7 +7721,6 @@
                         <a:rPr lang="en-US" sz="3600" dirty="0" smtClean="0"/>
                         <a:t> API Example</a:t>
                       </a:r>
-                      <a:endParaRPr lang="en-US" sz="3600" dirty="0" smtClean="0"/>
                     </a:p>
                   </a:txBody>
                   <a:tcPr>
@@ -6838,7 +7912,15 @@
             </a:pPr>
             <a:r>
               <a:rPr lang="en-US" sz="2000" dirty="0" smtClean="0"/>
-              <a:t>fields			An array, where each element corresponds to a desired</a:t>
+              <a:t>fields:	An </a:t>
+            </a:r>
+            <a:r>
+              <a:rPr lang="en-US" sz="2000" dirty="0" smtClean="0"/>
+              <a:t>array, where each element corresponds to a </a:t>
+            </a:r>
+            <a:r>
+              <a:rPr lang="en-US" sz="2000" dirty="0" smtClean="0"/>
+              <a:t>desired project field.</a:t>
             </a:r>
           </a:p>
           <a:p>
@@ -6851,7 +7933,11 @@
             </a:r>
             <a:r>
               <a:rPr lang="en-US" sz="2000" dirty="0" smtClean="0"/>
-              <a:t>		project field.  Optional.</a:t>
+              <a:t>Optional</a:t>
+            </a:r>
+            <a:r>
+              <a:rPr lang="en-US" sz="2000" dirty="0" smtClean="0"/>
+              <a:t>.</a:t>
             </a:r>
             <a:endParaRPr lang="en-US" sz="2000" dirty="0"/>
           </a:p>
@@ -7094,7 +8180,15 @@
             </a:r>
             <a:r>
               <a:rPr lang="en-US" sz="2000" dirty="0" smtClean="0"/>
-              <a:t>:		A single string, </a:t>
+              <a:t>:	</a:t>
+            </a:r>
+            <a:r>
+              <a:rPr lang="en-US" sz="2000" dirty="0" smtClean="0"/>
+              <a:t>A </a:t>
+            </a:r>
+            <a:r>
+              <a:rPr lang="en-US" sz="2000" dirty="0" smtClean="0"/>
+              <a:t>single string, </a:t>
             </a:r>
             <a:r>
               <a:rPr lang="en-US" sz="2000" dirty="0" err="1" smtClean="0"/>
@@ -7102,7 +8196,11 @@
             </a:r>
             <a:r>
               <a:rPr lang="en-US" sz="2000" dirty="0" smtClean="0"/>
-              <a:t> the desired field names are separated</a:t>
+              <a:t> the desired field names are </a:t>
+            </a:r>
+            <a:r>
+              <a:rPr lang="en-US" sz="2000" dirty="0" smtClean="0"/>
+              <a:t>separated by</a:t>
             </a:r>
           </a:p>
           <a:p>
@@ -7115,7 +8213,15 @@
             </a:r>
             <a:r>
               <a:rPr lang="en-US" sz="2000" dirty="0" smtClean="0"/>
-              <a:t>		by commas.  Optional.</a:t>
+              <a:t>	</a:t>
+            </a:r>
+            <a:r>
+              <a:rPr lang="en-US" sz="2000" dirty="0" smtClean="0"/>
+              <a:t>commas</a:t>
+            </a:r>
+            <a:r>
+              <a:rPr lang="en-US" sz="2000" dirty="0" smtClean="0"/>
+              <a:t>.  Optional.</a:t>
             </a:r>
             <a:endParaRPr lang="en-US" sz="2000" dirty="0"/>
           </a:p>
@@ -7921,7 +9027,11 @@
             </a:pPr>
             <a:r>
               <a:rPr lang="en-US" sz="2000" dirty="0" smtClean="0"/>
-              <a:t>verbose:		A </a:t>
+              <a:t>verbose:	</a:t>
+            </a:r>
+            <a:r>
+              <a:rPr lang="en-US" sz="2000" dirty="0" smtClean="0"/>
+              <a:t>	A </a:t>
             </a:r>
             <a:r>
               <a:rPr lang="en-US" sz="2000" dirty="0" err="1" smtClean="0"/>
@@ -8181,7 +9291,15 @@
             </a:r>
             <a:r>
               <a:rPr lang="en-US" sz="2000" dirty="0" smtClean="0"/>
-              <a:t>:	if present, this string should point to the location of cert</a:t>
+              <a:t>:	</a:t>
+            </a:r>
+            <a:r>
+              <a:rPr lang="en-US" sz="2000" dirty="0" smtClean="0"/>
+              <a:t>If </a:t>
+            </a:r>
+            <a:r>
+              <a:rPr lang="en-US" sz="2000" dirty="0" smtClean="0"/>
+              <a:t>present, this string should point to the location of cert</a:t>
             </a:r>
           </a:p>
           <a:p>
@@ -8355,7 +9473,6 @@
               <a:rPr lang="en-US" dirty="0" smtClean="0"/>
               <a:t>Details</a:t>
             </a:r>
-            <a:endParaRPr lang="en-US" dirty="0" smtClean="0"/>
           </a:p>
           <a:p>
             <a:pPr marL="0" indent="0">
@@ -8578,15 +9695,15 @@
           </a:p>
           <a:p>
             <a:r>
-              <a:rPr lang="en-US" dirty="0" smtClean="0"/>
+              <a:rPr lang="en-US" sz="2500" dirty="0" smtClean="0"/>
               <a:t>Using the </a:t>
             </a:r>
             <a:r>
-              <a:rPr lang="en-US" dirty="0" err="1" smtClean="0"/>
+              <a:rPr lang="en-US" sz="2500" dirty="0" err="1" smtClean="0"/>
               <a:t>redcap_read</a:t>
             </a:r>
             <a:r>
-              <a:rPr lang="en-US" dirty="0" smtClean="0"/>
+              <a:rPr lang="en-US" sz="2500" dirty="0" smtClean="0"/>
               <a:t>() function data can be extracted from REDCap with only one line</a:t>
             </a:r>
           </a:p>
@@ -8605,6 +9722,410 @@
     <p:extLst>
       <p:ext uri="{BB962C8B-B14F-4D97-AF65-F5344CB8AC3E}">
         <p14:creationId xmlns:p14="http://schemas.microsoft.com/office/powerpoint/2010/main" val="2857515703"/>
+      </p:ext>
+    </p:extLst>
+  </p:cSld>
+  <p:clrMapOvr>
+    <a:masterClrMapping/>
+  </p:clrMapOvr>
+  <p:timing>
+    <p:tnLst>
+      <p:par>
+        <p:cTn id="1" dur="indefinite" restart="never" nodeType="tmRoot"/>
+      </p:par>
+    </p:tnLst>
+  </p:timing>
+</p:sld>
+</file>
+
+<file path=ppt/slides/slide28.xml><?xml version="1.0" encoding="utf-8"?>
+<p:sld xmlns:a="http://schemas.openxmlformats.org/drawingml/2006/main" xmlns:r="http://schemas.openxmlformats.org/officeDocument/2006/relationships" xmlns:p="http://schemas.openxmlformats.org/presentationml/2006/main">
+  <p:cSld>
+    <p:spTree>
+      <p:nvGrpSpPr>
+        <p:cNvPr id="1" name=""/>
+        <p:cNvGrpSpPr/>
+        <p:nvPr/>
+      </p:nvGrpSpPr>
+      <p:grpSpPr>
+        <a:xfrm>
+          <a:off x="0" y="0"/>
+          <a:ext cx="0" cy="0"/>
+          <a:chOff x="0" y="0"/>
+          <a:chExt cx="0" cy="0"/>
+        </a:xfrm>
+      </p:grpSpPr>
+      <p:sp>
+        <p:nvSpPr>
+          <p:cNvPr id="2" name="Title 1"/>
+          <p:cNvSpPr>
+            <a:spLocks noGrp="1"/>
+          </p:cNvSpPr>
+          <p:nvPr>
+            <p:ph type="title"/>
+          </p:nvPr>
+        </p:nvSpPr>
+        <p:spPr>
+          <a:xfrm>
+            <a:off x="76200" y="76200"/>
+            <a:ext cx="8991600" cy="762000"/>
+          </a:xfrm>
+          <a:solidFill>
+            <a:srgbClr val="66C2A5"/>
+          </a:solidFill>
+        </p:spPr>
+        <p:txBody>
+          <a:bodyPr>
+            <a:normAutofit fontScale="90000"/>
+          </a:bodyPr>
+          <a:lstStyle/>
+          <a:p>
+            <a:pPr marL="0" indent="0"/>
+            <a:r>
+              <a:rPr lang="en-US" sz="4900" dirty="0" err="1" smtClean="0"/>
+              <a:t>REDCapR</a:t>
+            </a:r>
+            <a:r>
+              <a:rPr lang="en-US" sz="4900" dirty="0" smtClean="0"/>
+              <a:t> API Example</a:t>
+            </a:r>
+            <a:endParaRPr lang="en-US" dirty="0"/>
+          </a:p>
+        </p:txBody>
+      </p:sp>
+      <p:sp>
+        <p:nvSpPr>
+          <p:cNvPr id="3" name="Content Placeholder 2"/>
+          <p:cNvSpPr>
+            <a:spLocks noGrp="1"/>
+          </p:cNvSpPr>
+          <p:nvPr>
+            <p:ph idx="1"/>
+          </p:nvPr>
+        </p:nvSpPr>
+        <p:spPr>
+          <a:xfrm>
+            <a:off x="0" y="838200"/>
+            <a:ext cx="9144000" cy="6019800"/>
+          </a:xfrm>
+        </p:spPr>
+        <p:txBody>
+          <a:bodyPr>
+            <a:normAutofit/>
+          </a:bodyPr>
+          <a:lstStyle/>
+          <a:p>
+            <a:pPr marL="0" indent="0">
+              <a:buNone/>
+            </a:pPr>
+            <a:endParaRPr lang="en-US" dirty="0" smtClean="0"/>
+          </a:p>
+          <a:p>
+            <a:pPr marL="0" indent="0">
+              <a:buNone/>
+            </a:pPr>
+            <a:r>
+              <a:rPr lang="en-US" dirty="0" smtClean="0"/>
+              <a:t>Simple </a:t>
+            </a:r>
+            <a:r>
+              <a:rPr lang="en-US" dirty="0" err="1" smtClean="0"/>
+              <a:t>REDCapR</a:t>
+            </a:r>
+            <a:r>
+              <a:rPr lang="en-US" dirty="0" smtClean="0"/>
+              <a:t> example using the default settings.</a:t>
+            </a:r>
+          </a:p>
+          <a:p>
+            <a:pPr marL="0" indent="0">
+              <a:buNone/>
+            </a:pPr>
+            <a:endParaRPr lang="en-US" dirty="0" smtClean="0"/>
+          </a:p>
+          <a:p>
+            <a:pPr marL="0" indent="0">
+              <a:buNone/>
+            </a:pPr>
+            <a:r>
+              <a:rPr lang="en-US" dirty="0"/>
+              <a:t>ds &lt;- </a:t>
+            </a:r>
+            <a:r>
+              <a:rPr lang="en-US" dirty="0" err="1"/>
+              <a:t>redcap_read</a:t>
+            </a:r>
+            <a:r>
+              <a:rPr lang="en-US" dirty="0"/>
+              <a:t>(</a:t>
+            </a:r>
+            <a:r>
+              <a:rPr lang="en-US" dirty="0" err="1"/>
+              <a:t>redcap_uri</a:t>
+            </a:r>
+            <a:r>
+              <a:rPr lang="en-US" dirty="0"/>
+              <a:t>=</a:t>
+            </a:r>
+            <a:r>
+              <a:rPr lang="en-US" dirty="0" err="1"/>
+              <a:t>uri</a:t>
+            </a:r>
+            <a:r>
+              <a:rPr lang="en-US" dirty="0"/>
+              <a:t>, token=token)$</a:t>
+            </a:r>
+            <a:r>
+              <a:rPr lang="en-US" dirty="0" smtClean="0"/>
+              <a:t>data</a:t>
+            </a:r>
+          </a:p>
+          <a:p>
+            <a:pPr marL="0" indent="0">
+              <a:buNone/>
+            </a:pPr>
+            <a:endParaRPr lang="en-US" dirty="0"/>
+          </a:p>
+          <a:p>
+            <a:pPr marL="0" indent="0">
+              <a:buNone/>
+            </a:pPr>
+            <a:r>
+              <a:rPr lang="en-US" dirty="0" smtClean="0"/>
+              <a:t>User must supply the two required parameters: </a:t>
+            </a:r>
+          </a:p>
+          <a:p>
+            <a:pPr marL="0" indent="0">
+              <a:buNone/>
+            </a:pPr>
+            <a:r>
+              <a:rPr lang="en-US" dirty="0" err="1" smtClean="0"/>
+              <a:t>uri</a:t>
+            </a:r>
+            <a:r>
+              <a:rPr lang="en-US" dirty="0" smtClean="0"/>
+              <a:t> and token</a:t>
+            </a:r>
+            <a:endParaRPr lang="en-US" dirty="0"/>
+          </a:p>
+          <a:p>
+            <a:pPr marL="0" indent="0">
+              <a:buNone/>
+            </a:pPr>
+            <a:endParaRPr lang="en-US" dirty="0"/>
+          </a:p>
+        </p:txBody>
+      </p:sp>
+    </p:spTree>
+    <p:extLst>
+      <p:ext uri="{BB962C8B-B14F-4D97-AF65-F5344CB8AC3E}">
+        <p14:creationId xmlns:p14="http://schemas.microsoft.com/office/powerpoint/2010/main" val="3385533368"/>
+      </p:ext>
+    </p:extLst>
+  </p:cSld>
+  <p:clrMapOvr>
+    <a:masterClrMapping/>
+  </p:clrMapOvr>
+  <p:timing>
+    <p:tnLst>
+      <p:par>
+        <p:cTn id="1" dur="indefinite" restart="never" nodeType="tmRoot"/>
+      </p:par>
+    </p:tnLst>
+  </p:timing>
+</p:sld>
+</file>
+
+<file path=ppt/slides/slide29.xml><?xml version="1.0" encoding="utf-8"?>
+<p:sld xmlns:a="http://schemas.openxmlformats.org/drawingml/2006/main" xmlns:r="http://schemas.openxmlformats.org/officeDocument/2006/relationships" xmlns:p="http://schemas.openxmlformats.org/presentationml/2006/main">
+  <p:cSld>
+    <p:spTree>
+      <p:nvGrpSpPr>
+        <p:cNvPr id="1" name=""/>
+        <p:cNvGrpSpPr/>
+        <p:nvPr/>
+      </p:nvGrpSpPr>
+      <p:grpSpPr>
+        <a:xfrm>
+          <a:off x="0" y="0"/>
+          <a:ext cx="0" cy="0"/>
+          <a:chOff x="0" y="0"/>
+          <a:chExt cx="0" cy="0"/>
+        </a:xfrm>
+      </p:grpSpPr>
+      <p:sp>
+        <p:nvSpPr>
+          <p:cNvPr id="2" name="Title 1"/>
+          <p:cNvSpPr>
+            <a:spLocks noGrp="1"/>
+          </p:cNvSpPr>
+          <p:nvPr>
+            <p:ph type="title"/>
+          </p:nvPr>
+        </p:nvSpPr>
+        <p:spPr>
+          <a:xfrm>
+            <a:off x="76200" y="76200"/>
+            <a:ext cx="8991600" cy="762000"/>
+          </a:xfrm>
+          <a:solidFill>
+            <a:srgbClr val="66C2A5"/>
+          </a:solidFill>
+        </p:spPr>
+        <p:txBody>
+          <a:bodyPr>
+            <a:normAutofit fontScale="90000"/>
+          </a:bodyPr>
+          <a:lstStyle/>
+          <a:p>
+            <a:pPr marL="0" indent="0"/>
+            <a:r>
+              <a:rPr lang="en-US" sz="4900" dirty="0" err="1" smtClean="0"/>
+              <a:t>REDCapR</a:t>
+            </a:r>
+            <a:r>
+              <a:rPr lang="en-US" sz="4900" dirty="0" smtClean="0"/>
+              <a:t> API Example</a:t>
+            </a:r>
+            <a:endParaRPr lang="en-US" dirty="0"/>
+          </a:p>
+        </p:txBody>
+      </p:sp>
+      <p:sp>
+        <p:nvSpPr>
+          <p:cNvPr id="3" name="Content Placeholder 2"/>
+          <p:cNvSpPr>
+            <a:spLocks noGrp="1"/>
+          </p:cNvSpPr>
+          <p:nvPr>
+            <p:ph idx="1"/>
+          </p:nvPr>
+        </p:nvSpPr>
+        <p:spPr>
+          <a:xfrm>
+            <a:off x="0" y="838200"/>
+            <a:ext cx="9144000" cy="6019800"/>
+          </a:xfrm>
+        </p:spPr>
+        <p:txBody>
+          <a:bodyPr>
+            <a:normAutofit/>
+          </a:bodyPr>
+          <a:lstStyle/>
+          <a:p>
+            <a:pPr marL="0" indent="0">
+              <a:buNone/>
+            </a:pPr>
+            <a:endParaRPr lang="en-US" dirty="0" smtClean="0"/>
+          </a:p>
+          <a:p>
+            <a:pPr marL="0" indent="0">
+              <a:buNone/>
+            </a:pPr>
+            <a:r>
+              <a:rPr lang="en-US" dirty="0" err="1" smtClean="0"/>
+              <a:t>REDCapR</a:t>
+            </a:r>
+            <a:r>
+              <a:rPr lang="en-US" dirty="0" smtClean="0"/>
+              <a:t> example returning only records with IDs of 1 and 4.</a:t>
+            </a:r>
+          </a:p>
+          <a:p>
+            <a:pPr marL="0" indent="0">
+              <a:buNone/>
+            </a:pPr>
+            <a:endParaRPr lang="en-US" dirty="0" smtClean="0"/>
+          </a:p>
+          <a:p>
+            <a:pPr marL="0" indent="0">
+              <a:buNone/>
+            </a:pPr>
+            <a:r>
+              <a:rPr lang="en-US" dirty="0" err="1" smtClean="0">
+                <a:solidFill>
+                  <a:srgbClr val="FF0000"/>
+                </a:solidFill>
+              </a:rPr>
+              <a:t>desired_records</a:t>
+            </a:r>
+            <a:r>
+              <a:rPr lang="en-US" dirty="0" smtClean="0"/>
+              <a:t> </a:t>
+            </a:r>
+            <a:r>
+              <a:rPr lang="en-US" dirty="0"/>
+              <a:t>&lt;- c(1, 4) </a:t>
+            </a:r>
+            <a:endParaRPr lang="en-US" dirty="0" smtClean="0"/>
+          </a:p>
+          <a:p>
+            <a:pPr marL="0" indent="0">
+              <a:buNone/>
+            </a:pPr>
+            <a:endParaRPr lang="en-US" dirty="0"/>
+          </a:p>
+          <a:p>
+            <a:pPr marL="0" indent="0">
+              <a:buNone/>
+            </a:pPr>
+            <a:r>
+              <a:rPr lang="en-US" dirty="0" err="1" smtClean="0"/>
+              <a:t>ds_some_rows</a:t>
+            </a:r>
+            <a:r>
+              <a:rPr lang="en-US" dirty="0" smtClean="0"/>
+              <a:t> </a:t>
+            </a:r>
+            <a:r>
+              <a:rPr lang="en-US" dirty="0"/>
+              <a:t>&lt;- </a:t>
+            </a:r>
+            <a:r>
+              <a:rPr lang="en-US" dirty="0" err="1"/>
+              <a:t>redcap_read</a:t>
+            </a:r>
+            <a:r>
+              <a:rPr lang="en-US" dirty="0"/>
+              <a:t>( </a:t>
+            </a:r>
+            <a:r>
+              <a:rPr lang="en-US" dirty="0" err="1"/>
+              <a:t>redcap_uri</a:t>
+            </a:r>
+            <a:r>
+              <a:rPr lang="en-US" dirty="0"/>
+              <a:t> = </a:t>
+            </a:r>
+            <a:r>
+              <a:rPr lang="en-US" dirty="0" err="1"/>
+              <a:t>uri</a:t>
+            </a:r>
+            <a:r>
+              <a:rPr lang="en-US" dirty="0"/>
+              <a:t>, token = token, records = </a:t>
+            </a:r>
+            <a:r>
+              <a:rPr lang="en-US" dirty="0" err="1">
+                <a:solidFill>
+                  <a:srgbClr val="FF0000"/>
+                </a:solidFill>
+              </a:rPr>
+              <a:t>desired_records</a:t>
+            </a:r>
+            <a:r>
+              <a:rPr lang="en-US" dirty="0"/>
+              <a:t> )$data</a:t>
+            </a:r>
+            <a:endParaRPr lang="en-US" dirty="0"/>
+          </a:p>
+        </p:txBody>
+      </p:sp>
+    </p:spTree>
+    <p:extLst>
+      <p:ext uri="{BB962C8B-B14F-4D97-AF65-F5344CB8AC3E}">
+        <p14:creationId xmlns:p14="http://schemas.microsoft.com/office/powerpoint/2010/main" val="881080005"/>
       </p:ext>
     </p:extLst>
   </p:cSld>
@@ -8843,6 +10364,237 @@
     <p:extLst>
       <p:ext uri="{BB962C8B-B14F-4D97-AF65-F5344CB8AC3E}">
         <p14:creationId xmlns:p14="http://schemas.microsoft.com/office/powerpoint/2010/main" val="1852750618"/>
+      </p:ext>
+    </p:extLst>
+  </p:cSld>
+  <p:clrMapOvr>
+    <a:masterClrMapping/>
+  </p:clrMapOvr>
+  <p:timing>
+    <p:tnLst>
+      <p:par>
+        <p:cTn id="1" dur="indefinite" restart="never" nodeType="tmRoot"/>
+      </p:par>
+    </p:tnLst>
+  </p:timing>
+</p:sld>
+</file>
+
+<file path=ppt/slides/slide30.xml><?xml version="1.0" encoding="utf-8"?>
+<p:sld xmlns:a="http://schemas.openxmlformats.org/drawingml/2006/main" xmlns:r="http://schemas.openxmlformats.org/officeDocument/2006/relationships" xmlns:p="http://schemas.openxmlformats.org/presentationml/2006/main">
+  <p:cSld>
+    <p:spTree>
+      <p:nvGrpSpPr>
+        <p:cNvPr id="1" name=""/>
+        <p:cNvGrpSpPr/>
+        <p:nvPr/>
+      </p:nvGrpSpPr>
+      <p:grpSpPr>
+        <a:xfrm>
+          <a:off x="0" y="0"/>
+          <a:ext cx="0" cy="0"/>
+          <a:chOff x="0" y="0"/>
+          <a:chExt cx="0" cy="0"/>
+        </a:xfrm>
+      </p:grpSpPr>
+      <p:sp>
+        <p:nvSpPr>
+          <p:cNvPr id="2" name="Title 1"/>
+          <p:cNvSpPr>
+            <a:spLocks noGrp="1"/>
+          </p:cNvSpPr>
+          <p:nvPr>
+            <p:ph type="title"/>
+          </p:nvPr>
+        </p:nvSpPr>
+        <p:spPr>
+          <a:xfrm>
+            <a:off x="76200" y="76200"/>
+            <a:ext cx="8991600" cy="762000"/>
+          </a:xfrm>
+          <a:solidFill>
+            <a:srgbClr val="66C2A5"/>
+          </a:solidFill>
+        </p:spPr>
+        <p:txBody>
+          <a:bodyPr>
+            <a:normAutofit fontScale="90000"/>
+          </a:bodyPr>
+          <a:lstStyle/>
+          <a:p>
+            <a:pPr marL="0" indent="0"/>
+            <a:r>
+              <a:rPr lang="en-US" sz="4900" dirty="0" err="1" smtClean="0"/>
+              <a:t>REDCapR</a:t>
+            </a:r>
+            <a:r>
+              <a:rPr lang="en-US" sz="4900" dirty="0" smtClean="0"/>
+              <a:t> API Example</a:t>
+            </a:r>
+            <a:endParaRPr lang="en-US" dirty="0"/>
+          </a:p>
+        </p:txBody>
+      </p:sp>
+      <p:sp>
+        <p:nvSpPr>
+          <p:cNvPr id="3" name="Content Placeholder 2"/>
+          <p:cNvSpPr>
+            <a:spLocks noGrp="1"/>
+          </p:cNvSpPr>
+          <p:nvPr>
+            <p:ph idx="1"/>
+          </p:nvPr>
+        </p:nvSpPr>
+        <p:spPr>
+          <a:xfrm>
+            <a:off x="0" y="838200"/>
+            <a:ext cx="9144000" cy="6019800"/>
+          </a:xfrm>
+        </p:spPr>
+        <p:txBody>
+          <a:bodyPr>
+            <a:normAutofit/>
+          </a:bodyPr>
+          <a:lstStyle/>
+          <a:p>
+            <a:pPr marL="0" indent="0">
+              <a:buNone/>
+            </a:pPr>
+            <a:endParaRPr lang="en-US" dirty="0" smtClean="0"/>
+          </a:p>
+          <a:p>
+            <a:pPr marL="0" indent="0">
+              <a:buNone/>
+            </a:pPr>
+            <a:r>
+              <a:rPr lang="en-US" dirty="0" err="1" smtClean="0"/>
+              <a:t>REDCapR</a:t>
+            </a:r>
+            <a:r>
+              <a:rPr lang="en-US" dirty="0" smtClean="0"/>
+              <a:t> example returning only the fields </a:t>
+            </a:r>
+            <a:r>
+              <a:rPr lang="en-US" dirty="0" err="1" smtClean="0"/>
+              <a:t>recordid</a:t>
+            </a:r>
+            <a:r>
+              <a:rPr lang="en-US" dirty="0" smtClean="0"/>
+              <a:t>, </a:t>
+            </a:r>
+            <a:r>
+              <a:rPr lang="en-US" dirty="0" err="1" smtClean="0"/>
+              <a:t>first_name</a:t>
+            </a:r>
+            <a:r>
+              <a:rPr lang="en-US" dirty="0" smtClean="0"/>
+              <a:t>, and age.</a:t>
+            </a:r>
+          </a:p>
+          <a:p>
+            <a:pPr marL="0" indent="0">
+              <a:buNone/>
+            </a:pPr>
+            <a:endParaRPr lang="en-US" dirty="0" smtClean="0"/>
+          </a:p>
+          <a:p>
+            <a:pPr marL="0" indent="0">
+              <a:buNone/>
+            </a:pPr>
+            <a:r>
+              <a:rPr lang="en-US" dirty="0" err="1" smtClean="0">
+                <a:solidFill>
+                  <a:srgbClr val="FF0000"/>
+                </a:solidFill>
+              </a:rPr>
+              <a:t>desired_fields</a:t>
+            </a:r>
+            <a:r>
+              <a:rPr lang="en-US" dirty="0" smtClean="0"/>
+              <a:t> </a:t>
+            </a:r>
+            <a:r>
+              <a:rPr lang="en-US" dirty="0"/>
+              <a:t>&lt;- c("</a:t>
+            </a:r>
+            <a:r>
+              <a:rPr lang="en-US" dirty="0" err="1"/>
+              <a:t>recordid</a:t>
+            </a:r>
+            <a:r>
+              <a:rPr lang="en-US" dirty="0"/>
+              <a:t>", "</a:t>
+            </a:r>
+            <a:r>
+              <a:rPr lang="en-US" dirty="0" err="1"/>
+              <a:t>first_name</a:t>
+            </a:r>
+            <a:r>
+              <a:rPr lang="en-US" dirty="0"/>
+              <a:t>", "age") </a:t>
+            </a:r>
+            <a:endParaRPr lang="en-US" dirty="0" smtClean="0"/>
+          </a:p>
+          <a:p>
+            <a:pPr marL="0" indent="0">
+              <a:buNone/>
+            </a:pPr>
+            <a:r>
+              <a:rPr lang="en-US" dirty="0" err="1" smtClean="0"/>
+              <a:t>ds_some_fields</a:t>
+            </a:r>
+            <a:r>
+              <a:rPr lang="en-US" dirty="0" smtClean="0"/>
+              <a:t> </a:t>
+            </a:r>
+            <a:r>
+              <a:rPr lang="en-US" dirty="0"/>
+              <a:t>&lt;- </a:t>
+            </a:r>
+            <a:r>
+              <a:rPr lang="en-US" dirty="0" err="1"/>
+              <a:t>redcap_read</a:t>
+            </a:r>
+            <a:r>
+              <a:rPr lang="en-US" dirty="0"/>
+              <a:t>( </a:t>
+            </a:r>
+            <a:r>
+              <a:rPr lang="en-US" dirty="0" err="1"/>
+              <a:t>redcap_uri</a:t>
+            </a:r>
+            <a:r>
+              <a:rPr lang="en-US" dirty="0"/>
+              <a:t> = </a:t>
+            </a:r>
+            <a:r>
+              <a:rPr lang="en-US" dirty="0" err="1"/>
+              <a:t>uri</a:t>
+            </a:r>
+            <a:r>
+              <a:rPr lang="en-US" dirty="0"/>
+              <a:t>, token = token, fields = </a:t>
+            </a:r>
+            <a:r>
+              <a:rPr lang="en-US" dirty="0" err="1">
+                <a:solidFill>
+                  <a:srgbClr val="FF0000"/>
+                </a:solidFill>
+              </a:rPr>
+              <a:t>desired_fields</a:t>
+            </a:r>
+            <a:r>
+              <a:rPr lang="en-US" dirty="0"/>
+              <a:t> )$data</a:t>
+            </a:r>
+            <a:endParaRPr lang="en-US" dirty="0"/>
+          </a:p>
+        </p:txBody>
+      </p:sp>
+    </p:spTree>
+    <p:extLst>
+      <p:ext uri="{BB962C8B-B14F-4D97-AF65-F5344CB8AC3E}">
+        <p14:creationId xmlns:p14="http://schemas.microsoft.com/office/powerpoint/2010/main" val="3366213118"/>
       </p:ext>
     </p:extLst>
   </p:cSld>
@@ -9301,11 +11053,7 @@
           <a:p>
             <a:r>
               <a:rPr lang="en-US" dirty="0" smtClean="0"/>
-              <a:t>There </a:t>
-            </a:r>
-            <a:r>
-              <a:rPr lang="en-US" dirty="0" smtClean="0"/>
-              <a:t>are lots of dimensions and trade-offs when designing </a:t>
+              <a:t>There are lots of dimensions and trade-offs when designing </a:t>
             </a:r>
             <a:r>
               <a:rPr lang="en-US" dirty="0"/>
@@ -9334,11 +11082,7 @@
           <a:p>
             <a:r>
               <a:rPr lang="en-US" dirty="0" smtClean="0"/>
-              <a:t>Candidate </a:t>
-            </a:r>
-            <a:r>
-              <a:rPr lang="en-US" dirty="0" smtClean="0"/>
-              <a:t>for replacing Access, Survey Monkey, Excel</a:t>
+              <a:t>Candidate for replacing Access, Survey Monkey, Excel</a:t>
             </a:r>
             <a:r>
               <a:rPr lang="en-US" dirty="0" smtClean="0"/>
@@ -9349,11 +11093,33 @@
             <a:pPr marL="0" indent="0">
               <a:buNone/>
             </a:pPr>
-            <a:r>
-              <a:rPr lang="en-US" b="1" dirty="0" smtClean="0"/>
-              <a:t>REDCap is a good choice for data collection and management.</a:t>
-            </a:r>
-            <a:endParaRPr lang="en-US" b="1" dirty="0"/>
+            <a:endParaRPr lang="en-US" dirty="0" smtClean="0"/>
+          </a:p>
+          <a:p>
+            <a:pPr marL="0" indent="0" algn="ctr">
+              <a:buNone/>
+            </a:pPr>
+            <a:r>
+              <a:rPr lang="en-US" sz="2400" dirty="0" smtClean="0"/>
+              <a:t>REDCap is a good choice for </a:t>
+            </a:r>
+            <a:r>
+              <a:rPr lang="en-US" sz="2400" b="1" i="1" dirty="0" smtClean="0"/>
+              <a:t>data collection </a:t>
+            </a:r>
+            <a:r>
+              <a:rPr lang="en-US" sz="2400" dirty="0" smtClean="0"/>
+              <a:t>and </a:t>
+            </a:r>
+            <a:r>
+              <a:rPr lang="en-US" sz="2400" b="1" i="1" dirty="0" smtClean="0"/>
+              <a:t>management</a:t>
+            </a:r>
+            <a:r>
+              <a:rPr lang="en-US" sz="2400" dirty="0" smtClean="0"/>
+              <a:t>.</a:t>
+            </a:r>
+            <a:endParaRPr lang="en-US" sz="2400" dirty="0"/>
           </a:p>
         </p:txBody>
       </p:sp>
@@ -9455,23 +11221,44 @@
           </a:bodyPr>
           <a:lstStyle/>
           <a:p>
-            <a:pPr marL="0" indent="0">
-              <a:buNone/>
-            </a:pPr>
             <a:r>
               <a:rPr lang="en-US" dirty="0" smtClean="0"/>
-              <a:t>REDCap was designed for data collection </a:t>
-            </a:r>
-            <a:r>
-              <a:rPr lang="en-US" smtClean="0"/>
-              <a:t>and management.  </a:t>
-            </a:r>
-            <a:endParaRPr lang="en-US" dirty="0" smtClean="0"/>
-          </a:p>
-          <a:p>
-            <a:pPr marL="457200" lvl="1" indent="0">
-              <a:buNone/>
-            </a:pPr>
+              <a:t>Designed </a:t>
+            </a:r>
+            <a:r>
+              <a:rPr lang="en-US" dirty="0" smtClean="0"/>
+              <a:t>for data collection </a:t>
+            </a:r>
+            <a:r>
+              <a:rPr lang="en-US" dirty="0" smtClean="0"/>
+              <a:t>and management</a:t>
+            </a:r>
+          </a:p>
+          <a:p>
+            <a:r>
+              <a:rPr lang="en-US" dirty="0" smtClean="0"/>
+              <a:t>Has very limited reporting capabilities</a:t>
+            </a:r>
+          </a:p>
+          <a:p>
+            <a:r>
+              <a:rPr lang="en-US" dirty="0" smtClean="0"/>
+              <a:t>Analytic capabilities are limited to </a:t>
+            </a:r>
+            <a:r>
+              <a:rPr lang="en-US" dirty="0" err="1" smtClean="0"/>
+              <a:t>univariate</a:t>
+            </a:r>
+            <a:r>
+              <a:rPr lang="en-US" dirty="0" smtClean="0"/>
+              <a:t> summary statistics and plots</a:t>
+            </a:r>
+          </a:p>
+          <a:p>
+            <a:r>
+              <a:rPr lang="en-US" dirty="0" smtClean="0"/>
+              <a:t>For more sophisticated reports and analysis REDCap data must be exported</a:t>
+            </a:r>
             <a:endParaRPr lang="en-US" sz="2200" b="1" dirty="0"/>
           </a:p>
         </p:txBody>
@@ -9540,7 +11327,11 @@
           <a:p>
             <a:r>
               <a:rPr lang="en-US" dirty="0" smtClean="0"/>
-              <a:t>REDCap Data Export</a:t>
+              <a:t>REDCap Data </a:t>
+            </a:r>
+            <a:r>
+              <a:rPr lang="en-US" dirty="0" smtClean="0"/>
+              <a:t>Export Options</a:t>
             </a:r>
             <a:endParaRPr lang="en-US" dirty="0"/>
           </a:p>
@@ -9578,14 +11369,22 @@
             <a:pPr marL="800100" lvl="3" indent="-342900"/>
             <a:r>
               <a:rPr lang="en-US" dirty="0" smtClean="0"/>
-              <a:t>The data export tool</a:t>
+              <a:t>The data export </a:t>
+            </a:r>
+            <a:r>
+              <a:rPr lang="en-US" dirty="0" smtClean="0"/>
+              <a:t>tool</a:t>
             </a:r>
           </a:p>
           <a:p>
             <a:pPr marL="800100" lvl="3" indent="-342900"/>
             <a:r>
               <a:rPr lang="en-US" dirty="0" smtClean="0"/>
-              <a:t>Application Programming Interface (API)</a:t>
+              <a:t>Application </a:t>
+            </a:r>
+            <a:r>
+              <a:rPr lang="en-US" dirty="0" smtClean="0"/>
+              <a:t>Programming Interface (API)</a:t>
             </a:r>
           </a:p>
           <a:p>
@@ -9700,7 +11499,7 @@
               <a:buChar char="•"/>
             </a:pPr>
             <a:r>
-              <a:rPr lang="en-US" dirty="0" smtClean="0"/>
+              <a:rPr lang="en-US" sz="2500" dirty="0" smtClean="0"/>
               <a:t>Clickable interface embedded in each project</a:t>
             </a:r>
           </a:p>
@@ -9710,7 +11509,7 @@
               <a:buChar char="•"/>
             </a:pPr>
             <a:r>
-              <a:rPr lang="en-US" dirty="0" smtClean="0"/>
+              <a:rPr lang="en-US" sz="2500" dirty="0" smtClean="0"/>
               <a:t>Project specific</a:t>
             </a:r>
           </a:p>
@@ -9720,7 +11519,7 @@
               <a:buChar char="•"/>
             </a:pPr>
             <a:r>
-              <a:rPr lang="en-US" dirty="0" smtClean="0"/>
+              <a:rPr lang="en-US" sz="2500" dirty="0" smtClean="0"/>
               <a:t>Exports data in five formats (Excel .csv, SPSS, SAS, R, and STATA)</a:t>
             </a:r>
           </a:p>
@@ -9730,28 +11529,32 @@
               <a:buChar char="•"/>
             </a:pPr>
             <a:r>
-              <a:rPr lang="en-US" dirty="0" smtClean="0"/>
+              <a:rPr lang="en-US" sz="2500" dirty="0" smtClean="0"/>
               <a:t>Two options using the data export tool</a:t>
             </a:r>
           </a:p>
           <a:p>
             <a:pPr marL="800100" lvl="4" indent="-342900">
               <a:buFont typeface="Arial" panose="020B0604020202020204" pitchFamily="34" charset="0"/>
-              <a:buChar char="•"/>
-            </a:pPr>
-            <a:r>
-              <a:rPr lang="en-US" dirty="0" smtClean="0"/>
+              <a:buChar char="–"/>
+            </a:pPr>
+            <a:r>
+              <a:rPr lang="en-US" sz="2200" dirty="0" smtClean="0"/>
               <a:t>Simple Data Export: exports entire data set with one click</a:t>
             </a:r>
           </a:p>
           <a:p>
             <a:pPr marL="800100" lvl="4" indent="-342900">
               <a:buFont typeface="Arial" panose="020B0604020202020204" pitchFamily="34" charset="0"/>
-              <a:buChar char="•"/>
-            </a:pPr>
-            <a:r>
-              <a:rPr lang="en-US" dirty="0" smtClean="0"/>
-              <a:t>Advanced Data Export: users choose which fields to export and have de-identification options</a:t>
+              <a:buChar char="–"/>
+            </a:pPr>
+            <a:r>
+              <a:rPr lang="en-US" sz="2200" dirty="0" smtClean="0"/>
+              <a:t>Advanced </a:t>
+            </a:r>
+            <a:r>
+              <a:rPr lang="en-US" sz="2200" dirty="0" smtClean="0"/>
+              <a:t>Data Export: users choose which fields to export and have de-identification options</a:t>
             </a:r>
           </a:p>
           <a:p>
@@ -9760,10 +11563,9 @@
               <a:buChar char="•"/>
             </a:pPr>
             <a:r>
-              <a:rPr lang="en-US" dirty="0" smtClean="0"/>
+              <a:rPr lang="en-US" sz="2500" dirty="0" smtClean="0"/>
               <a:t>Manual interaction with REDCap to retrieve data</a:t>
             </a:r>
-            <a:endParaRPr lang="en-US" dirty="0" smtClean="0"/>
           </a:p>
           <a:p>
             <a:pPr marL="342900" lvl="3" indent="-342900">
@@ -9771,6 +11573,66 @@
               <a:buChar char="•"/>
             </a:pPr>
             <a:endParaRPr lang="en-US" dirty="0" smtClean="0"/>
+          </a:p>
+        </p:txBody>
+      </p:sp>
+      <p:pic>
+        <p:nvPicPr>
+          <p:cNvPr id="4" name="Picture 3"/>
+          <p:cNvPicPr>
+            <a:picLocks noChangeAspect="1"/>
+          </p:cNvPicPr>
+          <p:nvPr/>
+        </p:nvPicPr>
+        <p:blipFill>
+          <a:blip r:embed="rId2" cstate="print">
+            <a:extLst>
+              <a:ext uri="{28A0092B-C50C-407E-A947-70E740481C1C}">
+                <a14:useLocalDpi xmlns:a14="http://schemas.microsoft.com/office/drawing/2010/main" val="0"/>
+              </a:ext>
+            </a:extLst>
+          </a:blip>
+          <a:stretch>
+            <a:fillRect/>
+          </a:stretch>
+        </p:blipFill>
+        <p:spPr>
+          <a:xfrm>
+            <a:off x="6553200" y="3962400"/>
+            <a:ext cx="2165863" cy="2710354"/>
+          </a:xfrm>
+          <a:prstGeom prst="rect">
+            <a:avLst/>
+          </a:prstGeom>
+        </p:spPr>
+      </p:pic>
+      <p:sp>
+        <p:nvSpPr>
+          <p:cNvPr id="5" name="TextBox 4"/>
+          <p:cNvSpPr txBox="1"/>
+          <p:nvPr/>
+        </p:nvSpPr>
+        <p:spPr>
+          <a:xfrm>
+            <a:off x="6386896" y="3505200"/>
+            <a:ext cx="2498469" cy="369332"/>
+          </a:xfrm>
+          <a:prstGeom prst="rect">
+            <a:avLst/>
+          </a:prstGeom>
+          <a:noFill/>
+        </p:spPr>
+        <p:txBody>
+          <a:bodyPr wrap="square" rtlCol="0">
+            <a:spAutoFit/>
+          </a:bodyPr>
+          <a:lstStyle/>
+          <a:p>
+            <a:r>
+              <a:rPr lang="en-US" dirty="0" smtClean="0"/>
+              <a:t>Available export formats</a:t>
+            </a:r>
+            <a:endParaRPr lang="en-US" dirty="0"/>
           </a:p>
         </p:txBody>
       </p:sp>
@@ -10015,26 +11877,34 @@
             <a:endParaRPr lang="en-US" sz="2200" dirty="0" smtClean="0"/>
           </a:p>
           <a:p>
-            <a:pPr marL="342900" lvl="3" indent="-342900"/>
+            <a:pPr marL="342900" lvl="3" indent="-342900">
+              <a:buFont typeface="Arial" panose="020B0604020202020204" pitchFamily="34" charset="0"/>
+              <a:buChar char="•"/>
+            </a:pPr>
             <a:r>
               <a:rPr lang="en-US" sz="2200" dirty="0" smtClean="0"/>
               <a:t>Negatives</a:t>
             </a:r>
           </a:p>
           <a:p>
-            <a:pPr marL="800100" lvl="4" indent="-342900"/>
+            <a:pPr marL="800100" lvl="4" indent="-342900">
+              <a:buFont typeface="Arial" panose="020B0604020202020204" pitchFamily="34" charset="0"/>
+              <a:buChar char="–"/>
+            </a:pPr>
             <a:r>
               <a:rPr lang="en-US" sz="2200" dirty="0" smtClean="0"/>
               <a:t>Manual Process to create file</a:t>
             </a:r>
           </a:p>
           <a:p>
-            <a:pPr marL="800100" lvl="4" indent="-342900"/>
+            <a:pPr marL="800100" lvl="4" indent="-342900">
+              <a:buFont typeface="Arial" panose="020B0604020202020204" pitchFamily="34" charset="0"/>
+              <a:buChar char="–"/>
+            </a:pPr>
             <a:r>
               <a:rPr lang="en-US" sz="2200" dirty="0" smtClean="0"/>
               <a:t>Potentially exposes the location(s) of study data</a:t>
             </a:r>
-            <a:endParaRPr lang="en-US" sz="2200" dirty="0" smtClean="0"/>
           </a:p>
           <a:p>
             <a:pPr marL="0" lvl="3" indent="0">

--- a/Publications/Presentation2014-04-07-MIECHV Paper Discussion/REDCapR.pptx
+++ b/Publications/Presentation2014-04-07-MIECHV Paper Discussion/REDCapR.pptx
@@ -3823,15 +3823,7 @@
                   <a:schemeClr val="bg1"/>
                 </a:solidFill>
               </a:rPr>
-              <a:t>April </a:t>
-            </a:r>
-            <a:r>
-              <a:rPr lang="en-US" sz="2000" dirty="0" smtClean="0">
-                <a:solidFill>
-                  <a:schemeClr val="bg1"/>
-                </a:solidFill>
-              </a:rPr>
-              <a:t>7, 2014</a:t>
+              <a:t>April 7, 2014</a:t>
             </a:r>
             <a:endParaRPr lang="en-US" sz="2000" dirty="0">
               <a:solidFill>
@@ -3942,11 +3934,7 @@
             <a:pPr marL="0" indent="0"/>
             <a:r>
               <a:rPr lang="en-US" sz="4900" dirty="0" smtClean="0"/>
-              <a:t>Data Export </a:t>
-            </a:r>
-            <a:r>
-              <a:rPr lang="en-US" sz="4900" dirty="0" smtClean="0"/>
-              <a:t>API</a:t>
+              <a:t>Data Export API</a:t>
             </a:r>
             <a:endParaRPr lang="en-US" dirty="0"/>
           </a:p>
@@ -3986,11 +3974,7 @@
             </a:pPr>
             <a:r>
               <a:rPr lang="en-US" dirty="0" smtClean="0"/>
-              <a:t>Programmatic </a:t>
-            </a:r>
-            <a:r>
-              <a:rPr lang="en-US" dirty="0" smtClean="0"/>
-              <a:t>data retrieval</a:t>
+              <a:t>Programmatic data retrieval</a:t>
             </a:r>
           </a:p>
           <a:p>
@@ -4000,13 +3984,8 @@
             </a:pPr>
             <a:r>
               <a:rPr lang="en-US" dirty="0" smtClean="0"/>
-              <a:t>Users must have approved API privileges in the User Rights section of </a:t>
-            </a:r>
-            <a:r>
-              <a:rPr lang="en-US" dirty="0" smtClean="0"/>
-              <a:t>REDCap</a:t>
-            </a:r>
-            <a:endParaRPr lang="en-US" dirty="0" smtClean="0"/>
+              <a:t>Users must have approved API privileges in the User Rights section of REDCap</a:t>
+            </a:r>
           </a:p>
           <a:p>
             <a:pPr marL="342900" lvl="3" indent="-342900">
@@ -4015,11 +3994,7 @@
             </a:pPr>
             <a:r>
               <a:rPr lang="en-US" dirty="0" smtClean="0"/>
-              <a:t>Tokens utilized as unique identifiers for an application requesting access to </a:t>
-            </a:r>
-            <a:r>
-              <a:rPr lang="en-US" dirty="0" smtClean="0"/>
-              <a:t>REDCap</a:t>
+              <a:t>Tokens utilized as unique identifiers for an application requesting access to REDCap</a:t>
             </a:r>
           </a:p>
           <a:p>
@@ -5278,11 +5253,7 @@
             </a:r>
             <a:r>
               <a:rPr lang="en-US" sz="2800" dirty="0" smtClean="0"/>
-              <a:t> </a:t>
-            </a:r>
-            <a:r>
-              <a:rPr lang="en-US" sz="2800" dirty="0" smtClean="0"/>
-              <a:t>is a function similar to </a:t>
+              <a:t> is a function similar to </a:t>
             </a:r>
             <a:r>
               <a:rPr lang="en-US" sz="2800" dirty="0" err="1" smtClean="0"/>
@@ -5788,11 +5759,7 @@
             </a:r>
             <a:r>
               <a:rPr lang="en-US" sz="2000" dirty="0" smtClean="0"/>
-              <a:t>:	The </a:t>
-            </a:r>
-            <a:r>
-              <a:rPr lang="en-US" sz="2000" dirty="0" smtClean="0"/>
-              <a:t>maximum number of subject records a single batch should</a:t>
+              <a:t>:	The maximum number of subject records a single batch should</a:t>
             </a:r>
           </a:p>
           <a:p>
@@ -6052,15 +6019,7 @@
             </a:r>
             <a:r>
               <a:rPr lang="en-US" sz="2000" dirty="0" smtClean="0"/>
-              <a:t>:	</a:t>
-            </a:r>
-            <a:r>
-              <a:rPr lang="en-US" sz="2000" dirty="0" smtClean="0"/>
-              <a:t>	The </a:t>
-            </a:r>
-            <a:r>
-              <a:rPr lang="en-US" sz="2000" dirty="0" smtClean="0"/>
-              <a:t>number of seconds the function will wait before</a:t>
+              <a:t>:		The number of seconds the function will wait before</a:t>
             </a:r>
           </a:p>
           <a:p>
@@ -6333,11 +6292,7 @@
             </a:r>
             <a:r>
               <a:rPr lang="en-US" sz="2000" dirty="0" smtClean="0"/>
-              <a:t>The </a:t>
-            </a:r>
-            <a:r>
-              <a:rPr lang="en-US" sz="2000" dirty="0" smtClean="0"/>
-              <a:t>URI of the REDCap project.  Required.</a:t>
+              <a:t>The URI of the REDCap project.  Required.</a:t>
             </a:r>
           </a:p>
           <a:p>
@@ -6624,19 +6579,7 @@
             </a:pPr>
             <a:r>
               <a:rPr lang="en-US" sz="2000" dirty="0" smtClean="0"/>
-              <a:t>token:	The </a:t>
-            </a:r>
-            <a:r>
-              <a:rPr lang="en-US" sz="2000" dirty="0" smtClean="0"/>
-              <a:t>user-specific string that serves as the password for a </a:t>
-            </a:r>
-            <a:r>
-              <a:rPr lang="en-US" sz="2000" dirty="0" smtClean="0"/>
-              <a:t>project</a:t>
-            </a:r>
-            <a:r>
-              <a:rPr lang="en-US" sz="2000" dirty="0" smtClean="0"/>
-              <a:t>.  Required.</a:t>
+              <a:t>token:	The user-specific string that serves as the password for a project.  Required.</a:t>
             </a:r>
           </a:p>
           <a:p>
@@ -6888,44 +6831,20 @@
             </a:r>
             <a:r>
               <a:rPr lang="en-US" sz="2000" dirty="0" smtClean="0"/>
-              <a:t>An </a:t>
+              <a:t>An array, where each element corresponds to the ID of a desired</a:t>
+            </a:r>
+          </a:p>
+          <a:p>
+            <a:pPr marL="0" indent="0">
+              <a:buNone/>
+            </a:pPr>
+            <a:r>
+              <a:rPr lang="en-US" sz="2000" dirty="0"/>
+              <a:t>	</a:t>
             </a:r>
             <a:r>
               <a:rPr lang="en-US" sz="2000" dirty="0" smtClean="0"/>
-              <a:t>array, where each element corresponds to the </a:t>
-            </a:r>
-            <a:r>
-              <a:rPr lang="en-US" sz="2000" dirty="0" smtClean="0"/>
-              <a:t>ID of </a:t>
-            </a:r>
-            <a:r>
-              <a:rPr lang="en-US" sz="2000" dirty="0" smtClean="0"/>
-              <a:t>a </a:t>
-            </a:r>
-            <a:r>
-              <a:rPr lang="en-US" sz="2000" dirty="0" smtClean="0"/>
-              <a:t>desired</a:t>
-            </a:r>
-          </a:p>
-          <a:p>
-            <a:pPr marL="0" indent="0">
-              <a:buNone/>
-            </a:pPr>
-            <a:r>
-              <a:rPr lang="en-US" sz="2000" dirty="0"/>
-              <a:t>	</a:t>
-            </a:r>
-            <a:r>
-              <a:rPr lang="en-US" sz="2000" dirty="0" smtClean="0"/>
-              <a:t>	</a:t>
-            </a:r>
-            <a:r>
-              <a:rPr lang="en-US" sz="2000" dirty="0" smtClean="0"/>
-              <a:t>record</a:t>
-            </a:r>
-            <a:r>
-              <a:rPr lang="en-US" sz="2000" dirty="0" smtClean="0"/>
-              <a:t>.  Optional.</a:t>
+              <a:t>	record.  Optional.</a:t>
             </a:r>
             <a:endParaRPr lang="en-US" sz="2000" dirty="0"/>
           </a:p>
@@ -7521,13 +7440,8 @@
                       </a:pPr>
                       <a:r>
                         <a:rPr lang="en-US" sz="3600" dirty="0" smtClean="0"/>
-                        <a:t>REDCap Data </a:t>
+                        <a:t>REDCap Data Export Options</a:t>
                       </a:r>
-                      <a:r>
-                        <a:rPr lang="en-US" sz="3600" dirty="0" smtClean="0"/>
-                        <a:t>Export Options</a:t>
-                      </a:r>
-                      <a:endParaRPr lang="en-US" sz="3600" dirty="0" smtClean="0"/>
                     </a:p>
                   </a:txBody>
                   <a:tcPr>
@@ -7609,11 +7523,7 @@
                       </a:r>
                       <a:r>
                         <a:rPr lang="en-US" sz="3600" baseline="0" dirty="0" smtClean="0"/>
-                        <a:t> </a:t>
-                      </a:r>
-                      <a:r>
-                        <a:rPr lang="en-US" sz="3600" baseline="0" dirty="0" smtClean="0"/>
-                        <a:t>API</a:t>
+                        <a:t> API</a:t>
                       </a:r>
                       <a:endParaRPr lang="en-US" sz="3600" dirty="0" smtClean="0"/>
                     </a:p>
@@ -7912,32 +7822,20 @@
             </a:pPr>
             <a:r>
               <a:rPr lang="en-US" sz="2000" dirty="0" smtClean="0"/>
-              <a:t>fields:	An </a:t>
+              <a:t>fields:	An array, where each element corresponds to a desired project field.</a:t>
+            </a:r>
+          </a:p>
+          <a:p>
+            <a:pPr marL="0" indent="0">
+              <a:buNone/>
+            </a:pPr>
+            <a:r>
+              <a:rPr lang="en-US" sz="2000" dirty="0"/>
+              <a:t>	</a:t>
             </a:r>
             <a:r>
               <a:rPr lang="en-US" sz="2000" dirty="0" smtClean="0"/>
-              <a:t>array, where each element corresponds to a </a:t>
-            </a:r>
-            <a:r>
-              <a:rPr lang="en-US" sz="2000" dirty="0" smtClean="0"/>
-              <a:t>desired project field.</a:t>
-            </a:r>
-          </a:p>
-          <a:p>
-            <a:pPr marL="0" indent="0">
-              <a:buNone/>
-            </a:pPr>
-            <a:r>
-              <a:rPr lang="en-US" sz="2000" dirty="0"/>
-              <a:t>	</a:t>
-            </a:r>
-            <a:r>
-              <a:rPr lang="en-US" sz="2000" dirty="0" smtClean="0"/>
-              <a:t>Optional</a:t>
-            </a:r>
-            <a:r>
-              <a:rPr lang="en-US" sz="2000" dirty="0" smtClean="0"/>
-              <a:t>.</a:t>
+              <a:t>Optional.</a:t>
             </a:r>
             <a:endParaRPr lang="en-US" sz="2000" dirty="0"/>
           </a:p>
@@ -8180,15 +8078,7 @@
             </a:r>
             <a:r>
               <a:rPr lang="en-US" sz="2000" dirty="0" smtClean="0"/>
-              <a:t>:	</a:t>
-            </a:r>
-            <a:r>
-              <a:rPr lang="en-US" sz="2000" dirty="0" smtClean="0"/>
-              <a:t>A </a:t>
-            </a:r>
-            <a:r>
-              <a:rPr lang="en-US" sz="2000" dirty="0" smtClean="0"/>
-              <a:t>single string, </a:t>
+              <a:t>:	A single string, </a:t>
             </a:r>
             <a:r>
               <a:rPr lang="en-US" sz="2000" dirty="0" err="1" smtClean="0"/>
@@ -8196,32 +8086,20 @@
             </a:r>
             <a:r>
               <a:rPr lang="en-US" sz="2000" dirty="0" smtClean="0"/>
-              <a:t> the desired field names are </a:t>
+              <a:t> the desired field names are separated by</a:t>
+            </a:r>
+          </a:p>
+          <a:p>
+            <a:pPr marL="0" indent="0">
+              <a:buNone/>
+            </a:pPr>
+            <a:r>
+              <a:rPr lang="en-US" sz="2000" dirty="0"/>
+              <a:t>	</a:t>
             </a:r>
             <a:r>
               <a:rPr lang="en-US" sz="2000" dirty="0" smtClean="0"/>
-              <a:t>separated by</a:t>
-            </a:r>
-          </a:p>
-          <a:p>
-            <a:pPr marL="0" indent="0">
-              <a:buNone/>
-            </a:pPr>
-            <a:r>
-              <a:rPr lang="en-US" sz="2000" dirty="0"/>
-              <a:t>	</a:t>
-            </a:r>
-            <a:r>
-              <a:rPr lang="en-US" sz="2000" dirty="0" smtClean="0"/>
-              <a:t>	</a:t>
-            </a:r>
-            <a:r>
-              <a:rPr lang="en-US" sz="2000" dirty="0" smtClean="0"/>
-              <a:t>commas</a:t>
-            </a:r>
-            <a:r>
-              <a:rPr lang="en-US" sz="2000" dirty="0" smtClean="0"/>
-              <a:t>.  Optional.</a:t>
+              <a:t>	commas.  Optional.</a:t>
             </a:r>
             <a:endParaRPr lang="en-US" sz="2000" dirty="0"/>
           </a:p>
@@ -9027,11 +8905,7 @@
             </a:pPr>
             <a:r>
               <a:rPr lang="en-US" sz="2000" dirty="0" smtClean="0"/>
-              <a:t>verbose:	</a:t>
-            </a:r>
-            <a:r>
-              <a:rPr lang="en-US" sz="2000" dirty="0" smtClean="0"/>
-              <a:t>	A </a:t>
+              <a:t>verbose:		A </a:t>
             </a:r>
             <a:r>
               <a:rPr lang="en-US" sz="2000" dirty="0" err="1" smtClean="0"/>
@@ -9291,15 +9165,7 @@
             </a:r>
             <a:r>
               <a:rPr lang="en-US" sz="2000" dirty="0" smtClean="0"/>
-              <a:t>:	</a:t>
-            </a:r>
-            <a:r>
-              <a:rPr lang="en-US" sz="2000" dirty="0" smtClean="0"/>
-              <a:t>If </a:t>
-            </a:r>
-            <a:r>
-              <a:rPr lang="en-US" sz="2000" dirty="0" smtClean="0"/>
-              <a:t>present, this string should point to the location of cert</a:t>
+              <a:t>:	If present, this string should point to the location of cert</a:t>
             </a:r>
           </a:p>
           <a:p>
@@ -10118,7 +9984,6 @@
               <a:rPr lang="en-US" dirty="0"/>
               <a:t> )$data</a:t>
             </a:r>
-            <a:endParaRPr lang="en-US" dirty="0"/>
           </a:p>
         </p:txBody>
       </p:sp>
@@ -10587,7 +10452,6 @@
               <a:rPr lang="en-US" dirty="0"/>
               <a:t> )$data</a:t>
             </a:r>
-            <a:endParaRPr lang="en-US" dirty="0"/>
           </a:p>
         </p:txBody>
       </p:sp>
@@ -11082,11 +10946,7 @@
           <a:p>
             <a:r>
               <a:rPr lang="en-US" dirty="0" smtClean="0"/>
-              <a:t>Candidate for replacing Access, Survey Monkey, Excel</a:t>
-            </a:r>
-            <a:r>
-              <a:rPr lang="en-US" dirty="0" smtClean="0"/>
-              <a:t>.</a:t>
+              <a:t>Candidate for replacing Access, Survey Monkey, Excel.</a:t>
             </a:r>
           </a:p>
           <a:p>
@@ -11223,15 +11083,7 @@
           <a:p>
             <a:r>
               <a:rPr lang="en-US" dirty="0" smtClean="0"/>
-              <a:t>Designed </a:t>
-            </a:r>
-            <a:r>
-              <a:rPr lang="en-US" dirty="0" smtClean="0"/>
-              <a:t>for data collection </a:t>
-            </a:r>
-            <a:r>
-              <a:rPr lang="en-US" dirty="0" smtClean="0"/>
-              <a:t>and management</a:t>
+              <a:t>Designed for data collection and management</a:t>
             </a:r>
           </a:p>
           <a:p>
@@ -11327,11 +11179,7 @@
           <a:p>
             <a:r>
               <a:rPr lang="en-US" dirty="0" smtClean="0"/>
-              <a:t>REDCap Data </a:t>
-            </a:r>
-            <a:r>
-              <a:rPr lang="en-US" dirty="0" smtClean="0"/>
-              <a:t>Export Options</a:t>
+              <a:t>REDCap Data Export Options</a:t>
             </a:r>
             <a:endParaRPr lang="en-US" dirty="0"/>
           </a:p>
@@ -11369,22 +11217,14 @@
             <a:pPr marL="800100" lvl="3" indent="-342900"/>
             <a:r>
               <a:rPr lang="en-US" dirty="0" smtClean="0"/>
-              <a:t>The data export </a:t>
-            </a:r>
+              <a:t>The data export tool</a:t>
+            </a:r>
+          </a:p>
+          <a:p>
+            <a:pPr marL="800100" lvl="3" indent="-342900"/>
             <a:r>
               <a:rPr lang="en-US" dirty="0" smtClean="0"/>
-              <a:t>tool</a:t>
-            </a:r>
-          </a:p>
-          <a:p>
-            <a:pPr marL="800100" lvl="3" indent="-342900"/>
-            <a:r>
-              <a:rPr lang="en-US" dirty="0" smtClean="0"/>
-              <a:t>Application </a:t>
-            </a:r>
-            <a:r>
-              <a:rPr lang="en-US" dirty="0" smtClean="0"/>
-              <a:t>Programming Interface (API)</a:t>
+              <a:t>Application Programming Interface (API)</a:t>
             </a:r>
           </a:p>
           <a:p>
@@ -11550,11 +11390,7 @@
             </a:pPr>
             <a:r>
               <a:rPr lang="en-US" sz="2200" dirty="0" smtClean="0"/>
-              <a:t>Advanced </a:t>
-            </a:r>
-            <a:r>
-              <a:rPr lang="en-US" sz="2200" dirty="0" smtClean="0"/>
-              <a:t>Data Export: users choose which fields to export and have de-identification options</a:t>
+              <a:t>Advanced Data Export: users choose which fields to export and have de-identification options</a:t>
             </a:r>
           </a:p>
           <a:p>

--- a/Publications/Presentation2014-04-07-MIECHV Paper Discussion/REDCapR.pptx
+++ b/Publications/Presentation2014-04-07-MIECHV Paper Discussion/REDCapR.pptx
@@ -5,7 +5,7 @@
     <p:sldMasterId id="2147483648" r:id="rId1"/>
   </p:sldMasterIdLst>
   <p:notesMasterIdLst>
-    <p:notesMasterId r:id="rId32"/>
+    <p:notesMasterId r:id="rId33"/>
   </p:notesMasterIdLst>
   <p:sldIdLst>
     <p:sldId id="268" r:id="rId2"/>
@@ -20,24 +20,25 @@
     <p:sldId id="292" r:id="rId11"/>
     <p:sldId id="294" r:id="rId12"/>
     <p:sldId id="274" r:id="rId13"/>
-    <p:sldId id="287" r:id="rId14"/>
-    <p:sldId id="275" r:id="rId15"/>
-    <p:sldId id="276" r:id="rId16"/>
-    <p:sldId id="277" r:id="rId17"/>
-    <p:sldId id="278" r:id="rId18"/>
-    <p:sldId id="279" r:id="rId19"/>
-    <p:sldId id="280" r:id="rId20"/>
-    <p:sldId id="281" r:id="rId21"/>
-    <p:sldId id="282" r:id="rId22"/>
-    <p:sldId id="283" r:id="rId23"/>
-    <p:sldId id="284" r:id="rId24"/>
-    <p:sldId id="285" r:id="rId25"/>
-    <p:sldId id="286" r:id="rId26"/>
-    <p:sldId id="288" r:id="rId27"/>
-    <p:sldId id="273" r:id="rId28"/>
-    <p:sldId id="296" r:id="rId29"/>
-    <p:sldId id="297" r:id="rId30"/>
-    <p:sldId id="298" r:id="rId31"/>
+    <p:sldId id="299" r:id="rId14"/>
+    <p:sldId id="287" r:id="rId15"/>
+    <p:sldId id="275" r:id="rId16"/>
+    <p:sldId id="276" r:id="rId17"/>
+    <p:sldId id="277" r:id="rId18"/>
+    <p:sldId id="278" r:id="rId19"/>
+    <p:sldId id="279" r:id="rId20"/>
+    <p:sldId id="280" r:id="rId21"/>
+    <p:sldId id="281" r:id="rId22"/>
+    <p:sldId id="282" r:id="rId23"/>
+    <p:sldId id="283" r:id="rId24"/>
+    <p:sldId id="284" r:id="rId25"/>
+    <p:sldId id="285" r:id="rId26"/>
+    <p:sldId id="286" r:id="rId27"/>
+    <p:sldId id="288" r:id="rId28"/>
+    <p:sldId id="273" r:id="rId29"/>
+    <p:sldId id="296" r:id="rId30"/>
+    <p:sldId id="297" r:id="rId31"/>
+    <p:sldId id="298" r:id="rId32"/>
   </p:sldIdLst>
   <p:sldSz cx="9144000" cy="6858000" type="screen4x3"/>
   <p:notesSz cx="6858000" cy="9144000"/>
@@ -221,7 +222,7 @@
           <a:p>
             <a:fld id="{9638921B-546A-4974-9E20-B16E146250B5}" type="datetimeFigureOut">
               <a:rPr lang="en-US" smtClean="0"/>
-              <a:t>2014-04-04</a:t>
+              <a:t>2014-04-07</a:t>
             </a:fld>
             <a:endParaRPr lang="en-US"/>
           </a:p>
@@ -852,7 +853,7 @@
           <a:p>
             <a:fld id="{BEE7CD21-9F80-49E8-98DE-B542690D23E7}" type="datetimeFigureOut">
               <a:rPr lang="en-US" smtClean="0"/>
-              <a:t>2014-04-04</a:t>
+              <a:t>2014-04-07</a:t>
             </a:fld>
             <a:endParaRPr lang="en-US"/>
           </a:p>
@@ -1022,7 +1023,7 @@
           <a:p>
             <a:fld id="{BEE7CD21-9F80-49E8-98DE-B542690D23E7}" type="datetimeFigureOut">
               <a:rPr lang="en-US" smtClean="0"/>
-              <a:t>2014-04-04</a:t>
+              <a:t>2014-04-07</a:t>
             </a:fld>
             <a:endParaRPr lang="en-US"/>
           </a:p>
@@ -1202,7 +1203,7 @@
           <a:p>
             <a:fld id="{BEE7CD21-9F80-49E8-98DE-B542690D23E7}" type="datetimeFigureOut">
               <a:rPr lang="en-US" smtClean="0"/>
-              <a:t>2014-04-04</a:t>
+              <a:t>2014-04-07</a:t>
             </a:fld>
             <a:endParaRPr lang="en-US"/>
           </a:p>
@@ -1372,7 +1373,7 @@
           <a:p>
             <a:fld id="{BEE7CD21-9F80-49E8-98DE-B542690D23E7}" type="datetimeFigureOut">
               <a:rPr lang="en-US" smtClean="0"/>
-              <a:t>2014-04-04</a:t>
+              <a:t>2014-04-07</a:t>
             </a:fld>
             <a:endParaRPr lang="en-US"/>
           </a:p>
@@ -1618,7 +1619,7 @@
           <a:p>
             <a:fld id="{BEE7CD21-9F80-49E8-98DE-B542690D23E7}" type="datetimeFigureOut">
               <a:rPr lang="en-US" smtClean="0"/>
-              <a:t>2014-04-04</a:t>
+              <a:t>2014-04-07</a:t>
             </a:fld>
             <a:endParaRPr lang="en-US"/>
           </a:p>
@@ -1906,7 +1907,7 @@
           <a:p>
             <a:fld id="{BEE7CD21-9F80-49E8-98DE-B542690D23E7}" type="datetimeFigureOut">
               <a:rPr lang="en-US" smtClean="0"/>
-              <a:t>2014-04-04</a:t>
+              <a:t>2014-04-07</a:t>
             </a:fld>
             <a:endParaRPr lang="en-US"/>
           </a:p>
@@ -2328,7 +2329,7 @@
           <a:p>
             <a:fld id="{BEE7CD21-9F80-49E8-98DE-B542690D23E7}" type="datetimeFigureOut">
               <a:rPr lang="en-US" smtClean="0"/>
-              <a:t>2014-04-04</a:t>
+              <a:t>2014-04-07</a:t>
             </a:fld>
             <a:endParaRPr lang="en-US"/>
           </a:p>
@@ -2446,7 +2447,7 @@
           <a:p>
             <a:fld id="{BEE7CD21-9F80-49E8-98DE-B542690D23E7}" type="datetimeFigureOut">
               <a:rPr lang="en-US" smtClean="0"/>
-              <a:t>2014-04-04</a:t>
+              <a:t>2014-04-07</a:t>
             </a:fld>
             <a:endParaRPr lang="en-US"/>
           </a:p>
@@ -2541,7 +2542,7 @@
           <a:p>
             <a:fld id="{BEE7CD21-9F80-49E8-98DE-B542690D23E7}" type="datetimeFigureOut">
               <a:rPr lang="en-US" smtClean="0"/>
-              <a:t>2014-04-04</a:t>
+              <a:t>2014-04-07</a:t>
             </a:fld>
             <a:endParaRPr lang="en-US"/>
           </a:p>
@@ -2818,7 +2819,7 @@
           <a:p>
             <a:fld id="{BEE7CD21-9F80-49E8-98DE-B542690D23E7}" type="datetimeFigureOut">
               <a:rPr lang="en-US" smtClean="0"/>
-              <a:t>2014-04-04</a:t>
+              <a:t>2014-04-07</a:t>
             </a:fld>
             <a:endParaRPr lang="en-US"/>
           </a:p>
@@ -3071,7 +3072,7 @@
           <a:p>
             <a:fld id="{BEE7CD21-9F80-49E8-98DE-B542690D23E7}" type="datetimeFigureOut">
               <a:rPr lang="en-US" smtClean="0"/>
-              <a:t>2014-04-04</a:t>
+              <a:t>2014-04-07</a:t>
             </a:fld>
             <a:endParaRPr lang="en-US"/>
           </a:p>
@@ -3284,7 +3285,7 @@
           <a:p>
             <a:fld id="{BEE7CD21-9F80-49E8-98DE-B542690D23E7}" type="datetimeFigureOut">
               <a:rPr lang="en-US" smtClean="0"/>
-              <a:t>2014-04-04</a:t>
+              <a:t>2014-04-07</a:t>
             </a:fld>
             <a:endParaRPr lang="en-US"/>
           </a:p>
@@ -5249,11 +5250,19 @@
             </a:r>
             <a:r>
               <a:rPr lang="en-US" sz="2800" dirty="0" err="1" smtClean="0"/>
-              <a:t>REDCapr</a:t>
+              <a:t>REDCapR</a:t>
             </a:r>
             <a:r>
               <a:rPr lang="en-US" sz="2800" dirty="0" smtClean="0"/>
-              <a:t> is a function similar to </a:t>
+              <a:t> </a:t>
+            </a:r>
+            <a:r>
+              <a:rPr lang="en-US" sz="2800" dirty="0" smtClean="0"/>
+              <a:t>is </a:t>
+            </a:r>
+            <a:r>
+              <a:rPr lang="en-US" sz="2800" dirty="0" smtClean="0"/>
+              <a:t>an R package containing the functions </a:t>
             </a:r>
             <a:r>
               <a:rPr lang="en-US" sz="2800" dirty="0" err="1" smtClean="0"/>
@@ -5261,19 +5270,19 @@
             </a:r>
             <a:r>
               <a:rPr lang="en-US" sz="2800" dirty="0" smtClean="0"/>
-              <a:t>, that rather than retrieving all data at once, it retrieves subsets of the data.  </a:t>
+              <a:t>, </a:t>
             </a:r>
             <a:r>
               <a:rPr lang="en-US" sz="2800" dirty="0" err="1" smtClean="0"/>
-              <a:t>REDCapR</a:t>
+              <a:t>redcap_read</a:t>
             </a:r>
             <a:r>
               <a:rPr lang="en-US" sz="2800" dirty="0" smtClean="0"/>
-              <a:t> then combines the subsets before returning a single </a:t>
+              <a:t>, and </a:t>
             </a:r>
             <a:r>
               <a:rPr lang="en-US" sz="2800" dirty="0" err="1" smtClean="0"/>
-              <a:t>data.frame</a:t>
+              <a:t>redcap_write</a:t>
             </a:r>
             <a:r>
               <a:rPr lang="en-US" sz="2800" dirty="0" smtClean="0"/>
@@ -5292,16 +5301,14 @@
             </a:pPr>
             <a:r>
               <a:rPr lang="en-US" sz="2800" dirty="0" smtClean="0"/>
-              <a:t>This function can be more appropriate than </a:t>
-            </a:r>
-            <a:r>
-              <a:rPr lang="en-US" sz="2800" dirty="0" err="1" smtClean="0"/>
-              <a:t>redcap_read_oneshot</a:t>
-            </a:r>
-            <a:r>
-              <a:rPr lang="en-US" sz="2800" dirty="0" smtClean="0"/>
-              <a:t> when returning large datasets that could tie up the server.</a:t>
-            </a:r>
+              <a:t>These functions communicate with REDCap using its API capabilities.</a:t>
+            </a:r>
+          </a:p>
+          <a:p>
+            <a:pPr marL="0" indent="0">
+              <a:buNone/>
+            </a:pPr>
+            <a:endParaRPr lang="en-US" sz="2800" dirty="0" smtClean="0"/>
           </a:p>
           <a:p>
             <a:pPr marL="0" indent="0">
@@ -5429,92 +5436,57 @@
               <a:buNone/>
             </a:pPr>
             <a:r>
+              <a:rPr lang="en-US" dirty="0" err="1"/>
+              <a:t>redcap_read_oneshot</a:t>
+            </a:r>
+            <a:r>
+              <a:rPr lang="en-US" dirty="0"/>
+              <a:t>: retrieves data all at once from REDCap</a:t>
+            </a:r>
+          </a:p>
+          <a:p>
+            <a:pPr marL="0" indent="0">
+              <a:buNone/>
+            </a:pPr>
+            <a:endParaRPr lang="en-US" dirty="0"/>
+          </a:p>
+          <a:p>
+            <a:pPr marL="0" indent="0">
+              <a:buNone/>
+            </a:pPr>
+            <a:r>
+              <a:rPr lang="en-US" dirty="0" err="1"/>
+              <a:t>redcap_read</a:t>
+            </a:r>
+            <a:r>
+              <a:rPr lang="en-US" dirty="0"/>
+              <a:t>: retrieves data in subsets and then combines them into a single </a:t>
+            </a:r>
+            <a:r>
+              <a:rPr lang="en-US" dirty="0" err="1" smtClean="0"/>
+              <a:t>data.frame</a:t>
+            </a:r>
+            <a:endParaRPr lang="en-US" dirty="0" smtClean="0"/>
+          </a:p>
+          <a:p>
+            <a:pPr marL="0" indent="0">
+              <a:buNone/>
+            </a:pPr>
+            <a:endParaRPr lang="en-US" dirty="0"/>
+          </a:p>
+          <a:p>
+            <a:pPr marL="0" indent="0">
+              <a:buNone/>
+            </a:pPr>
+            <a:r>
+              <a:rPr lang="en-US" dirty="0" err="1" smtClean="0"/>
+              <a:t>redcap_write</a:t>
+            </a:r>
+            <a:r>
               <a:rPr lang="en-US" dirty="0" smtClean="0"/>
-              <a:t>Usage</a:t>
-            </a:r>
-          </a:p>
-          <a:p>
-            <a:pPr marL="0" indent="0">
-              <a:buNone/>
-            </a:pPr>
-            <a:endParaRPr lang="en-US" dirty="0" smtClean="0"/>
-          </a:p>
-          <a:p>
-            <a:pPr marL="0" indent="0">
-              <a:buNone/>
-            </a:pPr>
-            <a:r>
-              <a:rPr lang="en-US" sz="2000" dirty="0" err="1"/>
-              <a:t>redcap_read</a:t>
-            </a:r>
-            <a:r>
-              <a:rPr lang="en-US" sz="2000" dirty="0"/>
-              <a:t>(</a:t>
-            </a:r>
-            <a:r>
-              <a:rPr lang="en-US" sz="2000" dirty="0" err="1"/>
-              <a:t>batch_size</a:t>
-            </a:r>
-            <a:r>
-              <a:rPr lang="en-US" sz="2000" dirty="0"/>
-              <a:t> = 100L, </a:t>
-            </a:r>
-            <a:r>
-              <a:rPr lang="en-US" sz="2000" dirty="0" err="1"/>
-              <a:t>interbatch_delay</a:t>
-            </a:r>
-            <a:r>
-              <a:rPr lang="en-US" sz="2000" dirty="0"/>
-              <a:t> = 0, </a:t>
-            </a:r>
-            <a:r>
-              <a:rPr lang="en-US" sz="2000" dirty="0" err="1"/>
-              <a:t>redcap_uri</a:t>
-            </a:r>
-            <a:r>
-              <a:rPr lang="en-US" sz="2000" dirty="0"/>
-              <a:t>, token, records = NULL, </a:t>
-            </a:r>
-            <a:r>
-              <a:rPr lang="en-US" sz="2000" dirty="0" err="1"/>
-              <a:t>records_collapsed</a:t>
-            </a:r>
-            <a:r>
-              <a:rPr lang="en-US" sz="2000" dirty="0"/>
-              <a:t> = NULL, fields = NULL, </a:t>
-            </a:r>
-            <a:r>
-              <a:rPr lang="en-US" sz="2000" dirty="0" err="1"/>
-              <a:t>fields_collapsed</a:t>
-            </a:r>
-            <a:r>
-              <a:rPr lang="en-US" sz="2000" dirty="0"/>
-              <a:t> = NULL, </a:t>
-            </a:r>
-            <a:r>
-              <a:rPr lang="en-US" sz="2000" dirty="0" err="1"/>
-              <a:t>export_data_access_groups</a:t>
-            </a:r>
-            <a:r>
-              <a:rPr lang="en-US" sz="2000" dirty="0"/>
-              <a:t> = FALSE, </a:t>
-            </a:r>
-            <a:r>
-              <a:rPr lang="en-US" sz="2000" dirty="0" err="1"/>
-              <a:t>raw_or_label</a:t>
-            </a:r>
-            <a:r>
-              <a:rPr lang="en-US" sz="2000" dirty="0"/>
-              <a:t> = "raw", verbose = TRUE, </a:t>
-            </a:r>
-            <a:r>
-              <a:rPr lang="en-US" sz="2000" dirty="0" err="1"/>
-              <a:t>cert_location</a:t>
-            </a:r>
-            <a:r>
-              <a:rPr lang="en-US" sz="2000" dirty="0"/>
-              <a:t> = NULL)</a:t>
-            </a:r>
+              <a:t>: writes data to REDCap (data import)</a:t>
+            </a:r>
+            <a:endParaRPr lang="en-US" dirty="0"/>
           </a:p>
         </p:txBody>
       </p:sp>
@@ -5576,7 +5548,7 @@
     </p:spTree>
     <p:extLst>
       <p:ext uri="{BB962C8B-B14F-4D97-AF65-F5344CB8AC3E}">
-        <p14:creationId xmlns:p14="http://schemas.microsoft.com/office/powerpoint/2010/main" val="2005260728"/>
+        <p14:creationId xmlns:p14="http://schemas.microsoft.com/office/powerpoint/2010/main" val="3836758940"/>
       </p:ext>
     </p:extLst>
   </p:cSld>
@@ -5659,24 +5631,12 @@
               <a:t>(</a:t>
             </a:r>
             <a:r>
-              <a:rPr lang="en-US" sz="2000" dirty="0" err="1">
-                <a:solidFill>
-                  <a:srgbClr val="FF0000"/>
-                </a:solidFill>
-              </a:rPr>
+              <a:rPr lang="en-US" sz="2000" dirty="0" err="1"/>
               <a:t>batch_size</a:t>
             </a:r>
             <a:r>
-              <a:rPr lang="en-US" sz="2000" dirty="0">
-                <a:solidFill>
-                  <a:srgbClr val="FF0000"/>
-                </a:solidFill>
-              </a:rPr>
-              <a:t> = 100L</a:t>
-            </a:r>
-            <a:r>
-              <a:rPr lang="en-US" sz="2000" dirty="0"/>
-              <a:t>, </a:t>
+              <a:rPr lang="en-US" sz="2000" dirty="0"/>
+              <a:t> = 100L, </a:t>
             </a:r>
             <a:r>
               <a:rPr lang="en-US" sz="2000" dirty="0" err="1"/>
@@ -5727,16 +5687,12 @@
               <a:t> = "raw", verbose = TRUE, </a:t>
             </a:r>
             <a:r>
-              <a:rPr lang="en-US" sz="2000" dirty="0" err="1" smtClean="0"/>
+              <a:rPr lang="en-US" sz="2000" dirty="0" err="1"/>
               <a:t>cert_location</a:t>
             </a:r>
             <a:r>
-              <a:rPr lang="en-US" sz="2000" dirty="0" smtClean="0"/>
-              <a:t> </a:t>
-            </a:r>
-            <a:r>
-              <a:rPr lang="en-US" sz="2000" dirty="0"/>
-              <a:t>= NULL</a:t>
+              <a:rPr lang="en-US" sz="2000" dirty="0"/>
+              <a:t> = NULL</a:t>
             </a:r>
             <a:r>
               <a:rPr lang="en-US" sz="2000" dirty="0" smtClean="0"/>
@@ -5754,26 +5710,54 @@
               <a:buNone/>
             </a:pPr>
             <a:r>
+              <a:rPr lang="en-US" sz="2000" dirty="0" smtClean="0"/>
+              <a:t>All arguments of the </a:t>
+            </a:r>
+            <a:r>
               <a:rPr lang="en-US" sz="2000" dirty="0" err="1" smtClean="0"/>
-              <a:t>batch_size</a:t>
+              <a:t>redcap_read</a:t>
             </a:r>
             <a:r>
               <a:rPr lang="en-US" sz="2000" dirty="0" smtClean="0"/>
-              <a:t>:	The maximum number of subject records a single batch should</a:t>
-            </a:r>
-          </a:p>
-          <a:p>
-            <a:pPr marL="0" indent="0">
-              <a:buNone/>
-            </a:pPr>
-            <a:r>
-              <a:rPr lang="en-US" sz="2000" dirty="0"/>
-              <a:t>	</a:t>
+              <a:t> function will be discuss, however it should be noted that not all arguments are required. This function can be used with a statement as simple as:</a:t>
+            </a:r>
+          </a:p>
+          <a:p>
+            <a:pPr marL="0" indent="0">
+              <a:buNone/>
+            </a:pPr>
+            <a:endParaRPr lang="en-US" sz="2000" dirty="0"/>
+          </a:p>
+          <a:p>
+            <a:pPr marL="0" indent="0">
+              <a:buNone/>
+            </a:pPr>
+            <a:r>
+              <a:rPr lang="en-US" sz="2000" dirty="0" err="1" smtClean="0"/>
+              <a:t>redcap_read</a:t>
             </a:r>
             <a:r>
               <a:rPr lang="en-US" sz="2000" dirty="0" smtClean="0"/>
-              <a:t>	contain. The default is 100.</a:t>
-            </a:r>
+              <a:t>(</a:t>
+            </a:r>
+            <a:r>
+              <a:rPr lang="en-US" sz="2000" dirty="0" err="1" smtClean="0"/>
+              <a:t>redcap_uri</a:t>
+            </a:r>
+            <a:r>
+              <a:rPr lang="en-US" sz="2000" dirty="0"/>
+              <a:t>, </a:t>
+            </a:r>
+            <a:r>
+              <a:rPr lang="en-US" sz="2000" dirty="0" smtClean="0"/>
+              <a:t>token)</a:t>
+            </a:r>
+            <a:endParaRPr lang="en-US" sz="2000" dirty="0"/>
+          </a:p>
+          <a:p>
+            <a:pPr marL="0" indent="0">
+              <a:buNone/>
+            </a:pPr>
             <a:endParaRPr lang="en-US" sz="2000" dirty="0"/>
           </a:p>
         </p:txBody>
@@ -5836,7 +5820,7 @@
     </p:spTree>
     <p:extLst>
       <p:ext uri="{BB962C8B-B14F-4D97-AF65-F5344CB8AC3E}">
-        <p14:creationId xmlns:p14="http://schemas.microsoft.com/office/powerpoint/2010/main" val="1967847261"/>
+        <p14:creationId xmlns:p14="http://schemas.microsoft.com/office/powerpoint/2010/main" val="2005260728"/>
       </p:ext>
     </p:extLst>
   </p:cSld>
@@ -5919,20 +5903,12 @@
               <a:t>(</a:t>
             </a:r>
             <a:r>
-              <a:rPr lang="en-US" sz="2000" dirty="0" err="1"/>
-              <a:t>batch_size</a:t>
-            </a:r>
-            <a:r>
-              <a:rPr lang="en-US" sz="2000" dirty="0"/>
-              <a:t> = 100L, </a:t>
-            </a:r>
-            <a:r>
               <a:rPr lang="en-US" sz="2000" dirty="0" err="1">
                 <a:solidFill>
                   <a:srgbClr val="FF0000"/>
                 </a:solidFill>
               </a:rPr>
-              <a:t>interbatch_delay</a:t>
+              <a:t>batch_size</a:t>
             </a:r>
             <a:r>
               <a:rPr lang="en-US" sz="2000" dirty="0">
@@ -5940,11 +5916,19 @@
                   <a:srgbClr val="FF0000"/>
                 </a:solidFill>
               </a:rPr>
-              <a:t> = 0</a:t>
+              <a:t> = 100L</a:t>
             </a:r>
             <a:r>
               <a:rPr lang="en-US" sz="2000" dirty="0"/>
               <a:t>, </a:t>
+            </a:r>
+            <a:r>
+              <a:rPr lang="en-US" sz="2000" dirty="0" err="1"/>
+              <a:t>interbatch_delay</a:t>
+            </a:r>
+            <a:r>
+              <a:rPr lang="en-US" sz="2000" dirty="0"/>
+              <a:t> = 0, </a:t>
             </a:r>
             <a:r>
               <a:rPr lang="en-US" sz="2000" dirty="0" err="1"/>
@@ -6015,11 +5999,11 @@
             </a:pPr>
             <a:r>
               <a:rPr lang="en-US" sz="2000" dirty="0" err="1" smtClean="0"/>
-              <a:t>interbatch_delay</a:t>
+              <a:t>batch_size</a:t>
             </a:r>
             <a:r>
               <a:rPr lang="en-US" sz="2000" dirty="0" smtClean="0"/>
-              <a:t>:		The number of seconds the function will wait before</a:t>
+              <a:t>:	The maximum number of subject records a single batch should</a:t>
             </a:r>
           </a:p>
           <a:p>
@@ -6032,20 +6016,7 @@
             </a:r>
             <a:r>
               <a:rPr lang="en-US" sz="2000" dirty="0" smtClean="0"/>
-              <a:t>		requesting a new subset from REDCap.  The default</a:t>
-            </a:r>
-          </a:p>
-          <a:p>
-            <a:pPr marL="0" indent="0">
-              <a:buNone/>
-            </a:pPr>
-            <a:r>
-              <a:rPr lang="en-US" sz="2000" dirty="0"/>
-              <a:t>	</a:t>
-            </a:r>
-            <a:r>
-              <a:rPr lang="en-US" sz="2000" dirty="0" smtClean="0"/>
-              <a:t>		is 0.5 seconds</a:t>
+              <a:t>	contain. The default is 100.</a:t>
             </a:r>
             <a:endParaRPr lang="en-US" sz="2000" dirty="0"/>
           </a:p>
@@ -6109,7 +6080,7 @@
     </p:spTree>
     <p:extLst>
       <p:ext uri="{BB962C8B-B14F-4D97-AF65-F5344CB8AC3E}">
-        <p14:creationId xmlns:p14="http://schemas.microsoft.com/office/powerpoint/2010/main" val="172033235"/>
+        <p14:creationId xmlns:p14="http://schemas.microsoft.com/office/powerpoint/2010/main" val="1967847261"/>
       </p:ext>
     </p:extLst>
   </p:cSld>
@@ -6200,19 +6171,27 @@
               <a:t> = 100L, </a:t>
             </a:r>
             <a:r>
-              <a:rPr lang="en-US" sz="2000" dirty="0" err="1"/>
-              <a:t>interbatch_delay</a:t>
-            </a:r>
-            <a:r>
-              <a:rPr lang="en-US" sz="2000" dirty="0"/>
-              <a:t> = 0, </a:t>
-            </a:r>
-            <a:r>
               <a:rPr lang="en-US" sz="2000" dirty="0" err="1">
                 <a:solidFill>
                   <a:srgbClr val="FF0000"/>
                 </a:solidFill>
               </a:rPr>
+              <a:t>interbatch_delay</a:t>
+            </a:r>
+            <a:r>
+              <a:rPr lang="en-US" sz="2000" dirty="0">
+                <a:solidFill>
+                  <a:srgbClr val="FF0000"/>
+                </a:solidFill>
+              </a:rPr>
+              <a:t> = 0</a:t>
+            </a:r>
+            <a:r>
+              <a:rPr lang="en-US" sz="2000" dirty="0"/>
+              <a:t>, </a:t>
+            </a:r>
+            <a:r>
+              <a:rPr lang="en-US" sz="2000" dirty="0" err="1"/>
               <a:t>redcap_uri</a:t>
             </a:r>
             <a:r>
@@ -6280,65 +6259,39 @@
             </a:pPr>
             <a:r>
               <a:rPr lang="en-US" sz="2000" dirty="0" err="1" smtClean="0"/>
-              <a:t>redcap_uri</a:t>
+              <a:t>interbatch_delay</a:t>
             </a:r>
             <a:r>
               <a:rPr lang="en-US" sz="2000" dirty="0" smtClean="0"/>
-              <a:t>:</a:t>
-            </a:r>
+              <a:t>:		The number of seconds the function will wait before</a:t>
+            </a:r>
+          </a:p>
+          <a:p>
+            <a:pPr marL="0" indent="0">
+              <a:buNone/>
+            </a:pPr>
             <a:r>
               <a:rPr lang="en-US" sz="2000" dirty="0"/>
               <a:t>	</a:t>
             </a:r>
             <a:r>
               <a:rPr lang="en-US" sz="2000" dirty="0" smtClean="0"/>
-              <a:t>The URI of the REDCap project.  Required.</a:t>
-            </a:r>
-          </a:p>
-          <a:p>
-            <a:pPr marL="0" indent="0">
-              <a:buNone/>
-            </a:pPr>
+              <a:t>		requesting a new subset from REDCap.  The default</a:t>
+            </a:r>
+          </a:p>
+          <a:p>
+            <a:pPr marL="0" indent="0">
+              <a:buNone/>
+            </a:pPr>
+            <a:r>
+              <a:rPr lang="en-US" sz="2000" dirty="0"/>
+              <a:t>	</a:t>
+            </a:r>
+            <a:r>
+              <a:rPr lang="en-US" sz="2000" dirty="0" smtClean="0"/>
+              <a:t>		is 0.5 seconds</a:t>
+            </a:r>
             <a:endParaRPr lang="en-US" sz="2000" dirty="0"/>
-          </a:p>
-          <a:p>
-            <a:pPr marL="0" indent="0">
-              <a:buNone/>
-            </a:pPr>
-            <a:endParaRPr lang="en-US" sz="2000" dirty="0" smtClean="0"/>
-          </a:p>
-          <a:p>
-            <a:pPr marL="0" indent="0">
-              <a:buNone/>
-            </a:pPr>
-            <a:endParaRPr lang="en-US" sz="2000" dirty="0"/>
-          </a:p>
-          <a:p>
-            <a:pPr marL="0" indent="0">
-              <a:buNone/>
-            </a:pPr>
-            <a:endParaRPr lang="en-US" sz="2000" dirty="0" smtClean="0"/>
-          </a:p>
-          <a:p>
-            <a:pPr marL="0" indent="0">
-              <a:buNone/>
-            </a:pPr>
-            <a:r>
-              <a:rPr lang="en-US" sz="1400" dirty="0" smtClean="0"/>
-              <a:t>Note: </a:t>
-            </a:r>
-            <a:r>
-              <a:rPr lang="en-US" sz="1400" dirty="0"/>
-              <a:t>In computing, a uniform resource identifier (</a:t>
-            </a:r>
-            <a:r>
-              <a:rPr lang="en-US" sz="1400" b="1" dirty="0"/>
-              <a:t>URI</a:t>
-            </a:r>
-            <a:r>
-              <a:rPr lang="en-US" sz="1400" dirty="0"/>
-              <a:t>) is a string of characters used to identify a name of a web resource. Such identification enables interaction with representations of the web resource over a network (typically the World Wide Web) using specific protocols.</a:t>
-            </a:r>
           </a:p>
         </p:txBody>
       </p:sp>
@@ -6400,7 +6353,7 @@
     </p:spTree>
     <p:extLst>
       <p:ext uri="{BB962C8B-B14F-4D97-AF65-F5344CB8AC3E}">
-        <p14:creationId xmlns:p14="http://schemas.microsoft.com/office/powerpoint/2010/main" val="160161231"/>
+        <p14:creationId xmlns:p14="http://schemas.microsoft.com/office/powerpoint/2010/main" val="172033235"/>
       </p:ext>
     </p:extLst>
   </p:cSld>
@@ -6499,24 +6452,16 @@
               <a:t> = 0, </a:t>
             </a:r>
             <a:r>
-              <a:rPr lang="en-US" sz="2000" dirty="0" err="1"/>
-              <a:t>redcap_uri</a:t>
-            </a:r>
-            <a:r>
-              <a:rPr lang="en-US" sz="2000" dirty="0"/>
-              <a:t>, </a:t>
-            </a:r>
-            <a:r>
-              <a:rPr lang="en-US" sz="2000" dirty="0">
+              <a:rPr lang="en-US" sz="2000" dirty="0" err="1">
                 <a:solidFill>
                   <a:srgbClr val="FF0000"/>
                 </a:solidFill>
               </a:rPr>
-              <a:t>token</a:t>
-            </a:r>
-            <a:r>
-              <a:rPr lang="en-US" sz="2000" dirty="0"/>
-              <a:t>, records = NULL, </a:t>
+              <a:t>redcap_uri</a:t>
+            </a:r>
+            <a:r>
+              <a:rPr lang="en-US" sz="2000" dirty="0"/>
+              <a:t>, token, records = NULL, </a:t>
             </a:r>
             <a:r>
               <a:rPr lang="en-US" sz="2000" dirty="0" err="1"/>
@@ -6578,8 +6523,20 @@
               <a:buNone/>
             </a:pPr>
             <a:r>
+              <a:rPr lang="en-US" sz="2000" dirty="0" err="1" smtClean="0"/>
+              <a:t>redcap_uri</a:t>
+            </a:r>
+            <a:r>
               <a:rPr lang="en-US" sz="2000" dirty="0" smtClean="0"/>
-              <a:t>token:	The user-specific string that serves as the password for a project.  Required.</a:t>
+              <a:t>:</a:t>
+            </a:r>
+            <a:r>
+              <a:rPr lang="en-US" sz="2000" dirty="0"/>
+              <a:t>	</a:t>
+            </a:r>
+            <a:r>
+              <a:rPr lang="en-US" sz="2000" dirty="0" smtClean="0"/>
+              <a:t>The URI of the REDCap project.  Required.</a:t>
             </a:r>
           </a:p>
           <a:p>
@@ -6587,6 +6544,45 @@
               <a:buNone/>
             </a:pPr>
             <a:endParaRPr lang="en-US" sz="2000" dirty="0"/>
+          </a:p>
+          <a:p>
+            <a:pPr marL="0" indent="0">
+              <a:buNone/>
+            </a:pPr>
+            <a:endParaRPr lang="en-US" sz="2000" dirty="0" smtClean="0"/>
+          </a:p>
+          <a:p>
+            <a:pPr marL="0" indent="0">
+              <a:buNone/>
+            </a:pPr>
+            <a:endParaRPr lang="en-US" sz="2000" dirty="0"/>
+          </a:p>
+          <a:p>
+            <a:pPr marL="0" indent="0">
+              <a:buNone/>
+            </a:pPr>
+            <a:endParaRPr lang="en-US" sz="2000" dirty="0" smtClean="0"/>
+          </a:p>
+          <a:p>
+            <a:pPr marL="0" indent="0">
+              <a:buNone/>
+            </a:pPr>
+            <a:r>
+              <a:rPr lang="en-US" sz="1400" dirty="0" smtClean="0"/>
+              <a:t>Note: </a:t>
+            </a:r>
+            <a:r>
+              <a:rPr lang="en-US" sz="1400" dirty="0"/>
+              <a:t>In computing, a uniform resource identifier (</a:t>
+            </a:r>
+            <a:r>
+              <a:rPr lang="en-US" sz="1400" b="1" dirty="0"/>
+              <a:t>URI</a:t>
+            </a:r>
+            <a:r>
+              <a:rPr lang="en-US" sz="1400" dirty="0"/>
+              <a:t>) is a string of characters used to identify a name of a web resource. Such identification enables interaction with representations of the web resource over a network (typically the World Wide Web) using specific protocols.</a:t>
+            </a:r>
           </a:p>
         </p:txBody>
       </p:sp>
@@ -6648,7 +6644,7 @@
     </p:spTree>
     <p:extLst>
       <p:ext uri="{BB962C8B-B14F-4D97-AF65-F5344CB8AC3E}">
-        <p14:creationId xmlns:p14="http://schemas.microsoft.com/office/powerpoint/2010/main" val="2257959587"/>
+        <p14:creationId xmlns:p14="http://schemas.microsoft.com/office/powerpoint/2010/main" val="160161231"/>
       </p:ext>
     </p:extLst>
   </p:cSld>
@@ -6752,7 +6748,7 @@
             </a:r>
             <a:r>
               <a:rPr lang="en-US" sz="2000" dirty="0"/>
-              <a:t>, token, </a:t>
+              <a:t>, </a:t>
             </a:r>
             <a:r>
               <a:rPr lang="en-US" sz="2000" dirty="0">
@@ -6760,11 +6756,11 @@
                   <a:srgbClr val="FF0000"/>
                 </a:solidFill>
               </a:rPr>
-              <a:t>records = NULL</a:t>
-            </a:r>
-            <a:r>
-              <a:rPr lang="en-US" sz="2000" dirty="0"/>
-              <a:t>, </a:t>
+              <a:t>token</a:t>
+            </a:r>
+            <a:r>
+              <a:rPr lang="en-US" sz="2000" dirty="0"/>
+              <a:t>, records = NULL, </a:t>
             </a:r>
             <a:r>
               <a:rPr lang="en-US" sz="2000" dirty="0" err="1"/>
@@ -6799,12 +6795,16 @@
               <a:t> = "raw", verbose = TRUE, </a:t>
             </a:r>
             <a:r>
-              <a:rPr lang="en-US" sz="2000" dirty="0" err="1"/>
+              <a:rPr lang="en-US" sz="2000" dirty="0" err="1" smtClean="0"/>
               <a:t>cert_location</a:t>
             </a:r>
             <a:r>
-              <a:rPr lang="en-US" sz="2000" dirty="0"/>
-              <a:t> = NULL</a:t>
+              <a:rPr lang="en-US" sz="2000" dirty="0" smtClean="0"/>
+              <a:t> </a:t>
+            </a:r>
+            <a:r>
+              <a:rPr lang="en-US" sz="2000" dirty="0"/>
+              <a:t>= NULL</a:t>
             </a:r>
             <a:r>
               <a:rPr lang="en-US" sz="2000" dirty="0" smtClean="0"/>
@@ -6823,29 +6823,13 @@
             </a:pPr>
             <a:r>
               <a:rPr lang="en-US" sz="2000" dirty="0" smtClean="0"/>
-              <a:t>records:	</a:t>
-            </a:r>
-            <a:r>
-              <a:rPr lang="en-US" sz="2000" dirty="0"/>
-              <a:t>	</a:t>
-            </a:r>
-            <a:r>
-              <a:rPr lang="en-US" sz="2000" dirty="0" smtClean="0"/>
-              <a:t>An array, where each element corresponds to the ID of a desired</a:t>
-            </a:r>
-          </a:p>
-          <a:p>
-            <a:pPr marL="0" indent="0">
-              <a:buNone/>
-            </a:pPr>
-            <a:r>
-              <a:rPr lang="en-US" sz="2000" dirty="0"/>
-              <a:t>	</a:t>
-            </a:r>
-            <a:r>
-              <a:rPr lang="en-US" sz="2000" dirty="0" smtClean="0"/>
-              <a:t>	record.  Optional.</a:t>
-            </a:r>
+              <a:t>token:	The user-specific string that serves as the password for a project.  Required.</a:t>
+            </a:r>
+          </a:p>
+          <a:p>
+            <a:pPr marL="0" indent="0">
+              <a:buNone/>
+            </a:pPr>
             <a:endParaRPr lang="en-US" sz="2000" dirty="0"/>
           </a:p>
         </p:txBody>
@@ -6908,7 +6892,7 @@
     </p:spTree>
     <p:extLst>
       <p:ext uri="{BB962C8B-B14F-4D97-AF65-F5344CB8AC3E}">
-        <p14:creationId xmlns:p14="http://schemas.microsoft.com/office/powerpoint/2010/main" val="1794959244"/>
+        <p14:creationId xmlns:p14="http://schemas.microsoft.com/office/powerpoint/2010/main" val="2257959587"/>
       </p:ext>
     </p:extLst>
   </p:cSld>
@@ -7012,15 +6996,7 @@
             </a:r>
             <a:r>
               <a:rPr lang="en-US" sz="2000" dirty="0"/>
-              <a:t>, token, records = NULL, </a:t>
-            </a:r>
-            <a:r>
-              <a:rPr lang="en-US" sz="2000" dirty="0" err="1">
-                <a:solidFill>
-                  <a:srgbClr val="FF0000"/>
-                </a:solidFill>
-              </a:rPr>
-              <a:t>records_collapsed</a:t>
+              <a:t>, token, </a:t>
             </a:r>
             <a:r>
               <a:rPr lang="en-US" sz="2000" dirty="0">
@@ -7028,11 +7004,19 @@
                   <a:srgbClr val="FF0000"/>
                 </a:solidFill>
               </a:rPr>
-              <a:t> = NULL</a:t>
-            </a:r>
-            <a:r>
-              <a:rPr lang="en-US" sz="2000" dirty="0"/>
-              <a:t>, fields = NULL, </a:t>
+              <a:t>records = NULL</a:t>
+            </a:r>
+            <a:r>
+              <a:rPr lang="en-US" sz="2000" dirty="0"/>
+              <a:t>, </a:t>
+            </a:r>
+            <a:r>
+              <a:rPr lang="en-US" sz="2000" dirty="0" err="1"/>
+              <a:t>records_collapsed</a:t>
+            </a:r>
+            <a:r>
+              <a:rPr lang="en-US" sz="2000" dirty="0"/>
+              <a:t> = NULL, fields = NULL, </a:t>
             </a:r>
             <a:r>
               <a:rPr lang="en-US" sz="2000" dirty="0" err="1"/>
@@ -7082,25 +7066,29 @@
               <a:buNone/>
             </a:pPr>
             <a:r>
-              <a:rPr lang="en-US" sz="2000" dirty="0" err="1" smtClean="0"/>
-              <a:t>records_collapsed</a:t>
-            </a:r>
-            <a:r>
               <a:rPr lang="en-US" sz="2000" dirty="0" smtClean="0"/>
-              <a:t>:	A single string, where the desired ID values are separated</a:t>
-            </a:r>
-          </a:p>
-          <a:p>
-            <a:pPr marL="0" indent="0">
-              <a:buNone/>
-            </a:pPr>
+              <a:t>records:	</a:t>
+            </a:r>
             <a:r>
               <a:rPr lang="en-US" sz="2000" dirty="0"/>
               <a:t>	</a:t>
             </a:r>
             <a:r>
               <a:rPr lang="en-US" sz="2000" dirty="0" smtClean="0"/>
-              <a:t>		by commas.  Optional.</a:t>
+              <a:t>An array, where each element corresponds to the ID of a desired</a:t>
+            </a:r>
+          </a:p>
+          <a:p>
+            <a:pPr marL="0" indent="0">
+              <a:buNone/>
+            </a:pPr>
+            <a:r>
+              <a:rPr lang="en-US" sz="2000" dirty="0"/>
+              <a:t>	</a:t>
+            </a:r>
+            <a:r>
+              <a:rPr lang="en-US" sz="2000" dirty="0" smtClean="0"/>
+              <a:t>	record.  Optional.</a:t>
             </a:r>
             <a:endParaRPr lang="en-US" sz="2000" dirty="0"/>
           </a:p>
@@ -7164,7 +7152,7 @@
     </p:spTree>
     <p:extLst>
       <p:ext uri="{BB962C8B-B14F-4D97-AF65-F5344CB8AC3E}">
-        <p14:creationId xmlns:p14="http://schemas.microsoft.com/office/powerpoint/2010/main" val="2935658833"/>
+        <p14:creationId xmlns:p14="http://schemas.microsoft.com/office/powerpoint/2010/main" val="1794959244"/>
       </p:ext>
     </p:extLst>
   </p:cSld>
@@ -7754,12 +7742,12 @@
               <a:t>, token, records = NULL, </a:t>
             </a:r>
             <a:r>
-              <a:rPr lang="en-US" sz="2000" dirty="0" err="1"/>
+              <a:rPr lang="en-US" sz="2000" dirty="0" err="1">
+                <a:solidFill>
+                  <a:srgbClr val="FF0000"/>
+                </a:solidFill>
+              </a:rPr>
               <a:t>records_collapsed</a:t>
-            </a:r>
-            <a:r>
-              <a:rPr lang="en-US" sz="2000" dirty="0"/>
-              <a:t> = NULL, </a:t>
             </a:r>
             <a:r>
               <a:rPr lang="en-US" sz="2000" dirty="0">
@@ -7767,11 +7755,11 @@
                   <a:srgbClr val="FF0000"/>
                 </a:solidFill>
               </a:rPr>
-              <a:t>fields = NULL</a:t>
-            </a:r>
-            <a:r>
-              <a:rPr lang="en-US" sz="2000" dirty="0"/>
-              <a:t>, </a:t>
+              <a:t> = NULL</a:t>
+            </a:r>
+            <a:r>
+              <a:rPr lang="en-US" sz="2000" dirty="0"/>
+              <a:t>, fields = NULL, </a:t>
             </a:r>
             <a:r>
               <a:rPr lang="en-US" sz="2000" dirty="0" err="1"/>
@@ -7821,8 +7809,12 @@
               <a:buNone/>
             </a:pPr>
             <a:r>
+              <a:rPr lang="en-US" sz="2000" dirty="0" err="1" smtClean="0"/>
+              <a:t>records_collapsed</a:t>
+            </a:r>
+            <a:r>
               <a:rPr lang="en-US" sz="2000" dirty="0" smtClean="0"/>
-              <a:t>fields:	An array, where each element corresponds to a desired project field.</a:t>
+              <a:t>:	A single string, where the desired ID values are separated</a:t>
             </a:r>
           </a:p>
           <a:p>
@@ -7835,7 +7827,7 @@
             </a:r>
             <a:r>
               <a:rPr lang="en-US" sz="2000" dirty="0" smtClean="0"/>
-              <a:t>Optional.</a:t>
+              <a:t>		by commas.  Optional.</a:t>
             </a:r>
             <a:endParaRPr lang="en-US" sz="2000" dirty="0"/>
           </a:p>
@@ -7899,7 +7891,7 @@
     </p:spTree>
     <p:extLst>
       <p:ext uri="{BB962C8B-B14F-4D97-AF65-F5344CB8AC3E}">
-        <p14:creationId xmlns:p14="http://schemas.microsoft.com/office/powerpoint/2010/main" val="486919693"/>
+        <p14:creationId xmlns:p14="http://schemas.microsoft.com/office/powerpoint/2010/main" val="2935658833"/>
       </p:ext>
     </p:extLst>
   </p:cSld>
@@ -8011,15 +8003,7 @@
             </a:r>
             <a:r>
               <a:rPr lang="en-US" sz="2000" dirty="0"/>
-              <a:t> = NULL, fields = NULL, </a:t>
-            </a:r>
-            <a:r>
-              <a:rPr lang="en-US" sz="2000" dirty="0" err="1">
-                <a:solidFill>
-                  <a:srgbClr val="FF0000"/>
-                </a:solidFill>
-              </a:rPr>
-              <a:t>fields_collapsed</a:t>
+              <a:t> = NULL, </a:t>
             </a:r>
             <a:r>
               <a:rPr lang="en-US" sz="2000" dirty="0">
@@ -8027,11 +8011,19 @@
                   <a:srgbClr val="FF0000"/>
                 </a:solidFill>
               </a:rPr>
-              <a:t> = NULL</a:t>
+              <a:t>fields = NULL</a:t>
             </a:r>
             <a:r>
               <a:rPr lang="en-US" sz="2000" dirty="0"/>
               <a:t>, </a:t>
+            </a:r>
+            <a:r>
+              <a:rPr lang="en-US" sz="2000" dirty="0" err="1"/>
+              <a:t>fields_collapsed</a:t>
+            </a:r>
+            <a:r>
+              <a:rPr lang="en-US" sz="2000" dirty="0"/>
+              <a:t> = NULL, </a:t>
             </a:r>
             <a:r>
               <a:rPr lang="en-US" sz="2000" dirty="0" err="1"/>
@@ -8073,33 +8065,21 @@
               <a:buNone/>
             </a:pPr>
             <a:r>
-              <a:rPr lang="en-US" sz="2000" dirty="0" err="1" smtClean="0"/>
-              <a:t>fields_collapsed</a:t>
-            </a:r>
-            <a:r>
               <a:rPr lang="en-US" sz="2000" dirty="0" smtClean="0"/>
-              <a:t>:	A single string, </a:t>
-            </a:r>
-            <a:r>
-              <a:rPr lang="en-US" sz="2000" dirty="0" err="1" smtClean="0"/>
-              <a:t>whre</a:t>
+              <a:t>fields:	An array, where each element corresponds to a desired project field.</a:t>
+            </a:r>
+          </a:p>
+          <a:p>
+            <a:pPr marL="0" indent="0">
+              <a:buNone/>
+            </a:pPr>
+            <a:r>
+              <a:rPr lang="en-US" sz="2000" dirty="0"/>
+              <a:t>	</a:t>
             </a:r>
             <a:r>
               <a:rPr lang="en-US" sz="2000" dirty="0" smtClean="0"/>
-              <a:t> the desired field names are separated by</a:t>
-            </a:r>
-          </a:p>
-          <a:p>
-            <a:pPr marL="0" indent="0">
-              <a:buNone/>
-            </a:pPr>
-            <a:r>
-              <a:rPr lang="en-US" sz="2000" dirty="0"/>
-              <a:t>	</a:t>
-            </a:r>
-            <a:r>
-              <a:rPr lang="en-US" sz="2000" dirty="0" smtClean="0"/>
-              <a:t>	commas.  Optional.</a:t>
+              <a:t>Optional.</a:t>
             </a:r>
             <a:endParaRPr lang="en-US" sz="2000" dirty="0"/>
           </a:p>
@@ -8163,7 +8143,7 @@
     </p:spTree>
     <p:extLst>
       <p:ext uri="{BB962C8B-B14F-4D97-AF65-F5344CB8AC3E}">
-        <p14:creationId xmlns:p14="http://schemas.microsoft.com/office/powerpoint/2010/main" val="1210136252"/>
+        <p14:creationId xmlns:p14="http://schemas.microsoft.com/office/powerpoint/2010/main" val="486919693"/>
       </p:ext>
     </p:extLst>
   </p:cSld>
@@ -8278,20 +8258,12 @@
               <a:t> = NULL, fields = NULL, </a:t>
             </a:r>
             <a:r>
-              <a:rPr lang="en-US" sz="2000" dirty="0" err="1"/>
-              <a:t>fields_collapsed</a:t>
-            </a:r>
-            <a:r>
-              <a:rPr lang="en-US" sz="2000" dirty="0"/>
-              <a:t> = NULL, </a:t>
-            </a:r>
-            <a:r>
               <a:rPr lang="en-US" sz="2000" dirty="0" err="1">
                 <a:solidFill>
                   <a:srgbClr val="FF0000"/>
                 </a:solidFill>
               </a:rPr>
-              <a:t>export_data_access_groups</a:t>
+              <a:t>fields_collapsed</a:t>
             </a:r>
             <a:r>
               <a:rPr lang="en-US" sz="2000" dirty="0">
@@ -8299,11 +8271,19 @@
                   <a:srgbClr val="FF0000"/>
                 </a:solidFill>
               </a:rPr>
-              <a:t> = FALSE</a:t>
+              <a:t> = NULL</a:t>
             </a:r>
             <a:r>
               <a:rPr lang="en-US" sz="2000" dirty="0"/>
               <a:t>, </a:t>
+            </a:r>
+            <a:r>
+              <a:rPr lang="en-US" sz="2000" dirty="0" err="1"/>
+              <a:t>export_data_access_groups</a:t>
+            </a:r>
+            <a:r>
+              <a:rPr lang="en-US" sz="2000" dirty="0"/>
+              <a:t> = FALSE, </a:t>
             </a:r>
             <a:r>
               <a:rPr lang="en-US" sz="2000" dirty="0" err="1"/>
@@ -8338,19 +8318,19 @@
             </a:pPr>
             <a:r>
               <a:rPr lang="en-US" sz="2000" dirty="0" err="1" smtClean="0"/>
-              <a:t>export_data_access_groups</a:t>
+              <a:t>fields_collapsed</a:t>
             </a:r>
             <a:r>
               <a:rPr lang="en-US" sz="2000" dirty="0" smtClean="0"/>
-              <a:t>:	A </a:t>
-            </a:r>
-            <a:r>
-              <a:rPr lang="en-US" sz="2000" dirty="0" err="1" smtClean="0"/>
-              <a:t>boolean</a:t>
+              <a:t>:	A single string, </a:t>
             </a:r>
             <a:r>
               <a:rPr lang="en-US" sz="2000" dirty="0" smtClean="0"/>
-              <a:t> value that specifies whether or</a:t>
+              <a:t>where </a:t>
+            </a:r>
+            <a:r>
+              <a:rPr lang="en-US" sz="2000" dirty="0" smtClean="0"/>
+              <a:t>the desired field names are separated by</a:t>
             </a:r>
           </a:p>
           <a:p>
@@ -8363,41 +8343,7 @@
             </a:r>
             <a:r>
               <a:rPr lang="en-US" sz="2000" dirty="0" smtClean="0"/>
-              <a:t>			not to export the “</a:t>
-            </a:r>
-            <a:r>
-              <a:rPr lang="en-US" sz="2000" dirty="0" err="1" smtClean="0"/>
-              <a:t>redcap_data_access_group</a:t>
-            </a:r>
-            <a:r>
-              <a:rPr lang="en-US" sz="2000" dirty="0" smtClean="0"/>
-              <a:t>”</a:t>
-            </a:r>
-          </a:p>
-          <a:p>
-            <a:pPr marL="0" indent="0">
-              <a:buNone/>
-            </a:pPr>
-            <a:r>
-              <a:rPr lang="en-US" sz="2000" dirty="0"/>
-              <a:t>	</a:t>
-            </a:r>
-            <a:r>
-              <a:rPr lang="en-US" sz="2000" dirty="0" smtClean="0"/>
-              <a:t>			field when data access groups are utilized in the</a:t>
-            </a:r>
-          </a:p>
-          <a:p>
-            <a:pPr marL="0" indent="0">
-              <a:buNone/>
-            </a:pPr>
-            <a:r>
-              <a:rPr lang="en-US" sz="2000" dirty="0"/>
-              <a:t>	</a:t>
-            </a:r>
-            <a:r>
-              <a:rPr lang="en-US" sz="2000" dirty="0" smtClean="0"/>
-              <a:t>			project.  Default is FALSE.  </a:t>
+              <a:t>	commas.  Optional.</a:t>
             </a:r>
             <a:endParaRPr lang="en-US" sz="2000" dirty="0"/>
           </a:p>
@@ -8461,7 +8407,7 @@
     </p:spTree>
     <p:extLst>
       <p:ext uri="{BB962C8B-B14F-4D97-AF65-F5344CB8AC3E}">
-        <p14:creationId xmlns:p14="http://schemas.microsoft.com/office/powerpoint/2010/main" val="4089122093"/>
+        <p14:creationId xmlns:p14="http://schemas.microsoft.com/office/powerpoint/2010/main" val="1210136252"/>
       </p:ext>
     </p:extLst>
   </p:cSld>
@@ -8584,20 +8530,12 @@
               <a:t> = NULL, </a:t>
             </a:r>
             <a:r>
-              <a:rPr lang="en-US" sz="2000" dirty="0" err="1"/>
-              <a:t>export_data_access_groups</a:t>
-            </a:r>
-            <a:r>
-              <a:rPr lang="en-US" sz="2000" dirty="0"/>
-              <a:t> = FALSE, </a:t>
-            </a:r>
-            <a:r>
               <a:rPr lang="en-US" sz="2000" dirty="0" err="1">
                 <a:solidFill>
                   <a:srgbClr val="FF0000"/>
                 </a:solidFill>
               </a:rPr>
-              <a:t>raw_or_label</a:t>
+              <a:t>export_data_access_groups</a:t>
             </a:r>
             <a:r>
               <a:rPr lang="en-US" sz="2000" dirty="0">
@@ -8605,11 +8543,19 @@
                   <a:srgbClr val="FF0000"/>
                 </a:solidFill>
               </a:rPr>
-              <a:t> = "raw"</a:t>
-            </a:r>
-            <a:r>
-              <a:rPr lang="en-US" sz="2000" dirty="0"/>
-              <a:t>, verbose = TRUE, </a:t>
+              <a:t> = FALSE</a:t>
+            </a:r>
+            <a:r>
+              <a:rPr lang="en-US" sz="2000" dirty="0"/>
+              <a:t>, </a:t>
+            </a:r>
+            <a:r>
+              <a:rPr lang="en-US" sz="2000" dirty="0" err="1"/>
+              <a:t>raw_or_label</a:t>
+            </a:r>
+            <a:r>
+              <a:rPr lang="en-US" sz="2000" dirty="0"/>
+              <a:t> = "raw", verbose = TRUE, </a:t>
             </a:r>
             <a:r>
               <a:rPr lang="en-US" sz="2000" dirty="0" err="1"/>
@@ -8636,11 +8582,19 @@
             </a:pPr>
             <a:r>
               <a:rPr lang="en-US" sz="2000" dirty="0" err="1" smtClean="0"/>
-              <a:t>raw_or_label</a:t>
+              <a:t>export_data_access_groups</a:t>
             </a:r>
             <a:r>
               <a:rPr lang="en-US" sz="2000" dirty="0" smtClean="0"/>
-              <a:t>:	A string (either ‘raw’ or ‘label’) that specifies whether to export</a:t>
+              <a:t>:	A </a:t>
+            </a:r>
+            <a:r>
+              <a:rPr lang="en-US" sz="2000" dirty="0" err="1" smtClean="0"/>
+              <a:t>boolean</a:t>
+            </a:r>
+            <a:r>
+              <a:rPr lang="en-US" sz="2000" dirty="0" smtClean="0"/>
+              <a:t> value that specifies whether or</a:t>
             </a:r>
           </a:p>
           <a:p>
@@ -8653,7 +8607,15 @@
             </a:r>
             <a:r>
               <a:rPr lang="en-US" sz="2000" dirty="0" smtClean="0"/>
-              <a:t>	the raw coded values or the labels for the options of multiple</a:t>
+              <a:t>			not to export the “</a:t>
+            </a:r>
+            <a:r>
+              <a:rPr lang="en-US" sz="2000" dirty="0" err="1" smtClean="0"/>
+              <a:t>redcap_data_access_group</a:t>
+            </a:r>
+            <a:r>
+              <a:rPr lang="en-US" sz="2000" dirty="0" smtClean="0"/>
+              <a:t>”</a:t>
             </a:r>
           </a:p>
           <a:p>
@@ -8666,7 +8628,20 @@
             </a:r>
             <a:r>
               <a:rPr lang="en-US" sz="2000" dirty="0" smtClean="0"/>
-              <a:t>	choice fields.  Default is ‘raw’.</a:t>
+              <a:t>			field when data access groups are utilized in the</a:t>
+            </a:r>
+          </a:p>
+          <a:p>
+            <a:pPr marL="0" indent="0">
+              <a:buNone/>
+            </a:pPr>
+            <a:r>
+              <a:rPr lang="en-US" sz="2000" dirty="0"/>
+              <a:t>	</a:t>
+            </a:r>
+            <a:r>
+              <a:rPr lang="en-US" sz="2000" dirty="0" smtClean="0"/>
+              <a:t>			project.  Default is FALSE.  </a:t>
             </a:r>
             <a:endParaRPr lang="en-US" sz="2000" dirty="0"/>
           </a:p>
@@ -8730,7 +8705,7 @@
     </p:spTree>
     <p:extLst>
       <p:ext uri="{BB962C8B-B14F-4D97-AF65-F5344CB8AC3E}">
-        <p14:creationId xmlns:p14="http://schemas.microsoft.com/office/powerpoint/2010/main" val="1610841167"/>
+        <p14:creationId xmlns:p14="http://schemas.microsoft.com/office/powerpoint/2010/main" val="4089122093"/>
       </p:ext>
     </p:extLst>
   </p:cSld>
@@ -8861,12 +8836,12 @@
               <a:t> = FALSE, </a:t>
             </a:r>
             <a:r>
-              <a:rPr lang="en-US" sz="2000" dirty="0" err="1"/>
+              <a:rPr lang="en-US" sz="2000" dirty="0" err="1">
+                <a:solidFill>
+                  <a:srgbClr val="FF0000"/>
+                </a:solidFill>
+              </a:rPr>
               <a:t>raw_or_label</a:t>
-            </a:r>
-            <a:r>
-              <a:rPr lang="en-US" sz="2000" dirty="0"/>
-              <a:t> = "raw", </a:t>
             </a:r>
             <a:r>
               <a:rPr lang="en-US" sz="2000" dirty="0">
@@ -8874,11 +8849,11 @@
                   <a:srgbClr val="FF0000"/>
                 </a:solidFill>
               </a:rPr>
-              <a:t>verbose = TRUE</a:t>
-            </a:r>
-            <a:r>
-              <a:rPr lang="en-US" sz="2000" dirty="0"/>
-              <a:t>, </a:t>
+              <a:t> = "raw"</a:t>
+            </a:r>
+            <a:r>
+              <a:rPr lang="en-US" sz="2000" dirty="0"/>
+              <a:t>, verbose = TRUE, </a:t>
             </a:r>
             <a:r>
               <a:rPr lang="en-US" sz="2000" dirty="0" err="1"/>
@@ -8904,16 +8879,25 @@
               <a:buNone/>
             </a:pPr>
             <a:r>
+              <a:rPr lang="en-US" sz="2000" dirty="0" err="1" smtClean="0"/>
+              <a:t>raw_or_label</a:t>
+            </a:r>
+            <a:r>
               <a:rPr lang="en-US" sz="2000" dirty="0" smtClean="0"/>
-              <a:t>verbose:		A </a:t>
-            </a:r>
-            <a:r>
-              <a:rPr lang="en-US" sz="2000" dirty="0" err="1" smtClean="0"/>
-              <a:t>boolean</a:t>
+              <a:t>:	A string (either ‘raw’ or ‘label’) that specifies whether to export</a:t>
+            </a:r>
+          </a:p>
+          <a:p>
+            <a:pPr marL="0" indent="0">
+              <a:buNone/>
+            </a:pPr>
+            <a:r>
+              <a:rPr lang="en-US" sz="2000" dirty="0"/>
+              <a:t>	</a:t>
             </a:r>
             <a:r>
               <a:rPr lang="en-US" sz="2000" dirty="0" smtClean="0"/>
-              <a:t> value indicating if messages should be printed</a:t>
+              <a:t>	the raw coded values or the labels for the options of multiple</a:t>
             </a:r>
           </a:p>
           <a:p>
@@ -8926,7 +8910,7 @@
             </a:r>
             <a:r>
               <a:rPr lang="en-US" sz="2000" dirty="0" smtClean="0"/>
-              <a:t>	to the R console during the operation.  Optional.</a:t>
+              <a:t>	choice fields.  Default is ‘raw’.</a:t>
             </a:r>
             <a:endParaRPr lang="en-US" sz="2000" dirty="0"/>
           </a:p>
@@ -8990,7 +8974,7 @@
     </p:spTree>
     <p:extLst>
       <p:ext uri="{BB962C8B-B14F-4D97-AF65-F5344CB8AC3E}">
-        <p14:creationId xmlns:p14="http://schemas.microsoft.com/office/powerpoint/2010/main" val="2904820133"/>
+        <p14:creationId xmlns:p14="http://schemas.microsoft.com/office/powerpoint/2010/main" val="1610841167"/>
       </p:ext>
     </p:extLst>
   </p:cSld>
@@ -9126,15 +9110,7 @@
             </a:r>
             <a:r>
               <a:rPr lang="en-US" sz="2000" dirty="0"/>
-              <a:t> = "raw", verbose = TRUE, </a:t>
-            </a:r>
-            <a:r>
-              <a:rPr lang="en-US" sz="2000" dirty="0" err="1">
-                <a:solidFill>
-                  <a:srgbClr val="FF0000"/>
-                </a:solidFill>
-              </a:rPr>
-              <a:t>cert_location</a:t>
+              <a:t> = "raw", </a:t>
             </a:r>
             <a:r>
               <a:rPr lang="en-US" sz="2000" dirty="0">
@@ -9142,6 +9118,18 @@
                   <a:srgbClr val="FF0000"/>
                 </a:solidFill>
               </a:rPr>
+              <a:t>verbose = TRUE</a:t>
+            </a:r>
+            <a:r>
+              <a:rPr lang="en-US" sz="2000" dirty="0"/>
+              <a:t>, </a:t>
+            </a:r>
+            <a:r>
+              <a:rPr lang="en-US" sz="2000" dirty="0" err="1"/>
+              <a:t>cert_location</a:t>
+            </a:r>
+            <a:r>
+              <a:rPr lang="en-US" sz="2000" dirty="0"/>
               <a:t> = NULL</a:t>
             </a:r>
             <a:r>
@@ -9160,12 +9148,16 @@
               <a:buNone/>
             </a:pPr>
             <a:r>
+              <a:rPr lang="en-US" sz="2000" dirty="0" smtClean="0"/>
+              <a:t>verbose:		A </a:t>
+            </a:r>
+            <a:r>
               <a:rPr lang="en-US" sz="2000" dirty="0" err="1" smtClean="0"/>
-              <a:t>cert_location</a:t>
+              <a:t>boolean</a:t>
             </a:r>
             <a:r>
               <a:rPr lang="en-US" sz="2000" dirty="0" smtClean="0"/>
-              <a:t>:	If present, this string should point to the location of cert</a:t>
+              <a:t> value indicating if messages should be printed</a:t>
             </a:r>
           </a:p>
           <a:p>
@@ -9178,41 +9170,7 @@
             </a:r>
             <a:r>
               <a:rPr lang="en-US" sz="2000" dirty="0" smtClean="0"/>
-              <a:t>	files required for SSL verification.  If the value is missing or NULL,</a:t>
-            </a:r>
-          </a:p>
-          <a:p>
-            <a:pPr marL="0" indent="0">
-              <a:buNone/>
-            </a:pPr>
-            <a:r>
-              <a:rPr lang="en-US" sz="2000" dirty="0"/>
-              <a:t>	</a:t>
-            </a:r>
-            <a:r>
-              <a:rPr lang="en-US" sz="2000" dirty="0" smtClean="0"/>
-              <a:t>	the server’s identity will be verified using a recent CA bundle</a:t>
-            </a:r>
-          </a:p>
-          <a:p>
-            <a:pPr marL="0" indent="0">
-              <a:buNone/>
-            </a:pPr>
-            <a:r>
-              <a:rPr lang="en-US" sz="2000" dirty="0"/>
-              <a:t>	</a:t>
-            </a:r>
-            <a:r>
-              <a:rPr lang="en-US" sz="2000" dirty="0" smtClean="0"/>
-              <a:t>	from the </a:t>
-            </a:r>
-            <a:r>
-              <a:rPr lang="en-US" sz="2000" dirty="0" err="1" smtClean="0"/>
-              <a:t>cURL</a:t>
-            </a:r>
-            <a:r>
-              <a:rPr lang="en-US" sz="2000" dirty="0" smtClean="0"/>
-              <a:t> website.  Optional.</a:t>
+              <a:t>	to the R console during the operation.  Optional.</a:t>
             </a:r>
             <a:endParaRPr lang="en-US" sz="2000" dirty="0"/>
           </a:p>
@@ -9276,7 +9234,7 @@
     </p:spTree>
     <p:extLst>
       <p:ext uri="{BB962C8B-B14F-4D97-AF65-F5344CB8AC3E}">
-        <p14:creationId xmlns:p14="http://schemas.microsoft.com/office/powerpoint/2010/main" val="4003326735"/>
+        <p14:creationId xmlns:p14="http://schemas.microsoft.com/office/powerpoint/2010/main" val="2904820133"/>
       </p:ext>
     </p:extLst>
   </p:cSld>
@@ -9337,71 +9295,170 @@
             </a:pPr>
             <a:r>
               <a:rPr lang="en-US" dirty="0" smtClean="0"/>
-              <a:t>Details</a:t>
-            </a:r>
-          </a:p>
-          <a:p>
-            <a:pPr marL="0" indent="0">
-              <a:buNone/>
-            </a:pPr>
-            <a:endParaRPr lang="en-US" sz="2800" dirty="0" smtClean="0"/>
-          </a:p>
-          <a:p>
-            <a:pPr marL="0" indent="0">
-              <a:buNone/>
-            </a:pPr>
-            <a:r>
-              <a:rPr lang="en-US" sz="2800" dirty="0" smtClean="0"/>
-              <a:t>Specifically, </a:t>
-            </a:r>
-            <a:r>
-              <a:rPr lang="en-US" sz="2800" dirty="0" err="1" smtClean="0"/>
-              <a:t>REDCapR</a:t>
-            </a:r>
-            <a:r>
-              <a:rPr lang="en-US" sz="2800" dirty="0" smtClean="0"/>
-              <a:t> internally uses multiple calls to </a:t>
-            </a:r>
-            <a:r>
-              <a:rPr lang="en-US" sz="2800" dirty="0" err="1" smtClean="0"/>
-              <a:t>redcap_read_oneshot</a:t>
-            </a:r>
-            <a:r>
-              <a:rPr lang="en-US" sz="2800" dirty="0" smtClean="0"/>
-              <a:t> to select and return data.  Initially, only primary key is queried through the REDCap API.  The long list is then </a:t>
-            </a:r>
-            <a:r>
-              <a:rPr lang="en-US" sz="2800" dirty="0" err="1" smtClean="0"/>
-              <a:t>subsetted</a:t>
-            </a:r>
-            <a:r>
-              <a:rPr lang="en-US" sz="2800" dirty="0" smtClean="0"/>
-              <a:t> into partitions, whose sizes are determined by the </a:t>
-            </a:r>
-            <a:r>
-              <a:rPr lang="en-US" sz="2800" dirty="0" err="1" smtClean="0"/>
+              <a:t>Usage</a:t>
+            </a:r>
+          </a:p>
+          <a:p>
+            <a:pPr marL="0" indent="0">
+              <a:buNone/>
+            </a:pPr>
+            <a:endParaRPr lang="en-US" dirty="0" smtClean="0"/>
+          </a:p>
+          <a:p>
+            <a:pPr marL="0" indent="0">
+              <a:buNone/>
+            </a:pPr>
+            <a:r>
+              <a:rPr lang="en-US" sz="2000" dirty="0" err="1"/>
+              <a:t>redcap_read</a:t>
+            </a:r>
+            <a:r>
+              <a:rPr lang="en-US" sz="2000" dirty="0"/>
+              <a:t>(</a:t>
+            </a:r>
+            <a:r>
+              <a:rPr lang="en-US" sz="2000" dirty="0" err="1"/>
               <a:t>batch_size</a:t>
             </a:r>
             <a:r>
-              <a:rPr lang="en-US" sz="2800" dirty="0" smtClean="0"/>
-              <a:t> parameter.  REDCap is then queried for all variables of the subset’s subjects.  This is repeated for </a:t>
-            </a:r>
-            <a:r>
-              <a:rPr lang="en-US" sz="2800" dirty="0" err="1" smtClean="0"/>
-              <a:t>eachsubset</a:t>
-            </a:r>
-            <a:r>
-              <a:rPr lang="en-US" sz="2800" dirty="0" smtClean="0"/>
-              <a:t>, before returning a unified </a:t>
-            </a:r>
-            <a:r>
-              <a:rPr lang="en-US" sz="2800" dirty="0" err="1" smtClean="0"/>
-              <a:t>data.frame</a:t>
-            </a:r>
-            <a:r>
-              <a:rPr lang="en-US" sz="2800" dirty="0" smtClean="0"/>
-              <a:t>.  The function allows a delay between calls, which allows the server to attend to other users’ requests.</a:t>
-            </a:r>
+              <a:rPr lang="en-US" sz="2000" dirty="0"/>
+              <a:t> = 100L, </a:t>
+            </a:r>
+            <a:r>
+              <a:rPr lang="en-US" sz="2000" dirty="0" err="1"/>
+              <a:t>interbatch_delay</a:t>
+            </a:r>
+            <a:r>
+              <a:rPr lang="en-US" sz="2000" dirty="0"/>
+              <a:t> = 0, </a:t>
+            </a:r>
+            <a:r>
+              <a:rPr lang="en-US" sz="2000" dirty="0" err="1"/>
+              <a:t>redcap_uri</a:t>
+            </a:r>
+            <a:r>
+              <a:rPr lang="en-US" sz="2000" dirty="0"/>
+              <a:t>, token, records = NULL, </a:t>
+            </a:r>
+            <a:r>
+              <a:rPr lang="en-US" sz="2000" dirty="0" err="1"/>
+              <a:t>records_collapsed</a:t>
+            </a:r>
+            <a:r>
+              <a:rPr lang="en-US" sz="2000" dirty="0"/>
+              <a:t> = NULL, fields = NULL, </a:t>
+            </a:r>
+            <a:r>
+              <a:rPr lang="en-US" sz="2000" dirty="0" err="1"/>
+              <a:t>fields_collapsed</a:t>
+            </a:r>
+            <a:r>
+              <a:rPr lang="en-US" sz="2000" dirty="0"/>
+              <a:t> = NULL, </a:t>
+            </a:r>
+            <a:r>
+              <a:rPr lang="en-US" sz="2000" dirty="0" err="1"/>
+              <a:t>export_data_access_groups</a:t>
+            </a:r>
+            <a:r>
+              <a:rPr lang="en-US" sz="2000" dirty="0"/>
+              <a:t> = FALSE, </a:t>
+            </a:r>
+            <a:r>
+              <a:rPr lang="en-US" sz="2000" dirty="0" err="1"/>
+              <a:t>raw_or_label</a:t>
+            </a:r>
+            <a:r>
+              <a:rPr lang="en-US" sz="2000" dirty="0"/>
+              <a:t> = "raw", verbose = TRUE, </a:t>
+            </a:r>
+            <a:r>
+              <a:rPr lang="en-US" sz="2000" dirty="0" err="1">
+                <a:solidFill>
+                  <a:srgbClr val="FF0000"/>
+                </a:solidFill>
+              </a:rPr>
+              <a:t>cert_location</a:t>
+            </a:r>
+            <a:r>
+              <a:rPr lang="en-US" sz="2000" dirty="0">
+                <a:solidFill>
+                  <a:srgbClr val="FF0000"/>
+                </a:solidFill>
+              </a:rPr>
+              <a:t> = NULL</a:t>
+            </a:r>
+            <a:r>
+              <a:rPr lang="en-US" sz="2000" dirty="0" smtClean="0"/>
+              <a:t>)</a:t>
+            </a:r>
+          </a:p>
+          <a:p>
+            <a:pPr marL="0" indent="0">
+              <a:buNone/>
+            </a:pPr>
+            <a:endParaRPr lang="en-US" sz="2000" dirty="0"/>
+          </a:p>
+          <a:p>
+            <a:pPr marL="0" indent="0">
+              <a:buNone/>
+            </a:pPr>
+            <a:r>
+              <a:rPr lang="en-US" sz="2000" dirty="0" err="1" smtClean="0"/>
+              <a:t>cert_location</a:t>
+            </a:r>
+            <a:r>
+              <a:rPr lang="en-US" sz="2000" dirty="0" smtClean="0"/>
+              <a:t>:	If present, this string should point to the location of cert</a:t>
+            </a:r>
+          </a:p>
+          <a:p>
+            <a:pPr marL="0" indent="0">
+              <a:buNone/>
+            </a:pPr>
+            <a:r>
+              <a:rPr lang="en-US" sz="2000" dirty="0"/>
+              <a:t>	</a:t>
+            </a:r>
+            <a:r>
+              <a:rPr lang="en-US" sz="2000" dirty="0" smtClean="0"/>
+              <a:t>	files required for SSL verification.  If the value is missing or NULL,</a:t>
+            </a:r>
+          </a:p>
+          <a:p>
+            <a:pPr marL="0" indent="0">
+              <a:buNone/>
+            </a:pPr>
+            <a:r>
+              <a:rPr lang="en-US" sz="2000" dirty="0"/>
+              <a:t>	</a:t>
+            </a:r>
+            <a:r>
+              <a:rPr lang="en-US" sz="2000" dirty="0" smtClean="0"/>
+              <a:t>	the server’s identity will be verified using a recent CA bundle</a:t>
+            </a:r>
+          </a:p>
+          <a:p>
+            <a:pPr marL="0" indent="0">
+              <a:buNone/>
+            </a:pPr>
+            <a:r>
+              <a:rPr lang="en-US" sz="2000" dirty="0"/>
+              <a:t>	</a:t>
+            </a:r>
+            <a:r>
+              <a:rPr lang="en-US" sz="2000" dirty="0" smtClean="0"/>
+              <a:t>	from the </a:t>
+            </a:r>
+            <a:r>
+              <a:rPr lang="en-US" sz="2000" dirty="0" err="1" smtClean="0"/>
+              <a:t>cURL</a:t>
+            </a:r>
+            <a:r>
+              <a:rPr lang="en-US" sz="2000" dirty="0" smtClean="0"/>
+              <a:t> website.  Optional.</a:t>
+            </a:r>
+            <a:endParaRPr lang="en-US" sz="2000" dirty="0"/>
           </a:p>
         </p:txBody>
       </p:sp>
@@ -9463,7 +9520,7 @@
     </p:spTree>
     <p:extLst>
       <p:ext uri="{BB962C8B-B14F-4D97-AF65-F5344CB8AC3E}">
-        <p14:creationId xmlns:p14="http://schemas.microsoft.com/office/powerpoint/2010/main" val="1849194995"/>
+        <p14:creationId xmlns:p14="http://schemas.microsoft.com/office/powerpoint/2010/main" val="4003326735"/>
       </p:ext>
     </p:extLst>
   </p:cSld>
@@ -9499,44 +9556,6 @@
       </p:grpSpPr>
       <p:sp>
         <p:nvSpPr>
-          <p:cNvPr id="2" name="Title 1"/>
-          <p:cNvSpPr>
-            <a:spLocks noGrp="1"/>
-          </p:cNvSpPr>
-          <p:nvPr>
-            <p:ph type="title"/>
-          </p:nvPr>
-        </p:nvSpPr>
-        <p:spPr>
-          <a:xfrm>
-            <a:off x="76200" y="76200"/>
-            <a:ext cx="8991600" cy="762000"/>
-          </a:xfrm>
-          <a:solidFill>
-            <a:srgbClr val="66C2A5"/>
-          </a:solidFill>
-        </p:spPr>
-        <p:txBody>
-          <a:bodyPr>
-            <a:normAutofit fontScale="90000"/>
-          </a:bodyPr>
-          <a:lstStyle/>
-          <a:p>
-            <a:pPr marL="0" indent="0"/>
-            <a:r>
-              <a:rPr lang="en-US" sz="4900" dirty="0" err="1" smtClean="0"/>
-              <a:t>REDCapR</a:t>
-            </a:r>
-            <a:r>
-              <a:rPr lang="en-US" sz="4900" dirty="0" smtClean="0"/>
-              <a:t> API Example</a:t>
-            </a:r>
-            <a:endParaRPr lang="en-US" dirty="0"/>
-          </a:p>
-        </p:txBody>
-      </p:sp>
-      <p:sp>
-        <p:nvSpPr>
           <p:cNvPr id="3" name="Content Placeholder 2"/>
           <p:cNvSpPr>
             <a:spLocks noGrp="1"/>
@@ -9547,8 +9566,8 @@
         </p:nvSpPr>
         <p:spPr>
           <a:xfrm>
-            <a:off x="0" y="838200"/>
-            <a:ext cx="9144000" cy="6019800"/>
+            <a:off x="0" y="1219200"/>
+            <a:ext cx="9144000" cy="5638800"/>
           </a:xfrm>
         </p:spPr>
         <p:txBody>
@@ -9557,29 +9576,130 @@
           </a:bodyPr>
           <a:lstStyle/>
           <a:p>
-            <a:endParaRPr lang="en-US" dirty="0" smtClean="0"/>
-          </a:p>
-          <a:p>
-            <a:r>
-              <a:rPr lang="en-US" sz="2500" dirty="0" smtClean="0"/>
-              <a:t>Using the </a:t>
-            </a:r>
-            <a:r>
-              <a:rPr lang="en-US" sz="2500" dirty="0" err="1" smtClean="0"/>
-              <a:t>redcap_read</a:t>
-            </a:r>
-            <a:r>
-              <a:rPr lang="en-US" sz="2500" dirty="0" smtClean="0"/>
-              <a:t>() function data can be extracted from REDCap with only one line</a:t>
-            </a:r>
-          </a:p>
-          <a:p>
-            <a:endParaRPr lang="en-US" dirty="0"/>
-          </a:p>
-          <a:p>
-            <a:pPr marL="0" indent="0">
-              <a:buNone/>
-            </a:pPr>
+            <a:pPr marL="0" indent="0">
+              <a:buNone/>
+            </a:pPr>
+            <a:r>
+              <a:rPr lang="en-US" dirty="0" smtClean="0"/>
+              <a:t>Details</a:t>
+            </a:r>
+          </a:p>
+          <a:p>
+            <a:pPr marL="0" indent="0">
+              <a:buNone/>
+            </a:pPr>
+            <a:endParaRPr lang="en-US" sz="2800" dirty="0" smtClean="0"/>
+          </a:p>
+          <a:p>
+            <a:pPr marL="0" indent="0">
+              <a:buNone/>
+            </a:pPr>
+            <a:r>
+              <a:rPr lang="en-US" sz="2800" dirty="0" smtClean="0"/>
+              <a:t>Specifically, </a:t>
+            </a:r>
+            <a:r>
+              <a:rPr lang="en-US" sz="2800" dirty="0" err="1" smtClean="0"/>
+              <a:t>REDCapR</a:t>
+            </a:r>
+            <a:r>
+              <a:rPr lang="en-US" sz="2800" dirty="0" smtClean="0"/>
+              <a:t> internally uses multiple calls to </a:t>
+            </a:r>
+            <a:r>
+              <a:rPr lang="en-US" sz="2800" dirty="0" err="1" smtClean="0"/>
+              <a:t>redcap_read_oneshot</a:t>
+            </a:r>
+            <a:r>
+              <a:rPr lang="en-US" sz="2800" dirty="0" smtClean="0"/>
+              <a:t> to select and return data.  Initially, only primary key is queried through the REDCap API.  The long list is then </a:t>
+            </a:r>
+            <a:r>
+              <a:rPr lang="en-US" sz="2800" dirty="0" err="1" smtClean="0"/>
+              <a:t>subsetted</a:t>
+            </a:r>
+            <a:r>
+              <a:rPr lang="en-US" sz="2800" dirty="0" smtClean="0"/>
+              <a:t> into partitions, whose sizes are determined by the </a:t>
+            </a:r>
+            <a:r>
+              <a:rPr lang="en-US" sz="2800" dirty="0" err="1" smtClean="0"/>
+              <a:t>batch_size</a:t>
+            </a:r>
+            <a:r>
+              <a:rPr lang="en-US" sz="2800" dirty="0" smtClean="0"/>
+              <a:t> parameter.  REDCap is then queried for all variables of the subset’s subjects.  This is repeated for </a:t>
+            </a:r>
+            <a:r>
+              <a:rPr lang="en-US" sz="2800" dirty="0" smtClean="0"/>
+              <a:t>each subset</a:t>
+            </a:r>
+            <a:r>
+              <a:rPr lang="en-US" sz="2800" dirty="0" smtClean="0"/>
+              <a:t>, before returning a unified </a:t>
+            </a:r>
+            <a:r>
+              <a:rPr lang="en-US" sz="2800" dirty="0" err="1" smtClean="0"/>
+              <a:t>data.frame</a:t>
+            </a:r>
+            <a:r>
+              <a:rPr lang="en-US" sz="2800" dirty="0" smtClean="0"/>
+              <a:t>.  The function allows a delay between calls, which allows the server to attend to other users’ requests.</a:t>
+            </a:r>
+          </a:p>
+        </p:txBody>
+      </p:sp>
+      <p:sp>
+        <p:nvSpPr>
+          <p:cNvPr id="5" name="Title 1"/>
+          <p:cNvSpPr txBox="1">
+            <a:spLocks/>
+          </p:cNvSpPr>
+          <p:nvPr/>
+        </p:nvSpPr>
+        <p:spPr>
+          <a:xfrm>
+            <a:off x="76200" y="76200"/>
+            <a:ext cx="8991600" cy="758952"/>
+          </a:xfrm>
+          <a:prstGeom prst="rect">
+            <a:avLst/>
+          </a:prstGeom>
+          <a:solidFill>
+            <a:srgbClr val="E6F598"/>
+          </a:solidFill>
+        </p:spPr>
+        <p:txBody>
+          <a:bodyPr vert="horz" lIns="91440" tIns="45720" rIns="91440" bIns="45720" rtlCol="0" anchor="ctr">
+            <a:normAutofit fontScale="97500"/>
+          </a:bodyPr>
+          <a:lstStyle>
+            <a:lvl1pPr algn="ctr" defTabSz="914400" rtl="0" eaLnBrk="1" latinLnBrk="0" hangingPunct="1">
+              <a:spcBef>
+                <a:spcPct val="0"/>
+              </a:spcBef>
+              <a:buNone/>
+              <a:defRPr sz="4400" kern="1200">
+                <a:solidFill>
+                  <a:schemeClr val="tx1"/>
+                </a:solidFill>
+                <a:latin typeface="+mj-lt"/>
+                <a:ea typeface="+mj-ea"/>
+                <a:cs typeface="+mj-cs"/>
+              </a:defRPr>
+            </a:lvl1pPr>
+          </a:lstStyle>
+          <a:p>
+            <a:pPr>
+              <a:spcBef>
+                <a:spcPts val="0"/>
+              </a:spcBef>
+              <a:defRPr/>
+            </a:pPr>
+            <a:r>
+              <a:rPr lang="en-US" dirty="0" err="1" smtClean="0"/>
+              <a:t>REDCapR</a:t>
+            </a:r>
             <a:endParaRPr lang="en-US" dirty="0"/>
           </a:p>
         </p:txBody>
@@ -9587,7 +9707,7 @@
     </p:spTree>
     <p:extLst>
       <p:ext uri="{BB962C8B-B14F-4D97-AF65-F5344CB8AC3E}">
-        <p14:creationId xmlns:p14="http://schemas.microsoft.com/office/powerpoint/2010/main" val="2857515703"/>
+        <p14:creationId xmlns:p14="http://schemas.microsoft.com/office/powerpoint/2010/main" val="1849194995"/>
       </p:ext>
     </p:extLst>
   </p:cSld>
@@ -9681,98 +9801,23 @@
           </a:bodyPr>
           <a:lstStyle/>
           <a:p>
-            <a:pPr marL="0" indent="0">
-              <a:buNone/>
-            </a:pPr>
             <a:endParaRPr lang="en-US" dirty="0" smtClean="0"/>
           </a:p>
           <a:p>
-            <a:pPr marL="0" indent="0">
-              <a:buNone/>
-            </a:pPr>
-            <a:r>
-              <a:rPr lang="en-US" dirty="0" smtClean="0"/>
-              <a:t>Simple </a:t>
-            </a:r>
-            <a:r>
-              <a:rPr lang="en-US" dirty="0" err="1" smtClean="0"/>
-              <a:t>REDCapR</a:t>
-            </a:r>
-            <a:r>
-              <a:rPr lang="en-US" dirty="0" smtClean="0"/>
-              <a:t> example using the default settings.</a:t>
-            </a:r>
-          </a:p>
-          <a:p>
-            <a:pPr marL="0" indent="0">
-              <a:buNone/>
-            </a:pPr>
-            <a:endParaRPr lang="en-US" dirty="0" smtClean="0"/>
-          </a:p>
-          <a:p>
-            <a:pPr marL="0" indent="0">
-              <a:buNone/>
-            </a:pPr>
-            <a:r>
-              <a:rPr lang="en-US" dirty="0"/>
-              <a:t>ds &lt;- </a:t>
-            </a:r>
-            <a:r>
-              <a:rPr lang="en-US" dirty="0" err="1"/>
+            <a:r>
+              <a:rPr lang="en-US" sz="2500" dirty="0" smtClean="0"/>
+              <a:t>Using the </a:t>
+            </a:r>
+            <a:r>
+              <a:rPr lang="en-US" sz="2500" dirty="0" err="1" smtClean="0"/>
               <a:t>redcap_read</a:t>
             </a:r>
             <a:r>
-              <a:rPr lang="en-US" dirty="0"/>
-              <a:t>(</a:t>
-            </a:r>
-            <a:r>
-              <a:rPr lang="en-US" dirty="0" err="1"/>
-              <a:t>redcap_uri</a:t>
-            </a:r>
-            <a:r>
-              <a:rPr lang="en-US" dirty="0"/>
-              <a:t>=</a:t>
-            </a:r>
-            <a:r>
-              <a:rPr lang="en-US" dirty="0" err="1"/>
-              <a:t>uri</a:t>
-            </a:r>
-            <a:r>
-              <a:rPr lang="en-US" dirty="0"/>
-              <a:t>, token=token)$</a:t>
-            </a:r>
-            <a:r>
-              <a:rPr lang="en-US" dirty="0" smtClean="0"/>
-              <a:t>data</a:t>
-            </a:r>
-          </a:p>
-          <a:p>
-            <a:pPr marL="0" indent="0">
-              <a:buNone/>
-            </a:pPr>
-            <a:endParaRPr lang="en-US" dirty="0"/>
-          </a:p>
-          <a:p>
-            <a:pPr marL="0" indent="0">
-              <a:buNone/>
-            </a:pPr>
-            <a:r>
-              <a:rPr lang="en-US" dirty="0" smtClean="0"/>
-              <a:t>User must supply the two required parameters: </a:t>
-            </a:r>
-          </a:p>
-          <a:p>
-            <a:pPr marL="0" indent="0">
-              <a:buNone/>
-            </a:pPr>
-            <a:r>
-              <a:rPr lang="en-US" dirty="0" err="1" smtClean="0"/>
-              <a:t>uri</a:t>
-            </a:r>
-            <a:r>
-              <a:rPr lang="en-US" dirty="0" smtClean="0"/>
-              <a:t> and token</a:t>
-            </a:r>
+              <a:rPr lang="en-US" sz="2500" dirty="0" smtClean="0"/>
+              <a:t>() function data can be extracted from REDCap with only one line</a:t>
+            </a:r>
+          </a:p>
+          <a:p>
             <a:endParaRPr lang="en-US" dirty="0"/>
           </a:p>
           <a:p>
@@ -9786,7 +9831,7 @@
     </p:spTree>
     <p:extLst>
       <p:ext uri="{BB962C8B-B14F-4D97-AF65-F5344CB8AC3E}">
-        <p14:creationId xmlns:p14="http://schemas.microsoft.com/office/powerpoint/2010/main" val="3385533368"/>
+        <p14:creationId xmlns:p14="http://schemas.microsoft.com/office/powerpoint/2010/main" val="2857515703"/>
       </p:ext>
     </p:extLst>
   </p:cSld>
@@ -9890,12 +9935,16 @@
               <a:buNone/>
             </a:pPr>
             <a:r>
+              <a:rPr lang="en-US" dirty="0" smtClean="0"/>
+              <a:t>Simple </a:t>
+            </a:r>
+            <a:r>
               <a:rPr lang="en-US" dirty="0" err="1" smtClean="0"/>
               <a:t>REDCapR</a:t>
             </a:r>
             <a:r>
               <a:rPr lang="en-US" dirty="0" smtClean="0"/>
-              <a:t> example returning only records with IDs of 1 and 4.</a:t>
+              <a:t> example using the default settings.</a:t>
             </a:r>
           </a:p>
           <a:p>
@@ -9909,44 +9958,8 @@
               <a:buNone/>
             </a:pPr>
             <a:r>
-              <a:rPr lang="en-US" dirty="0" err="1" smtClean="0">
-                <a:solidFill>
-                  <a:srgbClr val="FF0000"/>
-                </a:solidFill>
-              </a:rPr>
-              <a:t>desired_records</a:t>
-            </a:r>
-            <a:r>
-              <a:rPr lang="en-US" dirty="0" smtClean="0"/>
-              <a:t> </a:t>
-            </a:r>
-            <a:r>
               <a:rPr lang="en-US" dirty="0"/>
-              <a:t>&lt;- c(1, 4) </a:t>
-            </a:r>
-            <a:endParaRPr lang="en-US" dirty="0" smtClean="0"/>
-          </a:p>
-          <a:p>
-            <a:pPr marL="0" indent="0">
-              <a:buNone/>
-            </a:pPr>
-            <a:endParaRPr lang="en-US" dirty="0"/>
-          </a:p>
-          <a:p>
-            <a:pPr marL="0" indent="0">
-              <a:buNone/>
-            </a:pPr>
-            <a:r>
-              <a:rPr lang="en-US" dirty="0" err="1" smtClean="0"/>
-              <a:t>ds_some_rows</a:t>
-            </a:r>
-            <a:r>
-              <a:rPr lang="en-US" dirty="0" smtClean="0"/>
-              <a:t> </a:t>
-            </a:r>
-            <a:r>
-              <a:rPr lang="en-US" dirty="0"/>
-              <a:t>&lt;- </a:t>
+              <a:t>ds &lt;- </a:t>
             </a:r>
             <a:r>
               <a:rPr lang="en-US" dirty="0" err="1"/>
@@ -9954,7 +9967,7 @@
             </a:r>
             <a:r>
               <a:rPr lang="en-US" dirty="0"/>
-              <a:t>( </a:t>
+              <a:t>(</a:t>
             </a:r>
             <a:r>
               <a:rPr lang="en-US" dirty="0" err="1"/>
@@ -9962,7 +9975,7 @@
             </a:r>
             <a:r>
               <a:rPr lang="en-US" dirty="0"/>
-              <a:t> = </a:t>
+              <a:t>=</a:t>
             </a:r>
             <a:r>
               <a:rPr lang="en-US" dirty="0" err="1"/>
@@ -9970,27 +9983,54 @@
             </a:r>
             <a:r>
               <a:rPr lang="en-US" dirty="0"/>
-              <a:t>, token = token, records = </a:t>
-            </a:r>
-            <a:r>
-              <a:rPr lang="en-US" dirty="0" err="1">
-                <a:solidFill>
-                  <a:srgbClr val="FF0000"/>
-                </a:solidFill>
-              </a:rPr>
-              <a:t>desired_records</a:t>
-            </a:r>
-            <a:r>
-              <a:rPr lang="en-US" dirty="0"/>
-              <a:t> )$data</a:t>
-            </a:r>
+              <a:t>, token=token)$</a:t>
+            </a:r>
+            <a:r>
+              <a:rPr lang="en-US" dirty="0" smtClean="0"/>
+              <a:t>data</a:t>
+            </a:r>
+          </a:p>
+          <a:p>
+            <a:pPr marL="0" indent="0">
+              <a:buNone/>
+            </a:pPr>
+            <a:endParaRPr lang="en-US" dirty="0"/>
+          </a:p>
+          <a:p>
+            <a:pPr marL="0" indent="0">
+              <a:buNone/>
+            </a:pPr>
+            <a:r>
+              <a:rPr lang="en-US" dirty="0" smtClean="0"/>
+              <a:t>User must supply the two required parameters: </a:t>
+            </a:r>
+          </a:p>
+          <a:p>
+            <a:pPr marL="0" indent="0">
+              <a:buNone/>
+            </a:pPr>
+            <a:r>
+              <a:rPr lang="en-US" dirty="0" err="1" smtClean="0"/>
+              <a:t>uri</a:t>
+            </a:r>
+            <a:r>
+              <a:rPr lang="en-US" dirty="0" smtClean="0"/>
+              <a:t> and token</a:t>
+            </a:r>
+            <a:endParaRPr lang="en-US" dirty="0"/>
+          </a:p>
+          <a:p>
+            <a:pPr marL="0" indent="0">
+              <a:buNone/>
+            </a:pPr>
+            <a:endParaRPr lang="en-US" dirty="0"/>
           </a:p>
         </p:txBody>
       </p:sp>
     </p:spTree>
     <p:extLst>
       <p:ext uri="{BB962C8B-B14F-4D97-AF65-F5344CB8AC3E}">
-        <p14:creationId xmlns:p14="http://schemas.microsoft.com/office/powerpoint/2010/main" val="881080005"/>
+        <p14:creationId xmlns:p14="http://schemas.microsoft.com/office/powerpoint/2010/main" val="3385533368"/>
       </p:ext>
     </p:extLst>
   </p:cSld>
@@ -10246,6 +10286,210 @@
 </file>
 
 <file path=ppt/slides/slide30.xml><?xml version="1.0" encoding="utf-8"?>
+<p:sld xmlns:a="http://schemas.openxmlformats.org/drawingml/2006/main" xmlns:r="http://schemas.openxmlformats.org/officeDocument/2006/relationships" xmlns:p="http://schemas.openxmlformats.org/presentationml/2006/main">
+  <p:cSld>
+    <p:spTree>
+      <p:nvGrpSpPr>
+        <p:cNvPr id="1" name=""/>
+        <p:cNvGrpSpPr/>
+        <p:nvPr/>
+      </p:nvGrpSpPr>
+      <p:grpSpPr>
+        <a:xfrm>
+          <a:off x="0" y="0"/>
+          <a:ext cx="0" cy="0"/>
+          <a:chOff x="0" y="0"/>
+          <a:chExt cx="0" cy="0"/>
+        </a:xfrm>
+      </p:grpSpPr>
+      <p:sp>
+        <p:nvSpPr>
+          <p:cNvPr id="2" name="Title 1"/>
+          <p:cNvSpPr>
+            <a:spLocks noGrp="1"/>
+          </p:cNvSpPr>
+          <p:nvPr>
+            <p:ph type="title"/>
+          </p:nvPr>
+        </p:nvSpPr>
+        <p:spPr>
+          <a:xfrm>
+            <a:off x="76200" y="76200"/>
+            <a:ext cx="8991600" cy="762000"/>
+          </a:xfrm>
+          <a:solidFill>
+            <a:srgbClr val="66C2A5"/>
+          </a:solidFill>
+        </p:spPr>
+        <p:txBody>
+          <a:bodyPr>
+            <a:normAutofit fontScale="90000"/>
+          </a:bodyPr>
+          <a:lstStyle/>
+          <a:p>
+            <a:pPr marL="0" indent="0"/>
+            <a:r>
+              <a:rPr lang="en-US" sz="4900" dirty="0" err="1" smtClean="0"/>
+              <a:t>REDCapR</a:t>
+            </a:r>
+            <a:r>
+              <a:rPr lang="en-US" sz="4900" dirty="0" smtClean="0"/>
+              <a:t> API Example</a:t>
+            </a:r>
+            <a:endParaRPr lang="en-US" dirty="0"/>
+          </a:p>
+        </p:txBody>
+      </p:sp>
+      <p:sp>
+        <p:nvSpPr>
+          <p:cNvPr id="3" name="Content Placeholder 2"/>
+          <p:cNvSpPr>
+            <a:spLocks noGrp="1"/>
+          </p:cNvSpPr>
+          <p:nvPr>
+            <p:ph idx="1"/>
+          </p:nvPr>
+        </p:nvSpPr>
+        <p:spPr>
+          <a:xfrm>
+            <a:off x="0" y="838200"/>
+            <a:ext cx="9144000" cy="6019800"/>
+          </a:xfrm>
+        </p:spPr>
+        <p:txBody>
+          <a:bodyPr>
+            <a:normAutofit/>
+          </a:bodyPr>
+          <a:lstStyle/>
+          <a:p>
+            <a:pPr marL="0" indent="0">
+              <a:buNone/>
+            </a:pPr>
+            <a:endParaRPr lang="en-US" dirty="0" smtClean="0"/>
+          </a:p>
+          <a:p>
+            <a:pPr marL="0" indent="0">
+              <a:buNone/>
+            </a:pPr>
+            <a:r>
+              <a:rPr lang="en-US" dirty="0" err="1" smtClean="0"/>
+              <a:t>REDCapR</a:t>
+            </a:r>
+            <a:r>
+              <a:rPr lang="en-US" dirty="0" smtClean="0"/>
+              <a:t> example returning only records with IDs of 1 and 4.</a:t>
+            </a:r>
+          </a:p>
+          <a:p>
+            <a:pPr marL="0" indent="0">
+              <a:buNone/>
+            </a:pPr>
+            <a:endParaRPr lang="en-US" dirty="0" smtClean="0"/>
+          </a:p>
+          <a:p>
+            <a:pPr marL="0" indent="0">
+              <a:buNone/>
+            </a:pPr>
+            <a:r>
+              <a:rPr lang="en-US" dirty="0" err="1" smtClean="0">
+                <a:solidFill>
+                  <a:srgbClr val="FF0000"/>
+                </a:solidFill>
+              </a:rPr>
+              <a:t>desired_records</a:t>
+            </a:r>
+            <a:r>
+              <a:rPr lang="en-US" dirty="0" smtClean="0"/>
+              <a:t> </a:t>
+            </a:r>
+            <a:r>
+              <a:rPr lang="en-US" dirty="0"/>
+              <a:t>&lt;- c(1, 4) </a:t>
+            </a:r>
+            <a:endParaRPr lang="en-US" dirty="0" smtClean="0"/>
+          </a:p>
+          <a:p>
+            <a:pPr marL="0" indent="0">
+              <a:buNone/>
+            </a:pPr>
+            <a:endParaRPr lang="en-US" dirty="0"/>
+          </a:p>
+          <a:p>
+            <a:pPr marL="0" indent="0">
+              <a:buNone/>
+            </a:pPr>
+            <a:r>
+              <a:rPr lang="en-US" dirty="0" err="1" smtClean="0"/>
+              <a:t>ds_some_rows</a:t>
+            </a:r>
+            <a:r>
+              <a:rPr lang="en-US" dirty="0" smtClean="0"/>
+              <a:t> </a:t>
+            </a:r>
+            <a:r>
+              <a:rPr lang="en-US" dirty="0"/>
+              <a:t>&lt;- </a:t>
+            </a:r>
+            <a:r>
+              <a:rPr lang="en-US" dirty="0" err="1"/>
+              <a:t>redcap_read</a:t>
+            </a:r>
+            <a:r>
+              <a:rPr lang="en-US" dirty="0"/>
+              <a:t>( </a:t>
+            </a:r>
+            <a:r>
+              <a:rPr lang="en-US" dirty="0" err="1"/>
+              <a:t>redcap_uri</a:t>
+            </a:r>
+            <a:r>
+              <a:rPr lang="en-US" dirty="0"/>
+              <a:t> = </a:t>
+            </a:r>
+            <a:r>
+              <a:rPr lang="en-US" dirty="0" err="1"/>
+              <a:t>uri</a:t>
+            </a:r>
+            <a:r>
+              <a:rPr lang="en-US" dirty="0"/>
+              <a:t>, token = token, records = </a:t>
+            </a:r>
+            <a:r>
+              <a:rPr lang="en-US" dirty="0" err="1">
+                <a:solidFill>
+                  <a:srgbClr val="FF0000"/>
+                </a:solidFill>
+              </a:rPr>
+              <a:t>desired_records</a:t>
+            </a:r>
+            <a:r>
+              <a:rPr lang="en-US" dirty="0"/>
+              <a:t> )$data</a:t>
+            </a:r>
+          </a:p>
+        </p:txBody>
+      </p:sp>
+    </p:spTree>
+    <p:extLst>
+      <p:ext uri="{BB962C8B-B14F-4D97-AF65-F5344CB8AC3E}">
+        <p14:creationId xmlns:p14="http://schemas.microsoft.com/office/powerpoint/2010/main" val="881080005"/>
+      </p:ext>
+    </p:extLst>
+  </p:cSld>
+  <p:clrMapOvr>
+    <a:masterClrMapping/>
+  </p:clrMapOvr>
+  <p:timing>
+    <p:tnLst>
+      <p:par>
+        <p:cTn id="1" dur="indefinite" restart="never" nodeType="tmRoot"/>
+      </p:par>
+    </p:tnLst>
+  </p:timing>
+</p:sld>
+</file>
+
+<file path=ppt/slides/slide31.xml><?xml version="1.0" encoding="utf-8"?>
 <p:sld xmlns:a="http://schemas.openxmlformats.org/drawingml/2006/main" xmlns:r="http://schemas.openxmlformats.org/officeDocument/2006/relationships" xmlns:p="http://schemas.openxmlformats.org/presentationml/2006/main">
   <p:cSld>
     <p:spTree>
@@ -11390,7 +11634,54 @@
             </a:pPr>
             <a:r>
               <a:rPr lang="en-US" sz="2200" dirty="0" smtClean="0"/>
-              <a:t>Advanced Data Export: users choose which fields to export and have de-identification options</a:t>
+              <a:t>Advanced Data Export: users choose which </a:t>
+            </a:r>
+            <a:endParaRPr lang="en-US" sz="2200" dirty="0" smtClean="0"/>
+          </a:p>
+          <a:p>
+            <a:pPr marL="457200" lvl="4" indent="0">
+              <a:buNone/>
+            </a:pPr>
+            <a:r>
+              <a:rPr lang="en-US" sz="2200" dirty="0"/>
+              <a:t> </a:t>
+            </a:r>
+            <a:r>
+              <a:rPr lang="en-US" sz="2200" dirty="0" smtClean="0"/>
+              <a:t>    </a:t>
+            </a:r>
+            <a:r>
+              <a:rPr lang="en-US" sz="2200" dirty="0" smtClean="0"/>
+              <a:t>fields </a:t>
+            </a:r>
+            <a:r>
+              <a:rPr lang="en-US" sz="2200" dirty="0" smtClean="0"/>
+              <a:t>to export and </a:t>
+            </a:r>
+            <a:r>
+              <a:rPr lang="en-US" sz="2200" dirty="0" smtClean="0"/>
+              <a:t>has </a:t>
+            </a:r>
+          </a:p>
+          <a:p>
+            <a:pPr marL="457200" lvl="4" indent="0">
+              <a:buNone/>
+            </a:pPr>
+            <a:r>
+              <a:rPr lang="en-US" sz="2200" dirty="0"/>
+              <a:t> </a:t>
+            </a:r>
+            <a:r>
+              <a:rPr lang="en-US" sz="2200" dirty="0" smtClean="0"/>
+              <a:t>    </a:t>
+            </a:r>
+            <a:r>
+              <a:rPr lang="en-US" sz="2200" dirty="0" smtClean="0"/>
+              <a:t>de-identification </a:t>
+            </a:r>
+            <a:r>
+              <a:rPr lang="en-US" sz="2200" dirty="0" smtClean="0"/>
+              <a:t>options</a:t>
             </a:r>
           </a:p>
           <a:p>
@@ -11400,7 +11691,21 @@
             </a:pPr>
             <a:r>
               <a:rPr lang="en-US" sz="2500" dirty="0" smtClean="0"/>
-              <a:t>Manual interaction with REDCap to retrieve data</a:t>
+              <a:t>Manual interaction with REDCap </a:t>
+            </a:r>
+            <a:endParaRPr lang="en-US" sz="2500" dirty="0" smtClean="0"/>
+          </a:p>
+          <a:p>
+            <a:pPr marL="0" lvl="3" indent="0">
+              <a:buNone/>
+            </a:pPr>
+            <a:r>
+              <a:rPr lang="en-US" sz="2500" dirty="0" smtClean="0"/>
+              <a:t>     to </a:t>
+            </a:r>
+            <a:r>
+              <a:rPr lang="en-US" sz="2500" dirty="0" smtClean="0"/>
+              <a:t>retrieve data</a:t>
             </a:r>
           </a:p>
           <a:p>

--- a/Publications/Presentation2014-04-07-MIECHV Paper Discussion/REDCapR.pptx
+++ b/Publications/Presentation2014-04-07-MIECHV Paper Discussion/REDCapR.pptx
@@ -5,7 +5,7 @@
     <p:sldMasterId id="2147483648" r:id="rId1"/>
   </p:sldMasterIdLst>
   <p:notesMasterIdLst>
-    <p:notesMasterId r:id="rId33"/>
+    <p:notesMasterId r:id="rId35"/>
   </p:notesMasterIdLst>
   <p:sldIdLst>
     <p:sldId id="268" r:id="rId2"/>
@@ -14,31 +14,33 @@
     <p:sldId id="271" r:id="rId5"/>
     <p:sldId id="289" r:id="rId6"/>
     <p:sldId id="290" r:id="rId7"/>
-    <p:sldId id="293" r:id="rId8"/>
-    <p:sldId id="295" r:id="rId9"/>
-    <p:sldId id="291" r:id="rId10"/>
-    <p:sldId id="292" r:id="rId11"/>
-    <p:sldId id="294" r:id="rId12"/>
-    <p:sldId id="274" r:id="rId13"/>
-    <p:sldId id="299" r:id="rId14"/>
-    <p:sldId id="287" r:id="rId15"/>
-    <p:sldId id="275" r:id="rId16"/>
-    <p:sldId id="276" r:id="rId17"/>
-    <p:sldId id="277" r:id="rId18"/>
-    <p:sldId id="278" r:id="rId19"/>
-    <p:sldId id="279" r:id="rId20"/>
-    <p:sldId id="280" r:id="rId21"/>
-    <p:sldId id="281" r:id="rId22"/>
-    <p:sldId id="282" r:id="rId23"/>
-    <p:sldId id="283" r:id="rId24"/>
-    <p:sldId id="284" r:id="rId25"/>
-    <p:sldId id="285" r:id="rId26"/>
-    <p:sldId id="286" r:id="rId27"/>
-    <p:sldId id="288" r:id="rId28"/>
-    <p:sldId id="273" r:id="rId29"/>
-    <p:sldId id="296" r:id="rId30"/>
-    <p:sldId id="297" r:id="rId31"/>
-    <p:sldId id="298" r:id="rId32"/>
+    <p:sldId id="301" r:id="rId8"/>
+    <p:sldId id="293" r:id="rId9"/>
+    <p:sldId id="295" r:id="rId10"/>
+    <p:sldId id="291" r:id="rId11"/>
+    <p:sldId id="292" r:id="rId12"/>
+    <p:sldId id="294" r:id="rId13"/>
+    <p:sldId id="274" r:id="rId14"/>
+    <p:sldId id="299" r:id="rId15"/>
+    <p:sldId id="287" r:id="rId16"/>
+    <p:sldId id="275" r:id="rId17"/>
+    <p:sldId id="276" r:id="rId18"/>
+    <p:sldId id="277" r:id="rId19"/>
+    <p:sldId id="278" r:id="rId20"/>
+    <p:sldId id="279" r:id="rId21"/>
+    <p:sldId id="280" r:id="rId22"/>
+    <p:sldId id="281" r:id="rId23"/>
+    <p:sldId id="282" r:id="rId24"/>
+    <p:sldId id="283" r:id="rId25"/>
+    <p:sldId id="284" r:id="rId26"/>
+    <p:sldId id="285" r:id="rId27"/>
+    <p:sldId id="286" r:id="rId28"/>
+    <p:sldId id="288" r:id="rId29"/>
+    <p:sldId id="300" r:id="rId30"/>
+    <p:sldId id="273" r:id="rId31"/>
+    <p:sldId id="296" r:id="rId32"/>
+    <p:sldId id="297" r:id="rId33"/>
+    <p:sldId id="298" r:id="rId34"/>
   </p:sldIdLst>
   <p:sldSz cx="9144000" cy="6858000" type="screen4x3"/>
   <p:notesSz cx="6858000" cy="9144000"/>
@@ -3923,6 +3925,284 @@
             <a:ext cx="8991600" cy="762000"/>
           </a:xfrm>
           <a:solidFill>
+            <a:schemeClr val="accent6">
+              <a:lumMod val="75000"/>
+            </a:schemeClr>
+          </a:solidFill>
+        </p:spPr>
+        <p:txBody>
+          <a:bodyPr>
+            <a:normAutofit/>
+          </a:bodyPr>
+          <a:lstStyle/>
+          <a:p>
+            <a:pPr>
+              <a:spcBef>
+                <a:spcPts val="0"/>
+              </a:spcBef>
+              <a:defRPr/>
+            </a:pPr>
+            <a:r>
+              <a:rPr lang="en-US" dirty="0"/>
+              <a:t>Data Export Tool</a:t>
+            </a:r>
+          </a:p>
+        </p:txBody>
+      </p:sp>
+      <p:sp>
+        <p:nvSpPr>
+          <p:cNvPr id="3" name="Content Placeholder 2"/>
+          <p:cNvSpPr>
+            <a:spLocks noGrp="1"/>
+          </p:cNvSpPr>
+          <p:nvPr>
+            <p:ph idx="1"/>
+          </p:nvPr>
+        </p:nvSpPr>
+        <p:spPr>
+          <a:xfrm>
+            <a:off x="0" y="914400"/>
+            <a:ext cx="9144000" cy="5943600"/>
+          </a:xfrm>
+        </p:spPr>
+        <p:txBody>
+          <a:bodyPr>
+            <a:normAutofit/>
+          </a:bodyPr>
+          <a:lstStyle/>
+          <a:p>
+            <a:pPr marL="0" indent="0">
+              <a:buNone/>
+            </a:pPr>
+            <a:r>
+              <a:rPr lang="en-US" sz="2200" dirty="0"/>
+              <a:t>Using the REDCap data export tool in conjunction with R, a user would have to perform the data export </a:t>
+            </a:r>
+            <a:r>
+              <a:rPr lang="en-US" sz="2200" dirty="0" smtClean="0"/>
+              <a:t>within </a:t>
+            </a:r>
+            <a:r>
+              <a:rPr lang="en-US" sz="2200" dirty="0"/>
+              <a:t>REDCap, save the file to a secure folder, and then use the following code to create a </a:t>
+            </a:r>
+            <a:r>
+              <a:rPr lang="en-US" sz="2200" dirty="0" err="1"/>
+              <a:t>data.frame</a:t>
+            </a:r>
+            <a:r>
+              <a:rPr lang="en-US" sz="2200" dirty="0"/>
+              <a:t> in R.</a:t>
+            </a:r>
+          </a:p>
+          <a:p>
+            <a:pPr marL="0" indent="0">
+              <a:buNone/>
+            </a:pPr>
+            <a:r>
+              <a:rPr lang="en-US" sz="2200" dirty="0"/>
+              <a:t> </a:t>
+            </a:r>
+          </a:p>
+          <a:p>
+            <a:pPr marL="0" indent="0">
+              <a:buNone/>
+            </a:pPr>
+            <a:r>
+              <a:rPr lang="en-US" sz="1800" i="1" dirty="0"/>
+              <a:t>#############################</a:t>
+            </a:r>
+            <a:endParaRPr lang="en-US" sz="1800" dirty="0"/>
+          </a:p>
+          <a:p>
+            <a:pPr marL="0" indent="0">
+              <a:buNone/>
+            </a:pPr>
+            <a:r>
+              <a:rPr lang="en-US" sz="1800" i="1" dirty="0"/>
+              <a:t>### Reading a CSV file into R</a:t>
+            </a:r>
+            <a:endParaRPr lang="en-US" sz="1800" dirty="0"/>
+          </a:p>
+          <a:p>
+            <a:pPr marL="0" indent="0">
+              <a:buNone/>
+            </a:pPr>
+            <a:r>
+              <a:rPr lang="en-US" sz="1800" i="1" dirty="0"/>
+              <a:t>#############################</a:t>
+            </a:r>
+            <a:endParaRPr lang="en-US" sz="1800" dirty="0"/>
+          </a:p>
+          <a:p>
+            <a:pPr marL="0" indent="0">
+              <a:buNone/>
+            </a:pPr>
+            <a:r>
+              <a:rPr lang="en-US" sz="1800" i="1" dirty="0" err="1"/>
+              <a:t>pathInFilename</a:t>
+            </a:r>
+            <a:r>
+              <a:rPr lang="en-US" sz="1800" i="1" dirty="0"/>
+              <a:t> &lt;- “c:\\</a:t>
+            </a:r>
+            <a:r>
+              <a:rPr lang="en-US" sz="1800" i="1" dirty="0" err="1"/>
+              <a:t>bigfolder</a:t>
+            </a:r>
+            <a:r>
+              <a:rPr lang="en-US" sz="1800" i="1" dirty="0"/>
+              <a:t>\\</a:t>
+            </a:r>
+            <a:r>
+              <a:rPr lang="en-US" sz="1800" i="1" dirty="0" err="1"/>
+              <a:t>notasbigfolder</a:t>
+            </a:r>
+            <a:r>
+              <a:rPr lang="en-US" sz="1800" i="1" dirty="0"/>
+              <a:t>\\</a:t>
+            </a:r>
+            <a:r>
+              <a:rPr lang="en-US" sz="1800" i="1" dirty="0" err="1"/>
+              <a:t>smallfolder</a:t>
+            </a:r>
+            <a:r>
+              <a:rPr lang="en-US" sz="1800" i="1" dirty="0"/>
+              <a:t>\\</a:t>
+            </a:r>
+            <a:r>
+              <a:rPr lang="en-US" sz="1800" i="1" dirty="0" err="1"/>
+              <a:t>smallerfolder</a:t>
+            </a:r>
+            <a:r>
+              <a:rPr lang="en-US" sz="1800" i="1" dirty="0"/>
+              <a:t>\\REDCapfile.csv”</a:t>
+            </a:r>
+            <a:endParaRPr lang="en-US" sz="1800" dirty="0"/>
+          </a:p>
+          <a:p>
+            <a:pPr marL="0" indent="0">
+              <a:buNone/>
+            </a:pPr>
+            <a:r>
+              <a:rPr lang="en-US" sz="1800" i="1" dirty="0"/>
+              <a:t>ds &lt;- read.csv(file=</a:t>
+            </a:r>
+            <a:r>
+              <a:rPr lang="en-US" sz="1800" i="1" dirty="0" err="1"/>
+              <a:t>pathInFilename</a:t>
+            </a:r>
+            <a:r>
+              <a:rPr lang="en-US" sz="1800" i="1" dirty="0"/>
+              <a:t>, </a:t>
+            </a:r>
+            <a:r>
+              <a:rPr lang="en-US" sz="1800" i="1" dirty="0" err="1"/>
+              <a:t>stringsAsFactors</a:t>
+            </a:r>
+            <a:r>
+              <a:rPr lang="en-US" sz="1800" i="1" dirty="0"/>
+              <a:t>=FALSE)</a:t>
+            </a:r>
+            <a:endParaRPr lang="en-US" sz="1800" dirty="0"/>
+          </a:p>
+          <a:p>
+            <a:pPr marL="0" lvl="3" indent="0">
+              <a:buNone/>
+            </a:pPr>
+            <a:endParaRPr lang="en-US" sz="2200" dirty="0" smtClean="0"/>
+          </a:p>
+          <a:p>
+            <a:pPr marL="342900" lvl="3" indent="-342900">
+              <a:buFont typeface="Arial" panose="020B0604020202020204" pitchFamily="34" charset="0"/>
+              <a:buChar char="•"/>
+            </a:pPr>
+            <a:r>
+              <a:rPr lang="en-US" sz="2200" dirty="0" smtClean="0"/>
+              <a:t>Negatives</a:t>
+            </a:r>
+          </a:p>
+          <a:p>
+            <a:pPr marL="800100" lvl="4" indent="-342900">
+              <a:buFont typeface="Arial" panose="020B0604020202020204" pitchFamily="34" charset="0"/>
+              <a:buChar char="–"/>
+            </a:pPr>
+            <a:r>
+              <a:rPr lang="en-US" sz="2200" dirty="0" smtClean="0"/>
+              <a:t>Manual Process to create file</a:t>
+            </a:r>
+          </a:p>
+          <a:p>
+            <a:pPr marL="800100" lvl="4" indent="-342900">
+              <a:buFont typeface="Arial" panose="020B0604020202020204" pitchFamily="34" charset="0"/>
+              <a:buChar char="–"/>
+            </a:pPr>
+            <a:r>
+              <a:rPr lang="en-US" sz="2200" dirty="0" smtClean="0"/>
+              <a:t>Potentially exposes the location(s) of study data</a:t>
+            </a:r>
+          </a:p>
+          <a:p>
+            <a:pPr marL="0" lvl="3" indent="0">
+              <a:buNone/>
+            </a:pPr>
+            <a:endParaRPr lang="en-US" sz="2200" dirty="0" smtClean="0"/>
+          </a:p>
+        </p:txBody>
+      </p:sp>
+    </p:spTree>
+    <p:extLst>
+      <p:ext uri="{BB962C8B-B14F-4D97-AF65-F5344CB8AC3E}">
+        <p14:creationId xmlns:p14="http://schemas.microsoft.com/office/powerpoint/2010/main" val="456633581"/>
+      </p:ext>
+    </p:extLst>
+  </p:cSld>
+  <p:clrMapOvr>
+    <a:masterClrMapping/>
+  </p:clrMapOvr>
+  <p:timing>
+    <p:tnLst>
+      <p:par>
+        <p:cTn id="1" dur="indefinite" restart="never" nodeType="tmRoot"/>
+      </p:par>
+    </p:tnLst>
+  </p:timing>
+</p:sld>
+</file>
+
+<file path=ppt/slides/slide11.xml><?xml version="1.0" encoding="utf-8"?>
+<p:sld xmlns:a="http://schemas.openxmlformats.org/drawingml/2006/main" xmlns:r="http://schemas.openxmlformats.org/officeDocument/2006/relationships" xmlns:p="http://schemas.openxmlformats.org/presentationml/2006/main">
+  <p:cSld>
+    <p:spTree>
+      <p:nvGrpSpPr>
+        <p:cNvPr id="1" name=""/>
+        <p:cNvGrpSpPr/>
+        <p:nvPr/>
+      </p:nvGrpSpPr>
+      <p:grpSpPr>
+        <a:xfrm>
+          <a:off x="0" y="0"/>
+          <a:ext cx="0" cy="0"/>
+          <a:chOff x="0" y="0"/>
+          <a:chExt cx="0" cy="0"/>
+        </a:xfrm>
+      </p:grpSpPr>
+      <p:sp>
+        <p:nvSpPr>
+          <p:cNvPr id="2" name="Title 1"/>
+          <p:cNvSpPr>
+            <a:spLocks noGrp="1"/>
+          </p:cNvSpPr>
+          <p:nvPr>
+            <p:ph type="title"/>
+          </p:nvPr>
+        </p:nvSpPr>
+        <p:spPr>
+          <a:xfrm>
+            <a:off x="76200" y="76200"/>
+            <a:ext cx="8991600" cy="762000"/>
+          </a:xfrm>
+          <a:solidFill>
             <a:srgbClr val="FFFFCC"/>
           </a:solidFill>
         </p:spPr>
@@ -4181,1004 +4461,6 @@
 </p:sld>
 </file>
 
-<file path=ppt/slides/slide11.xml><?xml version="1.0" encoding="utf-8"?>
-<p:sld xmlns:a="http://schemas.openxmlformats.org/drawingml/2006/main" xmlns:r="http://schemas.openxmlformats.org/officeDocument/2006/relationships" xmlns:p="http://schemas.openxmlformats.org/presentationml/2006/main">
-  <p:cSld>
-    <p:spTree>
-      <p:nvGrpSpPr>
-        <p:cNvPr id="1" name=""/>
-        <p:cNvGrpSpPr/>
-        <p:nvPr/>
-      </p:nvGrpSpPr>
-      <p:grpSpPr>
-        <a:xfrm>
-          <a:off x="0" y="0"/>
-          <a:ext cx="0" cy="0"/>
-          <a:chOff x="0" y="0"/>
-          <a:chExt cx="0" cy="0"/>
-        </a:xfrm>
-      </p:grpSpPr>
-      <p:sp>
-        <p:nvSpPr>
-          <p:cNvPr id="2" name="Title 1"/>
-          <p:cNvSpPr>
-            <a:spLocks noGrp="1"/>
-          </p:cNvSpPr>
-          <p:nvPr>
-            <p:ph type="title"/>
-          </p:nvPr>
-        </p:nvSpPr>
-        <p:spPr>
-          <a:xfrm>
-            <a:off x="76200" y="76200"/>
-            <a:ext cx="8991600" cy="762000"/>
-          </a:xfrm>
-          <a:solidFill>
-            <a:schemeClr val="accent6">
-              <a:lumMod val="40000"/>
-              <a:lumOff val="60000"/>
-            </a:schemeClr>
-          </a:solidFill>
-        </p:spPr>
-        <p:txBody>
-          <a:bodyPr>
-            <a:normAutofit fontScale="90000"/>
-          </a:bodyPr>
-          <a:lstStyle/>
-          <a:p>
-            <a:pPr marL="0" indent="0"/>
-            <a:r>
-              <a:rPr lang="en-US" sz="4900" dirty="0" smtClean="0"/>
-              <a:t>API Data Export Example</a:t>
-            </a:r>
-            <a:endParaRPr lang="en-US" dirty="0"/>
-          </a:p>
-        </p:txBody>
-      </p:sp>
-      <p:sp>
-        <p:nvSpPr>
-          <p:cNvPr id="3" name="Content Placeholder 2"/>
-          <p:cNvSpPr>
-            <a:spLocks noGrp="1"/>
-          </p:cNvSpPr>
-          <p:nvPr>
-            <p:ph idx="1"/>
-          </p:nvPr>
-        </p:nvSpPr>
-        <p:spPr>
-          <a:xfrm>
-            <a:off x="0" y="838200"/>
-            <a:ext cx="9144000" cy="6019800"/>
-          </a:xfrm>
-        </p:spPr>
-        <p:txBody>
-          <a:bodyPr>
-            <a:normAutofit fontScale="32500" lnSpcReduction="20000"/>
-          </a:bodyPr>
-          <a:lstStyle/>
-          <a:p>
-            <a:pPr marL="0" indent="0">
-              <a:buNone/>
-            </a:pPr>
-            <a:endParaRPr lang="en-US" dirty="0" smtClean="0"/>
-          </a:p>
-          <a:p>
-            <a:pPr marL="0" indent="0">
-              <a:buNone/>
-              <a:tabLst>
-                <a:tab pos="396875" algn="l"/>
-              </a:tabLst>
-            </a:pPr>
-            <a:r>
-              <a:rPr lang="en-US" i="1" dirty="0"/>
-              <a:t>#############################</a:t>
-            </a:r>
-            <a:endParaRPr lang="en-US" dirty="0"/>
-          </a:p>
-          <a:p>
-            <a:pPr marL="0" indent="0">
-              <a:buNone/>
-              <a:tabLst>
-                <a:tab pos="396875" algn="l"/>
-              </a:tabLst>
-            </a:pPr>
-            <a:r>
-              <a:rPr lang="en-US" i="1" dirty="0"/>
-              <a:t>### Retrieve token and REDCap URL</a:t>
-            </a:r>
-            <a:endParaRPr lang="en-US" dirty="0"/>
-          </a:p>
-          <a:p>
-            <a:pPr marL="0" indent="0">
-              <a:buNone/>
-              <a:tabLst>
-                <a:tab pos="396875" algn="l"/>
-              </a:tabLst>
-            </a:pPr>
-            <a:r>
-              <a:rPr lang="en-US" i="1" dirty="0"/>
-              <a:t>#############################</a:t>
-            </a:r>
-            <a:endParaRPr lang="en-US" dirty="0"/>
-          </a:p>
-          <a:p>
-            <a:pPr marL="0" indent="0">
-              <a:buNone/>
-              <a:tabLst>
-                <a:tab pos="396875" algn="l"/>
-              </a:tabLst>
-            </a:pPr>
-            <a:r>
-              <a:rPr lang="en-US" dirty="0" err="1"/>
-              <a:t>dsnName</a:t>
-            </a:r>
-            <a:r>
-              <a:rPr lang="en-US" dirty="0"/>
-              <a:t> </a:t>
-            </a:r>
-            <a:r>
-              <a:rPr lang="en-US" b="1" dirty="0"/>
-              <a:t>&lt;-</a:t>
-            </a:r>
-            <a:r>
-              <a:rPr lang="en-US" dirty="0"/>
-              <a:t> "</a:t>
-            </a:r>
-            <a:r>
-              <a:rPr lang="en-US" dirty="0" err="1"/>
-              <a:t>NothingToSeeHere</a:t>
-            </a:r>
-            <a:r>
-              <a:rPr lang="en-US" dirty="0"/>
-              <a:t>"</a:t>
-            </a:r>
-          </a:p>
-          <a:p>
-            <a:pPr marL="0" indent="0">
-              <a:buNone/>
-              <a:tabLst>
-                <a:tab pos="396875" algn="l"/>
-              </a:tabLst>
-            </a:pPr>
-            <a:r>
-              <a:rPr lang="en-US" dirty="0"/>
-              <a:t>channel </a:t>
-            </a:r>
-            <a:r>
-              <a:rPr lang="en-US" b="1" dirty="0"/>
-              <a:t>&lt;-</a:t>
-            </a:r>
-            <a:r>
-              <a:rPr lang="en-US" dirty="0"/>
-              <a:t> RODBC</a:t>
-            </a:r>
-            <a:r>
-              <a:rPr lang="en-US" b="1" dirty="0"/>
-              <a:t>::</a:t>
-            </a:r>
-            <a:r>
-              <a:rPr lang="en-US" dirty="0" err="1"/>
-              <a:t>odbcConnect</a:t>
-            </a:r>
-            <a:r>
-              <a:rPr lang="en-US" dirty="0"/>
-              <a:t>(</a:t>
-            </a:r>
-            <a:r>
-              <a:rPr lang="en-US" dirty="0" err="1"/>
-              <a:t>dsnName</a:t>
-            </a:r>
-            <a:r>
-              <a:rPr lang="en-US" dirty="0"/>
-              <a:t>) </a:t>
-            </a:r>
-            <a:r>
-              <a:rPr lang="en-US" i="1" dirty="0"/>
-              <a:t>#</a:t>
-            </a:r>
-            <a:r>
-              <a:rPr lang="en-US" i="1" dirty="0" err="1"/>
-              <a:t>getSqlTypeInfo</a:t>
-            </a:r>
-            <a:r>
-              <a:rPr lang="en-US" i="1" dirty="0"/>
-              <a:t>("Microsoft SQL Server") #</a:t>
-            </a:r>
-            <a:r>
-              <a:rPr lang="en-US" i="1" dirty="0" err="1"/>
-              <a:t>odbcGetInfo</a:t>
-            </a:r>
-            <a:r>
-              <a:rPr lang="en-US" i="1" dirty="0"/>
-              <a:t>(channel)</a:t>
-            </a:r>
-            <a:endParaRPr lang="en-US" dirty="0"/>
-          </a:p>
-          <a:p>
-            <a:pPr marL="0" indent="0">
-              <a:buNone/>
-              <a:tabLst>
-                <a:tab pos="396875" algn="l"/>
-              </a:tabLst>
-            </a:pPr>
-            <a:r>
-              <a:rPr lang="en-US" dirty="0"/>
-              <a:t> </a:t>
-            </a:r>
-          </a:p>
-          <a:p>
-            <a:pPr marL="0" indent="0">
-              <a:buNone/>
-              <a:tabLst>
-                <a:tab pos="396875" algn="l"/>
-              </a:tabLst>
-            </a:pPr>
-            <a:r>
-              <a:rPr lang="en-US" dirty="0" err="1"/>
-              <a:t>redcapUri</a:t>
-            </a:r>
-            <a:r>
-              <a:rPr lang="en-US" dirty="0"/>
-              <a:t> </a:t>
-            </a:r>
-            <a:r>
-              <a:rPr lang="en-US" b="1" dirty="0"/>
-              <a:t>&lt;-</a:t>
-            </a:r>
-            <a:r>
-              <a:rPr lang="en-US" dirty="0"/>
-              <a:t> RODBC</a:t>
-            </a:r>
-            <a:r>
-              <a:rPr lang="en-US" b="1" dirty="0"/>
-              <a:t>::</a:t>
-            </a:r>
-            <a:r>
-              <a:rPr lang="en-US" dirty="0" err="1"/>
-              <a:t>sqlQuery</a:t>
-            </a:r>
-            <a:r>
-              <a:rPr lang="en-US" dirty="0"/>
-              <a:t>(channel, "EXEC </a:t>
-            </a:r>
-            <a:r>
-              <a:rPr lang="en-US" dirty="0" err="1"/>
-              <a:t>Security.prcUri</a:t>
-            </a:r>
-            <a:r>
-              <a:rPr lang="en-US" dirty="0"/>
-              <a:t> @</a:t>
-            </a:r>
-            <a:r>
-              <a:rPr lang="en-US" dirty="0" err="1"/>
-              <a:t>UriName</a:t>
-            </a:r>
-            <a:r>
-              <a:rPr lang="en-US" dirty="0"/>
-              <a:t> = 'ABCD1'", </a:t>
-            </a:r>
-            <a:r>
-              <a:rPr lang="en-US" dirty="0" err="1"/>
-              <a:t>stringsAsFactors</a:t>
-            </a:r>
-            <a:r>
-              <a:rPr lang="en-US" b="1" dirty="0"/>
-              <a:t>=FALSE</a:t>
-            </a:r>
-            <a:r>
-              <a:rPr lang="en-US" dirty="0"/>
-              <a:t>)[1, 'Value']</a:t>
-            </a:r>
-          </a:p>
-          <a:p>
-            <a:pPr marL="0" indent="0">
-              <a:buNone/>
-              <a:tabLst>
-                <a:tab pos="396875" algn="l"/>
-              </a:tabLst>
-            </a:pPr>
-            <a:r>
-              <a:rPr lang="en-US" dirty="0"/>
-              <a:t>token </a:t>
-            </a:r>
-            <a:r>
-              <a:rPr lang="en-US" b="1" dirty="0"/>
-              <a:t>&lt;-</a:t>
-            </a:r>
-            <a:r>
-              <a:rPr lang="en-US" dirty="0"/>
-              <a:t> RODBC</a:t>
-            </a:r>
-            <a:r>
-              <a:rPr lang="en-US" b="1" dirty="0"/>
-              <a:t>::</a:t>
-            </a:r>
-            <a:r>
-              <a:rPr lang="en-US" dirty="0" err="1"/>
-              <a:t>sqlQuery</a:t>
-            </a:r>
-            <a:r>
-              <a:rPr lang="en-US" dirty="0"/>
-              <a:t>(channel, "EXEC [Security].[</a:t>
-            </a:r>
-            <a:r>
-              <a:rPr lang="en-US" dirty="0" err="1"/>
-              <a:t>prcRedcapToken</a:t>
-            </a:r>
-            <a:r>
-              <a:rPr lang="en-US" dirty="0"/>
-              <a:t>] @</a:t>
-            </a:r>
-            <a:r>
-              <a:rPr lang="en-US" dirty="0" err="1"/>
-              <a:t>RedcapProjectName</a:t>
-            </a:r>
-            <a:r>
-              <a:rPr lang="en-US" dirty="0"/>
-              <a:t> = '</a:t>
-            </a:r>
-            <a:r>
-              <a:rPr lang="en-US" dirty="0" err="1"/>
-              <a:t>NullResearchProject</a:t>
-            </a:r>
-            <a:r>
-              <a:rPr lang="en-US" dirty="0"/>
-              <a:t>'", </a:t>
-            </a:r>
-            <a:r>
-              <a:rPr lang="en-US" dirty="0" err="1"/>
-              <a:t>stringsAsFactors</a:t>
-            </a:r>
-            <a:r>
-              <a:rPr lang="en-US" b="1" dirty="0"/>
-              <a:t>=FALSE</a:t>
-            </a:r>
-            <a:r>
-              <a:rPr lang="en-US" dirty="0"/>
-              <a:t>)[1, 'Token']</a:t>
-            </a:r>
-          </a:p>
-          <a:p>
-            <a:pPr marL="0" indent="0">
-              <a:buNone/>
-              <a:tabLst>
-                <a:tab pos="396875" algn="l"/>
-              </a:tabLst>
-            </a:pPr>
-            <a:r>
-              <a:rPr lang="en-US" dirty="0"/>
-              <a:t>RODBC</a:t>
-            </a:r>
-            <a:r>
-              <a:rPr lang="en-US" b="1" dirty="0"/>
-              <a:t>::</a:t>
-            </a:r>
-            <a:r>
-              <a:rPr lang="en-US" dirty="0" err="1"/>
-              <a:t>odbcClose</a:t>
-            </a:r>
-            <a:r>
-              <a:rPr lang="en-US" dirty="0"/>
-              <a:t>(channel)</a:t>
-            </a:r>
-          </a:p>
-          <a:p>
-            <a:pPr marL="0" indent="0">
-              <a:buNone/>
-              <a:tabLst>
-                <a:tab pos="396875" algn="l"/>
-              </a:tabLst>
-            </a:pPr>
-            <a:r>
-              <a:rPr lang="en-US" i="1" dirty="0"/>
-              <a:t> </a:t>
-            </a:r>
-            <a:endParaRPr lang="en-US" dirty="0"/>
-          </a:p>
-          <a:p>
-            <a:pPr marL="0" indent="0">
-              <a:buNone/>
-              <a:tabLst>
-                <a:tab pos="396875" algn="l"/>
-              </a:tabLst>
-            </a:pPr>
-            <a:r>
-              <a:rPr lang="en-US" i="1" dirty="0"/>
-              <a:t># Removes the channel and the </a:t>
-            </a:r>
-            <a:r>
-              <a:rPr lang="en-US" i="1" dirty="0" err="1"/>
-              <a:t>dsnName</a:t>
-            </a:r>
-            <a:r>
-              <a:rPr lang="en-US" dirty="0"/>
-              <a:t> </a:t>
-            </a:r>
-          </a:p>
-          <a:p>
-            <a:pPr marL="0" indent="0">
-              <a:buNone/>
-              <a:tabLst>
-                <a:tab pos="396875" algn="l"/>
-              </a:tabLst>
-            </a:pPr>
-            <a:r>
-              <a:rPr lang="en-US" dirty="0" err="1"/>
-              <a:t>rm</a:t>
-            </a:r>
-            <a:r>
-              <a:rPr lang="en-US" dirty="0"/>
-              <a:t>(channel, </a:t>
-            </a:r>
-            <a:r>
-              <a:rPr lang="en-US" dirty="0" err="1"/>
-              <a:t>dsnName</a:t>
-            </a:r>
-            <a:r>
-              <a:rPr lang="en-US" dirty="0"/>
-              <a:t>)</a:t>
-            </a:r>
-          </a:p>
-          <a:p>
-            <a:pPr marL="0" indent="0">
-              <a:buNone/>
-              <a:tabLst>
-                <a:tab pos="396875" algn="l"/>
-              </a:tabLst>
-            </a:pPr>
-            <a:r>
-              <a:rPr lang="en-US" i="1" dirty="0"/>
-              <a:t> </a:t>
-            </a:r>
-            <a:endParaRPr lang="en-US" dirty="0"/>
-          </a:p>
-          <a:p>
-            <a:pPr marL="0" indent="0">
-              <a:buNone/>
-              <a:tabLst>
-                <a:tab pos="396875" algn="l"/>
-              </a:tabLst>
-            </a:pPr>
-            <a:r>
-              <a:rPr lang="en-US" i="1" dirty="0"/>
-              <a:t>#############################</a:t>
-            </a:r>
-            <a:endParaRPr lang="en-US" dirty="0"/>
-          </a:p>
-          <a:p>
-            <a:pPr marL="0" indent="0">
-              <a:buNone/>
-              <a:tabLst>
-                <a:tab pos="396875" algn="l"/>
-              </a:tabLst>
-            </a:pPr>
-            <a:r>
-              <a:rPr lang="en-US" i="1" dirty="0"/>
-              <a:t>### Query REDCap API</a:t>
-            </a:r>
-            <a:endParaRPr lang="en-US" dirty="0"/>
-          </a:p>
-          <a:p>
-            <a:pPr marL="0" indent="0">
-              <a:buNone/>
-              <a:tabLst>
-                <a:tab pos="396875" algn="l"/>
-              </a:tabLst>
-            </a:pPr>
-            <a:r>
-              <a:rPr lang="en-US" i="1" dirty="0"/>
-              <a:t>#############################</a:t>
-            </a:r>
-            <a:endParaRPr lang="en-US" dirty="0"/>
-          </a:p>
-          <a:p>
-            <a:pPr marL="0" indent="0">
-              <a:buNone/>
-              <a:tabLst>
-                <a:tab pos="396875" algn="l"/>
-              </a:tabLst>
-            </a:pPr>
-            <a:r>
-              <a:rPr lang="en-US" i="1" dirty="0"/>
-              <a:t>#Call REDCap</a:t>
-            </a:r>
-            <a:endParaRPr lang="en-US" dirty="0"/>
-          </a:p>
-          <a:p>
-            <a:pPr marL="0" indent="0">
-              <a:buNone/>
-              <a:tabLst>
-                <a:tab pos="396875" algn="l"/>
-              </a:tabLst>
-            </a:pPr>
-            <a:r>
-              <a:rPr lang="en-US" dirty="0" err="1"/>
-              <a:t>system.time</a:t>
-            </a:r>
-            <a:r>
-              <a:rPr lang="en-US" dirty="0"/>
-              <a:t>(</a:t>
-            </a:r>
-            <a:r>
-              <a:rPr lang="en-US" dirty="0" err="1"/>
-              <a:t>gcFirst</a:t>
-            </a:r>
-            <a:r>
-              <a:rPr lang="en-US" b="1" dirty="0"/>
-              <a:t>=</a:t>
-            </a:r>
-            <a:r>
-              <a:rPr lang="en-US" dirty="0"/>
-              <a:t>T, expr</a:t>
-            </a:r>
-            <a:r>
-              <a:rPr lang="en-US" b="1" dirty="0"/>
-              <a:t>=</a:t>
-            </a:r>
-            <a:r>
-              <a:rPr lang="en-US" dirty="0"/>
-              <a:t>{</a:t>
-            </a:r>
-          </a:p>
-          <a:p>
-            <a:pPr marL="0" indent="0">
-              <a:buNone/>
-              <a:tabLst>
-                <a:tab pos="396875" algn="l"/>
-              </a:tabLst>
-            </a:pPr>
-            <a:r>
-              <a:rPr lang="en-US" dirty="0"/>
-              <a:t>  </a:t>
-            </a:r>
-            <a:r>
-              <a:rPr lang="en-US" dirty="0" err="1"/>
-              <a:t>rawCsvText</a:t>
-            </a:r>
-            <a:r>
-              <a:rPr lang="en-US" dirty="0"/>
-              <a:t> </a:t>
-            </a:r>
-            <a:r>
-              <a:rPr lang="en-US" b="1" dirty="0"/>
-              <a:t>&lt;-</a:t>
-            </a:r>
-            <a:r>
-              <a:rPr lang="en-US" dirty="0"/>
-              <a:t> </a:t>
-            </a:r>
-            <a:r>
-              <a:rPr lang="en-US" dirty="0" err="1"/>
-              <a:t>RCurl</a:t>
-            </a:r>
-            <a:r>
-              <a:rPr lang="en-US" b="1" dirty="0"/>
-              <a:t>::</a:t>
-            </a:r>
-            <a:r>
-              <a:rPr lang="en-US" dirty="0" err="1"/>
-              <a:t>postForm</a:t>
-            </a:r>
-            <a:r>
-              <a:rPr lang="en-US" dirty="0"/>
-              <a:t>(</a:t>
-            </a:r>
-          </a:p>
-          <a:p>
-            <a:pPr marL="0" indent="0">
-              <a:buNone/>
-              <a:tabLst>
-                <a:tab pos="396875" algn="l"/>
-              </a:tabLst>
-            </a:pPr>
-            <a:r>
-              <a:rPr lang="en-US" dirty="0"/>
-              <a:t>    </a:t>
-            </a:r>
-            <a:r>
-              <a:rPr lang="en-US" dirty="0" err="1"/>
-              <a:t>uri</a:t>
-            </a:r>
-            <a:r>
-              <a:rPr lang="en-US" b="1" dirty="0"/>
-              <a:t>=</a:t>
-            </a:r>
-            <a:r>
-              <a:rPr lang="en-US" dirty="0" err="1"/>
-              <a:t>redcapUri</a:t>
-            </a:r>
-            <a:r>
-              <a:rPr lang="en-US" dirty="0"/>
-              <a:t>, </a:t>
-            </a:r>
-          </a:p>
-          <a:p>
-            <a:pPr marL="0" indent="0">
-              <a:buNone/>
-              <a:tabLst>
-                <a:tab pos="396875" algn="l"/>
-              </a:tabLst>
-            </a:pPr>
-            <a:r>
-              <a:rPr lang="en-US" dirty="0"/>
-              <a:t>    token</a:t>
-            </a:r>
-            <a:r>
-              <a:rPr lang="en-US" b="1" dirty="0"/>
-              <a:t>=</a:t>
-            </a:r>
-            <a:r>
-              <a:rPr lang="en-US" dirty="0"/>
-              <a:t>token,</a:t>
-            </a:r>
-          </a:p>
-          <a:p>
-            <a:pPr marL="0" indent="0">
-              <a:buNone/>
-              <a:tabLst>
-                <a:tab pos="396875" algn="l"/>
-              </a:tabLst>
-            </a:pPr>
-            <a:r>
-              <a:rPr lang="en-US" dirty="0"/>
-              <a:t>    content</a:t>
-            </a:r>
-            <a:r>
-              <a:rPr lang="en-US" b="1" dirty="0"/>
-              <a:t>=</a:t>
-            </a:r>
-            <a:r>
-              <a:rPr lang="en-US" dirty="0"/>
-              <a:t>'record',</a:t>
-            </a:r>
-          </a:p>
-          <a:p>
-            <a:pPr marL="0" indent="0">
-              <a:buNone/>
-              <a:tabLst>
-                <a:tab pos="396875" algn="l"/>
-              </a:tabLst>
-            </a:pPr>
-            <a:r>
-              <a:rPr lang="en-US" dirty="0"/>
-              <a:t>    format</a:t>
-            </a:r>
-            <a:r>
-              <a:rPr lang="en-US" b="1" dirty="0"/>
-              <a:t>=</a:t>
-            </a:r>
-            <a:r>
-              <a:rPr lang="en-US" dirty="0"/>
-              <a:t>'csv', </a:t>
-            </a:r>
-          </a:p>
-          <a:p>
-            <a:pPr marL="0" indent="0">
-              <a:buNone/>
-              <a:tabLst>
-                <a:tab pos="396875" algn="l"/>
-              </a:tabLst>
-            </a:pPr>
-            <a:r>
-              <a:rPr lang="en-US" dirty="0"/>
-              <a:t>    type</a:t>
-            </a:r>
-            <a:r>
-              <a:rPr lang="en-US" b="1" dirty="0"/>
-              <a:t>=</a:t>
-            </a:r>
-            <a:r>
-              <a:rPr lang="en-US" dirty="0"/>
-              <a:t>'flat', </a:t>
-            </a:r>
-          </a:p>
-          <a:p>
-            <a:pPr marL="0" indent="0">
-              <a:buNone/>
-              <a:tabLst>
-                <a:tab pos="396875" algn="l"/>
-              </a:tabLst>
-            </a:pPr>
-            <a:r>
-              <a:rPr lang="en-US" dirty="0"/>
-              <a:t>    .opts</a:t>
-            </a:r>
-            <a:r>
-              <a:rPr lang="en-US" b="1" dirty="0"/>
-              <a:t>=</a:t>
-            </a:r>
-            <a:r>
-              <a:rPr lang="en-US" dirty="0" err="1"/>
-              <a:t>curlOptions</a:t>
-            </a:r>
-            <a:r>
-              <a:rPr lang="en-US" dirty="0"/>
-              <a:t>(</a:t>
-            </a:r>
-            <a:r>
-              <a:rPr lang="en-US" dirty="0" err="1"/>
-              <a:t>cainfo</a:t>
-            </a:r>
-            <a:r>
-              <a:rPr lang="en-US" b="1" dirty="0"/>
-              <a:t>=</a:t>
-            </a:r>
-            <a:r>
-              <a:rPr lang="en-US" dirty="0"/>
-              <a:t>"./Dal/Certs/ca-bundle.crt")</a:t>
-            </a:r>
-          </a:p>
-          <a:p>
-            <a:pPr marL="0" indent="0">
-              <a:buNone/>
-              <a:tabLst>
-                <a:tab pos="396875" algn="l"/>
-              </a:tabLst>
-            </a:pPr>
-            <a:r>
-              <a:rPr lang="en-US" i="1" dirty="0"/>
-              <a:t>#     .opts=</a:t>
-            </a:r>
-            <a:r>
-              <a:rPr lang="en-US" i="1" dirty="0" err="1"/>
-              <a:t>curlOptions</a:t>
-            </a:r>
-            <a:r>
-              <a:rPr lang="en-US" i="1" dirty="0"/>
-              <a:t>(</a:t>
-            </a:r>
-            <a:r>
-              <a:rPr lang="en-US" i="1" dirty="0" err="1"/>
-              <a:t>ssl.verifypeer</a:t>
-            </a:r>
-            <a:r>
-              <a:rPr lang="en-US" i="1" dirty="0"/>
-              <a:t>=FALSE)</a:t>
-            </a:r>
-            <a:endParaRPr lang="en-US" dirty="0"/>
-          </a:p>
-          <a:p>
-            <a:pPr marL="0" indent="0">
-              <a:buNone/>
-              <a:tabLst>
-                <a:tab pos="396875" algn="l"/>
-              </a:tabLst>
-            </a:pPr>
-            <a:r>
-              <a:rPr lang="en-US" dirty="0"/>
-              <a:t>  )</a:t>
-            </a:r>
-          </a:p>
-          <a:p>
-            <a:pPr marL="0" indent="0">
-              <a:buNone/>
-              <a:tabLst>
-                <a:tab pos="396875" algn="l"/>
-              </a:tabLst>
-            </a:pPr>
-            <a:r>
-              <a:rPr lang="en-US" dirty="0"/>
-              <a:t>})  </a:t>
-            </a:r>
-          </a:p>
-          <a:p>
-            <a:pPr marL="0" indent="0">
-              <a:buNone/>
-              <a:tabLst>
-                <a:tab pos="396875" algn="l"/>
-              </a:tabLst>
-            </a:pPr>
-            <a:r>
-              <a:rPr lang="en-US" i="1" dirty="0"/>
-              <a:t># head(</a:t>
-            </a:r>
-            <a:r>
-              <a:rPr lang="en-US" i="1" dirty="0" err="1"/>
-              <a:t>rawCsvText</a:t>
-            </a:r>
-            <a:r>
-              <a:rPr lang="en-US" i="1" dirty="0"/>
-              <a:t>) #Inspect the raw data, if desired.</a:t>
-            </a:r>
-            <a:endParaRPr lang="en-US" dirty="0"/>
-          </a:p>
-          <a:p>
-            <a:pPr marL="0" indent="0">
-              <a:buNone/>
-              <a:tabLst>
-                <a:tab pos="396875" algn="l"/>
-              </a:tabLst>
-            </a:pPr>
-            <a:r>
-              <a:rPr lang="en-US" dirty="0"/>
-              <a:t>ds </a:t>
-            </a:r>
-            <a:r>
-              <a:rPr lang="en-US" b="1" dirty="0"/>
-              <a:t>&lt;-</a:t>
-            </a:r>
-            <a:r>
-              <a:rPr lang="en-US" dirty="0"/>
-              <a:t> read.csv(text</a:t>
-            </a:r>
-            <a:r>
-              <a:rPr lang="en-US" b="1" dirty="0"/>
-              <a:t>=</a:t>
-            </a:r>
-            <a:r>
-              <a:rPr lang="en-US" dirty="0" err="1"/>
-              <a:t>rawCsvText</a:t>
-            </a:r>
-            <a:r>
-              <a:rPr lang="en-US" dirty="0"/>
-              <a:t>, </a:t>
-            </a:r>
-            <a:r>
-              <a:rPr lang="en-US" dirty="0" err="1"/>
-              <a:t>stringsAsFactors</a:t>
-            </a:r>
-            <a:r>
-              <a:rPr lang="en-US" b="1" dirty="0"/>
-              <a:t>=FALSE</a:t>
-            </a:r>
-            <a:r>
-              <a:rPr lang="en-US" dirty="0"/>
-              <a:t>) </a:t>
-            </a:r>
-            <a:r>
-              <a:rPr lang="en-US" i="1" dirty="0"/>
-              <a:t>#Convert the raw text to a dataset.</a:t>
-            </a:r>
-            <a:endParaRPr lang="en-US" dirty="0"/>
-          </a:p>
-          <a:p>
-            <a:pPr marL="0" indent="0">
-              <a:buNone/>
-              <a:tabLst>
-                <a:tab pos="396875" algn="l"/>
-              </a:tabLst>
-            </a:pPr>
-            <a:r>
-              <a:rPr lang="en-US" dirty="0" err="1"/>
-              <a:t>ds</a:t>
-            </a:r>
-            <a:r>
-              <a:rPr lang="en-US" b="1" dirty="0" err="1"/>
-              <a:t>$</a:t>
-            </a:r>
-            <a:r>
-              <a:rPr lang="en-US" dirty="0" err="1"/>
-              <a:t>RowID</a:t>
-            </a:r>
-            <a:r>
-              <a:rPr lang="en-US" dirty="0"/>
-              <a:t> </a:t>
-            </a:r>
-            <a:r>
-              <a:rPr lang="en-US" b="1" dirty="0"/>
-              <a:t>&lt;-</a:t>
-            </a:r>
-            <a:r>
-              <a:rPr lang="en-US" dirty="0"/>
-              <a:t> </a:t>
-            </a:r>
-            <a:r>
-              <a:rPr lang="en-US" dirty="0" err="1"/>
-              <a:t>as.integer</a:t>
-            </a:r>
-            <a:r>
-              <a:rPr lang="en-US" dirty="0"/>
-              <a:t>(</a:t>
-            </a:r>
-            <a:r>
-              <a:rPr lang="en-US" dirty="0" err="1"/>
-              <a:t>row.names</a:t>
-            </a:r>
-            <a:r>
-              <a:rPr lang="en-US" dirty="0"/>
-              <a:t>(ds))</a:t>
-            </a:r>
-          </a:p>
-          <a:p>
-            <a:pPr marL="0" indent="0">
-              <a:buNone/>
-              <a:tabLst>
-                <a:tab pos="396875" algn="l"/>
-              </a:tabLst>
-            </a:pPr>
-            <a:r>
-              <a:rPr lang="en-US" dirty="0" err="1"/>
-              <a:t>object.size</a:t>
-            </a:r>
-            <a:r>
-              <a:rPr lang="en-US" dirty="0"/>
-              <a:t>(ds)</a:t>
-            </a:r>
-          </a:p>
-          <a:p>
-            <a:pPr marL="0" indent="0">
-              <a:buNone/>
-              <a:tabLst>
-                <a:tab pos="396875" algn="l"/>
-              </a:tabLst>
-            </a:pPr>
-            <a:r>
-              <a:rPr lang="en-US" dirty="0"/>
-              <a:t> </a:t>
-            </a:r>
-          </a:p>
-          <a:p>
-            <a:pPr marL="0" indent="0">
-              <a:buNone/>
-              <a:tabLst>
-                <a:tab pos="396875" algn="l"/>
-              </a:tabLst>
-            </a:pPr>
-            <a:r>
-              <a:rPr lang="en-US" dirty="0" err="1"/>
-              <a:t>rm</a:t>
-            </a:r>
-            <a:r>
-              <a:rPr lang="en-US" dirty="0"/>
-              <a:t>(</a:t>
-            </a:r>
-            <a:r>
-              <a:rPr lang="en-US" dirty="0" err="1"/>
-              <a:t>redcapUri</a:t>
-            </a:r>
-            <a:r>
-              <a:rPr lang="en-US" dirty="0"/>
-              <a:t>, token, </a:t>
-            </a:r>
-            <a:r>
-              <a:rPr lang="en-US" dirty="0" err="1"/>
-              <a:t>rawCsvText</a:t>
-            </a:r>
-            <a:r>
-              <a:rPr lang="en-US" dirty="0"/>
-              <a:t>)</a:t>
-            </a:r>
-          </a:p>
-          <a:p>
-            <a:pPr marL="0" indent="0">
-              <a:buNone/>
-              <a:tabLst>
-                <a:tab pos="396875" algn="l"/>
-              </a:tabLst>
-            </a:pPr>
-            <a:endParaRPr lang="en-US" dirty="0"/>
-          </a:p>
-          <a:p>
-            <a:pPr marL="0" indent="0">
-              <a:buNone/>
-              <a:tabLst>
-                <a:tab pos="396875" algn="l"/>
-              </a:tabLst>
-            </a:pPr>
-            <a:endParaRPr lang="en-US" dirty="0" smtClean="0"/>
-          </a:p>
-        </p:txBody>
-      </p:sp>
-    </p:spTree>
-    <p:extLst>
-      <p:ext uri="{BB962C8B-B14F-4D97-AF65-F5344CB8AC3E}">
-        <p14:creationId xmlns:p14="http://schemas.microsoft.com/office/powerpoint/2010/main" val="3136932402"/>
-      </p:ext>
-    </p:extLst>
-  </p:cSld>
-  <p:clrMapOvr>
-    <a:masterClrMapping/>
-  </p:clrMapOvr>
-  <p:timing>
-    <p:tnLst>
-      <p:par>
-        <p:cTn id="1" dur="indefinite" restart="never" nodeType="tmRoot"/>
-      </p:par>
-    </p:tnLst>
-  </p:timing>
-</p:sld>
-</file>
-
 <file path=ppt/slides/slide12.xml><?xml version="1.0" encoding="utf-8"?>
 <p:sld xmlns:a="http://schemas.openxmlformats.org/drawingml/2006/main" xmlns:r="http://schemas.openxmlformats.org/officeDocument/2006/relationships" xmlns:p="http://schemas.openxmlformats.org/presentationml/2006/main">
   <p:cSld>
@@ -5198,6 +4480,43 @@
       </p:grpSpPr>
       <p:sp>
         <p:nvSpPr>
+          <p:cNvPr id="2" name="Title 1"/>
+          <p:cNvSpPr>
+            <a:spLocks noGrp="1"/>
+          </p:cNvSpPr>
+          <p:nvPr>
+            <p:ph type="title"/>
+          </p:nvPr>
+        </p:nvSpPr>
+        <p:spPr>
+          <a:xfrm>
+            <a:off x="76200" y="76200"/>
+            <a:ext cx="8991600" cy="762000"/>
+          </a:xfrm>
+          <a:solidFill>
+            <a:schemeClr val="accent6">
+              <a:lumMod val="40000"/>
+              <a:lumOff val="60000"/>
+            </a:schemeClr>
+          </a:solidFill>
+        </p:spPr>
+        <p:txBody>
+          <a:bodyPr>
+            <a:normAutofit fontScale="90000"/>
+          </a:bodyPr>
+          <a:lstStyle/>
+          <a:p>
+            <a:pPr marL="0" indent="0"/>
+            <a:r>
+              <a:rPr lang="en-US" sz="4900" dirty="0" smtClean="0"/>
+              <a:t>API Data Export Example</a:t>
+            </a:r>
+            <a:endParaRPr lang="en-US" dirty="0"/>
+          </a:p>
+        </p:txBody>
+      </p:sp>
+      <p:sp>
+        <p:nvSpPr>
           <p:cNvPr id="3" name="Content Placeholder 2"/>
           <p:cNvSpPr>
             <a:spLocks noGrp="1"/>
@@ -5208,175 +4527,922 @@
         </p:nvSpPr>
         <p:spPr>
           <a:xfrm>
-            <a:off x="0" y="1219200"/>
-            <a:ext cx="9144000" cy="5638800"/>
+            <a:off x="0" y="838200"/>
+            <a:ext cx="9144000" cy="6019800"/>
           </a:xfrm>
         </p:spPr>
         <p:txBody>
           <a:bodyPr>
-            <a:normAutofit/>
+            <a:normAutofit fontScale="32500" lnSpcReduction="20000"/>
           </a:bodyPr>
           <a:lstStyle/>
           <a:p>
             <a:pPr marL="0" indent="0">
               <a:buNone/>
             </a:pPr>
-            <a:r>
-              <a:rPr lang="en-US" dirty="0" smtClean="0"/>
-              <a:t>What is this </a:t>
-            </a:r>
-            <a:r>
-              <a:rPr lang="en-US" dirty="0" err="1" smtClean="0"/>
-              <a:t>REDCapR</a:t>
-            </a:r>
-            <a:r>
-              <a:rPr lang="en-US" dirty="0" smtClean="0"/>
-              <a:t> you speak of?</a:t>
-            </a:r>
-          </a:p>
-          <a:p>
-            <a:pPr marL="0" indent="0">
-              <a:buNone/>
-            </a:pPr>
             <a:endParaRPr lang="en-US" dirty="0" smtClean="0"/>
           </a:p>
           <a:p>
             <a:pPr marL="0" indent="0">
               <a:buNone/>
-            </a:pPr>
-            <a:r>
-              <a:rPr lang="en-US" sz="2800" dirty="0" smtClean="0"/>
-              <a:t>Written by Will Beasley, </a:t>
-            </a:r>
-            <a:r>
-              <a:rPr lang="en-US" sz="2800" dirty="0" err="1" smtClean="0"/>
-              <a:t>REDCapR</a:t>
-            </a:r>
-            <a:r>
-              <a:rPr lang="en-US" sz="2800" dirty="0" smtClean="0"/>
+              <a:tabLst>
+                <a:tab pos="396875" algn="l"/>
+              </a:tabLst>
+            </a:pPr>
+            <a:r>
+              <a:rPr lang="en-US" i="1" dirty="0"/>
+              <a:t>#############################</a:t>
+            </a:r>
+            <a:endParaRPr lang="en-US" dirty="0"/>
+          </a:p>
+          <a:p>
+            <a:pPr marL="0" indent="0">
+              <a:buNone/>
+              <a:tabLst>
+                <a:tab pos="396875" algn="l"/>
+              </a:tabLst>
+            </a:pPr>
+            <a:r>
+              <a:rPr lang="en-US" i="1" dirty="0"/>
+              <a:t>### Retrieve token and REDCap URL</a:t>
+            </a:r>
+            <a:endParaRPr lang="en-US" dirty="0"/>
+          </a:p>
+          <a:p>
+            <a:pPr marL="0" indent="0">
+              <a:buNone/>
+              <a:tabLst>
+                <a:tab pos="396875" algn="l"/>
+              </a:tabLst>
+            </a:pPr>
+            <a:r>
+              <a:rPr lang="en-US" i="1" dirty="0"/>
+              <a:t>#############################</a:t>
+            </a:r>
+            <a:endParaRPr lang="en-US" dirty="0"/>
+          </a:p>
+          <a:p>
+            <a:pPr marL="0" indent="0">
+              <a:buNone/>
+              <a:tabLst>
+                <a:tab pos="396875" algn="l"/>
+              </a:tabLst>
+            </a:pPr>
+            <a:r>
+              <a:rPr lang="en-US" dirty="0" err="1"/>
+              <a:t>dsnName</a:t>
+            </a:r>
+            <a:r>
+              <a:rPr lang="en-US" dirty="0"/>
               <a:t> </a:t>
             </a:r>
             <a:r>
-              <a:rPr lang="en-US" sz="2800" dirty="0" smtClean="0"/>
-              <a:t>is </a:t>
-            </a:r>
-            <a:r>
-              <a:rPr lang="en-US" sz="2800" dirty="0" smtClean="0"/>
-              <a:t>an R package containing the functions </a:t>
-            </a:r>
-            <a:r>
-              <a:rPr lang="en-US" sz="2800" dirty="0" err="1" smtClean="0"/>
-              <a:t>redcap_read_oneshot</a:t>
-            </a:r>
-            <a:r>
-              <a:rPr lang="en-US" sz="2800" dirty="0" smtClean="0"/>
+              <a:rPr lang="en-US" b="1" dirty="0"/>
+              <a:t>&lt;-</a:t>
+            </a:r>
+            <a:r>
+              <a:rPr lang="en-US" dirty="0"/>
+              <a:t> "</a:t>
+            </a:r>
+            <a:r>
+              <a:rPr lang="en-US" dirty="0" err="1"/>
+              <a:t>NothingToSeeHere</a:t>
+            </a:r>
+            <a:r>
+              <a:rPr lang="en-US" dirty="0"/>
+              <a:t>"</a:t>
+            </a:r>
+          </a:p>
+          <a:p>
+            <a:pPr marL="0" indent="0">
+              <a:buNone/>
+              <a:tabLst>
+                <a:tab pos="396875" algn="l"/>
+              </a:tabLst>
+            </a:pPr>
+            <a:r>
+              <a:rPr lang="en-US" dirty="0"/>
+              <a:t>channel </a:t>
+            </a:r>
+            <a:r>
+              <a:rPr lang="en-US" b="1" dirty="0"/>
+              <a:t>&lt;-</a:t>
+            </a:r>
+            <a:r>
+              <a:rPr lang="en-US" dirty="0"/>
+              <a:t> RODBC</a:t>
+            </a:r>
+            <a:r>
+              <a:rPr lang="en-US" b="1" dirty="0"/>
+              <a:t>::</a:t>
+            </a:r>
+            <a:r>
+              <a:rPr lang="en-US" dirty="0" err="1"/>
+              <a:t>odbcConnect</a:t>
+            </a:r>
+            <a:r>
+              <a:rPr lang="en-US" dirty="0"/>
+              <a:t>(</a:t>
+            </a:r>
+            <a:r>
+              <a:rPr lang="en-US" dirty="0" err="1"/>
+              <a:t>dsnName</a:t>
+            </a:r>
+            <a:r>
+              <a:rPr lang="en-US" dirty="0"/>
+              <a:t>) </a:t>
+            </a:r>
+            <a:r>
+              <a:rPr lang="en-US" i="1" dirty="0"/>
+              <a:t>#</a:t>
+            </a:r>
+            <a:r>
+              <a:rPr lang="en-US" i="1" dirty="0" err="1"/>
+              <a:t>getSqlTypeInfo</a:t>
+            </a:r>
+            <a:r>
+              <a:rPr lang="en-US" i="1" dirty="0"/>
+              <a:t>("Microsoft SQL Server") #</a:t>
+            </a:r>
+            <a:r>
+              <a:rPr lang="en-US" i="1" dirty="0" err="1"/>
+              <a:t>odbcGetInfo</a:t>
+            </a:r>
+            <a:r>
+              <a:rPr lang="en-US" i="1" dirty="0"/>
+              <a:t>(channel)</a:t>
+            </a:r>
+            <a:endParaRPr lang="en-US" dirty="0"/>
+          </a:p>
+          <a:p>
+            <a:pPr marL="0" indent="0">
+              <a:buNone/>
+              <a:tabLst>
+                <a:tab pos="396875" algn="l"/>
+              </a:tabLst>
+            </a:pPr>
+            <a:r>
+              <a:rPr lang="en-US" dirty="0"/>
+              <a:t> </a:t>
+            </a:r>
+          </a:p>
+          <a:p>
+            <a:pPr marL="0" indent="0">
+              <a:buNone/>
+              <a:tabLst>
+                <a:tab pos="396875" algn="l"/>
+              </a:tabLst>
+            </a:pPr>
+            <a:r>
+              <a:rPr lang="en-US" dirty="0" err="1"/>
+              <a:t>redcapUri</a:t>
+            </a:r>
+            <a:r>
+              <a:rPr lang="en-US" dirty="0"/>
+              <a:t> </a:t>
+            </a:r>
+            <a:r>
+              <a:rPr lang="en-US" b="1" dirty="0"/>
+              <a:t>&lt;-</a:t>
+            </a:r>
+            <a:r>
+              <a:rPr lang="en-US" dirty="0"/>
+              <a:t> RODBC</a:t>
+            </a:r>
+            <a:r>
+              <a:rPr lang="en-US" b="1" dirty="0"/>
+              <a:t>::</a:t>
+            </a:r>
+            <a:r>
+              <a:rPr lang="en-US" dirty="0" err="1"/>
+              <a:t>sqlQuery</a:t>
+            </a:r>
+            <a:r>
+              <a:rPr lang="en-US" dirty="0"/>
+              <a:t>(channel, "EXEC </a:t>
+            </a:r>
+            <a:r>
+              <a:rPr lang="en-US" dirty="0" err="1"/>
+              <a:t>Security.prcUri</a:t>
+            </a:r>
+            <a:r>
+              <a:rPr lang="en-US" dirty="0"/>
+              <a:t> @</a:t>
+            </a:r>
+            <a:r>
+              <a:rPr lang="en-US" dirty="0" err="1"/>
+              <a:t>UriName</a:t>
+            </a:r>
+            <a:r>
+              <a:rPr lang="en-US" dirty="0"/>
+              <a:t> = 'ABCD1'", </a:t>
+            </a:r>
+            <a:r>
+              <a:rPr lang="en-US" dirty="0" err="1"/>
+              <a:t>stringsAsFactors</a:t>
+            </a:r>
+            <a:r>
+              <a:rPr lang="en-US" b="1" dirty="0"/>
+              <a:t>=FALSE</a:t>
+            </a:r>
+            <a:r>
+              <a:rPr lang="en-US" dirty="0"/>
+              <a:t>)[1, 'Value']</a:t>
+            </a:r>
+          </a:p>
+          <a:p>
+            <a:pPr marL="0" indent="0">
+              <a:buNone/>
+              <a:tabLst>
+                <a:tab pos="396875" algn="l"/>
+              </a:tabLst>
+            </a:pPr>
+            <a:r>
+              <a:rPr lang="en-US" dirty="0"/>
+              <a:t>token </a:t>
+            </a:r>
+            <a:r>
+              <a:rPr lang="en-US" b="1" dirty="0"/>
+              <a:t>&lt;-</a:t>
+            </a:r>
+            <a:r>
+              <a:rPr lang="en-US" dirty="0"/>
+              <a:t> RODBC</a:t>
+            </a:r>
+            <a:r>
+              <a:rPr lang="en-US" b="1" dirty="0"/>
+              <a:t>::</a:t>
+            </a:r>
+            <a:r>
+              <a:rPr lang="en-US" dirty="0" err="1"/>
+              <a:t>sqlQuery</a:t>
+            </a:r>
+            <a:r>
+              <a:rPr lang="en-US" dirty="0"/>
+              <a:t>(channel, "EXEC [Security].[</a:t>
+            </a:r>
+            <a:r>
+              <a:rPr lang="en-US" dirty="0" err="1"/>
+              <a:t>prcRedcapToken</a:t>
+            </a:r>
+            <a:r>
+              <a:rPr lang="en-US" dirty="0"/>
+              <a:t>] @</a:t>
+            </a:r>
+            <a:r>
+              <a:rPr lang="en-US" dirty="0" err="1"/>
+              <a:t>RedcapProjectName</a:t>
+            </a:r>
+            <a:r>
+              <a:rPr lang="en-US" dirty="0"/>
+              <a:t> = '</a:t>
+            </a:r>
+            <a:r>
+              <a:rPr lang="en-US" dirty="0" err="1"/>
+              <a:t>NullResearchProject</a:t>
+            </a:r>
+            <a:r>
+              <a:rPr lang="en-US" dirty="0"/>
+              <a:t>'", </a:t>
+            </a:r>
+            <a:r>
+              <a:rPr lang="en-US" dirty="0" err="1"/>
+              <a:t>stringsAsFactors</a:t>
+            </a:r>
+            <a:r>
+              <a:rPr lang="en-US" b="1" dirty="0"/>
+              <a:t>=FALSE</a:t>
+            </a:r>
+            <a:r>
+              <a:rPr lang="en-US" dirty="0"/>
+              <a:t>)[1, 'Token']</a:t>
+            </a:r>
+          </a:p>
+          <a:p>
+            <a:pPr marL="0" indent="0">
+              <a:buNone/>
+              <a:tabLst>
+                <a:tab pos="396875" algn="l"/>
+              </a:tabLst>
+            </a:pPr>
+            <a:r>
+              <a:rPr lang="en-US" dirty="0"/>
+              <a:t>RODBC</a:t>
+            </a:r>
+            <a:r>
+              <a:rPr lang="en-US" b="1" dirty="0"/>
+              <a:t>::</a:t>
+            </a:r>
+            <a:r>
+              <a:rPr lang="en-US" dirty="0" err="1"/>
+              <a:t>odbcClose</a:t>
+            </a:r>
+            <a:r>
+              <a:rPr lang="en-US" dirty="0"/>
+              <a:t>(channel)</a:t>
+            </a:r>
+          </a:p>
+          <a:p>
+            <a:pPr marL="0" indent="0">
+              <a:buNone/>
+              <a:tabLst>
+                <a:tab pos="396875" algn="l"/>
+              </a:tabLst>
+            </a:pPr>
+            <a:r>
+              <a:rPr lang="en-US" i="1" dirty="0"/>
+              <a:t> </a:t>
+            </a:r>
+            <a:endParaRPr lang="en-US" dirty="0"/>
+          </a:p>
+          <a:p>
+            <a:pPr marL="0" indent="0">
+              <a:buNone/>
+              <a:tabLst>
+                <a:tab pos="396875" algn="l"/>
+              </a:tabLst>
+            </a:pPr>
+            <a:r>
+              <a:rPr lang="en-US" i="1" dirty="0"/>
+              <a:t># Removes the channel and the </a:t>
+            </a:r>
+            <a:r>
+              <a:rPr lang="en-US" i="1" dirty="0" err="1"/>
+              <a:t>dsnName</a:t>
+            </a:r>
+            <a:r>
+              <a:rPr lang="en-US" dirty="0"/>
+              <a:t> </a:t>
+            </a:r>
+          </a:p>
+          <a:p>
+            <a:pPr marL="0" indent="0">
+              <a:buNone/>
+              <a:tabLst>
+                <a:tab pos="396875" algn="l"/>
+              </a:tabLst>
+            </a:pPr>
+            <a:r>
+              <a:rPr lang="en-US" dirty="0" err="1"/>
+              <a:t>rm</a:t>
+            </a:r>
+            <a:r>
+              <a:rPr lang="en-US" dirty="0"/>
+              <a:t>(channel, </a:t>
+            </a:r>
+            <a:r>
+              <a:rPr lang="en-US" dirty="0" err="1"/>
+              <a:t>dsnName</a:t>
+            </a:r>
+            <a:r>
+              <a:rPr lang="en-US" dirty="0"/>
+              <a:t>)</a:t>
+            </a:r>
+          </a:p>
+          <a:p>
+            <a:pPr marL="0" indent="0">
+              <a:buNone/>
+              <a:tabLst>
+                <a:tab pos="396875" algn="l"/>
+              </a:tabLst>
+            </a:pPr>
+            <a:r>
+              <a:rPr lang="en-US" i="1" dirty="0"/>
+              <a:t> </a:t>
+            </a:r>
+            <a:endParaRPr lang="en-US" dirty="0"/>
+          </a:p>
+          <a:p>
+            <a:pPr marL="0" indent="0">
+              <a:buNone/>
+              <a:tabLst>
+                <a:tab pos="396875" algn="l"/>
+              </a:tabLst>
+            </a:pPr>
+            <a:r>
+              <a:rPr lang="en-US" i="1" dirty="0"/>
+              <a:t>#############################</a:t>
+            </a:r>
+            <a:endParaRPr lang="en-US" dirty="0"/>
+          </a:p>
+          <a:p>
+            <a:pPr marL="0" indent="0">
+              <a:buNone/>
+              <a:tabLst>
+                <a:tab pos="396875" algn="l"/>
+              </a:tabLst>
+            </a:pPr>
+            <a:r>
+              <a:rPr lang="en-US" i="1" dirty="0"/>
+              <a:t>### Query REDCap API</a:t>
+            </a:r>
+            <a:endParaRPr lang="en-US" dirty="0"/>
+          </a:p>
+          <a:p>
+            <a:pPr marL="0" indent="0">
+              <a:buNone/>
+              <a:tabLst>
+                <a:tab pos="396875" algn="l"/>
+              </a:tabLst>
+            </a:pPr>
+            <a:r>
+              <a:rPr lang="en-US" i="1" dirty="0"/>
+              <a:t>#############################</a:t>
+            </a:r>
+            <a:endParaRPr lang="en-US" dirty="0"/>
+          </a:p>
+          <a:p>
+            <a:pPr marL="0" indent="0">
+              <a:buNone/>
+              <a:tabLst>
+                <a:tab pos="396875" algn="l"/>
+              </a:tabLst>
+            </a:pPr>
+            <a:r>
+              <a:rPr lang="en-US" i="1" dirty="0"/>
+              <a:t>#Call REDCap</a:t>
+            </a:r>
+            <a:endParaRPr lang="en-US" dirty="0"/>
+          </a:p>
+          <a:p>
+            <a:pPr marL="0" indent="0">
+              <a:buNone/>
+              <a:tabLst>
+                <a:tab pos="396875" algn="l"/>
+              </a:tabLst>
+            </a:pPr>
+            <a:r>
+              <a:rPr lang="en-US" dirty="0" err="1"/>
+              <a:t>system.time</a:t>
+            </a:r>
+            <a:r>
+              <a:rPr lang="en-US" dirty="0"/>
+              <a:t>(</a:t>
+            </a:r>
+            <a:r>
+              <a:rPr lang="en-US" dirty="0" err="1"/>
+              <a:t>gcFirst</a:t>
+            </a:r>
+            <a:r>
+              <a:rPr lang="en-US" b="1" dirty="0"/>
+              <a:t>=</a:t>
+            </a:r>
+            <a:r>
+              <a:rPr lang="en-US" dirty="0"/>
+              <a:t>T, expr</a:t>
+            </a:r>
+            <a:r>
+              <a:rPr lang="en-US" b="1" dirty="0"/>
+              <a:t>=</a:t>
+            </a:r>
+            <a:r>
+              <a:rPr lang="en-US" dirty="0"/>
+              <a:t>{</a:t>
+            </a:r>
+          </a:p>
+          <a:p>
+            <a:pPr marL="0" indent="0">
+              <a:buNone/>
+              <a:tabLst>
+                <a:tab pos="396875" algn="l"/>
+              </a:tabLst>
+            </a:pPr>
+            <a:r>
+              <a:rPr lang="en-US" dirty="0"/>
+              <a:t>  </a:t>
+            </a:r>
+            <a:r>
+              <a:rPr lang="en-US" dirty="0" err="1"/>
+              <a:t>rawCsvText</a:t>
+            </a:r>
+            <a:r>
+              <a:rPr lang="en-US" dirty="0"/>
+              <a:t> </a:t>
+            </a:r>
+            <a:r>
+              <a:rPr lang="en-US" b="1" dirty="0"/>
+              <a:t>&lt;-</a:t>
+            </a:r>
+            <a:r>
+              <a:rPr lang="en-US" dirty="0"/>
+              <a:t> </a:t>
+            </a:r>
+            <a:r>
+              <a:rPr lang="en-US" dirty="0" err="1"/>
+              <a:t>RCurl</a:t>
+            </a:r>
+            <a:r>
+              <a:rPr lang="en-US" b="1" dirty="0"/>
+              <a:t>::</a:t>
+            </a:r>
+            <a:r>
+              <a:rPr lang="en-US" dirty="0" err="1"/>
+              <a:t>postForm</a:t>
+            </a:r>
+            <a:r>
+              <a:rPr lang="en-US" dirty="0"/>
+              <a:t>(</a:t>
+            </a:r>
+          </a:p>
+          <a:p>
+            <a:pPr marL="0" indent="0">
+              <a:buNone/>
+              <a:tabLst>
+                <a:tab pos="396875" algn="l"/>
+              </a:tabLst>
+            </a:pPr>
+            <a:r>
+              <a:rPr lang="en-US" dirty="0"/>
+              <a:t>    </a:t>
+            </a:r>
+            <a:r>
+              <a:rPr lang="en-US" dirty="0" err="1"/>
+              <a:t>uri</a:t>
+            </a:r>
+            <a:r>
+              <a:rPr lang="en-US" b="1" dirty="0"/>
+              <a:t>=</a:t>
+            </a:r>
+            <a:r>
+              <a:rPr lang="en-US" dirty="0" err="1"/>
+              <a:t>redcapUri</a:t>
+            </a:r>
+            <a:r>
+              <a:rPr lang="en-US" dirty="0"/>
               <a:t>, </a:t>
             </a:r>
-            <a:r>
-              <a:rPr lang="en-US" sz="2800" dirty="0" err="1" smtClean="0"/>
-              <a:t>redcap_read</a:t>
-            </a:r>
-            <a:r>
-              <a:rPr lang="en-US" sz="2800" dirty="0" smtClean="0"/>
-              <a:t>, and </a:t>
-            </a:r>
-            <a:r>
-              <a:rPr lang="en-US" sz="2800" dirty="0" err="1" smtClean="0"/>
-              <a:t>redcap_write</a:t>
-            </a:r>
-            <a:r>
-              <a:rPr lang="en-US" sz="2800" dirty="0" smtClean="0"/>
-              <a:t>.</a:t>
-            </a:r>
-          </a:p>
-          <a:p>
-            <a:pPr marL="0" indent="0">
-              <a:buNone/>
-            </a:pPr>
-            <a:endParaRPr lang="en-US" sz="2800" dirty="0"/>
-          </a:p>
-          <a:p>
-            <a:pPr marL="0" indent="0">
-              <a:buNone/>
-            </a:pPr>
-            <a:r>
-              <a:rPr lang="en-US" sz="2800" dirty="0" smtClean="0"/>
-              <a:t>These functions communicate with REDCap using its API capabilities.</a:t>
-            </a:r>
-          </a:p>
-          <a:p>
-            <a:pPr marL="0" indent="0">
-              <a:buNone/>
-            </a:pPr>
-            <a:endParaRPr lang="en-US" sz="2800" dirty="0" smtClean="0"/>
-          </a:p>
-          <a:p>
-            <a:pPr marL="0" indent="0">
-              <a:buNone/>
+          </a:p>
+          <a:p>
+            <a:pPr marL="0" indent="0">
+              <a:buNone/>
+              <a:tabLst>
+                <a:tab pos="396875" algn="l"/>
+              </a:tabLst>
+            </a:pPr>
+            <a:r>
+              <a:rPr lang="en-US" dirty="0"/>
+              <a:t>    token</a:t>
+            </a:r>
+            <a:r>
+              <a:rPr lang="en-US" b="1" dirty="0"/>
+              <a:t>=</a:t>
+            </a:r>
+            <a:r>
+              <a:rPr lang="en-US" dirty="0"/>
+              <a:t>token,</a:t>
+            </a:r>
+          </a:p>
+          <a:p>
+            <a:pPr marL="0" indent="0">
+              <a:buNone/>
+              <a:tabLst>
+                <a:tab pos="396875" algn="l"/>
+              </a:tabLst>
+            </a:pPr>
+            <a:r>
+              <a:rPr lang="en-US" dirty="0"/>
+              <a:t>    content</a:t>
+            </a:r>
+            <a:r>
+              <a:rPr lang="en-US" b="1" dirty="0"/>
+              <a:t>=</a:t>
+            </a:r>
+            <a:r>
+              <a:rPr lang="en-US" dirty="0"/>
+              <a:t>'record',</a:t>
+            </a:r>
+          </a:p>
+          <a:p>
+            <a:pPr marL="0" indent="0">
+              <a:buNone/>
+              <a:tabLst>
+                <a:tab pos="396875" algn="l"/>
+              </a:tabLst>
+            </a:pPr>
+            <a:r>
+              <a:rPr lang="en-US" dirty="0"/>
+              <a:t>    format</a:t>
+            </a:r>
+            <a:r>
+              <a:rPr lang="en-US" b="1" dirty="0"/>
+              <a:t>=</a:t>
+            </a:r>
+            <a:r>
+              <a:rPr lang="en-US" dirty="0"/>
+              <a:t>'csv', </a:t>
+            </a:r>
+          </a:p>
+          <a:p>
+            <a:pPr marL="0" indent="0">
+              <a:buNone/>
+              <a:tabLst>
+                <a:tab pos="396875" algn="l"/>
+              </a:tabLst>
+            </a:pPr>
+            <a:r>
+              <a:rPr lang="en-US" dirty="0"/>
+              <a:t>    type</a:t>
+            </a:r>
+            <a:r>
+              <a:rPr lang="en-US" b="1" dirty="0"/>
+              <a:t>=</a:t>
+            </a:r>
+            <a:r>
+              <a:rPr lang="en-US" dirty="0"/>
+              <a:t>'flat', </a:t>
+            </a:r>
+          </a:p>
+          <a:p>
+            <a:pPr marL="0" indent="0">
+              <a:buNone/>
+              <a:tabLst>
+                <a:tab pos="396875" algn="l"/>
+              </a:tabLst>
+            </a:pPr>
+            <a:r>
+              <a:rPr lang="en-US" dirty="0"/>
+              <a:t>    .opts</a:t>
+            </a:r>
+            <a:r>
+              <a:rPr lang="en-US" b="1" dirty="0"/>
+              <a:t>=</a:t>
+            </a:r>
+            <a:r>
+              <a:rPr lang="en-US" dirty="0" err="1"/>
+              <a:t>curlOptions</a:t>
+            </a:r>
+            <a:r>
+              <a:rPr lang="en-US" dirty="0"/>
+              <a:t>(</a:t>
+            </a:r>
+            <a:r>
+              <a:rPr lang="en-US" dirty="0" err="1"/>
+              <a:t>cainfo</a:t>
+            </a:r>
+            <a:r>
+              <a:rPr lang="en-US" b="1" dirty="0"/>
+              <a:t>=</a:t>
+            </a:r>
+            <a:r>
+              <a:rPr lang="en-US" dirty="0"/>
+              <a:t>"./Dal/Certs/ca-bundle.crt")</a:t>
+            </a:r>
+          </a:p>
+          <a:p>
+            <a:pPr marL="0" indent="0">
+              <a:buNone/>
+              <a:tabLst>
+                <a:tab pos="396875" algn="l"/>
+              </a:tabLst>
+            </a:pPr>
+            <a:r>
+              <a:rPr lang="en-US" i="1" dirty="0"/>
+              <a:t>#     .opts=</a:t>
+            </a:r>
+            <a:r>
+              <a:rPr lang="en-US" i="1" dirty="0" err="1"/>
+              <a:t>curlOptions</a:t>
+            </a:r>
+            <a:r>
+              <a:rPr lang="en-US" i="1" dirty="0"/>
+              <a:t>(</a:t>
+            </a:r>
+            <a:r>
+              <a:rPr lang="en-US" i="1" dirty="0" err="1"/>
+              <a:t>ssl.verifypeer</a:t>
+            </a:r>
+            <a:r>
+              <a:rPr lang="en-US" i="1" dirty="0"/>
+              <a:t>=FALSE)</a:t>
+            </a:r>
+            <a:endParaRPr lang="en-US" dirty="0"/>
+          </a:p>
+          <a:p>
+            <a:pPr marL="0" indent="0">
+              <a:buNone/>
+              <a:tabLst>
+                <a:tab pos="396875" algn="l"/>
+              </a:tabLst>
+            </a:pPr>
+            <a:r>
+              <a:rPr lang="en-US" dirty="0"/>
+              <a:t>  )</a:t>
+            </a:r>
+          </a:p>
+          <a:p>
+            <a:pPr marL="0" indent="0">
+              <a:buNone/>
+              <a:tabLst>
+                <a:tab pos="396875" algn="l"/>
+              </a:tabLst>
+            </a:pPr>
+            <a:r>
+              <a:rPr lang="en-US" dirty="0"/>
+              <a:t>})  </a:t>
+            </a:r>
+          </a:p>
+          <a:p>
+            <a:pPr marL="0" indent="0">
+              <a:buNone/>
+              <a:tabLst>
+                <a:tab pos="396875" algn="l"/>
+              </a:tabLst>
+            </a:pPr>
+            <a:r>
+              <a:rPr lang="en-US" i="1" dirty="0"/>
+              <a:t># head(</a:t>
+            </a:r>
+            <a:r>
+              <a:rPr lang="en-US" i="1" dirty="0" err="1"/>
+              <a:t>rawCsvText</a:t>
+            </a:r>
+            <a:r>
+              <a:rPr lang="en-US" i="1" dirty="0"/>
+              <a:t>) #Inspect the raw data, if desired.</a:t>
+            </a:r>
+            <a:endParaRPr lang="en-US" dirty="0"/>
+          </a:p>
+          <a:p>
+            <a:pPr marL="0" indent="0">
+              <a:buNone/>
+              <a:tabLst>
+                <a:tab pos="396875" algn="l"/>
+              </a:tabLst>
+            </a:pPr>
+            <a:r>
+              <a:rPr lang="en-US" dirty="0"/>
+              <a:t>ds </a:t>
+            </a:r>
+            <a:r>
+              <a:rPr lang="en-US" b="1" dirty="0"/>
+              <a:t>&lt;-</a:t>
+            </a:r>
+            <a:r>
+              <a:rPr lang="en-US" dirty="0"/>
+              <a:t> read.csv(text</a:t>
+            </a:r>
+            <a:r>
+              <a:rPr lang="en-US" b="1" dirty="0"/>
+              <a:t>=</a:t>
+            </a:r>
+            <a:r>
+              <a:rPr lang="en-US" dirty="0" err="1"/>
+              <a:t>rawCsvText</a:t>
+            </a:r>
+            <a:r>
+              <a:rPr lang="en-US" dirty="0"/>
+              <a:t>, </a:t>
+            </a:r>
+            <a:r>
+              <a:rPr lang="en-US" dirty="0" err="1"/>
+              <a:t>stringsAsFactors</a:t>
+            </a:r>
+            <a:r>
+              <a:rPr lang="en-US" b="1" dirty="0"/>
+              <a:t>=FALSE</a:t>
+            </a:r>
+            <a:r>
+              <a:rPr lang="en-US" dirty="0"/>
+              <a:t>) </a:t>
+            </a:r>
+            <a:r>
+              <a:rPr lang="en-US" i="1" dirty="0"/>
+              <a:t>#Convert the raw text to a dataset.</a:t>
+            </a:r>
+            <a:endParaRPr lang="en-US" dirty="0"/>
+          </a:p>
+          <a:p>
+            <a:pPr marL="0" indent="0">
+              <a:buNone/>
+              <a:tabLst>
+                <a:tab pos="396875" algn="l"/>
+              </a:tabLst>
+            </a:pPr>
+            <a:r>
+              <a:rPr lang="en-US" dirty="0" err="1"/>
+              <a:t>ds</a:t>
+            </a:r>
+            <a:r>
+              <a:rPr lang="en-US" b="1" dirty="0" err="1"/>
+              <a:t>$</a:t>
+            </a:r>
+            <a:r>
+              <a:rPr lang="en-US" dirty="0" err="1"/>
+              <a:t>RowID</a:t>
+            </a:r>
+            <a:r>
+              <a:rPr lang="en-US" dirty="0"/>
+              <a:t> </a:t>
+            </a:r>
+            <a:r>
+              <a:rPr lang="en-US" b="1" dirty="0"/>
+              <a:t>&lt;-</a:t>
+            </a:r>
+            <a:r>
+              <a:rPr lang="en-US" dirty="0"/>
+              <a:t> </a:t>
+            </a:r>
+            <a:r>
+              <a:rPr lang="en-US" dirty="0" err="1"/>
+              <a:t>as.integer</a:t>
+            </a:r>
+            <a:r>
+              <a:rPr lang="en-US" dirty="0"/>
+              <a:t>(</a:t>
+            </a:r>
+            <a:r>
+              <a:rPr lang="en-US" dirty="0" err="1"/>
+              <a:t>row.names</a:t>
+            </a:r>
+            <a:r>
+              <a:rPr lang="en-US" dirty="0"/>
+              <a:t>(ds))</a:t>
+            </a:r>
+          </a:p>
+          <a:p>
+            <a:pPr marL="0" indent="0">
+              <a:buNone/>
+              <a:tabLst>
+                <a:tab pos="396875" algn="l"/>
+              </a:tabLst>
+            </a:pPr>
+            <a:r>
+              <a:rPr lang="en-US" dirty="0" err="1"/>
+              <a:t>object.size</a:t>
+            </a:r>
+            <a:r>
+              <a:rPr lang="en-US" dirty="0"/>
+              <a:t>(ds)</a:t>
+            </a:r>
+          </a:p>
+          <a:p>
+            <a:pPr marL="0" indent="0">
+              <a:buNone/>
+              <a:tabLst>
+                <a:tab pos="396875" algn="l"/>
+              </a:tabLst>
+            </a:pPr>
+            <a:r>
+              <a:rPr lang="en-US" dirty="0"/>
+              <a:t> </a:t>
+            </a:r>
+          </a:p>
+          <a:p>
+            <a:pPr marL="0" indent="0">
+              <a:buNone/>
+              <a:tabLst>
+                <a:tab pos="396875" algn="l"/>
+              </a:tabLst>
+            </a:pPr>
+            <a:r>
+              <a:rPr lang="en-US" dirty="0" err="1"/>
+              <a:t>rm</a:t>
+            </a:r>
+            <a:r>
+              <a:rPr lang="en-US" dirty="0"/>
+              <a:t>(</a:t>
+            </a:r>
+            <a:r>
+              <a:rPr lang="en-US" dirty="0" err="1"/>
+              <a:t>redcapUri</a:t>
+            </a:r>
+            <a:r>
+              <a:rPr lang="en-US" dirty="0"/>
+              <a:t>, token, </a:t>
+            </a:r>
+            <a:r>
+              <a:rPr lang="en-US" dirty="0" err="1"/>
+              <a:t>rawCsvText</a:t>
+            </a:r>
+            <a:r>
+              <a:rPr lang="en-US" dirty="0"/>
+              <a:t>)</a:t>
+            </a:r>
+          </a:p>
+          <a:p>
+            <a:pPr marL="0" indent="0">
+              <a:buNone/>
+              <a:tabLst>
+                <a:tab pos="396875" algn="l"/>
+              </a:tabLst>
+            </a:pPr>
+            <a:endParaRPr lang="en-US" dirty="0"/>
+          </a:p>
+          <a:p>
+            <a:pPr marL="0" indent="0">
+              <a:buNone/>
+              <a:tabLst>
+                <a:tab pos="396875" algn="l"/>
+              </a:tabLst>
             </a:pPr>
             <a:endParaRPr lang="en-US" dirty="0" smtClean="0"/>
-          </a:p>
-        </p:txBody>
-      </p:sp>
-      <p:sp>
-        <p:nvSpPr>
-          <p:cNvPr id="5" name="Title 1"/>
-          <p:cNvSpPr txBox="1">
-            <a:spLocks/>
-          </p:cNvSpPr>
-          <p:nvPr/>
-        </p:nvSpPr>
-        <p:spPr>
-          <a:xfrm>
-            <a:off x="76200" y="76200"/>
-            <a:ext cx="8991600" cy="758952"/>
-          </a:xfrm>
-          <a:prstGeom prst="rect">
-            <a:avLst/>
-          </a:prstGeom>
-          <a:solidFill>
-            <a:srgbClr val="E6F598"/>
-          </a:solidFill>
-        </p:spPr>
-        <p:txBody>
-          <a:bodyPr vert="horz" lIns="91440" tIns="45720" rIns="91440" bIns="45720" rtlCol="0" anchor="ctr">
-            <a:normAutofit fontScale="97500"/>
-          </a:bodyPr>
-          <a:lstStyle>
-            <a:lvl1pPr algn="ctr" defTabSz="914400" rtl="0" eaLnBrk="1" latinLnBrk="0" hangingPunct="1">
-              <a:spcBef>
-                <a:spcPct val="0"/>
-              </a:spcBef>
-              <a:buNone/>
-              <a:defRPr sz="4400" kern="1200">
-                <a:solidFill>
-                  <a:schemeClr val="tx1"/>
-                </a:solidFill>
-                <a:latin typeface="+mj-lt"/>
-                <a:ea typeface="+mj-ea"/>
-                <a:cs typeface="+mj-cs"/>
-              </a:defRPr>
-            </a:lvl1pPr>
-          </a:lstStyle>
-          <a:p>
-            <a:pPr>
-              <a:spcBef>
-                <a:spcPts val="0"/>
-              </a:spcBef>
-              <a:defRPr/>
-            </a:pPr>
-            <a:r>
-              <a:rPr lang="en-US" dirty="0" err="1" smtClean="0"/>
-              <a:t>REDCapR</a:t>
-            </a:r>
-            <a:endParaRPr lang="en-US" dirty="0"/>
           </a:p>
         </p:txBody>
       </p:sp>
     </p:spTree>
     <p:extLst>
       <p:ext uri="{BB962C8B-B14F-4D97-AF65-F5344CB8AC3E}">
-        <p14:creationId xmlns:p14="http://schemas.microsoft.com/office/powerpoint/2010/main" val="1505413520"/>
+        <p14:creationId xmlns:p14="http://schemas.microsoft.com/office/powerpoint/2010/main" val="3136932402"/>
       </p:ext>
     </p:extLst>
   </p:cSld>
@@ -5436,57 +5502,91 @@
               <a:buNone/>
             </a:pPr>
             <a:r>
-              <a:rPr lang="en-US" dirty="0" err="1"/>
+              <a:rPr lang="en-US" dirty="0" smtClean="0"/>
+              <a:t>What is this </a:t>
+            </a:r>
+            <a:r>
+              <a:rPr lang="en-US" dirty="0" err="1" smtClean="0"/>
+              <a:t>REDCapR</a:t>
+            </a:r>
+            <a:r>
+              <a:rPr lang="en-US" dirty="0" smtClean="0"/>
+              <a:t> you speak of?</a:t>
+            </a:r>
+          </a:p>
+          <a:p>
+            <a:pPr marL="0" indent="0">
+              <a:buNone/>
+            </a:pPr>
+            <a:endParaRPr lang="en-US" dirty="0" smtClean="0"/>
+          </a:p>
+          <a:p>
+            <a:pPr marL="0" indent="0">
+              <a:buNone/>
+            </a:pPr>
+            <a:r>
+              <a:rPr lang="en-US" sz="2800" dirty="0" smtClean="0"/>
+              <a:t>Written by Will Beasley, </a:t>
+            </a:r>
+            <a:r>
+              <a:rPr lang="en-US" sz="2800" dirty="0" err="1" smtClean="0"/>
+              <a:t>REDCapR</a:t>
+            </a:r>
+            <a:r>
+              <a:rPr lang="en-US" sz="2800" dirty="0" smtClean="0"/>
+              <a:t> is an R package containing the functions </a:t>
+            </a:r>
+            <a:r>
+              <a:rPr lang="en-US" sz="2800" dirty="0" err="1" smtClean="0"/>
               <a:t>redcap_read_oneshot</a:t>
             </a:r>
             <a:r>
-              <a:rPr lang="en-US" dirty="0"/>
-              <a:t>: retrieves data all at once from REDCap</a:t>
-            </a:r>
-          </a:p>
-          <a:p>
-            <a:pPr marL="0" indent="0">
-              <a:buNone/>
-            </a:pPr>
-            <a:endParaRPr lang="en-US" dirty="0"/>
-          </a:p>
-          <a:p>
-            <a:pPr marL="0" indent="0">
-              <a:buNone/>
-            </a:pPr>
-            <a:r>
-              <a:rPr lang="en-US" dirty="0" err="1"/>
+              <a:rPr lang="en-US" sz="2800" dirty="0" smtClean="0"/>
+              <a:t>, </a:t>
+            </a:r>
+            <a:r>
+              <a:rPr lang="en-US" sz="2800" dirty="0" err="1" smtClean="0"/>
               <a:t>redcap_read</a:t>
             </a:r>
             <a:r>
-              <a:rPr lang="en-US" dirty="0"/>
-              <a:t>: retrieves data in subsets and then combines them into a single </a:t>
-            </a:r>
-            <a:r>
-              <a:rPr lang="en-US" dirty="0" err="1" smtClean="0"/>
-              <a:t>data.frame</a:t>
-            </a:r>
+              <a:rPr lang="en-US" sz="2800" dirty="0" smtClean="0"/>
+              <a:t>, and </a:t>
+            </a:r>
+            <a:r>
+              <a:rPr lang="en-US" sz="2800" dirty="0" err="1" smtClean="0"/>
+              <a:t>redcap_write</a:t>
+            </a:r>
+            <a:r>
+              <a:rPr lang="en-US" sz="2800" dirty="0" smtClean="0"/>
+              <a:t>.</a:t>
+            </a:r>
+          </a:p>
+          <a:p>
+            <a:pPr marL="0" indent="0">
+              <a:buNone/>
+            </a:pPr>
+            <a:endParaRPr lang="en-US" sz="2800" dirty="0"/>
+          </a:p>
+          <a:p>
+            <a:pPr marL="0" indent="0">
+              <a:buNone/>
+            </a:pPr>
+            <a:r>
+              <a:rPr lang="en-US" sz="2800" dirty="0" smtClean="0"/>
+              <a:t>These functions communicate with REDCap using its API capabilities.</a:t>
+            </a:r>
+          </a:p>
+          <a:p>
+            <a:pPr marL="0" indent="0">
+              <a:buNone/>
+            </a:pPr>
+            <a:endParaRPr lang="en-US" sz="2800" dirty="0" smtClean="0"/>
+          </a:p>
+          <a:p>
+            <a:pPr marL="0" indent="0">
+              <a:buNone/>
+            </a:pPr>
             <a:endParaRPr lang="en-US" dirty="0" smtClean="0"/>
-          </a:p>
-          <a:p>
-            <a:pPr marL="0" indent="0">
-              <a:buNone/>
-            </a:pPr>
-            <a:endParaRPr lang="en-US" dirty="0"/>
-          </a:p>
-          <a:p>
-            <a:pPr marL="0" indent="0">
-              <a:buNone/>
-            </a:pPr>
-            <a:r>
-              <a:rPr lang="en-US" dirty="0" err="1" smtClean="0"/>
-              <a:t>redcap_write</a:t>
-            </a:r>
-            <a:r>
-              <a:rPr lang="en-US" dirty="0" smtClean="0"/>
-              <a:t>: writes data to REDCap (data import)</a:t>
-            </a:r>
-            <a:endParaRPr lang="en-US" dirty="0"/>
           </a:p>
         </p:txBody>
       </p:sp>
@@ -5548,7 +5648,7 @@
     </p:spTree>
     <p:extLst>
       <p:ext uri="{BB962C8B-B14F-4D97-AF65-F5344CB8AC3E}">
-        <p14:creationId xmlns:p14="http://schemas.microsoft.com/office/powerpoint/2010/main" val="3836758940"/>
+        <p14:creationId xmlns:p14="http://schemas.microsoft.com/office/powerpoint/2010/main" val="1505413520"/>
       </p:ext>
     </p:extLst>
   </p:cSld>
@@ -5608,157 +5708,57 @@
               <a:buNone/>
             </a:pPr>
             <a:r>
+              <a:rPr lang="en-US" dirty="0" err="1"/>
+              <a:t>redcap_read_oneshot</a:t>
+            </a:r>
+            <a:r>
+              <a:rPr lang="en-US" dirty="0"/>
+              <a:t>: retrieves data all at once from REDCap</a:t>
+            </a:r>
+          </a:p>
+          <a:p>
+            <a:pPr marL="0" indent="0">
+              <a:buNone/>
+            </a:pPr>
+            <a:endParaRPr lang="en-US" dirty="0"/>
+          </a:p>
+          <a:p>
+            <a:pPr marL="0" indent="0">
+              <a:buNone/>
+            </a:pPr>
+            <a:r>
+              <a:rPr lang="en-US" dirty="0" err="1"/>
+              <a:t>redcap_read</a:t>
+            </a:r>
+            <a:r>
+              <a:rPr lang="en-US" dirty="0"/>
+              <a:t>: retrieves data in subsets and then combines them into a single </a:t>
+            </a:r>
+            <a:r>
+              <a:rPr lang="en-US" dirty="0" err="1" smtClean="0"/>
+              <a:t>data.frame</a:t>
+            </a:r>
+            <a:endParaRPr lang="en-US" dirty="0" smtClean="0"/>
+          </a:p>
+          <a:p>
+            <a:pPr marL="0" indent="0">
+              <a:buNone/>
+            </a:pPr>
+            <a:endParaRPr lang="en-US" dirty="0"/>
+          </a:p>
+          <a:p>
+            <a:pPr marL="0" indent="0">
+              <a:buNone/>
+            </a:pPr>
+            <a:r>
+              <a:rPr lang="en-US" dirty="0" err="1" smtClean="0"/>
+              <a:t>redcap_write</a:t>
+            </a:r>
+            <a:r>
               <a:rPr lang="en-US" dirty="0" smtClean="0"/>
-              <a:t>Usage</a:t>
-            </a:r>
-          </a:p>
-          <a:p>
-            <a:pPr marL="0" indent="0">
-              <a:buNone/>
-            </a:pPr>
-            <a:endParaRPr lang="en-US" dirty="0" smtClean="0"/>
-          </a:p>
-          <a:p>
-            <a:pPr marL="0" indent="0">
-              <a:buNone/>
-            </a:pPr>
-            <a:r>
-              <a:rPr lang="en-US" sz="2000" dirty="0" err="1"/>
-              <a:t>redcap_read</a:t>
-            </a:r>
-            <a:r>
-              <a:rPr lang="en-US" sz="2000" dirty="0"/>
-              <a:t>(</a:t>
-            </a:r>
-            <a:r>
-              <a:rPr lang="en-US" sz="2000" dirty="0" err="1"/>
-              <a:t>batch_size</a:t>
-            </a:r>
-            <a:r>
-              <a:rPr lang="en-US" sz="2000" dirty="0"/>
-              <a:t> = 100L, </a:t>
-            </a:r>
-            <a:r>
-              <a:rPr lang="en-US" sz="2000" dirty="0" err="1"/>
-              <a:t>interbatch_delay</a:t>
-            </a:r>
-            <a:r>
-              <a:rPr lang="en-US" sz="2000" dirty="0"/>
-              <a:t> = 0, </a:t>
-            </a:r>
-            <a:r>
-              <a:rPr lang="en-US" sz="2000" dirty="0" err="1"/>
-              <a:t>redcap_uri</a:t>
-            </a:r>
-            <a:r>
-              <a:rPr lang="en-US" sz="2000" dirty="0"/>
-              <a:t>, token, records = NULL, </a:t>
-            </a:r>
-            <a:r>
-              <a:rPr lang="en-US" sz="2000" dirty="0" err="1"/>
-              <a:t>records_collapsed</a:t>
-            </a:r>
-            <a:r>
-              <a:rPr lang="en-US" sz="2000" dirty="0"/>
-              <a:t> = NULL, fields = NULL, </a:t>
-            </a:r>
-            <a:r>
-              <a:rPr lang="en-US" sz="2000" dirty="0" err="1"/>
-              <a:t>fields_collapsed</a:t>
-            </a:r>
-            <a:r>
-              <a:rPr lang="en-US" sz="2000" dirty="0"/>
-              <a:t> = NULL, </a:t>
-            </a:r>
-            <a:r>
-              <a:rPr lang="en-US" sz="2000" dirty="0" err="1"/>
-              <a:t>export_data_access_groups</a:t>
-            </a:r>
-            <a:r>
-              <a:rPr lang="en-US" sz="2000" dirty="0"/>
-              <a:t> = FALSE, </a:t>
-            </a:r>
-            <a:r>
-              <a:rPr lang="en-US" sz="2000" dirty="0" err="1"/>
-              <a:t>raw_or_label</a:t>
-            </a:r>
-            <a:r>
-              <a:rPr lang="en-US" sz="2000" dirty="0"/>
-              <a:t> = "raw", verbose = TRUE, </a:t>
-            </a:r>
-            <a:r>
-              <a:rPr lang="en-US" sz="2000" dirty="0" err="1"/>
-              <a:t>cert_location</a:t>
-            </a:r>
-            <a:r>
-              <a:rPr lang="en-US" sz="2000" dirty="0"/>
-              <a:t> = NULL</a:t>
-            </a:r>
-            <a:r>
-              <a:rPr lang="en-US" sz="2000" dirty="0" smtClean="0"/>
-              <a:t>)</a:t>
-            </a:r>
-          </a:p>
-          <a:p>
-            <a:pPr marL="0" indent="0">
-              <a:buNone/>
-            </a:pPr>
-            <a:endParaRPr lang="en-US" sz="2000" dirty="0"/>
-          </a:p>
-          <a:p>
-            <a:pPr marL="0" indent="0">
-              <a:buNone/>
-            </a:pPr>
-            <a:r>
-              <a:rPr lang="en-US" sz="2000" dirty="0" smtClean="0"/>
-              <a:t>All arguments of the </a:t>
-            </a:r>
-            <a:r>
-              <a:rPr lang="en-US" sz="2000" dirty="0" err="1" smtClean="0"/>
-              <a:t>redcap_read</a:t>
-            </a:r>
-            <a:r>
-              <a:rPr lang="en-US" sz="2000" dirty="0" smtClean="0"/>
-              <a:t> function will be discuss, however it should be noted that not all arguments are required. This function can be used with a statement as simple as:</a:t>
-            </a:r>
-          </a:p>
-          <a:p>
-            <a:pPr marL="0" indent="0">
-              <a:buNone/>
-            </a:pPr>
-            <a:endParaRPr lang="en-US" sz="2000" dirty="0"/>
-          </a:p>
-          <a:p>
-            <a:pPr marL="0" indent="0">
-              <a:buNone/>
-            </a:pPr>
-            <a:r>
-              <a:rPr lang="en-US" sz="2000" dirty="0" err="1" smtClean="0"/>
-              <a:t>redcap_read</a:t>
-            </a:r>
-            <a:r>
-              <a:rPr lang="en-US" sz="2000" dirty="0" smtClean="0"/>
-              <a:t>(</a:t>
-            </a:r>
-            <a:r>
-              <a:rPr lang="en-US" sz="2000" dirty="0" err="1" smtClean="0"/>
-              <a:t>redcap_uri</a:t>
-            </a:r>
-            <a:r>
-              <a:rPr lang="en-US" sz="2000" dirty="0"/>
-              <a:t>, </a:t>
-            </a:r>
-            <a:r>
-              <a:rPr lang="en-US" sz="2000" dirty="0" smtClean="0"/>
-              <a:t>token)</a:t>
-            </a:r>
-            <a:endParaRPr lang="en-US" sz="2000" dirty="0"/>
-          </a:p>
-          <a:p>
-            <a:pPr marL="0" indent="0">
-              <a:buNone/>
-            </a:pPr>
-            <a:endParaRPr lang="en-US" sz="2000" dirty="0"/>
+              <a:t>: writes data to REDCap (data import)</a:t>
+            </a:r>
+            <a:endParaRPr lang="en-US" dirty="0"/>
           </a:p>
         </p:txBody>
       </p:sp>
@@ -5820,7 +5820,7 @@
     </p:spTree>
     <p:extLst>
       <p:ext uri="{BB962C8B-B14F-4D97-AF65-F5344CB8AC3E}">
-        <p14:creationId xmlns:p14="http://schemas.microsoft.com/office/powerpoint/2010/main" val="2005260728"/>
+        <p14:creationId xmlns:p14="http://schemas.microsoft.com/office/powerpoint/2010/main" val="3836758940"/>
       </p:ext>
     </p:extLst>
   </p:cSld>
@@ -5903,24 +5903,12 @@
               <a:t>(</a:t>
             </a:r>
             <a:r>
-              <a:rPr lang="en-US" sz="2000" dirty="0" err="1">
-                <a:solidFill>
-                  <a:srgbClr val="FF0000"/>
-                </a:solidFill>
-              </a:rPr>
+              <a:rPr lang="en-US" sz="2000" dirty="0" err="1"/>
               <a:t>batch_size</a:t>
             </a:r>
             <a:r>
-              <a:rPr lang="en-US" sz="2000" dirty="0">
-                <a:solidFill>
-                  <a:srgbClr val="FF0000"/>
-                </a:solidFill>
-              </a:rPr>
-              <a:t> = 100L</a:t>
-            </a:r>
-            <a:r>
-              <a:rPr lang="en-US" sz="2000" dirty="0"/>
-              <a:t>, </a:t>
+              <a:rPr lang="en-US" sz="2000" dirty="0"/>
+              <a:t> = 100L, </a:t>
             </a:r>
             <a:r>
               <a:rPr lang="en-US" sz="2000" dirty="0" err="1"/>
@@ -5971,16 +5959,12 @@
               <a:t> = "raw", verbose = TRUE, </a:t>
             </a:r>
             <a:r>
-              <a:rPr lang="en-US" sz="2000" dirty="0" err="1" smtClean="0"/>
+              <a:rPr lang="en-US" sz="2000" dirty="0" err="1"/>
               <a:t>cert_location</a:t>
             </a:r>
             <a:r>
-              <a:rPr lang="en-US" sz="2000" dirty="0" smtClean="0"/>
-              <a:t> </a:t>
-            </a:r>
-            <a:r>
-              <a:rPr lang="en-US" sz="2000" dirty="0"/>
-              <a:t>= NULL</a:t>
+              <a:rPr lang="en-US" sz="2000" dirty="0"/>
+              <a:t> = NULL</a:t>
             </a:r>
             <a:r>
               <a:rPr lang="en-US" sz="2000" dirty="0" smtClean="0"/>
@@ -5998,26 +5982,54 @@
               <a:buNone/>
             </a:pPr>
             <a:r>
+              <a:rPr lang="en-US" sz="2000" dirty="0" smtClean="0"/>
+              <a:t>All arguments of the </a:t>
+            </a:r>
+            <a:r>
               <a:rPr lang="en-US" sz="2000" dirty="0" err="1" smtClean="0"/>
-              <a:t>batch_size</a:t>
+              <a:t>redcap_read</a:t>
             </a:r>
             <a:r>
               <a:rPr lang="en-US" sz="2000" dirty="0" smtClean="0"/>
-              <a:t>:	The maximum number of subject records a single batch should</a:t>
-            </a:r>
-          </a:p>
-          <a:p>
-            <a:pPr marL="0" indent="0">
-              <a:buNone/>
-            </a:pPr>
-            <a:r>
-              <a:rPr lang="en-US" sz="2000" dirty="0"/>
-              <a:t>	</a:t>
+              <a:t> function will be discuss, however it should be noted that not all arguments are required. This function can be used with a statement as simple as:</a:t>
+            </a:r>
+          </a:p>
+          <a:p>
+            <a:pPr marL="0" indent="0">
+              <a:buNone/>
+            </a:pPr>
+            <a:endParaRPr lang="en-US" sz="2000" dirty="0"/>
+          </a:p>
+          <a:p>
+            <a:pPr marL="0" indent="0">
+              <a:buNone/>
+            </a:pPr>
+            <a:r>
+              <a:rPr lang="en-US" sz="2000" dirty="0" err="1" smtClean="0"/>
+              <a:t>redcap_read</a:t>
             </a:r>
             <a:r>
               <a:rPr lang="en-US" sz="2000" dirty="0" smtClean="0"/>
-              <a:t>	contain. The default is 100.</a:t>
-            </a:r>
+              <a:t>(</a:t>
+            </a:r>
+            <a:r>
+              <a:rPr lang="en-US" sz="2000" dirty="0" err="1" smtClean="0"/>
+              <a:t>redcap_uri</a:t>
+            </a:r>
+            <a:r>
+              <a:rPr lang="en-US" sz="2000" dirty="0"/>
+              <a:t>, </a:t>
+            </a:r>
+            <a:r>
+              <a:rPr lang="en-US" sz="2000" dirty="0" smtClean="0"/>
+              <a:t>token)</a:t>
+            </a:r>
+            <a:endParaRPr lang="en-US" sz="2000" dirty="0"/>
+          </a:p>
+          <a:p>
+            <a:pPr marL="0" indent="0">
+              <a:buNone/>
+            </a:pPr>
             <a:endParaRPr lang="en-US" sz="2000" dirty="0"/>
           </a:p>
         </p:txBody>
@@ -6080,7 +6092,7 @@
     </p:spTree>
     <p:extLst>
       <p:ext uri="{BB962C8B-B14F-4D97-AF65-F5344CB8AC3E}">
-        <p14:creationId xmlns:p14="http://schemas.microsoft.com/office/powerpoint/2010/main" val="1967847261"/>
+        <p14:creationId xmlns:p14="http://schemas.microsoft.com/office/powerpoint/2010/main" val="2005260728"/>
       </p:ext>
     </p:extLst>
   </p:cSld>
@@ -6163,20 +6175,12 @@
               <a:t>(</a:t>
             </a:r>
             <a:r>
-              <a:rPr lang="en-US" sz="2000" dirty="0" err="1"/>
-              <a:t>batch_size</a:t>
-            </a:r>
-            <a:r>
-              <a:rPr lang="en-US" sz="2000" dirty="0"/>
-              <a:t> = 100L, </a:t>
-            </a:r>
-            <a:r>
               <a:rPr lang="en-US" sz="2000" dirty="0" err="1">
                 <a:solidFill>
                   <a:srgbClr val="FF0000"/>
                 </a:solidFill>
               </a:rPr>
-              <a:t>interbatch_delay</a:t>
+              <a:t>batch_size</a:t>
             </a:r>
             <a:r>
               <a:rPr lang="en-US" sz="2000" dirty="0">
@@ -6184,11 +6188,19 @@
                   <a:srgbClr val="FF0000"/>
                 </a:solidFill>
               </a:rPr>
-              <a:t> = 0</a:t>
+              <a:t> = 100L</a:t>
             </a:r>
             <a:r>
               <a:rPr lang="en-US" sz="2000" dirty="0"/>
               <a:t>, </a:t>
+            </a:r>
+            <a:r>
+              <a:rPr lang="en-US" sz="2000" dirty="0" err="1"/>
+              <a:t>interbatch_delay</a:t>
+            </a:r>
+            <a:r>
+              <a:rPr lang="en-US" sz="2000" dirty="0"/>
+              <a:t> = 0, </a:t>
             </a:r>
             <a:r>
               <a:rPr lang="en-US" sz="2000" dirty="0" err="1"/>
@@ -6259,11 +6271,11 @@
             </a:pPr>
             <a:r>
               <a:rPr lang="en-US" sz="2000" dirty="0" err="1" smtClean="0"/>
-              <a:t>interbatch_delay</a:t>
+              <a:t>batch_size</a:t>
             </a:r>
             <a:r>
               <a:rPr lang="en-US" sz="2000" dirty="0" smtClean="0"/>
-              <a:t>:		The number of seconds the function will wait before</a:t>
+              <a:t>:	The maximum number of subject records a single batch should</a:t>
             </a:r>
           </a:p>
           <a:p>
@@ -6276,20 +6288,7 @@
             </a:r>
             <a:r>
               <a:rPr lang="en-US" sz="2000" dirty="0" smtClean="0"/>
-              <a:t>		requesting a new subset from REDCap.  The default</a:t>
-            </a:r>
-          </a:p>
-          <a:p>
-            <a:pPr marL="0" indent="0">
-              <a:buNone/>
-            </a:pPr>
-            <a:r>
-              <a:rPr lang="en-US" sz="2000" dirty="0"/>
-              <a:t>	</a:t>
-            </a:r>
-            <a:r>
-              <a:rPr lang="en-US" sz="2000" dirty="0" smtClean="0"/>
-              <a:t>		is 0.5 seconds</a:t>
+              <a:t>	contain. The default is 100.</a:t>
             </a:r>
             <a:endParaRPr lang="en-US" sz="2000" dirty="0"/>
           </a:p>
@@ -6353,7 +6352,7 @@
     </p:spTree>
     <p:extLst>
       <p:ext uri="{BB962C8B-B14F-4D97-AF65-F5344CB8AC3E}">
-        <p14:creationId xmlns:p14="http://schemas.microsoft.com/office/powerpoint/2010/main" val="172033235"/>
+        <p14:creationId xmlns:p14="http://schemas.microsoft.com/office/powerpoint/2010/main" val="1967847261"/>
       </p:ext>
     </p:extLst>
   </p:cSld>
@@ -6444,19 +6443,27 @@
               <a:t> = 100L, </a:t>
             </a:r>
             <a:r>
-              <a:rPr lang="en-US" sz="2000" dirty="0" err="1"/>
-              <a:t>interbatch_delay</a:t>
-            </a:r>
-            <a:r>
-              <a:rPr lang="en-US" sz="2000" dirty="0"/>
-              <a:t> = 0, </a:t>
-            </a:r>
-            <a:r>
               <a:rPr lang="en-US" sz="2000" dirty="0" err="1">
                 <a:solidFill>
                   <a:srgbClr val="FF0000"/>
                 </a:solidFill>
               </a:rPr>
+              <a:t>interbatch_delay</a:t>
+            </a:r>
+            <a:r>
+              <a:rPr lang="en-US" sz="2000" dirty="0">
+                <a:solidFill>
+                  <a:srgbClr val="FF0000"/>
+                </a:solidFill>
+              </a:rPr>
+              <a:t> = 0</a:t>
+            </a:r>
+            <a:r>
+              <a:rPr lang="en-US" sz="2000" dirty="0"/>
+              <a:t>, </a:t>
+            </a:r>
+            <a:r>
+              <a:rPr lang="en-US" sz="2000" dirty="0" err="1"/>
               <a:t>redcap_uri</a:t>
             </a:r>
             <a:r>
@@ -6524,65 +6531,39 @@
             </a:pPr>
             <a:r>
               <a:rPr lang="en-US" sz="2000" dirty="0" err="1" smtClean="0"/>
-              <a:t>redcap_uri</a:t>
+              <a:t>interbatch_delay</a:t>
             </a:r>
             <a:r>
               <a:rPr lang="en-US" sz="2000" dirty="0" smtClean="0"/>
-              <a:t>:</a:t>
-            </a:r>
+              <a:t>:		The number of seconds the function will wait before</a:t>
+            </a:r>
+          </a:p>
+          <a:p>
+            <a:pPr marL="0" indent="0">
+              <a:buNone/>
+            </a:pPr>
             <a:r>
               <a:rPr lang="en-US" sz="2000" dirty="0"/>
               <a:t>	</a:t>
             </a:r>
             <a:r>
               <a:rPr lang="en-US" sz="2000" dirty="0" smtClean="0"/>
-              <a:t>The URI of the REDCap project.  Required.</a:t>
-            </a:r>
-          </a:p>
-          <a:p>
-            <a:pPr marL="0" indent="0">
-              <a:buNone/>
-            </a:pPr>
+              <a:t>		requesting a new subset from REDCap.  The default</a:t>
+            </a:r>
+          </a:p>
+          <a:p>
+            <a:pPr marL="0" indent="0">
+              <a:buNone/>
+            </a:pPr>
+            <a:r>
+              <a:rPr lang="en-US" sz="2000" dirty="0"/>
+              <a:t>	</a:t>
+            </a:r>
+            <a:r>
+              <a:rPr lang="en-US" sz="2000" dirty="0" smtClean="0"/>
+              <a:t>		is 0.5 seconds</a:t>
+            </a:r>
             <a:endParaRPr lang="en-US" sz="2000" dirty="0"/>
-          </a:p>
-          <a:p>
-            <a:pPr marL="0" indent="0">
-              <a:buNone/>
-            </a:pPr>
-            <a:endParaRPr lang="en-US" sz="2000" dirty="0" smtClean="0"/>
-          </a:p>
-          <a:p>
-            <a:pPr marL="0" indent="0">
-              <a:buNone/>
-            </a:pPr>
-            <a:endParaRPr lang="en-US" sz="2000" dirty="0"/>
-          </a:p>
-          <a:p>
-            <a:pPr marL="0" indent="0">
-              <a:buNone/>
-            </a:pPr>
-            <a:endParaRPr lang="en-US" sz="2000" dirty="0" smtClean="0"/>
-          </a:p>
-          <a:p>
-            <a:pPr marL="0" indent="0">
-              <a:buNone/>
-            </a:pPr>
-            <a:r>
-              <a:rPr lang="en-US" sz="1400" dirty="0" smtClean="0"/>
-              <a:t>Note: </a:t>
-            </a:r>
-            <a:r>
-              <a:rPr lang="en-US" sz="1400" dirty="0"/>
-              <a:t>In computing, a uniform resource identifier (</a:t>
-            </a:r>
-            <a:r>
-              <a:rPr lang="en-US" sz="1400" b="1" dirty="0"/>
-              <a:t>URI</a:t>
-            </a:r>
-            <a:r>
-              <a:rPr lang="en-US" sz="1400" dirty="0"/>
-              <a:t>) is a string of characters used to identify a name of a web resource. Such identification enables interaction with representations of the web resource over a network (typically the World Wide Web) using specific protocols.</a:t>
-            </a:r>
           </a:p>
         </p:txBody>
       </p:sp>
@@ -6644,7 +6625,7 @@
     </p:spTree>
     <p:extLst>
       <p:ext uri="{BB962C8B-B14F-4D97-AF65-F5344CB8AC3E}">
-        <p14:creationId xmlns:p14="http://schemas.microsoft.com/office/powerpoint/2010/main" val="160161231"/>
+        <p14:creationId xmlns:p14="http://schemas.microsoft.com/office/powerpoint/2010/main" val="172033235"/>
       </p:ext>
     </p:extLst>
   </p:cSld>
@@ -6743,24 +6724,16 @@
               <a:t> = 0, </a:t>
             </a:r>
             <a:r>
-              <a:rPr lang="en-US" sz="2000" dirty="0" err="1"/>
-              <a:t>redcap_uri</a:t>
-            </a:r>
-            <a:r>
-              <a:rPr lang="en-US" sz="2000" dirty="0"/>
-              <a:t>, </a:t>
-            </a:r>
-            <a:r>
-              <a:rPr lang="en-US" sz="2000" dirty="0">
+              <a:rPr lang="en-US" sz="2000" dirty="0" err="1">
                 <a:solidFill>
                   <a:srgbClr val="FF0000"/>
                 </a:solidFill>
               </a:rPr>
-              <a:t>token</a:t>
-            </a:r>
-            <a:r>
-              <a:rPr lang="en-US" sz="2000" dirty="0"/>
-              <a:t>, records = NULL, </a:t>
+              <a:t>redcap_uri</a:t>
+            </a:r>
+            <a:r>
+              <a:rPr lang="en-US" sz="2000" dirty="0"/>
+              <a:t>, token, records = NULL, </a:t>
             </a:r>
             <a:r>
               <a:rPr lang="en-US" sz="2000" dirty="0" err="1"/>
@@ -6822,8 +6795,20 @@
               <a:buNone/>
             </a:pPr>
             <a:r>
+              <a:rPr lang="en-US" sz="2000" dirty="0" err="1" smtClean="0"/>
+              <a:t>redcap_uri</a:t>
+            </a:r>
+            <a:r>
               <a:rPr lang="en-US" sz="2000" dirty="0" smtClean="0"/>
-              <a:t>token:	The user-specific string that serves as the password for a project.  Required.</a:t>
+              <a:t>:</a:t>
+            </a:r>
+            <a:r>
+              <a:rPr lang="en-US" sz="2000" dirty="0"/>
+              <a:t>	</a:t>
+            </a:r>
+            <a:r>
+              <a:rPr lang="en-US" sz="2000" dirty="0" smtClean="0"/>
+              <a:t>The URI of the REDCap project.  Required.</a:t>
             </a:r>
           </a:p>
           <a:p>
@@ -6831,6 +6816,45 @@
               <a:buNone/>
             </a:pPr>
             <a:endParaRPr lang="en-US" sz="2000" dirty="0"/>
+          </a:p>
+          <a:p>
+            <a:pPr marL="0" indent="0">
+              <a:buNone/>
+            </a:pPr>
+            <a:endParaRPr lang="en-US" sz="2000" dirty="0" smtClean="0"/>
+          </a:p>
+          <a:p>
+            <a:pPr marL="0" indent="0">
+              <a:buNone/>
+            </a:pPr>
+            <a:endParaRPr lang="en-US" sz="2000" dirty="0"/>
+          </a:p>
+          <a:p>
+            <a:pPr marL="0" indent="0">
+              <a:buNone/>
+            </a:pPr>
+            <a:endParaRPr lang="en-US" sz="2000" dirty="0" smtClean="0"/>
+          </a:p>
+          <a:p>
+            <a:pPr marL="0" indent="0">
+              <a:buNone/>
+            </a:pPr>
+            <a:r>
+              <a:rPr lang="en-US" sz="1400" dirty="0" smtClean="0"/>
+              <a:t>Note: </a:t>
+            </a:r>
+            <a:r>
+              <a:rPr lang="en-US" sz="1400" dirty="0"/>
+              <a:t>In computing, a uniform resource identifier (</a:t>
+            </a:r>
+            <a:r>
+              <a:rPr lang="en-US" sz="1400" b="1" dirty="0"/>
+              <a:t>URI</a:t>
+            </a:r>
+            <a:r>
+              <a:rPr lang="en-US" sz="1400" dirty="0"/>
+              <a:t>) is a string of characters used to identify a name of a web resource. Such identification enables interaction with representations of the web resource over a network (typically the World Wide Web) using specific protocols.</a:t>
+            </a:r>
           </a:p>
         </p:txBody>
       </p:sp>
@@ -6892,7 +6916,7 @@
     </p:spTree>
     <p:extLst>
       <p:ext uri="{BB962C8B-B14F-4D97-AF65-F5344CB8AC3E}">
-        <p14:creationId xmlns:p14="http://schemas.microsoft.com/office/powerpoint/2010/main" val="2257959587"/>
+        <p14:creationId xmlns:p14="http://schemas.microsoft.com/office/powerpoint/2010/main" val="160161231"/>
       </p:ext>
     </p:extLst>
   </p:cSld>
@@ -6996,7 +7020,7 @@
             </a:r>
             <a:r>
               <a:rPr lang="en-US" sz="2000" dirty="0"/>
-              <a:t>, token, </a:t>
+              <a:t>, </a:t>
             </a:r>
             <a:r>
               <a:rPr lang="en-US" sz="2000" dirty="0">
@@ -7004,11 +7028,11 @@
                   <a:srgbClr val="FF0000"/>
                 </a:solidFill>
               </a:rPr>
-              <a:t>records = NULL</a:t>
-            </a:r>
-            <a:r>
-              <a:rPr lang="en-US" sz="2000" dirty="0"/>
-              <a:t>, </a:t>
+              <a:t>token</a:t>
+            </a:r>
+            <a:r>
+              <a:rPr lang="en-US" sz="2000" dirty="0"/>
+              <a:t>, records = NULL, </a:t>
             </a:r>
             <a:r>
               <a:rPr lang="en-US" sz="2000" dirty="0" err="1"/>
@@ -7043,12 +7067,16 @@
               <a:t> = "raw", verbose = TRUE, </a:t>
             </a:r>
             <a:r>
-              <a:rPr lang="en-US" sz="2000" dirty="0" err="1"/>
+              <a:rPr lang="en-US" sz="2000" dirty="0" err="1" smtClean="0"/>
               <a:t>cert_location</a:t>
             </a:r>
             <a:r>
-              <a:rPr lang="en-US" sz="2000" dirty="0"/>
-              <a:t> = NULL</a:t>
+              <a:rPr lang="en-US" sz="2000" dirty="0" smtClean="0"/>
+              <a:t> </a:t>
+            </a:r>
+            <a:r>
+              <a:rPr lang="en-US" sz="2000" dirty="0"/>
+              <a:t>= NULL</a:t>
             </a:r>
             <a:r>
               <a:rPr lang="en-US" sz="2000" dirty="0" smtClean="0"/>
@@ -7067,29 +7095,13 @@
             </a:pPr>
             <a:r>
               <a:rPr lang="en-US" sz="2000" dirty="0" smtClean="0"/>
-              <a:t>records:	</a:t>
-            </a:r>
-            <a:r>
-              <a:rPr lang="en-US" sz="2000" dirty="0"/>
-              <a:t>	</a:t>
-            </a:r>
-            <a:r>
-              <a:rPr lang="en-US" sz="2000" dirty="0" smtClean="0"/>
-              <a:t>An array, where each element corresponds to the ID of a desired</a:t>
-            </a:r>
-          </a:p>
-          <a:p>
-            <a:pPr marL="0" indent="0">
-              <a:buNone/>
-            </a:pPr>
-            <a:r>
-              <a:rPr lang="en-US" sz="2000" dirty="0"/>
-              <a:t>	</a:t>
-            </a:r>
-            <a:r>
-              <a:rPr lang="en-US" sz="2000" dirty="0" smtClean="0"/>
-              <a:t>	record.  Optional.</a:t>
-            </a:r>
+              <a:t>token:	The user-specific string that serves as the password for a project.  Required.</a:t>
+            </a:r>
+          </a:p>
+          <a:p>
+            <a:pPr marL="0" indent="0">
+              <a:buNone/>
+            </a:pPr>
             <a:endParaRPr lang="en-US" sz="2000" dirty="0"/>
           </a:p>
         </p:txBody>
@@ -7152,7 +7164,7 @@
     </p:spTree>
     <p:extLst>
       <p:ext uri="{BB962C8B-B14F-4D97-AF65-F5344CB8AC3E}">
-        <p14:creationId xmlns:p14="http://schemas.microsoft.com/office/powerpoint/2010/main" val="1794959244"/>
+        <p14:creationId xmlns:p14="http://schemas.microsoft.com/office/powerpoint/2010/main" val="2257959587"/>
       </p:ext>
     </p:extLst>
   </p:cSld>
@@ -7271,7 +7283,7 @@
           <p:nvPr>
             <p:extLst>
               <p:ext uri="{D42A27DB-BD31-4B8C-83A1-F6EECF244321}">
-                <p14:modId xmlns:p14="http://schemas.microsoft.com/office/powerpoint/2010/main" val="3542670464"/>
+                <p14:modId xmlns:p14="http://schemas.microsoft.com/office/powerpoint/2010/main" val="1614656748"/>
               </p:ext>
             </p:extLst>
           </p:nvPr>
@@ -7391,7 +7403,11 @@
                       </a:r>
                       <a:r>
                         <a:rPr lang="en-US" sz="3600" baseline="0" dirty="0" smtClean="0"/>
-                        <a:t> Limitations</a:t>
+                        <a:t> </a:t>
+                      </a:r>
+                      <a:r>
+                        <a:rPr lang="en-US" sz="3600" baseline="0" dirty="0" smtClean="0"/>
+                        <a:t>&amp; Reproducible Research</a:t>
                       </a:r>
                       <a:endParaRPr lang="en-US" sz="3600" dirty="0" smtClean="0"/>
                     </a:p>
@@ -7739,15 +7755,7 @@
             </a:r>
             <a:r>
               <a:rPr lang="en-US" sz="2000" dirty="0"/>
-              <a:t>, token, records = NULL, </a:t>
-            </a:r>
-            <a:r>
-              <a:rPr lang="en-US" sz="2000" dirty="0" err="1">
-                <a:solidFill>
-                  <a:srgbClr val="FF0000"/>
-                </a:solidFill>
-              </a:rPr>
-              <a:t>records_collapsed</a:t>
+              <a:t>, token, </a:t>
             </a:r>
             <a:r>
               <a:rPr lang="en-US" sz="2000" dirty="0">
@@ -7755,11 +7763,19 @@
                   <a:srgbClr val="FF0000"/>
                 </a:solidFill>
               </a:rPr>
-              <a:t> = NULL</a:t>
-            </a:r>
-            <a:r>
-              <a:rPr lang="en-US" sz="2000" dirty="0"/>
-              <a:t>, fields = NULL, </a:t>
+              <a:t>records = NULL</a:t>
+            </a:r>
+            <a:r>
+              <a:rPr lang="en-US" sz="2000" dirty="0"/>
+              <a:t>, </a:t>
+            </a:r>
+            <a:r>
+              <a:rPr lang="en-US" sz="2000" dirty="0" err="1"/>
+              <a:t>records_collapsed</a:t>
+            </a:r>
+            <a:r>
+              <a:rPr lang="en-US" sz="2000" dirty="0"/>
+              <a:t> = NULL, fields = NULL, </a:t>
             </a:r>
             <a:r>
               <a:rPr lang="en-US" sz="2000" dirty="0" err="1"/>
@@ -7809,25 +7825,29 @@
               <a:buNone/>
             </a:pPr>
             <a:r>
-              <a:rPr lang="en-US" sz="2000" dirty="0" err="1" smtClean="0"/>
-              <a:t>records_collapsed</a:t>
-            </a:r>
-            <a:r>
               <a:rPr lang="en-US" sz="2000" dirty="0" smtClean="0"/>
-              <a:t>:	A single string, where the desired ID values are separated</a:t>
-            </a:r>
-          </a:p>
-          <a:p>
-            <a:pPr marL="0" indent="0">
-              <a:buNone/>
-            </a:pPr>
+              <a:t>records:	</a:t>
+            </a:r>
             <a:r>
               <a:rPr lang="en-US" sz="2000" dirty="0"/>
               <a:t>	</a:t>
             </a:r>
             <a:r>
               <a:rPr lang="en-US" sz="2000" dirty="0" smtClean="0"/>
-              <a:t>		by commas.  Optional.</a:t>
+              <a:t>An array, where each element corresponds to the ID of a desired</a:t>
+            </a:r>
+          </a:p>
+          <a:p>
+            <a:pPr marL="0" indent="0">
+              <a:buNone/>
+            </a:pPr>
+            <a:r>
+              <a:rPr lang="en-US" sz="2000" dirty="0"/>
+              <a:t>	</a:t>
+            </a:r>
+            <a:r>
+              <a:rPr lang="en-US" sz="2000" dirty="0" smtClean="0"/>
+              <a:t>	record.  Optional.</a:t>
             </a:r>
             <a:endParaRPr lang="en-US" sz="2000" dirty="0"/>
           </a:p>
@@ -7891,7 +7911,7 @@
     </p:spTree>
     <p:extLst>
       <p:ext uri="{BB962C8B-B14F-4D97-AF65-F5344CB8AC3E}">
-        <p14:creationId xmlns:p14="http://schemas.microsoft.com/office/powerpoint/2010/main" val="2935658833"/>
+        <p14:creationId xmlns:p14="http://schemas.microsoft.com/office/powerpoint/2010/main" val="1794959244"/>
       </p:ext>
     </p:extLst>
   </p:cSld>
@@ -7998,12 +8018,12 @@
               <a:t>, token, records = NULL, </a:t>
             </a:r>
             <a:r>
-              <a:rPr lang="en-US" sz="2000" dirty="0" err="1"/>
+              <a:rPr lang="en-US" sz="2000" dirty="0" err="1">
+                <a:solidFill>
+                  <a:srgbClr val="FF0000"/>
+                </a:solidFill>
+              </a:rPr>
               <a:t>records_collapsed</a:t>
-            </a:r>
-            <a:r>
-              <a:rPr lang="en-US" sz="2000" dirty="0"/>
-              <a:t> = NULL, </a:t>
             </a:r>
             <a:r>
               <a:rPr lang="en-US" sz="2000" dirty="0">
@@ -8011,11 +8031,11 @@
                   <a:srgbClr val="FF0000"/>
                 </a:solidFill>
               </a:rPr>
-              <a:t>fields = NULL</a:t>
-            </a:r>
-            <a:r>
-              <a:rPr lang="en-US" sz="2000" dirty="0"/>
-              <a:t>, </a:t>
+              <a:t> = NULL</a:t>
+            </a:r>
+            <a:r>
+              <a:rPr lang="en-US" sz="2000" dirty="0"/>
+              <a:t>, fields = NULL, </a:t>
             </a:r>
             <a:r>
               <a:rPr lang="en-US" sz="2000" dirty="0" err="1"/>
@@ -8065,8 +8085,12 @@
               <a:buNone/>
             </a:pPr>
             <a:r>
+              <a:rPr lang="en-US" sz="2000" dirty="0" err="1" smtClean="0"/>
+              <a:t>records_collapsed</a:t>
+            </a:r>
+            <a:r>
               <a:rPr lang="en-US" sz="2000" dirty="0" smtClean="0"/>
-              <a:t>fields:	An array, where each element corresponds to a desired project field.</a:t>
+              <a:t>:	A single string, where the desired ID values are separated</a:t>
             </a:r>
           </a:p>
           <a:p>
@@ -8079,7 +8103,7 @@
             </a:r>
             <a:r>
               <a:rPr lang="en-US" sz="2000" dirty="0" smtClean="0"/>
-              <a:t>Optional.</a:t>
+              <a:t>		by commas.  Optional.</a:t>
             </a:r>
             <a:endParaRPr lang="en-US" sz="2000" dirty="0"/>
           </a:p>
@@ -8143,7 +8167,7 @@
     </p:spTree>
     <p:extLst>
       <p:ext uri="{BB962C8B-B14F-4D97-AF65-F5344CB8AC3E}">
-        <p14:creationId xmlns:p14="http://schemas.microsoft.com/office/powerpoint/2010/main" val="486919693"/>
+        <p14:creationId xmlns:p14="http://schemas.microsoft.com/office/powerpoint/2010/main" val="2935658833"/>
       </p:ext>
     </p:extLst>
   </p:cSld>
@@ -8255,15 +8279,7 @@
             </a:r>
             <a:r>
               <a:rPr lang="en-US" sz="2000" dirty="0"/>
-              <a:t> = NULL, fields = NULL, </a:t>
-            </a:r>
-            <a:r>
-              <a:rPr lang="en-US" sz="2000" dirty="0" err="1">
-                <a:solidFill>
-                  <a:srgbClr val="FF0000"/>
-                </a:solidFill>
-              </a:rPr>
-              <a:t>fields_collapsed</a:t>
+              <a:t> = NULL, </a:t>
             </a:r>
             <a:r>
               <a:rPr lang="en-US" sz="2000" dirty="0">
@@ -8271,11 +8287,19 @@
                   <a:srgbClr val="FF0000"/>
                 </a:solidFill>
               </a:rPr>
-              <a:t> = NULL</a:t>
+              <a:t>fields = NULL</a:t>
             </a:r>
             <a:r>
               <a:rPr lang="en-US" sz="2000" dirty="0"/>
               <a:t>, </a:t>
+            </a:r>
+            <a:r>
+              <a:rPr lang="en-US" sz="2000" dirty="0" err="1"/>
+              <a:t>fields_collapsed</a:t>
+            </a:r>
+            <a:r>
+              <a:rPr lang="en-US" sz="2000" dirty="0"/>
+              <a:t> = NULL, </a:t>
             </a:r>
             <a:r>
               <a:rPr lang="en-US" sz="2000" dirty="0" err="1"/>
@@ -8317,33 +8341,21 @@
               <a:buNone/>
             </a:pPr>
             <a:r>
-              <a:rPr lang="en-US" sz="2000" dirty="0" err="1" smtClean="0"/>
-              <a:t>fields_collapsed</a:t>
-            </a:r>
-            <a:r>
               <a:rPr lang="en-US" sz="2000" dirty="0" smtClean="0"/>
-              <a:t>:	A single string, </a:t>
+              <a:t>fields:	An array, where each element corresponds to a desired project field.</a:t>
+            </a:r>
+          </a:p>
+          <a:p>
+            <a:pPr marL="0" indent="0">
+              <a:buNone/>
+            </a:pPr>
+            <a:r>
+              <a:rPr lang="en-US" sz="2000" dirty="0"/>
+              <a:t>	</a:t>
             </a:r>
             <a:r>
               <a:rPr lang="en-US" sz="2000" dirty="0" smtClean="0"/>
-              <a:t>where </a:t>
-            </a:r>
-            <a:r>
-              <a:rPr lang="en-US" sz="2000" dirty="0" smtClean="0"/>
-              <a:t>the desired field names are separated by</a:t>
-            </a:r>
-          </a:p>
-          <a:p>
-            <a:pPr marL="0" indent="0">
-              <a:buNone/>
-            </a:pPr>
-            <a:r>
-              <a:rPr lang="en-US" sz="2000" dirty="0"/>
-              <a:t>	</a:t>
-            </a:r>
-            <a:r>
-              <a:rPr lang="en-US" sz="2000" dirty="0" smtClean="0"/>
-              <a:t>	commas.  Optional.</a:t>
+              <a:t>Optional.</a:t>
             </a:r>
             <a:endParaRPr lang="en-US" sz="2000" dirty="0"/>
           </a:p>
@@ -8407,7 +8419,7 @@
     </p:spTree>
     <p:extLst>
       <p:ext uri="{BB962C8B-B14F-4D97-AF65-F5344CB8AC3E}">
-        <p14:creationId xmlns:p14="http://schemas.microsoft.com/office/powerpoint/2010/main" val="1210136252"/>
+        <p14:creationId xmlns:p14="http://schemas.microsoft.com/office/powerpoint/2010/main" val="486919693"/>
       </p:ext>
     </p:extLst>
   </p:cSld>
@@ -8522,20 +8534,12 @@
               <a:t> = NULL, fields = NULL, </a:t>
             </a:r>
             <a:r>
-              <a:rPr lang="en-US" sz="2000" dirty="0" err="1"/>
-              <a:t>fields_collapsed</a:t>
-            </a:r>
-            <a:r>
-              <a:rPr lang="en-US" sz="2000" dirty="0"/>
-              <a:t> = NULL, </a:t>
-            </a:r>
-            <a:r>
               <a:rPr lang="en-US" sz="2000" dirty="0" err="1">
                 <a:solidFill>
                   <a:srgbClr val="FF0000"/>
                 </a:solidFill>
               </a:rPr>
-              <a:t>export_data_access_groups</a:t>
+              <a:t>fields_collapsed</a:t>
             </a:r>
             <a:r>
               <a:rPr lang="en-US" sz="2000" dirty="0">
@@ -8543,11 +8547,19 @@
                   <a:srgbClr val="FF0000"/>
                 </a:solidFill>
               </a:rPr>
-              <a:t> = FALSE</a:t>
+              <a:t> = NULL</a:t>
             </a:r>
             <a:r>
               <a:rPr lang="en-US" sz="2000" dirty="0"/>
               <a:t>, </a:t>
+            </a:r>
+            <a:r>
+              <a:rPr lang="en-US" sz="2000" dirty="0" err="1"/>
+              <a:t>export_data_access_groups</a:t>
+            </a:r>
+            <a:r>
+              <a:rPr lang="en-US" sz="2000" dirty="0"/>
+              <a:t> = FALSE, </a:t>
             </a:r>
             <a:r>
               <a:rPr lang="en-US" sz="2000" dirty="0" err="1"/>
@@ -8582,66 +8594,24 @@
             </a:pPr>
             <a:r>
               <a:rPr lang="en-US" sz="2000" dirty="0" err="1" smtClean="0"/>
-              <a:t>export_data_access_groups</a:t>
+              <a:t>fields_collapsed</a:t>
             </a:r>
             <a:r>
               <a:rPr lang="en-US" sz="2000" dirty="0" smtClean="0"/>
-              <a:t>:	A </a:t>
-            </a:r>
-            <a:r>
-              <a:rPr lang="en-US" sz="2000" dirty="0" err="1" smtClean="0"/>
-              <a:t>boolean</a:t>
+              <a:t>:	A single string, where the desired field names are separated by</a:t>
+            </a:r>
+          </a:p>
+          <a:p>
+            <a:pPr marL="0" indent="0">
+              <a:buNone/>
+            </a:pPr>
+            <a:r>
+              <a:rPr lang="en-US" sz="2000" dirty="0"/>
+              <a:t>	</a:t>
             </a:r>
             <a:r>
               <a:rPr lang="en-US" sz="2000" dirty="0" smtClean="0"/>
-              <a:t> value that specifies whether or</a:t>
-            </a:r>
-          </a:p>
-          <a:p>
-            <a:pPr marL="0" indent="0">
-              <a:buNone/>
-            </a:pPr>
-            <a:r>
-              <a:rPr lang="en-US" sz="2000" dirty="0"/>
-              <a:t>	</a:t>
-            </a:r>
-            <a:r>
-              <a:rPr lang="en-US" sz="2000" dirty="0" smtClean="0"/>
-              <a:t>			not to export the “</a:t>
-            </a:r>
-            <a:r>
-              <a:rPr lang="en-US" sz="2000" dirty="0" err="1" smtClean="0"/>
-              <a:t>redcap_data_access_group</a:t>
-            </a:r>
-            <a:r>
-              <a:rPr lang="en-US" sz="2000" dirty="0" smtClean="0"/>
-              <a:t>”</a:t>
-            </a:r>
-          </a:p>
-          <a:p>
-            <a:pPr marL="0" indent="0">
-              <a:buNone/>
-            </a:pPr>
-            <a:r>
-              <a:rPr lang="en-US" sz="2000" dirty="0"/>
-              <a:t>	</a:t>
-            </a:r>
-            <a:r>
-              <a:rPr lang="en-US" sz="2000" dirty="0" smtClean="0"/>
-              <a:t>			field when data access groups are utilized in the</a:t>
-            </a:r>
-          </a:p>
-          <a:p>
-            <a:pPr marL="0" indent="0">
-              <a:buNone/>
-            </a:pPr>
-            <a:r>
-              <a:rPr lang="en-US" sz="2000" dirty="0"/>
-              <a:t>	</a:t>
-            </a:r>
-            <a:r>
-              <a:rPr lang="en-US" sz="2000" dirty="0" smtClean="0"/>
-              <a:t>			project.  Default is FALSE.  </a:t>
+              <a:t>	commas.  Optional.</a:t>
             </a:r>
             <a:endParaRPr lang="en-US" sz="2000" dirty="0"/>
           </a:p>
@@ -8705,7 +8675,7 @@
     </p:spTree>
     <p:extLst>
       <p:ext uri="{BB962C8B-B14F-4D97-AF65-F5344CB8AC3E}">
-        <p14:creationId xmlns:p14="http://schemas.microsoft.com/office/powerpoint/2010/main" val="4089122093"/>
+        <p14:creationId xmlns:p14="http://schemas.microsoft.com/office/powerpoint/2010/main" val="1210136252"/>
       </p:ext>
     </p:extLst>
   </p:cSld>
@@ -8828,20 +8798,12 @@
               <a:t> = NULL, </a:t>
             </a:r>
             <a:r>
-              <a:rPr lang="en-US" sz="2000" dirty="0" err="1"/>
-              <a:t>export_data_access_groups</a:t>
-            </a:r>
-            <a:r>
-              <a:rPr lang="en-US" sz="2000" dirty="0"/>
-              <a:t> = FALSE, </a:t>
-            </a:r>
-            <a:r>
               <a:rPr lang="en-US" sz="2000" dirty="0" err="1">
                 <a:solidFill>
                   <a:srgbClr val="FF0000"/>
                 </a:solidFill>
               </a:rPr>
-              <a:t>raw_or_label</a:t>
+              <a:t>export_data_access_groups</a:t>
             </a:r>
             <a:r>
               <a:rPr lang="en-US" sz="2000" dirty="0">
@@ -8849,11 +8811,19 @@
                   <a:srgbClr val="FF0000"/>
                 </a:solidFill>
               </a:rPr>
-              <a:t> = "raw"</a:t>
-            </a:r>
-            <a:r>
-              <a:rPr lang="en-US" sz="2000" dirty="0"/>
-              <a:t>, verbose = TRUE, </a:t>
+              <a:t> = FALSE</a:t>
+            </a:r>
+            <a:r>
+              <a:rPr lang="en-US" sz="2000" dirty="0"/>
+              <a:t>, </a:t>
+            </a:r>
+            <a:r>
+              <a:rPr lang="en-US" sz="2000" dirty="0" err="1"/>
+              <a:t>raw_or_label</a:t>
+            </a:r>
+            <a:r>
+              <a:rPr lang="en-US" sz="2000" dirty="0"/>
+              <a:t> = "raw", verbose = TRUE, </a:t>
             </a:r>
             <a:r>
               <a:rPr lang="en-US" sz="2000" dirty="0" err="1"/>
@@ -8880,11 +8850,19 @@
             </a:pPr>
             <a:r>
               <a:rPr lang="en-US" sz="2000" dirty="0" err="1" smtClean="0"/>
-              <a:t>raw_or_label</a:t>
+              <a:t>export_data_access_groups</a:t>
             </a:r>
             <a:r>
               <a:rPr lang="en-US" sz="2000" dirty="0" smtClean="0"/>
-              <a:t>:	A string (either ‘raw’ or ‘label’) that specifies whether to export</a:t>
+              <a:t>:	A </a:t>
+            </a:r>
+            <a:r>
+              <a:rPr lang="en-US" sz="2000" dirty="0" err="1" smtClean="0"/>
+              <a:t>boolean</a:t>
+            </a:r>
+            <a:r>
+              <a:rPr lang="en-US" sz="2000" dirty="0" smtClean="0"/>
+              <a:t> value that specifies whether or</a:t>
             </a:r>
           </a:p>
           <a:p>
@@ -8897,7 +8875,15 @@
             </a:r>
             <a:r>
               <a:rPr lang="en-US" sz="2000" dirty="0" smtClean="0"/>
-              <a:t>	the raw coded values or the labels for the options of multiple</a:t>
+              <a:t>			not to export the “</a:t>
+            </a:r>
+            <a:r>
+              <a:rPr lang="en-US" sz="2000" dirty="0" err="1" smtClean="0"/>
+              <a:t>redcap_data_access_group</a:t>
+            </a:r>
+            <a:r>
+              <a:rPr lang="en-US" sz="2000" dirty="0" smtClean="0"/>
+              <a:t>”</a:t>
             </a:r>
           </a:p>
           <a:p>
@@ -8910,7 +8896,20 @@
             </a:r>
             <a:r>
               <a:rPr lang="en-US" sz="2000" dirty="0" smtClean="0"/>
-              <a:t>	choice fields.  Default is ‘raw’.</a:t>
+              <a:t>			field when data access groups are utilized in the</a:t>
+            </a:r>
+          </a:p>
+          <a:p>
+            <a:pPr marL="0" indent="0">
+              <a:buNone/>
+            </a:pPr>
+            <a:r>
+              <a:rPr lang="en-US" sz="2000" dirty="0"/>
+              <a:t>	</a:t>
+            </a:r>
+            <a:r>
+              <a:rPr lang="en-US" sz="2000" dirty="0" smtClean="0"/>
+              <a:t>			project.  Default is FALSE.  </a:t>
             </a:r>
             <a:endParaRPr lang="en-US" sz="2000" dirty="0"/>
           </a:p>
@@ -8974,7 +8973,7 @@
     </p:spTree>
     <p:extLst>
       <p:ext uri="{BB962C8B-B14F-4D97-AF65-F5344CB8AC3E}">
-        <p14:creationId xmlns:p14="http://schemas.microsoft.com/office/powerpoint/2010/main" val="1610841167"/>
+        <p14:creationId xmlns:p14="http://schemas.microsoft.com/office/powerpoint/2010/main" val="4089122093"/>
       </p:ext>
     </p:extLst>
   </p:cSld>
@@ -9105,12 +9104,12 @@
               <a:t> = FALSE, </a:t>
             </a:r>
             <a:r>
-              <a:rPr lang="en-US" sz="2000" dirty="0" err="1"/>
+              <a:rPr lang="en-US" sz="2000" dirty="0" err="1">
+                <a:solidFill>
+                  <a:srgbClr val="FF0000"/>
+                </a:solidFill>
+              </a:rPr>
               <a:t>raw_or_label</a:t>
-            </a:r>
-            <a:r>
-              <a:rPr lang="en-US" sz="2000" dirty="0"/>
-              <a:t> = "raw", </a:t>
             </a:r>
             <a:r>
               <a:rPr lang="en-US" sz="2000" dirty="0">
@@ -9118,11 +9117,11 @@
                   <a:srgbClr val="FF0000"/>
                 </a:solidFill>
               </a:rPr>
-              <a:t>verbose = TRUE</a:t>
-            </a:r>
-            <a:r>
-              <a:rPr lang="en-US" sz="2000" dirty="0"/>
-              <a:t>, </a:t>
+              <a:t> = "raw"</a:t>
+            </a:r>
+            <a:r>
+              <a:rPr lang="en-US" sz="2000" dirty="0"/>
+              <a:t>, verbose = TRUE, </a:t>
             </a:r>
             <a:r>
               <a:rPr lang="en-US" sz="2000" dirty="0" err="1"/>
@@ -9148,16 +9147,25 @@
               <a:buNone/>
             </a:pPr>
             <a:r>
+              <a:rPr lang="en-US" sz="2000" dirty="0" err="1" smtClean="0"/>
+              <a:t>raw_or_label</a:t>
+            </a:r>
+            <a:r>
               <a:rPr lang="en-US" sz="2000" dirty="0" smtClean="0"/>
-              <a:t>verbose:		A </a:t>
-            </a:r>
-            <a:r>
-              <a:rPr lang="en-US" sz="2000" dirty="0" err="1" smtClean="0"/>
-              <a:t>boolean</a:t>
+              <a:t>:	A string (either ‘raw’ or ‘label’) that specifies whether to export</a:t>
+            </a:r>
+          </a:p>
+          <a:p>
+            <a:pPr marL="0" indent="0">
+              <a:buNone/>
+            </a:pPr>
+            <a:r>
+              <a:rPr lang="en-US" sz="2000" dirty="0"/>
+              <a:t>	</a:t>
             </a:r>
             <a:r>
               <a:rPr lang="en-US" sz="2000" dirty="0" smtClean="0"/>
-              <a:t> value indicating if messages should be printed</a:t>
+              <a:t>	the raw coded values or the labels for the options of multiple</a:t>
             </a:r>
           </a:p>
           <a:p>
@@ -9170,7 +9178,7 @@
             </a:r>
             <a:r>
               <a:rPr lang="en-US" sz="2000" dirty="0" smtClean="0"/>
-              <a:t>	to the R console during the operation.  Optional.</a:t>
+              <a:t>	choice fields.  Default is ‘raw’.</a:t>
             </a:r>
             <a:endParaRPr lang="en-US" sz="2000" dirty="0"/>
           </a:p>
@@ -9234,7 +9242,7 @@
     </p:spTree>
     <p:extLst>
       <p:ext uri="{BB962C8B-B14F-4D97-AF65-F5344CB8AC3E}">
-        <p14:creationId xmlns:p14="http://schemas.microsoft.com/office/powerpoint/2010/main" val="2904820133"/>
+        <p14:creationId xmlns:p14="http://schemas.microsoft.com/office/powerpoint/2010/main" val="1610841167"/>
       </p:ext>
     </p:extLst>
   </p:cSld>
@@ -9370,15 +9378,7 @@
             </a:r>
             <a:r>
               <a:rPr lang="en-US" sz="2000" dirty="0"/>
-              <a:t> = "raw", verbose = TRUE, </a:t>
-            </a:r>
-            <a:r>
-              <a:rPr lang="en-US" sz="2000" dirty="0" err="1">
-                <a:solidFill>
-                  <a:srgbClr val="FF0000"/>
-                </a:solidFill>
-              </a:rPr>
-              <a:t>cert_location</a:t>
+              <a:t> = "raw", </a:t>
             </a:r>
             <a:r>
               <a:rPr lang="en-US" sz="2000" dirty="0">
@@ -9386,6 +9386,18 @@
                   <a:srgbClr val="FF0000"/>
                 </a:solidFill>
               </a:rPr>
+              <a:t>verbose = TRUE</a:t>
+            </a:r>
+            <a:r>
+              <a:rPr lang="en-US" sz="2000" dirty="0"/>
+              <a:t>, </a:t>
+            </a:r>
+            <a:r>
+              <a:rPr lang="en-US" sz="2000" dirty="0" err="1"/>
+              <a:t>cert_location</a:t>
+            </a:r>
+            <a:r>
+              <a:rPr lang="en-US" sz="2000" dirty="0"/>
               <a:t> = NULL</a:t>
             </a:r>
             <a:r>
@@ -9404,12 +9416,16 @@
               <a:buNone/>
             </a:pPr>
             <a:r>
+              <a:rPr lang="en-US" sz="2000" dirty="0" smtClean="0"/>
+              <a:t>verbose:		A </a:t>
+            </a:r>
+            <a:r>
               <a:rPr lang="en-US" sz="2000" dirty="0" err="1" smtClean="0"/>
-              <a:t>cert_location</a:t>
+              <a:t>boolean</a:t>
             </a:r>
             <a:r>
               <a:rPr lang="en-US" sz="2000" dirty="0" smtClean="0"/>
-              <a:t>:	If present, this string should point to the location of cert</a:t>
+              <a:t> value indicating if messages should be printed</a:t>
             </a:r>
           </a:p>
           <a:p>
@@ -9422,41 +9438,7 @@
             </a:r>
             <a:r>
               <a:rPr lang="en-US" sz="2000" dirty="0" smtClean="0"/>
-              <a:t>	files required for SSL verification.  If the value is missing or NULL,</a:t>
-            </a:r>
-          </a:p>
-          <a:p>
-            <a:pPr marL="0" indent="0">
-              <a:buNone/>
-            </a:pPr>
-            <a:r>
-              <a:rPr lang="en-US" sz="2000" dirty="0"/>
-              <a:t>	</a:t>
-            </a:r>
-            <a:r>
-              <a:rPr lang="en-US" sz="2000" dirty="0" smtClean="0"/>
-              <a:t>	the server’s identity will be verified using a recent CA bundle</a:t>
-            </a:r>
-          </a:p>
-          <a:p>
-            <a:pPr marL="0" indent="0">
-              <a:buNone/>
-            </a:pPr>
-            <a:r>
-              <a:rPr lang="en-US" sz="2000" dirty="0"/>
-              <a:t>	</a:t>
-            </a:r>
-            <a:r>
-              <a:rPr lang="en-US" sz="2000" dirty="0" smtClean="0"/>
-              <a:t>	from the </a:t>
-            </a:r>
-            <a:r>
-              <a:rPr lang="en-US" sz="2000" dirty="0" err="1" smtClean="0"/>
-              <a:t>cURL</a:t>
-            </a:r>
-            <a:r>
-              <a:rPr lang="en-US" sz="2000" dirty="0" smtClean="0"/>
-              <a:t> website.  Optional.</a:t>
+              <a:t>	to the R console during the operation.  Optional.</a:t>
             </a:r>
             <a:endParaRPr lang="en-US" sz="2000" dirty="0"/>
           </a:p>
@@ -9520,7 +9502,7 @@
     </p:spTree>
     <p:extLst>
       <p:ext uri="{BB962C8B-B14F-4D97-AF65-F5344CB8AC3E}">
-        <p14:creationId xmlns:p14="http://schemas.microsoft.com/office/powerpoint/2010/main" val="4003326735"/>
+        <p14:creationId xmlns:p14="http://schemas.microsoft.com/office/powerpoint/2010/main" val="2904820133"/>
       </p:ext>
     </p:extLst>
   </p:cSld>
@@ -9581,71 +9563,170 @@
             </a:pPr>
             <a:r>
               <a:rPr lang="en-US" dirty="0" smtClean="0"/>
-              <a:t>Details</a:t>
-            </a:r>
-          </a:p>
-          <a:p>
-            <a:pPr marL="0" indent="0">
-              <a:buNone/>
-            </a:pPr>
-            <a:endParaRPr lang="en-US" sz="2800" dirty="0" smtClean="0"/>
-          </a:p>
-          <a:p>
-            <a:pPr marL="0" indent="0">
-              <a:buNone/>
-            </a:pPr>
-            <a:r>
-              <a:rPr lang="en-US" sz="2800" dirty="0" smtClean="0"/>
-              <a:t>Specifically, </a:t>
-            </a:r>
-            <a:r>
-              <a:rPr lang="en-US" sz="2800" dirty="0" err="1" smtClean="0"/>
-              <a:t>REDCapR</a:t>
-            </a:r>
-            <a:r>
-              <a:rPr lang="en-US" sz="2800" dirty="0" smtClean="0"/>
-              <a:t> internally uses multiple calls to </a:t>
-            </a:r>
-            <a:r>
-              <a:rPr lang="en-US" sz="2800" dirty="0" err="1" smtClean="0"/>
-              <a:t>redcap_read_oneshot</a:t>
-            </a:r>
-            <a:r>
-              <a:rPr lang="en-US" sz="2800" dirty="0" smtClean="0"/>
-              <a:t> to select and return data.  Initially, only primary key is queried through the REDCap API.  The long list is then </a:t>
-            </a:r>
-            <a:r>
-              <a:rPr lang="en-US" sz="2800" dirty="0" err="1" smtClean="0"/>
-              <a:t>subsetted</a:t>
-            </a:r>
-            <a:r>
-              <a:rPr lang="en-US" sz="2800" dirty="0" smtClean="0"/>
-              <a:t> into partitions, whose sizes are determined by the </a:t>
-            </a:r>
-            <a:r>
-              <a:rPr lang="en-US" sz="2800" dirty="0" err="1" smtClean="0"/>
+              <a:t>Usage</a:t>
+            </a:r>
+          </a:p>
+          <a:p>
+            <a:pPr marL="0" indent="0">
+              <a:buNone/>
+            </a:pPr>
+            <a:endParaRPr lang="en-US" dirty="0" smtClean="0"/>
+          </a:p>
+          <a:p>
+            <a:pPr marL="0" indent="0">
+              <a:buNone/>
+            </a:pPr>
+            <a:r>
+              <a:rPr lang="en-US" sz="2000" dirty="0" err="1"/>
+              <a:t>redcap_read</a:t>
+            </a:r>
+            <a:r>
+              <a:rPr lang="en-US" sz="2000" dirty="0"/>
+              <a:t>(</a:t>
+            </a:r>
+            <a:r>
+              <a:rPr lang="en-US" sz="2000" dirty="0" err="1"/>
               <a:t>batch_size</a:t>
             </a:r>
             <a:r>
-              <a:rPr lang="en-US" sz="2800" dirty="0" smtClean="0"/>
-              <a:t> parameter.  REDCap is then queried for all variables of the subset’s subjects.  This is repeated for </a:t>
-            </a:r>
-            <a:r>
-              <a:rPr lang="en-US" sz="2800" dirty="0" smtClean="0"/>
-              <a:t>each subset</a:t>
-            </a:r>
-            <a:r>
-              <a:rPr lang="en-US" sz="2800" dirty="0" smtClean="0"/>
-              <a:t>, before returning a unified </a:t>
-            </a:r>
-            <a:r>
-              <a:rPr lang="en-US" sz="2800" dirty="0" err="1" smtClean="0"/>
-              <a:t>data.frame</a:t>
-            </a:r>
-            <a:r>
-              <a:rPr lang="en-US" sz="2800" dirty="0" smtClean="0"/>
-              <a:t>.  The function allows a delay between calls, which allows the server to attend to other users’ requests.</a:t>
-            </a:r>
+              <a:rPr lang="en-US" sz="2000" dirty="0"/>
+              <a:t> = 100L, </a:t>
+            </a:r>
+            <a:r>
+              <a:rPr lang="en-US" sz="2000" dirty="0" err="1"/>
+              <a:t>interbatch_delay</a:t>
+            </a:r>
+            <a:r>
+              <a:rPr lang="en-US" sz="2000" dirty="0"/>
+              <a:t> = 0, </a:t>
+            </a:r>
+            <a:r>
+              <a:rPr lang="en-US" sz="2000" dirty="0" err="1"/>
+              <a:t>redcap_uri</a:t>
+            </a:r>
+            <a:r>
+              <a:rPr lang="en-US" sz="2000" dirty="0"/>
+              <a:t>, token, records = NULL, </a:t>
+            </a:r>
+            <a:r>
+              <a:rPr lang="en-US" sz="2000" dirty="0" err="1"/>
+              <a:t>records_collapsed</a:t>
+            </a:r>
+            <a:r>
+              <a:rPr lang="en-US" sz="2000" dirty="0"/>
+              <a:t> = NULL, fields = NULL, </a:t>
+            </a:r>
+            <a:r>
+              <a:rPr lang="en-US" sz="2000" dirty="0" err="1"/>
+              <a:t>fields_collapsed</a:t>
+            </a:r>
+            <a:r>
+              <a:rPr lang="en-US" sz="2000" dirty="0"/>
+              <a:t> = NULL, </a:t>
+            </a:r>
+            <a:r>
+              <a:rPr lang="en-US" sz="2000" dirty="0" err="1"/>
+              <a:t>export_data_access_groups</a:t>
+            </a:r>
+            <a:r>
+              <a:rPr lang="en-US" sz="2000" dirty="0"/>
+              <a:t> = FALSE, </a:t>
+            </a:r>
+            <a:r>
+              <a:rPr lang="en-US" sz="2000" dirty="0" err="1"/>
+              <a:t>raw_or_label</a:t>
+            </a:r>
+            <a:r>
+              <a:rPr lang="en-US" sz="2000" dirty="0"/>
+              <a:t> = "raw", verbose = TRUE, </a:t>
+            </a:r>
+            <a:r>
+              <a:rPr lang="en-US" sz="2000" dirty="0" err="1">
+                <a:solidFill>
+                  <a:srgbClr val="FF0000"/>
+                </a:solidFill>
+              </a:rPr>
+              <a:t>cert_location</a:t>
+            </a:r>
+            <a:r>
+              <a:rPr lang="en-US" sz="2000" dirty="0">
+                <a:solidFill>
+                  <a:srgbClr val="FF0000"/>
+                </a:solidFill>
+              </a:rPr>
+              <a:t> = NULL</a:t>
+            </a:r>
+            <a:r>
+              <a:rPr lang="en-US" sz="2000" dirty="0" smtClean="0"/>
+              <a:t>)</a:t>
+            </a:r>
+          </a:p>
+          <a:p>
+            <a:pPr marL="0" indent="0">
+              <a:buNone/>
+            </a:pPr>
+            <a:endParaRPr lang="en-US" sz="2000" dirty="0"/>
+          </a:p>
+          <a:p>
+            <a:pPr marL="0" indent="0">
+              <a:buNone/>
+            </a:pPr>
+            <a:r>
+              <a:rPr lang="en-US" sz="2000" dirty="0" err="1" smtClean="0"/>
+              <a:t>cert_location</a:t>
+            </a:r>
+            <a:r>
+              <a:rPr lang="en-US" sz="2000" dirty="0" smtClean="0"/>
+              <a:t>:	If present, this string should point to the location of cert</a:t>
+            </a:r>
+          </a:p>
+          <a:p>
+            <a:pPr marL="0" indent="0">
+              <a:buNone/>
+            </a:pPr>
+            <a:r>
+              <a:rPr lang="en-US" sz="2000" dirty="0"/>
+              <a:t>	</a:t>
+            </a:r>
+            <a:r>
+              <a:rPr lang="en-US" sz="2000" dirty="0" smtClean="0"/>
+              <a:t>	files required for SSL verification.  If the value is missing or NULL,</a:t>
+            </a:r>
+          </a:p>
+          <a:p>
+            <a:pPr marL="0" indent="0">
+              <a:buNone/>
+            </a:pPr>
+            <a:r>
+              <a:rPr lang="en-US" sz="2000" dirty="0"/>
+              <a:t>	</a:t>
+            </a:r>
+            <a:r>
+              <a:rPr lang="en-US" sz="2000" dirty="0" smtClean="0"/>
+              <a:t>	the server’s identity will be verified using a recent CA bundle</a:t>
+            </a:r>
+          </a:p>
+          <a:p>
+            <a:pPr marL="0" indent="0">
+              <a:buNone/>
+            </a:pPr>
+            <a:r>
+              <a:rPr lang="en-US" sz="2000" dirty="0"/>
+              <a:t>	</a:t>
+            </a:r>
+            <a:r>
+              <a:rPr lang="en-US" sz="2000" dirty="0" smtClean="0"/>
+              <a:t>	from the </a:t>
+            </a:r>
+            <a:r>
+              <a:rPr lang="en-US" sz="2000" dirty="0" err="1" smtClean="0"/>
+              <a:t>cURL</a:t>
+            </a:r>
+            <a:r>
+              <a:rPr lang="en-US" sz="2000" dirty="0" smtClean="0"/>
+              <a:t> website.  Optional.</a:t>
+            </a:r>
+            <a:endParaRPr lang="en-US" sz="2000" dirty="0"/>
           </a:p>
         </p:txBody>
       </p:sp>
@@ -9707,7 +9788,7 @@
     </p:spTree>
     <p:extLst>
       <p:ext uri="{BB962C8B-B14F-4D97-AF65-F5344CB8AC3E}">
-        <p14:creationId xmlns:p14="http://schemas.microsoft.com/office/powerpoint/2010/main" val="1849194995"/>
+        <p14:creationId xmlns:p14="http://schemas.microsoft.com/office/powerpoint/2010/main" val="4003326735"/>
       </p:ext>
     </p:extLst>
   </p:cSld>
@@ -9743,44 +9824,6 @@
       </p:grpSpPr>
       <p:sp>
         <p:nvSpPr>
-          <p:cNvPr id="2" name="Title 1"/>
-          <p:cNvSpPr>
-            <a:spLocks noGrp="1"/>
-          </p:cNvSpPr>
-          <p:nvPr>
-            <p:ph type="title"/>
-          </p:nvPr>
-        </p:nvSpPr>
-        <p:spPr>
-          <a:xfrm>
-            <a:off x="76200" y="76200"/>
-            <a:ext cx="8991600" cy="762000"/>
-          </a:xfrm>
-          <a:solidFill>
-            <a:srgbClr val="66C2A5"/>
-          </a:solidFill>
-        </p:spPr>
-        <p:txBody>
-          <a:bodyPr>
-            <a:normAutofit fontScale="90000"/>
-          </a:bodyPr>
-          <a:lstStyle/>
-          <a:p>
-            <a:pPr marL="0" indent="0"/>
-            <a:r>
-              <a:rPr lang="en-US" sz="4900" dirty="0" err="1" smtClean="0"/>
-              <a:t>REDCapR</a:t>
-            </a:r>
-            <a:r>
-              <a:rPr lang="en-US" sz="4900" dirty="0" smtClean="0"/>
-              <a:t> API Example</a:t>
-            </a:r>
-            <a:endParaRPr lang="en-US" dirty="0"/>
-          </a:p>
-        </p:txBody>
-      </p:sp>
-      <p:sp>
-        <p:nvSpPr>
           <p:cNvPr id="3" name="Content Placeholder 2"/>
           <p:cNvSpPr>
             <a:spLocks noGrp="1"/>
@@ -9791,8 +9834,8 @@
         </p:nvSpPr>
         <p:spPr>
           <a:xfrm>
-            <a:off x="0" y="838200"/>
-            <a:ext cx="9144000" cy="6019800"/>
+            <a:off x="0" y="1219200"/>
+            <a:ext cx="9144000" cy="5638800"/>
           </a:xfrm>
         </p:spPr>
         <p:txBody>
@@ -9801,29 +9844,122 @@
           </a:bodyPr>
           <a:lstStyle/>
           <a:p>
-            <a:endParaRPr lang="en-US" dirty="0" smtClean="0"/>
-          </a:p>
-          <a:p>
-            <a:r>
-              <a:rPr lang="en-US" sz="2500" dirty="0" smtClean="0"/>
-              <a:t>Using the </a:t>
-            </a:r>
-            <a:r>
-              <a:rPr lang="en-US" sz="2500" dirty="0" err="1" smtClean="0"/>
-              <a:t>redcap_read</a:t>
-            </a:r>
-            <a:r>
-              <a:rPr lang="en-US" sz="2500" dirty="0" smtClean="0"/>
-              <a:t>() function data can be extracted from REDCap with only one line</a:t>
-            </a:r>
-          </a:p>
-          <a:p>
-            <a:endParaRPr lang="en-US" dirty="0"/>
-          </a:p>
-          <a:p>
-            <a:pPr marL="0" indent="0">
-              <a:buNone/>
-            </a:pPr>
+            <a:pPr marL="0" indent="0">
+              <a:buNone/>
+            </a:pPr>
+            <a:r>
+              <a:rPr lang="en-US" dirty="0" smtClean="0"/>
+              <a:t>Details</a:t>
+            </a:r>
+          </a:p>
+          <a:p>
+            <a:pPr marL="0" indent="0">
+              <a:buNone/>
+            </a:pPr>
+            <a:endParaRPr lang="en-US" sz="2800" dirty="0" smtClean="0"/>
+          </a:p>
+          <a:p>
+            <a:pPr marL="0" indent="0">
+              <a:buNone/>
+            </a:pPr>
+            <a:r>
+              <a:rPr lang="en-US" sz="2800" dirty="0" smtClean="0"/>
+              <a:t>Specifically, </a:t>
+            </a:r>
+            <a:r>
+              <a:rPr lang="en-US" sz="2800" dirty="0" err="1" smtClean="0"/>
+              <a:t>REDCapR</a:t>
+            </a:r>
+            <a:r>
+              <a:rPr lang="en-US" sz="2800" dirty="0" smtClean="0"/>
+              <a:t> internally uses multiple calls to </a:t>
+            </a:r>
+            <a:r>
+              <a:rPr lang="en-US" sz="2800" dirty="0" err="1" smtClean="0"/>
+              <a:t>redcap_read_oneshot</a:t>
+            </a:r>
+            <a:r>
+              <a:rPr lang="en-US" sz="2800" dirty="0" smtClean="0"/>
+              <a:t> to select and return data.  Initially, only primary key is queried through the REDCap API.  The long list is then </a:t>
+            </a:r>
+            <a:r>
+              <a:rPr lang="en-US" sz="2800" dirty="0" err="1" smtClean="0"/>
+              <a:t>subsetted</a:t>
+            </a:r>
+            <a:r>
+              <a:rPr lang="en-US" sz="2800" dirty="0" smtClean="0"/>
+              <a:t> into partitions, whose sizes are determined by the </a:t>
+            </a:r>
+            <a:r>
+              <a:rPr lang="en-US" sz="2800" dirty="0" err="1" smtClean="0"/>
+              <a:t>batch_size</a:t>
+            </a:r>
+            <a:r>
+              <a:rPr lang="en-US" sz="2800" dirty="0" smtClean="0"/>
+              <a:t> parameter.  REDCap is then queried for all variables of the subset’s subjects.  This is repeated for each subset, before returning a unified </a:t>
+            </a:r>
+            <a:r>
+              <a:rPr lang="en-US" sz="2800" dirty="0" err="1" smtClean="0"/>
+              <a:t>data.frame</a:t>
+            </a:r>
+            <a:r>
+              <a:rPr lang="en-US" sz="2800" dirty="0" smtClean="0"/>
+              <a:t>.  The function allows a delay between calls, which allows the server to attend to other users’ requests.</a:t>
+            </a:r>
+          </a:p>
+        </p:txBody>
+      </p:sp>
+      <p:sp>
+        <p:nvSpPr>
+          <p:cNvPr id="5" name="Title 1"/>
+          <p:cNvSpPr txBox="1">
+            <a:spLocks/>
+          </p:cNvSpPr>
+          <p:nvPr/>
+        </p:nvSpPr>
+        <p:spPr>
+          <a:xfrm>
+            <a:off x="76200" y="76200"/>
+            <a:ext cx="8991600" cy="758952"/>
+          </a:xfrm>
+          <a:prstGeom prst="rect">
+            <a:avLst/>
+          </a:prstGeom>
+          <a:solidFill>
+            <a:srgbClr val="E6F598"/>
+          </a:solidFill>
+        </p:spPr>
+        <p:txBody>
+          <a:bodyPr vert="horz" lIns="91440" tIns="45720" rIns="91440" bIns="45720" rtlCol="0" anchor="ctr">
+            <a:normAutofit fontScale="97500"/>
+          </a:bodyPr>
+          <a:lstStyle>
+            <a:lvl1pPr algn="ctr" defTabSz="914400" rtl="0" eaLnBrk="1" latinLnBrk="0" hangingPunct="1">
+              <a:spcBef>
+                <a:spcPct val="0"/>
+              </a:spcBef>
+              <a:buNone/>
+              <a:defRPr sz="4400" kern="1200">
+                <a:solidFill>
+                  <a:schemeClr val="tx1"/>
+                </a:solidFill>
+                <a:latin typeface="+mj-lt"/>
+                <a:ea typeface="+mj-ea"/>
+                <a:cs typeface="+mj-cs"/>
+              </a:defRPr>
+            </a:lvl1pPr>
+          </a:lstStyle>
+          <a:p>
+            <a:pPr>
+              <a:spcBef>
+                <a:spcPts val="0"/>
+              </a:spcBef>
+              <a:defRPr/>
+            </a:pPr>
+            <a:r>
+              <a:rPr lang="en-US" dirty="0" err="1" smtClean="0"/>
+              <a:t>REDCapR</a:t>
+            </a:r>
             <a:endParaRPr lang="en-US" dirty="0"/>
           </a:p>
         </p:txBody>
@@ -9831,7 +9967,7 @@
     </p:spTree>
     <p:extLst>
       <p:ext uri="{BB962C8B-B14F-4D97-AF65-F5344CB8AC3E}">
-        <p14:creationId xmlns:p14="http://schemas.microsoft.com/office/powerpoint/2010/main" val="2857515703"/>
+        <p14:creationId xmlns:p14="http://schemas.microsoft.com/office/powerpoint/2010/main" val="1849194995"/>
       </p:ext>
     </p:extLst>
   </p:cSld>
@@ -9867,44 +10003,6 @@
       </p:grpSpPr>
       <p:sp>
         <p:nvSpPr>
-          <p:cNvPr id="2" name="Title 1"/>
-          <p:cNvSpPr>
-            <a:spLocks noGrp="1"/>
-          </p:cNvSpPr>
-          <p:nvPr>
-            <p:ph type="title"/>
-          </p:nvPr>
-        </p:nvSpPr>
-        <p:spPr>
-          <a:xfrm>
-            <a:off x="76200" y="76200"/>
-            <a:ext cx="8991600" cy="762000"/>
-          </a:xfrm>
-          <a:solidFill>
-            <a:srgbClr val="66C2A5"/>
-          </a:solidFill>
-        </p:spPr>
-        <p:txBody>
-          <a:bodyPr>
-            <a:normAutofit fontScale="90000"/>
-          </a:bodyPr>
-          <a:lstStyle/>
-          <a:p>
-            <a:pPr marL="0" indent="0"/>
-            <a:r>
-              <a:rPr lang="en-US" sz="4900" dirty="0" err="1" smtClean="0"/>
-              <a:t>REDCapR</a:t>
-            </a:r>
-            <a:r>
-              <a:rPr lang="en-US" sz="4900" dirty="0" smtClean="0"/>
-              <a:t> API Example</a:t>
-            </a:r>
-            <a:endParaRPr lang="en-US" dirty="0"/>
-          </a:p>
-        </p:txBody>
-      </p:sp>
-      <p:sp>
-        <p:nvSpPr>
           <p:cNvPr id="3" name="Content Placeholder 2"/>
           <p:cNvSpPr>
             <a:spLocks noGrp="1"/>
@@ -9915,8 +10013,8 @@
         </p:nvSpPr>
         <p:spPr>
           <a:xfrm>
-            <a:off x="0" y="838200"/>
-            <a:ext cx="9144000" cy="6019800"/>
+            <a:off x="0" y="1219200"/>
+            <a:ext cx="9144000" cy="5638800"/>
           </a:xfrm>
         </p:spPr>
         <p:txBody>
@@ -9928,101 +10026,140 @@
             <a:pPr marL="0" indent="0">
               <a:buNone/>
             </a:pPr>
-            <a:endParaRPr lang="en-US" dirty="0" smtClean="0"/>
-          </a:p>
-          <a:p>
-            <a:pPr marL="0" indent="0">
-              <a:buNone/>
-            </a:pPr>
+            <a:r>
+              <a:rPr lang="en-US" dirty="0" err="1" smtClean="0"/>
+              <a:t>redcap_write</a:t>
+            </a:r>
             <a:r>
               <a:rPr lang="en-US" dirty="0" smtClean="0"/>
-              <a:t>Simple </a:t>
-            </a:r>
+              <a:t>(</a:t>
+            </a:r>
+            <a:r>
+              <a:rPr lang="en-US" dirty="0" err="1" smtClean="0"/>
+              <a:t>ds_to_write</a:t>
+            </a:r>
+            <a:r>
+              <a:rPr lang="en-US" dirty="0" smtClean="0"/>
+              <a:t>, </a:t>
+            </a:r>
+            <a:r>
+              <a:rPr lang="en-US" dirty="0" err="1" smtClean="0"/>
+              <a:t>batch_size</a:t>
+            </a:r>
+            <a:r>
+              <a:rPr lang="en-US" dirty="0" smtClean="0"/>
+              <a:t> = 10L, </a:t>
+            </a:r>
+            <a:r>
+              <a:rPr lang="en-US" dirty="0" err="1" smtClean="0"/>
+              <a:t>interbatch_delay</a:t>
+            </a:r>
+            <a:r>
+              <a:rPr lang="en-US" dirty="0" smtClean="0"/>
+              <a:t> = 0, </a:t>
+            </a:r>
+            <a:r>
+              <a:rPr lang="en-US" dirty="0" err="1" smtClean="0"/>
+              <a:t>redcap_uri</a:t>
+            </a:r>
+            <a:r>
+              <a:rPr lang="en-US" dirty="0" smtClean="0"/>
+              <a:t>, token, verbose = TRUE)</a:t>
+            </a:r>
+          </a:p>
+          <a:p>
+            <a:pPr marL="0" indent="0">
+              <a:buNone/>
+            </a:pPr>
+            <a:endParaRPr lang="en-US" sz="2800" dirty="0"/>
+          </a:p>
+          <a:p>
+            <a:pPr marL="0" indent="0">
+              <a:buNone/>
+            </a:pPr>
+            <a:r>
+              <a:rPr lang="en-US" sz="2800" dirty="0" smtClean="0"/>
+              <a:t>This function contains many similar arguments to </a:t>
+            </a:r>
+            <a:r>
+              <a:rPr lang="en-US" sz="2800" dirty="0" err="1" smtClean="0"/>
+              <a:t>redcap_read</a:t>
+            </a:r>
+            <a:r>
+              <a:rPr lang="en-US" sz="2800" dirty="0" smtClean="0"/>
+              <a:t>.  The new argument, </a:t>
+            </a:r>
+            <a:r>
+              <a:rPr lang="en-US" sz="2800" dirty="0" err="1" smtClean="0"/>
+              <a:t>ds_to_write</a:t>
+            </a:r>
+            <a:r>
+              <a:rPr lang="en-US" sz="2800" dirty="0" smtClean="0"/>
+              <a:t>, is the R </a:t>
+            </a:r>
+            <a:r>
+              <a:rPr lang="en-US" sz="2800" dirty="0" err="1" smtClean="0"/>
+              <a:t>data.frame</a:t>
+            </a:r>
+            <a:r>
+              <a:rPr lang="en-US" sz="2800" dirty="0" smtClean="0"/>
+              <a:t> that is going to be imported into a REDCap project.</a:t>
+            </a:r>
+            <a:endParaRPr lang="en-US" sz="2800" dirty="0" smtClean="0"/>
+          </a:p>
+        </p:txBody>
+      </p:sp>
+      <p:sp>
+        <p:nvSpPr>
+          <p:cNvPr id="5" name="Title 1"/>
+          <p:cNvSpPr txBox="1">
+            <a:spLocks/>
+          </p:cNvSpPr>
+          <p:nvPr/>
+        </p:nvSpPr>
+        <p:spPr>
+          <a:xfrm>
+            <a:off x="76200" y="76200"/>
+            <a:ext cx="8991600" cy="758952"/>
+          </a:xfrm>
+          <a:prstGeom prst="rect">
+            <a:avLst/>
+          </a:prstGeom>
+          <a:solidFill>
+            <a:srgbClr val="E6F598"/>
+          </a:solidFill>
+        </p:spPr>
+        <p:txBody>
+          <a:bodyPr vert="horz" lIns="91440" tIns="45720" rIns="91440" bIns="45720" rtlCol="0" anchor="ctr">
+            <a:normAutofit fontScale="97500"/>
+          </a:bodyPr>
+          <a:lstStyle>
+            <a:lvl1pPr algn="ctr" defTabSz="914400" rtl="0" eaLnBrk="1" latinLnBrk="0" hangingPunct="1">
+              <a:spcBef>
+                <a:spcPct val="0"/>
+              </a:spcBef>
+              <a:buNone/>
+              <a:defRPr sz="4400" kern="1200">
+                <a:solidFill>
+                  <a:schemeClr val="tx1"/>
+                </a:solidFill>
+                <a:latin typeface="+mj-lt"/>
+                <a:ea typeface="+mj-ea"/>
+                <a:cs typeface="+mj-cs"/>
+              </a:defRPr>
+            </a:lvl1pPr>
+          </a:lstStyle>
+          <a:p>
+            <a:pPr>
+              <a:spcBef>
+                <a:spcPts val="0"/>
+              </a:spcBef>
+              <a:defRPr/>
+            </a:pPr>
             <a:r>
               <a:rPr lang="en-US" dirty="0" err="1" smtClean="0"/>
               <a:t>REDCapR</a:t>
             </a:r>
-            <a:r>
-              <a:rPr lang="en-US" dirty="0" smtClean="0"/>
-              <a:t> example using the default settings.</a:t>
-            </a:r>
-          </a:p>
-          <a:p>
-            <a:pPr marL="0" indent="0">
-              <a:buNone/>
-            </a:pPr>
-            <a:endParaRPr lang="en-US" dirty="0" smtClean="0"/>
-          </a:p>
-          <a:p>
-            <a:pPr marL="0" indent="0">
-              <a:buNone/>
-            </a:pPr>
-            <a:r>
-              <a:rPr lang="en-US" dirty="0"/>
-              <a:t>ds &lt;- </a:t>
-            </a:r>
-            <a:r>
-              <a:rPr lang="en-US" dirty="0" err="1"/>
-              <a:t>redcap_read</a:t>
-            </a:r>
-            <a:r>
-              <a:rPr lang="en-US" dirty="0"/>
-              <a:t>(</a:t>
-            </a:r>
-            <a:r>
-              <a:rPr lang="en-US" dirty="0" err="1"/>
-              <a:t>redcap_uri</a:t>
-            </a:r>
-            <a:r>
-              <a:rPr lang="en-US" dirty="0"/>
-              <a:t>=</a:t>
-            </a:r>
-            <a:r>
-              <a:rPr lang="en-US" dirty="0" err="1"/>
-              <a:t>uri</a:t>
-            </a:r>
-            <a:r>
-              <a:rPr lang="en-US" dirty="0"/>
-              <a:t>, token=token)$</a:t>
-            </a:r>
-            <a:r>
-              <a:rPr lang="en-US" dirty="0" smtClean="0"/>
-              <a:t>data</a:t>
-            </a:r>
-          </a:p>
-          <a:p>
-            <a:pPr marL="0" indent="0">
-              <a:buNone/>
-            </a:pPr>
-            <a:endParaRPr lang="en-US" dirty="0"/>
-          </a:p>
-          <a:p>
-            <a:pPr marL="0" indent="0">
-              <a:buNone/>
-            </a:pPr>
-            <a:r>
-              <a:rPr lang="en-US" dirty="0" smtClean="0"/>
-              <a:t>User must supply the two required parameters: </a:t>
-            </a:r>
-          </a:p>
-          <a:p>
-            <a:pPr marL="0" indent="0">
-              <a:buNone/>
-            </a:pPr>
-            <a:r>
-              <a:rPr lang="en-US" dirty="0" err="1" smtClean="0"/>
-              <a:t>uri</a:t>
-            </a:r>
-            <a:r>
-              <a:rPr lang="en-US" dirty="0" smtClean="0"/>
-              <a:t> and token</a:t>
-            </a:r>
-            <a:endParaRPr lang="en-US" dirty="0"/>
-          </a:p>
-          <a:p>
-            <a:pPr marL="0" indent="0">
-              <a:buNone/>
-            </a:pPr>
             <a:endParaRPr lang="en-US" dirty="0"/>
           </a:p>
         </p:txBody>
@@ -10030,7 +10167,7 @@
     </p:spTree>
     <p:extLst>
       <p:ext uri="{BB962C8B-B14F-4D97-AF65-F5344CB8AC3E}">
-        <p14:creationId xmlns:p14="http://schemas.microsoft.com/office/powerpoint/2010/main" val="3385533368"/>
+        <p14:creationId xmlns:p14="http://schemas.microsoft.com/office/powerpoint/2010/main" val="1920673231"/>
       </p:ext>
     </p:extLst>
   </p:cSld>
@@ -10362,6 +10499,329 @@
           </a:bodyPr>
           <a:lstStyle/>
           <a:p>
+            <a:endParaRPr lang="en-US" dirty="0" smtClean="0"/>
+          </a:p>
+          <a:p>
+            <a:r>
+              <a:rPr lang="en-US" sz="2500" dirty="0" smtClean="0"/>
+              <a:t>Using the </a:t>
+            </a:r>
+            <a:r>
+              <a:rPr lang="en-US" sz="2500" dirty="0" err="1" smtClean="0"/>
+              <a:t>redcap_read</a:t>
+            </a:r>
+            <a:r>
+              <a:rPr lang="en-US" sz="2500" dirty="0" smtClean="0"/>
+              <a:t>() function data can be extracted from REDCap with only one line</a:t>
+            </a:r>
+          </a:p>
+          <a:p>
+            <a:endParaRPr lang="en-US" dirty="0"/>
+          </a:p>
+          <a:p>
+            <a:pPr marL="0" indent="0">
+              <a:buNone/>
+            </a:pPr>
+            <a:endParaRPr lang="en-US" dirty="0"/>
+          </a:p>
+        </p:txBody>
+      </p:sp>
+    </p:spTree>
+    <p:extLst>
+      <p:ext uri="{BB962C8B-B14F-4D97-AF65-F5344CB8AC3E}">
+        <p14:creationId xmlns:p14="http://schemas.microsoft.com/office/powerpoint/2010/main" val="2857515703"/>
+      </p:ext>
+    </p:extLst>
+  </p:cSld>
+  <p:clrMapOvr>
+    <a:masterClrMapping/>
+  </p:clrMapOvr>
+  <p:timing>
+    <p:tnLst>
+      <p:par>
+        <p:cTn id="1" dur="indefinite" restart="never" nodeType="tmRoot"/>
+      </p:par>
+    </p:tnLst>
+  </p:timing>
+</p:sld>
+</file>
+
+<file path=ppt/slides/slide31.xml><?xml version="1.0" encoding="utf-8"?>
+<p:sld xmlns:a="http://schemas.openxmlformats.org/drawingml/2006/main" xmlns:r="http://schemas.openxmlformats.org/officeDocument/2006/relationships" xmlns:p="http://schemas.openxmlformats.org/presentationml/2006/main">
+  <p:cSld>
+    <p:spTree>
+      <p:nvGrpSpPr>
+        <p:cNvPr id="1" name=""/>
+        <p:cNvGrpSpPr/>
+        <p:nvPr/>
+      </p:nvGrpSpPr>
+      <p:grpSpPr>
+        <a:xfrm>
+          <a:off x="0" y="0"/>
+          <a:ext cx="0" cy="0"/>
+          <a:chOff x="0" y="0"/>
+          <a:chExt cx="0" cy="0"/>
+        </a:xfrm>
+      </p:grpSpPr>
+      <p:sp>
+        <p:nvSpPr>
+          <p:cNvPr id="2" name="Title 1"/>
+          <p:cNvSpPr>
+            <a:spLocks noGrp="1"/>
+          </p:cNvSpPr>
+          <p:nvPr>
+            <p:ph type="title"/>
+          </p:nvPr>
+        </p:nvSpPr>
+        <p:spPr>
+          <a:xfrm>
+            <a:off x="76200" y="76200"/>
+            <a:ext cx="8991600" cy="762000"/>
+          </a:xfrm>
+          <a:solidFill>
+            <a:srgbClr val="66C2A5"/>
+          </a:solidFill>
+        </p:spPr>
+        <p:txBody>
+          <a:bodyPr>
+            <a:normAutofit fontScale="90000"/>
+          </a:bodyPr>
+          <a:lstStyle/>
+          <a:p>
+            <a:pPr marL="0" indent="0"/>
+            <a:r>
+              <a:rPr lang="en-US" sz="4900" dirty="0" err="1" smtClean="0"/>
+              <a:t>REDCapR</a:t>
+            </a:r>
+            <a:r>
+              <a:rPr lang="en-US" sz="4900" dirty="0" smtClean="0"/>
+              <a:t> API Example</a:t>
+            </a:r>
+            <a:endParaRPr lang="en-US" dirty="0"/>
+          </a:p>
+        </p:txBody>
+      </p:sp>
+      <p:sp>
+        <p:nvSpPr>
+          <p:cNvPr id="3" name="Content Placeholder 2"/>
+          <p:cNvSpPr>
+            <a:spLocks noGrp="1"/>
+          </p:cNvSpPr>
+          <p:nvPr>
+            <p:ph idx="1"/>
+          </p:nvPr>
+        </p:nvSpPr>
+        <p:spPr>
+          <a:xfrm>
+            <a:off x="0" y="838200"/>
+            <a:ext cx="9144000" cy="6019800"/>
+          </a:xfrm>
+        </p:spPr>
+        <p:txBody>
+          <a:bodyPr>
+            <a:normAutofit/>
+          </a:bodyPr>
+          <a:lstStyle/>
+          <a:p>
+            <a:pPr marL="0" indent="0">
+              <a:buNone/>
+            </a:pPr>
+            <a:endParaRPr lang="en-US" dirty="0" smtClean="0"/>
+          </a:p>
+          <a:p>
+            <a:pPr marL="0" indent="0">
+              <a:buNone/>
+            </a:pPr>
+            <a:r>
+              <a:rPr lang="en-US" dirty="0" smtClean="0"/>
+              <a:t>Simple </a:t>
+            </a:r>
+            <a:r>
+              <a:rPr lang="en-US" dirty="0" err="1" smtClean="0"/>
+              <a:t>REDCapR</a:t>
+            </a:r>
+            <a:r>
+              <a:rPr lang="en-US" dirty="0" smtClean="0"/>
+              <a:t> example using the default settings.</a:t>
+            </a:r>
+          </a:p>
+          <a:p>
+            <a:pPr marL="0" indent="0">
+              <a:buNone/>
+            </a:pPr>
+            <a:endParaRPr lang="en-US" dirty="0" smtClean="0"/>
+          </a:p>
+          <a:p>
+            <a:pPr marL="0" indent="0">
+              <a:buNone/>
+            </a:pPr>
+            <a:r>
+              <a:rPr lang="en-US" dirty="0"/>
+              <a:t>ds &lt;- </a:t>
+            </a:r>
+            <a:r>
+              <a:rPr lang="en-US" dirty="0" err="1"/>
+              <a:t>redcap_read</a:t>
+            </a:r>
+            <a:r>
+              <a:rPr lang="en-US" dirty="0"/>
+              <a:t>(</a:t>
+            </a:r>
+            <a:r>
+              <a:rPr lang="en-US" dirty="0" err="1"/>
+              <a:t>redcap_uri</a:t>
+            </a:r>
+            <a:r>
+              <a:rPr lang="en-US" dirty="0"/>
+              <a:t>=</a:t>
+            </a:r>
+            <a:r>
+              <a:rPr lang="en-US" dirty="0" err="1"/>
+              <a:t>uri</a:t>
+            </a:r>
+            <a:r>
+              <a:rPr lang="en-US" dirty="0"/>
+              <a:t>, token=token)$</a:t>
+            </a:r>
+            <a:r>
+              <a:rPr lang="en-US" dirty="0" smtClean="0"/>
+              <a:t>data</a:t>
+            </a:r>
+          </a:p>
+          <a:p>
+            <a:pPr marL="0" indent="0">
+              <a:buNone/>
+            </a:pPr>
+            <a:endParaRPr lang="en-US" dirty="0"/>
+          </a:p>
+          <a:p>
+            <a:pPr marL="0" indent="0">
+              <a:buNone/>
+            </a:pPr>
+            <a:r>
+              <a:rPr lang="en-US" dirty="0" smtClean="0"/>
+              <a:t>User must supply the two required parameters: </a:t>
+            </a:r>
+          </a:p>
+          <a:p>
+            <a:pPr marL="0" indent="0">
+              <a:buNone/>
+            </a:pPr>
+            <a:r>
+              <a:rPr lang="en-US" dirty="0" err="1" smtClean="0"/>
+              <a:t>uri</a:t>
+            </a:r>
+            <a:r>
+              <a:rPr lang="en-US" dirty="0" smtClean="0"/>
+              <a:t> and token</a:t>
+            </a:r>
+            <a:endParaRPr lang="en-US" dirty="0"/>
+          </a:p>
+          <a:p>
+            <a:pPr marL="0" indent="0">
+              <a:buNone/>
+            </a:pPr>
+            <a:endParaRPr lang="en-US" dirty="0"/>
+          </a:p>
+        </p:txBody>
+      </p:sp>
+    </p:spTree>
+    <p:extLst>
+      <p:ext uri="{BB962C8B-B14F-4D97-AF65-F5344CB8AC3E}">
+        <p14:creationId xmlns:p14="http://schemas.microsoft.com/office/powerpoint/2010/main" val="3385533368"/>
+      </p:ext>
+    </p:extLst>
+  </p:cSld>
+  <p:clrMapOvr>
+    <a:masterClrMapping/>
+  </p:clrMapOvr>
+  <p:timing>
+    <p:tnLst>
+      <p:par>
+        <p:cTn id="1" dur="indefinite" restart="never" nodeType="tmRoot"/>
+      </p:par>
+    </p:tnLst>
+  </p:timing>
+</p:sld>
+</file>
+
+<file path=ppt/slides/slide32.xml><?xml version="1.0" encoding="utf-8"?>
+<p:sld xmlns:a="http://schemas.openxmlformats.org/drawingml/2006/main" xmlns:r="http://schemas.openxmlformats.org/officeDocument/2006/relationships" xmlns:p="http://schemas.openxmlformats.org/presentationml/2006/main">
+  <p:cSld>
+    <p:spTree>
+      <p:nvGrpSpPr>
+        <p:cNvPr id="1" name=""/>
+        <p:cNvGrpSpPr/>
+        <p:nvPr/>
+      </p:nvGrpSpPr>
+      <p:grpSpPr>
+        <a:xfrm>
+          <a:off x="0" y="0"/>
+          <a:ext cx="0" cy="0"/>
+          <a:chOff x="0" y="0"/>
+          <a:chExt cx="0" cy="0"/>
+        </a:xfrm>
+      </p:grpSpPr>
+      <p:sp>
+        <p:nvSpPr>
+          <p:cNvPr id="2" name="Title 1"/>
+          <p:cNvSpPr>
+            <a:spLocks noGrp="1"/>
+          </p:cNvSpPr>
+          <p:nvPr>
+            <p:ph type="title"/>
+          </p:nvPr>
+        </p:nvSpPr>
+        <p:spPr>
+          <a:xfrm>
+            <a:off x="76200" y="76200"/>
+            <a:ext cx="8991600" cy="762000"/>
+          </a:xfrm>
+          <a:solidFill>
+            <a:srgbClr val="66C2A5"/>
+          </a:solidFill>
+        </p:spPr>
+        <p:txBody>
+          <a:bodyPr>
+            <a:normAutofit fontScale="90000"/>
+          </a:bodyPr>
+          <a:lstStyle/>
+          <a:p>
+            <a:pPr marL="0" indent="0"/>
+            <a:r>
+              <a:rPr lang="en-US" sz="4900" dirty="0" err="1" smtClean="0"/>
+              <a:t>REDCapR</a:t>
+            </a:r>
+            <a:r>
+              <a:rPr lang="en-US" sz="4900" dirty="0" smtClean="0"/>
+              <a:t> API Example</a:t>
+            </a:r>
+            <a:endParaRPr lang="en-US" dirty="0"/>
+          </a:p>
+        </p:txBody>
+      </p:sp>
+      <p:sp>
+        <p:nvSpPr>
+          <p:cNvPr id="3" name="Content Placeholder 2"/>
+          <p:cNvSpPr>
+            <a:spLocks noGrp="1"/>
+          </p:cNvSpPr>
+          <p:nvPr>
+            <p:ph idx="1"/>
+          </p:nvPr>
+        </p:nvSpPr>
+        <p:spPr>
+          <a:xfrm>
+            <a:off x="0" y="838200"/>
+            <a:ext cx="9144000" cy="6019800"/>
+          </a:xfrm>
+        </p:spPr>
+        <p:txBody>
+          <a:bodyPr>
+            <a:normAutofit/>
+          </a:bodyPr>
+          <a:lstStyle/>
+          <a:p>
             <a:pPr marL="0" indent="0">
               <a:buNone/>
             </a:pPr>
@@ -10489,7 +10949,7 @@
 </p:sld>
 </file>
 
-<file path=ppt/slides/slide31.xml><?xml version="1.0" encoding="utf-8"?>
+<file path=ppt/slides/slide33.xml><?xml version="1.0" encoding="utf-8"?>
 <p:sld xmlns:a="http://schemas.openxmlformats.org/drawingml/2006/main" xmlns:r="http://schemas.openxmlformats.org/officeDocument/2006/relationships" xmlns:p="http://schemas.openxmlformats.org/presentationml/2006/main">
   <p:cSld>
     <p:spTree>
@@ -11296,10 +11756,9 @@
               <a:defRPr/>
             </a:pPr>
             <a:r>
-              <a:rPr lang="en-US" dirty="0" smtClean="0"/>
-              <a:t>REDCap Limitations</a:t>
-            </a:r>
-            <a:endParaRPr lang="en-US" sz="3600" dirty="0"/>
+              <a:rPr lang="en-US" dirty="0"/>
+              <a:t>REDCap &amp; Reproducible Research</a:t>
+            </a:r>
           </a:p>
         </p:txBody>
       </p:sp>
@@ -11325,35 +11784,40 @@
           </a:bodyPr>
           <a:lstStyle/>
           <a:p>
-            <a:r>
-              <a:rPr lang="en-US" dirty="0" smtClean="0"/>
-              <a:t>Designed for data collection and management</a:t>
-            </a:r>
-          </a:p>
-          <a:p>
-            <a:r>
-              <a:rPr lang="en-US" dirty="0" smtClean="0"/>
-              <a:t>Has very limited reporting capabilities</a:t>
-            </a:r>
-          </a:p>
-          <a:p>
-            <a:r>
-              <a:rPr lang="en-US" dirty="0" smtClean="0"/>
-              <a:t>Analytic capabilities are limited to </a:t>
-            </a:r>
-            <a:r>
-              <a:rPr lang="en-US" dirty="0" err="1" smtClean="0"/>
-              <a:t>univariate</a:t>
-            </a:r>
-            <a:r>
-              <a:rPr lang="en-US" dirty="0" smtClean="0"/>
-              <a:t> summary statistics and plots</a:t>
-            </a:r>
-          </a:p>
-          <a:p>
-            <a:r>
-              <a:rPr lang="en-US" dirty="0" smtClean="0"/>
-              <a:t>For more sophisticated reports and analysis REDCap data must be exported</a:t>
+            <a:pPr marL="0" indent="0">
+              <a:buNone/>
+            </a:pPr>
+            <a:r>
+              <a:rPr lang="en-US" sz="2400" i="1" dirty="0"/>
+              <a:t>An article about computational science in a scientific publication is not the scholarship itself, it is merely advertising of the scholarship. The actual scholarship is the complete software development environment and the complete set of instructions which generated the </a:t>
+            </a:r>
+            <a:r>
+              <a:rPr lang="en-US" sz="2400" i="1"/>
+              <a:t>figures</a:t>
+            </a:r>
+            <a:r>
+              <a:rPr lang="en-US" sz="2400" i="1" smtClean="0"/>
+              <a:t>.</a:t>
+            </a:r>
+          </a:p>
+          <a:p>
+            <a:pPr marL="0" indent="0">
+              <a:buNone/>
+            </a:pPr>
+            <a:r>
+              <a:rPr lang="en-US" sz="2400" dirty="0"/>
+              <a:t/>
+            </a:r>
+            <a:br>
+              <a:rPr lang="en-US" sz="2400" dirty="0"/>
+            </a:br>
+            <a:r>
+              <a:rPr lang="en-US" sz="2400" i="1" dirty="0"/>
+              <a:t>—D. </a:t>
+            </a:r>
+            <a:r>
+              <a:rPr lang="en-US" sz="2400" i="1" dirty="0" err="1"/>
+              <a:t>Donoho</a:t>
             </a:r>
             <a:endParaRPr lang="en-US" sz="2200" b="1" dirty="0"/>
           </a:p>
@@ -11412,7 +11876,7 @@
             <a:ext cx="8991600" cy="762000"/>
           </a:xfrm>
           <a:solidFill>
-            <a:srgbClr val="5E4FA2"/>
+            <a:srgbClr val="3288BD"/>
           </a:solidFill>
         </p:spPr>
         <p:txBody>
@@ -11421,11 +11885,16 @@
           </a:bodyPr>
           <a:lstStyle/>
           <a:p>
-            <a:r>
-              <a:rPr lang="en-US" dirty="0" smtClean="0"/>
-              <a:t>REDCap Data Export Options</a:t>
-            </a:r>
-            <a:endParaRPr lang="en-US" dirty="0"/>
+            <a:pPr>
+              <a:spcBef>
+                <a:spcPts val="0"/>
+              </a:spcBef>
+              <a:defRPr/>
+            </a:pPr>
+            <a:r>
+              <a:rPr lang="en-US" dirty="0"/>
+              <a:t>REDCap &amp; Reproducible Research</a:t>
+            </a:r>
           </a:p>
         </p:txBody>
       </p:sp>
@@ -11441,8 +11910,8 @@
         </p:nvSpPr>
         <p:spPr>
           <a:xfrm>
-            <a:off x="0" y="1371600"/>
-            <a:ext cx="9144000" cy="5257800"/>
+            <a:off x="0" y="1447800"/>
+            <a:ext cx="9144000" cy="5410200"/>
           </a:xfrm>
         </p:spPr>
         <p:txBody>
@@ -11451,38 +11920,48 @@
           </a:bodyPr>
           <a:lstStyle/>
           <a:p>
-            <a:pPr marL="342900" lvl="2" indent="-342900"/>
             <a:r>
               <a:rPr lang="en-US" dirty="0" smtClean="0"/>
-              <a:t>REDCap offers two methods for data extraction</a:t>
-            </a:r>
-          </a:p>
-          <a:p>
-            <a:pPr marL="800100" lvl="3" indent="-342900"/>
+              <a:t>Designed </a:t>
+            </a:r>
             <a:r>
               <a:rPr lang="en-US" dirty="0" smtClean="0"/>
-              <a:t>The data export tool</a:t>
-            </a:r>
-          </a:p>
-          <a:p>
-            <a:pPr marL="800100" lvl="3" indent="-342900"/>
+              <a:t>for data collection and management</a:t>
+            </a:r>
+          </a:p>
+          <a:p>
             <a:r>
               <a:rPr lang="en-US" dirty="0" smtClean="0"/>
-              <a:t>Application Programming Interface (API)</a:t>
-            </a:r>
-          </a:p>
-          <a:p>
-            <a:pPr marL="914400" lvl="2" indent="0">
-              <a:buNone/>
-            </a:pPr>
-            <a:endParaRPr lang="en-US" dirty="0" smtClean="0"/>
+              <a:t>Has very limited reporting capabilities</a:t>
+            </a:r>
+          </a:p>
+          <a:p>
+            <a:r>
+              <a:rPr lang="en-US" dirty="0" smtClean="0"/>
+              <a:t>Analytic capabilities are limited to </a:t>
+            </a:r>
+            <a:r>
+              <a:rPr lang="en-US" dirty="0" err="1" smtClean="0"/>
+              <a:t>univariate</a:t>
+            </a:r>
+            <a:r>
+              <a:rPr lang="en-US" dirty="0" smtClean="0"/>
+              <a:t> summary statistics and plots</a:t>
+            </a:r>
+          </a:p>
+          <a:p>
+            <a:r>
+              <a:rPr lang="en-US" dirty="0" smtClean="0"/>
+              <a:t>For more sophisticated reports and analysis REDCap data must be exported</a:t>
+            </a:r>
+            <a:endParaRPr lang="en-US" sz="2200" b="1" dirty="0"/>
           </a:p>
         </p:txBody>
       </p:sp>
     </p:spTree>
     <p:extLst>
       <p:ext uri="{BB962C8B-B14F-4D97-AF65-F5344CB8AC3E}">
-        <p14:creationId xmlns:p14="http://schemas.microsoft.com/office/powerpoint/2010/main" val="1012087881"/>
+        <p14:creationId xmlns:p14="http://schemas.microsoft.com/office/powerpoint/2010/main" val="501352803"/>
       </p:ext>
     </p:extLst>
   </p:cSld>
@@ -11532,9 +12011,7 @@
             <a:ext cx="8991600" cy="762000"/>
           </a:xfrm>
           <a:solidFill>
-            <a:schemeClr val="accent6">
-              <a:lumMod val="75000"/>
-            </a:schemeClr>
+            <a:srgbClr val="5E4FA2"/>
           </a:solidFill>
         </p:spPr>
         <p:txBody>
@@ -11543,16 +12020,11 @@
           </a:bodyPr>
           <a:lstStyle/>
           <a:p>
-            <a:pPr>
-              <a:spcBef>
-                <a:spcPts val="0"/>
-              </a:spcBef>
-              <a:defRPr/>
-            </a:pPr>
-            <a:r>
-              <a:rPr lang="en-US" dirty="0"/>
-              <a:t>Data Export Tool</a:t>
-            </a:r>
+            <a:r>
+              <a:rPr lang="en-US" dirty="0" smtClean="0"/>
+              <a:t>REDCap Data Export Options</a:t>
+            </a:r>
+            <a:endParaRPr lang="en-US" dirty="0"/>
           </a:p>
         </p:txBody>
       </p:sp>
@@ -11568,8 +12040,8 @@
         </p:nvSpPr>
         <p:spPr>
           <a:xfrm>
-            <a:off x="0" y="914400"/>
-            <a:ext cx="9144000" cy="5943600"/>
+            <a:off x="0" y="1371600"/>
+            <a:ext cx="9144000" cy="5257800"/>
           </a:xfrm>
         </p:spPr>
         <p:txBody>
@@ -11578,209 +12050,38 @@
           </a:bodyPr>
           <a:lstStyle/>
           <a:p>
-            <a:pPr marL="342900" lvl="3" indent="-342900">
-              <a:buFont typeface="Arial" panose="020B0604020202020204" pitchFamily="34" charset="0"/>
-              <a:buChar char="•"/>
-            </a:pPr>
-            <a:r>
-              <a:rPr lang="en-US" sz="2500" dirty="0" smtClean="0"/>
-              <a:t>Clickable interface embedded in each project</a:t>
-            </a:r>
-          </a:p>
-          <a:p>
-            <a:pPr marL="342900" lvl="3" indent="-342900">
-              <a:buFont typeface="Arial" panose="020B0604020202020204" pitchFamily="34" charset="0"/>
-              <a:buChar char="•"/>
-            </a:pPr>
-            <a:r>
-              <a:rPr lang="en-US" sz="2500" dirty="0" smtClean="0"/>
-              <a:t>Project specific</a:t>
-            </a:r>
-          </a:p>
-          <a:p>
-            <a:pPr marL="342900" lvl="3" indent="-342900">
-              <a:buFont typeface="Arial" panose="020B0604020202020204" pitchFamily="34" charset="0"/>
-              <a:buChar char="•"/>
-            </a:pPr>
-            <a:r>
-              <a:rPr lang="en-US" sz="2500" dirty="0" smtClean="0"/>
-              <a:t>Exports data in five formats (Excel .csv, SPSS, SAS, R, and STATA)</a:t>
-            </a:r>
-          </a:p>
-          <a:p>
-            <a:pPr marL="342900" lvl="3" indent="-342900">
-              <a:buFont typeface="Arial" panose="020B0604020202020204" pitchFamily="34" charset="0"/>
-              <a:buChar char="•"/>
-            </a:pPr>
-            <a:r>
-              <a:rPr lang="en-US" sz="2500" dirty="0" smtClean="0"/>
-              <a:t>Two options using the data export tool</a:t>
-            </a:r>
-          </a:p>
-          <a:p>
-            <a:pPr marL="800100" lvl="4" indent="-342900">
-              <a:buFont typeface="Arial" panose="020B0604020202020204" pitchFamily="34" charset="0"/>
-              <a:buChar char="–"/>
-            </a:pPr>
-            <a:r>
-              <a:rPr lang="en-US" sz="2200" dirty="0" smtClean="0"/>
-              <a:t>Simple Data Export: exports entire data set with one click</a:t>
-            </a:r>
-          </a:p>
-          <a:p>
-            <a:pPr marL="800100" lvl="4" indent="-342900">
-              <a:buFont typeface="Arial" panose="020B0604020202020204" pitchFamily="34" charset="0"/>
-              <a:buChar char="–"/>
-            </a:pPr>
-            <a:r>
-              <a:rPr lang="en-US" sz="2200" dirty="0" smtClean="0"/>
-              <a:t>Advanced Data Export: users choose which </a:t>
-            </a:r>
-            <a:endParaRPr lang="en-US" sz="2200" dirty="0" smtClean="0"/>
-          </a:p>
-          <a:p>
-            <a:pPr marL="457200" lvl="4" indent="0">
-              <a:buNone/>
-            </a:pPr>
-            <a:r>
-              <a:rPr lang="en-US" sz="2200" dirty="0"/>
-              <a:t> </a:t>
-            </a:r>
-            <a:r>
-              <a:rPr lang="en-US" sz="2200" dirty="0" smtClean="0"/>
-              <a:t>    </a:t>
-            </a:r>
-            <a:r>
-              <a:rPr lang="en-US" sz="2200" dirty="0" smtClean="0"/>
-              <a:t>fields </a:t>
-            </a:r>
-            <a:r>
-              <a:rPr lang="en-US" sz="2200" dirty="0" smtClean="0"/>
-              <a:t>to export and </a:t>
-            </a:r>
-            <a:r>
-              <a:rPr lang="en-US" sz="2200" dirty="0" smtClean="0"/>
-              <a:t>has </a:t>
-            </a:r>
-          </a:p>
-          <a:p>
-            <a:pPr marL="457200" lvl="4" indent="0">
-              <a:buNone/>
-            </a:pPr>
-            <a:r>
-              <a:rPr lang="en-US" sz="2200" dirty="0"/>
-              <a:t> </a:t>
-            </a:r>
-            <a:r>
-              <a:rPr lang="en-US" sz="2200" dirty="0" smtClean="0"/>
-              <a:t>    </a:t>
-            </a:r>
-            <a:r>
-              <a:rPr lang="en-US" sz="2200" dirty="0" smtClean="0"/>
-              <a:t>de-identification </a:t>
-            </a:r>
-            <a:r>
-              <a:rPr lang="en-US" sz="2200" dirty="0" smtClean="0"/>
-              <a:t>options</a:t>
-            </a:r>
-          </a:p>
-          <a:p>
-            <a:pPr marL="342900" lvl="3" indent="-342900">
-              <a:buFont typeface="Arial" panose="020B0604020202020204" pitchFamily="34" charset="0"/>
-              <a:buChar char="•"/>
-            </a:pPr>
-            <a:r>
-              <a:rPr lang="en-US" sz="2500" dirty="0" smtClean="0"/>
-              <a:t>Manual interaction with REDCap </a:t>
-            </a:r>
-            <a:endParaRPr lang="en-US" sz="2500" dirty="0" smtClean="0"/>
-          </a:p>
-          <a:p>
-            <a:pPr marL="0" lvl="3" indent="0">
-              <a:buNone/>
-            </a:pPr>
-            <a:r>
-              <a:rPr lang="en-US" sz="2500" dirty="0" smtClean="0"/>
-              <a:t>     to </a:t>
-            </a:r>
-            <a:r>
-              <a:rPr lang="en-US" sz="2500" dirty="0" smtClean="0"/>
-              <a:t>retrieve data</a:t>
-            </a:r>
-          </a:p>
-          <a:p>
-            <a:pPr marL="342900" lvl="3" indent="-342900">
-              <a:buFont typeface="Arial" panose="020B0604020202020204" pitchFamily="34" charset="0"/>
-              <a:buChar char="•"/>
+            <a:pPr marL="342900" lvl="2" indent="-342900"/>
+            <a:r>
+              <a:rPr lang="en-US" dirty="0" smtClean="0"/>
+              <a:t>REDCap offers two methods for data extraction</a:t>
+            </a:r>
+          </a:p>
+          <a:p>
+            <a:pPr marL="800100" lvl="3" indent="-342900"/>
+            <a:r>
+              <a:rPr lang="en-US" dirty="0" smtClean="0"/>
+              <a:t>The data export tool</a:t>
+            </a:r>
+          </a:p>
+          <a:p>
+            <a:pPr marL="800100" lvl="3" indent="-342900"/>
+            <a:r>
+              <a:rPr lang="en-US" dirty="0" smtClean="0"/>
+              <a:t>Application Programming Interface (API)</a:t>
+            </a:r>
+          </a:p>
+          <a:p>
+            <a:pPr marL="914400" lvl="2" indent="0">
+              <a:buNone/>
             </a:pPr>
             <a:endParaRPr lang="en-US" dirty="0" smtClean="0"/>
-          </a:p>
-        </p:txBody>
-      </p:sp>
-      <p:pic>
-        <p:nvPicPr>
-          <p:cNvPr id="4" name="Picture 3"/>
-          <p:cNvPicPr>
-            <a:picLocks noChangeAspect="1"/>
-          </p:cNvPicPr>
-          <p:nvPr/>
-        </p:nvPicPr>
-        <p:blipFill>
-          <a:blip r:embed="rId2" cstate="print">
-            <a:extLst>
-              <a:ext uri="{28A0092B-C50C-407E-A947-70E740481C1C}">
-                <a14:useLocalDpi xmlns:a14="http://schemas.microsoft.com/office/drawing/2010/main" val="0"/>
-              </a:ext>
-            </a:extLst>
-          </a:blip>
-          <a:stretch>
-            <a:fillRect/>
-          </a:stretch>
-        </p:blipFill>
-        <p:spPr>
-          <a:xfrm>
-            <a:off x="6553200" y="3962400"/>
-            <a:ext cx="2165863" cy="2710354"/>
-          </a:xfrm>
-          <a:prstGeom prst="rect">
-            <a:avLst/>
-          </a:prstGeom>
-        </p:spPr>
-      </p:pic>
-      <p:sp>
-        <p:nvSpPr>
-          <p:cNvPr id="5" name="TextBox 4"/>
-          <p:cNvSpPr txBox="1"/>
-          <p:nvPr/>
-        </p:nvSpPr>
-        <p:spPr>
-          <a:xfrm>
-            <a:off x="6386896" y="3505200"/>
-            <a:ext cx="2498469" cy="369332"/>
-          </a:xfrm>
-          <a:prstGeom prst="rect">
-            <a:avLst/>
-          </a:prstGeom>
-          <a:noFill/>
-        </p:spPr>
-        <p:txBody>
-          <a:bodyPr wrap="square" rtlCol="0">
-            <a:spAutoFit/>
-          </a:bodyPr>
-          <a:lstStyle/>
-          <a:p>
-            <a:r>
-              <a:rPr lang="en-US" dirty="0" smtClean="0"/>
-              <a:t>Available export formats</a:t>
-            </a:r>
-            <a:endParaRPr lang="en-US" dirty="0"/>
           </a:p>
         </p:txBody>
       </p:sp>
     </p:spTree>
     <p:extLst>
       <p:ext uri="{BB962C8B-B14F-4D97-AF65-F5344CB8AC3E}">
-        <p14:creationId xmlns:p14="http://schemas.microsoft.com/office/powerpoint/2010/main" val="1093862541"/>
+        <p14:creationId xmlns:p14="http://schemas.microsoft.com/office/powerpoint/2010/main" val="1012087881"/>
       </p:ext>
     </p:extLst>
   </p:cSld>
@@ -11876,155 +12177,43 @@
           </a:bodyPr>
           <a:lstStyle/>
           <a:p>
-            <a:pPr marL="0" indent="0">
-              <a:buNone/>
-            </a:pPr>
-            <a:r>
-              <a:rPr lang="en-US" sz="2200" dirty="0"/>
-              <a:t>Using the REDCap data export tool in conjunction with R, a user would have to perform the data export </a:t>
-            </a:r>
-            <a:r>
-              <a:rPr lang="en-US" sz="2200" dirty="0" smtClean="0"/>
-              <a:t>within </a:t>
-            </a:r>
-            <a:r>
-              <a:rPr lang="en-US" sz="2200" dirty="0"/>
-              <a:t>REDCap, save the file to a secure folder, and then use the following code to create a </a:t>
-            </a:r>
-            <a:r>
-              <a:rPr lang="en-US" sz="2200" dirty="0" err="1"/>
-              <a:t>data.frame</a:t>
-            </a:r>
-            <a:r>
-              <a:rPr lang="en-US" sz="2200" dirty="0"/>
-              <a:t> in R.</a:t>
-            </a:r>
-          </a:p>
-          <a:p>
-            <a:pPr marL="0" indent="0">
-              <a:buNone/>
-            </a:pPr>
-            <a:r>
-              <a:rPr lang="en-US" sz="2200" dirty="0"/>
-              <a:t> </a:t>
-            </a:r>
-          </a:p>
-          <a:p>
-            <a:pPr marL="0" indent="0">
-              <a:buNone/>
-            </a:pPr>
-            <a:r>
-              <a:rPr lang="en-US" sz="1800" i="1" dirty="0"/>
-              <a:t>#############################</a:t>
-            </a:r>
-            <a:endParaRPr lang="en-US" sz="1800" dirty="0"/>
-          </a:p>
-          <a:p>
-            <a:pPr marL="0" indent="0">
-              <a:buNone/>
-            </a:pPr>
-            <a:r>
-              <a:rPr lang="en-US" sz="1800" i="1" dirty="0"/>
-              <a:t>### Reading a CSV file into R</a:t>
-            </a:r>
-            <a:endParaRPr lang="en-US" sz="1800" dirty="0"/>
-          </a:p>
-          <a:p>
-            <a:pPr marL="0" indent="0">
-              <a:buNone/>
-            </a:pPr>
-            <a:r>
-              <a:rPr lang="en-US" sz="1800" i="1" dirty="0"/>
-              <a:t>#############################</a:t>
-            </a:r>
-            <a:endParaRPr lang="en-US" sz="1800" dirty="0"/>
-          </a:p>
-          <a:p>
-            <a:pPr marL="0" indent="0">
-              <a:buNone/>
-            </a:pPr>
-            <a:r>
-              <a:rPr lang="en-US" sz="1800" i="1" dirty="0" err="1"/>
-              <a:t>pathInFilename</a:t>
-            </a:r>
-            <a:r>
-              <a:rPr lang="en-US" sz="1800" i="1" dirty="0"/>
-              <a:t> &lt;- “c:\\</a:t>
-            </a:r>
-            <a:r>
-              <a:rPr lang="en-US" sz="1800" i="1" dirty="0" err="1"/>
-              <a:t>bigfolder</a:t>
-            </a:r>
-            <a:r>
-              <a:rPr lang="en-US" sz="1800" i="1" dirty="0"/>
-              <a:t>\\</a:t>
-            </a:r>
-            <a:r>
-              <a:rPr lang="en-US" sz="1800" i="1" dirty="0" err="1"/>
-              <a:t>notasbigfolder</a:t>
-            </a:r>
-            <a:r>
-              <a:rPr lang="en-US" sz="1800" i="1" dirty="0"/>
-              <a:t>\\</a:t>
-            </a:r>
-            <a:r>
-              <a:rPr lang="en-US" sz="1800" i="1" dirty="0" err="1"/>
-              <a:t>smallfolder</a:t>
-            </a:r>
-            <a:r>
-              <a:rPr lang="en-US" sz="1800" i="1" dirty="0"/>
-              <a:t>\\</a:t>
-            </a:r>
-            <a:r>
-              <a:rPr lang="en-US" sz="1800" i="1" dirty="0" err="1"/>
-              <a:t>smallerfolder</a:t>
-            </a:r>
-            <a:r>
-              <a:rPr lang="en-US" sz="1800" i="1" dirty="0"/>
-              <a:t>\\REDCapfile.csv”</a:t>
-            </a:r>
-            <a:endParaRPr lang="en-US" sz="1800" dirty="0"/>
-          </a:p>
-          <a:p>
-            <a:pPr marL="0" indent="0">
-              <a:buNone/>
-            </a:pPr>
-            <a:r>
-              <a:rPr lang="en-US" sz="1800" i="1" dirty="0"/>
-              <a:t>ds &lt;- read.csv(file=</a:t>
-            </a:r>
-            <a:r>
-              <a:rPr lang="en-US" sz="1800" i="1" dirty="0" err="1"/>
-              <a:t>pathInFilename</a:t>
-            </a:r>
-            <a:r>
-              <a:rPr lang="en-US" sz="1800" i="1" dirty="0"/>
-              <a:t>, </a:t>
-            </a:r>
-            <a:r>
-              <a:rPr lang="en-US" sz="1800" i="1" dirty="0" err="1"/>
-              <a:t>stringsAsFactors</a:t>
-            </a:r>
-            <a:r>
-              <a:rPr lang="en-US" sz="1800" i="1" dirty="0"/>
-              <a:t>=FALSE)</a:t>
-            </a:r>
-            <a:endParaRPr lang="en-US" sz="1800" dirty="0"/>
-          </a:p>
-          <a:p>
-            <a:pPr marL="0" lvl="3" indent="0">
-              <a:buNone/>
-            </a:pPr>
-            <a:endParaRPr lang="en-US" sz="2200" dirty="0" smtClean="0"/>
-          </a:p>
-          <a:p>
             <a:pPr marL="342900" lvl="3" indent="-342900">
               <a:buFont typeface="Arial" panose="020B0604020202020204" pitchFamily="34" charset="0"/>
               <a:buChar char="•"/>
             </a:pPr>
             <a:r>
-              <a:rPr lang="en-US" sz="2200" dirty="0" smtClean="0"/>
-              <a:t>Negatives</a:t>
+              <a:rPr lang="en-US" sz="2500" dirty="0" smtClean="0"/>
+              <a:t>Clickable interface embedded in each project</a:t>
+            </a:r>
+          </a:p>
+          <a:p>
+            <a:pPr marL="342900" lvl="3" indent="-342900">
+              <a:buFont typeface="Arial" panose="020B0604020202020204" pitchFamily="34" charset="0"/>
+              <a:buChar char="•"/>
+            </a:pPr>
+            <a:r>
+              <a:rPr lang="en-US" sz="2500" dirty="0" smtClean="0"/>
+              <a:t>Project specific</a:t>
+            </a:r>
+          </a:p>
+          <a:p>
+            <a:pPr marL="342900" lvl="3" indent="-342900">
+              <a:buFont typeface="Arial" panose="020B0604020202020204" pitchFamily="34" charset="0"/>
+              <a:buChar char="•"/>
+            </a:pPr>
+            <a:r>
+              <a:rPr lang="en-US" sz="2500" dirty="0" smtClean="0"/>
+              <a:t>Exports data in five formats (Excel .csv, SPSS, SAS, R, and STATA)</a:t>
+            </a:r>
+          </a:p>
+          <a:p>
+            <a:pPr marL="342900" lvl="3" indent="-342900">
+              <a:buFont typeface="Arial" panose="020B0604020202020204" pitchFamily="34" charset="0"/>
+              <a:buChar char="•"/>
+            </a:pPr>
+            <a:r>
+              <a:rPr lang="en-US" sz="2500" dirty="0" smtClean="0"/>
+              <a:t>Two options using the data export tool</a:t>
             </a:r>
           </a:p>
           <a:p>
@@ -12034,7 +12223,7 @@
             </a:pPr>
             <a:r>
               <a:rPr lang="en-US" sz="2200" dirty="0" smtClean="0"/>
-              <a:t>Manual Process to create file</a:t>
+              <a:t>Simple Data Export: exports entire data set with one click</a:t>
             </a:r>
           </a:p>
           <a:p>
@@ -12044,21 +12233,127 @@
             </a:pPr>
             <a:r>
               <a:rPr lang="en-US" sz="2200" dirty="0" smtClean="0"/>
-              <a:t>Potentially exposes the location(s) of study data</a:t>
+              <a:t>Advanced Data Export: users choose which </a:t>
+            </a:r>
+          </a:p>
+          <a:p>
+            <a:pPr marL="457200" lvl="4" indent="0">
+              <a:buNone/>
+            </a:pPr>
+            <a:r>
+              <a:rPr lang="en-US" sz="2200" dirty="0"/>
+              <a:t> </a:t>
+            </a:r>
+            <a:r>
+              <a:rPr lang="en-US" sz="2200" dirty="0" smtClean="0"/>
+              <a:t>    fields to export and has </a:t>
+            </a:r>
+          </a:p>
+          <a:p>
+            <a:pPr marL="457200" lvl="4" indent="0">
+              <a:buNone/>
+            </a:pPr>
+            <a:r>
+              <a:rPr lang="en-US" sz="2200" dirty="0"/>
+              <a:t> </a:t>
+            </a:r>
+            <a:r>
+              <a:rPr lang="en-US" sz="2200" dirty="0" smtClean="0"/>
+              <a:t>    de-identification options</a:t>
+            </a:r>
+          </a:p>
+          <a:p>
+            <a:pPr marL="342900" lvl="3" indent="-342900">
+              <a:buFont typeface="Arial" panose="020B0604020202020204" pitchFamily="34" charset="0"/>
+              <a:buChar char="•"/>
+            </a:pPr>
+            <a:r>
+              <a:rPr lang="en-US" sz="2500" dirty="0" smtClean="0"/>
+              <a:t>Manual interaction with REDCap </a:t>
             </a:r>
           </a:p>
           <a:p>
             <a:pPr marL="0" lvl="3" indent="0">
               <a:buNone/>
             </a:pPr>
-            <a:endParaRPr lang="en-US" sz="2200" dirty="0" smtClean="0"/>
+            <a:r>
+              <a:rPr lang="en-US" sz="2500" dirty="0" smtClean="0"/>
+              <a:t>     to retrieve data</a:t>
+            </a:r>
+          </a:p>
+          <a:p>
+            <a:pPr marL="342900" lvl="3" indent="-342900">
+              <a:buFont typeface="Arial" panose="020B0604020202020204" pitchFamily="34" charset="0"/>
+              <a:buChar char="•"/>
+            </a:pPr>
+            <a:endParaRPr lang="en-US" dirty="0" smtClean="0"/>
+          </a:p>
+        </p:txBody>
+      </p:sp>
+      <p:pic>
+        <p:nvPicPr>
+          <p:cNvPr id="4" name="Picture 3"/>
+          <p:cNvPicPr>
+            <a:picLocks noChangeAspect="1"/>
+          </p:cNvPicPr>
+          <p:nvPr/>
+        </p:nvPicPr>
+        <p:blipFill>
+          <a:blip r:embed="rId2" cstate="print">
+            <a:extLst>
+              <a:ext uri="{28A0092B-C50C-407E-A947-70E740481C1C}">
+                <a14:useLocalDpi xmlns:a14="http://schemas.microsoft.com/office/drawing/2010/main" val="0"/>
+              </a:ext>
+            </a:extLst>
+          </a:blip>
+          <a:stretch>
+            <a:fillRect/>
+          </a:stretch>
+        </p:blipFill>
+        <p:spPr>
+          <a:xfrm>
+            <a:off x="6553200" y="3962400"/>
+            <a:ext cx="2165863" cy="2710354"/>
+          </a:xfrm>
+          <a:prstGeom prst="rect">
+            <a:avLst/>
+          </a:prstGeom>
+        </p:spPr>
+      </p:pic>
+      <p:sp>
+        <p:nvSpPr>
+          <p:cNvPr id="5" name="TextBox 4"/>
+          <p:cNvSpPr txBox="1"/>
+          <p:nvPr/>
+        </p:nvSpPr>
+        <p:spPr>
+          <a:xfrm>
+            <a:off x="6386896" y="3505200"/>
+            <a:ext cx="2498469" cy="369332"/>
+          </a:xfrm>
+          <a:prstGeom prst="rect">
+            <a:avLst/>
+          </a:prstGeom>
+          <a:noFill/>
+        </p:spPr>
+        <p:txBody>
+          <a:bodyPr wrap="square" rtlCol="0">
+            <a:spAutoFit/>
+          </a:bodyPr>
+          <a:lstStyle/>
+          <a:p>
+            <a:r>
+              <a:rPr lang="en-US" dirty="0" smtClean="0"/>
+              <a:t>Available export formats</a:t>
+            </a:r>
+            <a:endParaRPr lang="en-US" dirty="0"/>
           </a:p>
         </p:txBody>
       </p:sp>
     </p:spTree>
     <p:extLst>
       <p:ext uri="{BB962C8B-B14F-4D97-AF65-F5344CB8AC3E}">
-        <p14:creationId xmlns:p14="http://schemas.microsoft.com/office/powerpoint/2010/main" val="456633581"/>
+        <p14:creationId xmlns:p14="http://schemas.microsoft.com/office/powerpoint/2010/main" val="1093862541"/>
       </p:ext>
     </p:extLst>
   </p:cSld>

--- a/Publications/Presentation2014-04-07-MIECHV Paper Discussion/REDCapR.pptx
+++ b/Publications/Presentation2014-04-07-MIECHV Paper Discussion/REDCapR.pptx
@@ -5,7 +5,7 @@
     <p:sldMasterId id="2147483648" r:id="rId1"/>
   </p:sldMasterIdLst>
   <p:notesMasterIdLst>
-    <p:notesMasterId r:id="rId35"/>
+    <p:notesMasterId r:id="rId36"/>
   </p:notesMasterIdLst>
   <p:sldIdLst>
     <p:sldId id="268" r:id="rId2"/>
@@ -14,33 +14,34 @@
     <p:sldId id="271" r:id="rId5"/>
     <p:sldId id="289" r:id="rId6"/>
     <p:sldId id="290" r:id="rId7"/>
-    <p:sldId id="301" r:id="rId8"/>
-    <p:sldId id="293" r:id="rId9"/>
-    <p:sldId id="295" r:id="rId10"/>
-    <p:sldId id="291" r:id="rId11"/>
-    <p:sldId id="292" r:id="rId12"/>
-    <p:sldId id="294" r:id="rId13"/>
-    <p:sldId id="274" r:id="rId14"/>
-    <p:sldId id="299" r:id="rId15"/>
-    <p:sldId id="287" r:id="rId16"/>
-    <p:sldId id="275" r:id="rId17"/>
-    <p:sldId id="276" r:id="rId18"/>
-    <p:sldId id="277" r:id="rId19"/>
-    <p:sldId id="278" r:id="rId20"/>
-    <p:sldId id="279" r:id="rId21"/>
-    <p:sldId id="280" r:id="rId22"/>
-    <p:sldId id="281" r:id="rId23"/>
-    <p:sldId id="282" r:id="rId24"/>
-    <p:sldId id="283" r:id="rId25"/>
-    <p:sldId id="284" r:id="rId26"/>
-    <p:sldId id="285" r:id="rId27"/>
-    <p:sldId id="286" r:id="rId28"/>
-    <p:sldId id="288" r:id="rId29"/>
-    <p:sldId id="300" r:id="rId30"/>
-    <p:sldId id="273" r:id="rId31"/>
-    <p:sldId id="296" r:id="rId32"/>
-    <p:sldId id="297" r:id="rId33"/>
-    <p:sldId id="298" r:id="rId34"/>
+    <p:sldId id="302" r:id="rId8"/>
+    <p:sldId id="301" r:id="rId9"/>
+    <p:sldId id="293" r:id="rId10"/>
+    <p:sldId id="295" r:id="rId11"/>
+    <p:sldId id="291" r:id="rId12"/>
+    <p:sldId id="292" r:id="rId13"/>
+    <p:sldId id="294" r:id="rId14"/>
+    <p:sldId id="274" r:id="rId15"/>
+    <p:sldId id="299" r:id="rId16"/>
+    <p:sldId id="287" r:id="rId17"/>
+    <p:sldId id="275" r:id="rId18"/>
+    <p:sldId id="276" r:id="rId19"/>
+    <p:sldId id="277" r:id="rId20"/>
+    <p:sldId id="278" r:id="rId21"/>
+    <p:sldId id="279" r:id="rId22"/>
+    <p:sldId id="280" r:id="rId23"/>
+    <p:sldId id="281" r:id="rId24"/>
+    <p:sldId id="282" r:id="rId25"/>
+    <p:sldId id="283" r:id="rId26"/>
+    <p:sldId id="284" r:id="rId27"/>
+    <p:sldId id="285" r:id="rId28"/>
+    <p:sldId id="286" r:id="rId29"/>
+    <p:sldId id="288" r:id="rId30"/>
+    <p:sldId id="300" r:id="rId31"/>
+    <p:sldId id="273" r:id="rId32"/>
+    <p:sldId id="296" r:id="rId33"/>
+    <p:sldId id="297" r:id="rId34"/>
+    <p:sldId id="298" r:id="rId35"/>
   </p:sldIdLst>
   <p:sldSz cx="9144000" cy="6858000" type="screen4x3"/>
   <p:notesSz cx="6858000" cy="9144000"/>
@@ -3971,6 +3972,278 @@
           </a:bodyPr>
           <a:lstStyle/>
           <a:p>
+            <a:pPr marL="342900" lvl="3" indent="-342900">
+              <a:buFont typeface="Arial" panose="020B0604020202020204" pitchFamily="34" charset="0"/>
+              <a:buChar char="•"/>
+            </a:pPr>
+            <a:r>
+              <a:rPr lang="en-US" sz="2500" dirty="0" smtClean="0"/>
+              <a:t>Clickable interface embedded in each project</a:t>
+            </a:r>
+          </a:p>
+          <a:p>
+            <a:pPr marL="342900" lvl="3" indent="-342900">
+              <a:buFont typeface="Arial" panose="020B0604020202020204" pitchFamily="34" charset="0"/>
+              <a:buChar char="•"/>
+            </a:pPr>
+            <a:r>
+              <a:rPr lang="en-US" sz="2500" dirty="0" smtClean="0"/>
+              <a:t>Project specific</a:t>
+            </a:r>
+          </a:p>
+          <a:p>
+            <a:pPr marL="342900" lvl="3" indent="-342900">
+              <a:buFont typeface="Arial" panose="020B0604020202020204" pitchFamily="34" charset="0"/>
+              <a:buChar char="•"/>
+            </a:pPr>
+            <a:r>
+              <a:rPr lang="en-US" sz="2500" dirty="0" smtClean="0"/>
+              <a:t>Exports data in five formats (Excel .csv, SPSS, SAS, R, and STATA)</a:t>
+            </a:r>
+          </a:p>
+          <a:p>
+            <a:pPr marL="342900" lvl="3" indent="-342900">
+              <a:buFont typeface="Arial" panose="020B0604020202020204" pitchFamily="34" charset="0"/>
+              <a:buChar char="•"/>
+            </a:pPr>
+            <a:r>
+              <a:rPr lang="en-US" sz="2500" dirty="0" smtClean="0"/>
+              <a:t>Two options using the data export tool</a:t>
+            </a:r>
+          </a:p>
+          <a:p>
+            <a:pPr marL="800100" lvl="4" indent="-342900">
+              <a:buFont typeface="Arial" panose="020B0604020202020204" pitchFamily="34" charset="0"/>
+              <a:buChar char="–"/>
+            </a:pPr>
+            <a:r>
+              <a:rPr lang="en-US" sz="2200" dirty="0" smtClean="0"/>
+              <a:t>Simple Data Export: exports entire data set with one click</a:t>
+            </a:r>
+          </a:p>
+          <a:p>
+            <a:pPr marL="800100" lvl="4" indent="-342900">
+              <a:buFont typeface="Arial" panose="020B0604020202020204" pitchFamily="34" charset="0"/>
+              <a:buChar char="–"/>
+            </a:pPr>
+            <a:r>
+              <a:rPr lang="en-US" sz="2200" dirty="0" smtClean="0"/>
+              <a:t>Advanced Data Export: users choose which </a:t>
+            </a:r>
+          </a:p>
+          <a:p>
+            <a:pPr marL="457200" lvl="4" indent="0">
+              <a:buNone/>
+            </a:pPr>
+            <a:r>
+              <a:rPr lang="en-US" sz="2200" dirty="0"/>
+              <a:t> </a:t>
+            </a:r>
+            <a:r>
+              <a:rPr lang="en-US" sz="2200" dirty="0" smtClean="0"/>
+              <a:t>    fields to export and has </a:t>
+            </a:r>
+          </a:p>
+          <a:p>
+            <a:pPr marL="457200" lvl="4" indent="0">
+              <a:buNone/>
+            </a:pPr>
+            <a:r>
+              <a:rPr lang="en-US" sz="2200" dirty="0"/>
+              <a:t> </a:t>
+            </a:r>
+            <a:r>
+              <a:rPr lang="en-US" sz="2200" dirty="0" smtClean="0"/>
+              <a:t>    de-identification options</a:t>
+            </a:r>
+          </a:p>
+          <a:p>
+            <a:pPr marL="342900" lvl="3" indent="-342900">
+              <a:buFont typeface="Arial" panose="020B0604020202020204" pitchFamily="34" charset="0"/>
+              <a:buChar char="•"/>
+            </a:pPr>
+            <a:r>
+              <a:rPr lang="en-US" sz="2500" dirty="0" smtClean="0"/>
+              <a:t>Manual interaction with REDCap </a:t>
+            </a:r>
+          </a:p>
+          <a:p>
+            <a:pPr marL="0" lvl="3" indent="0">
+              <a:buNone/>
+            </a:pPr>
+            <a:r>
+              <a:rPr lang="en-US" sz="2500" dirty="0" smtClean="0"/>
+              <a:t>     to retrieve data</a:t>
+            </a:r>
+          </a:p>
+          <a:p>
+            <a:pPr marL="342900" lvl="3" indent="-342900">
+              <a:buFont typeface="Arial" panose="020B0604020202020204" pitchFamily="34" charset="0"/>
+              <a:buChar char="•"/>
+            </a:pPr>
+            <a:endParaRPr lang="en-US" dirty="0" smtClean="0"/>
+          </a:p>
+        </p:txBody>
+      </p:sp>
+      <p:pic>
+        <p:nvPicPr>
+          <p:cNvPr id="4" name="Picture 3"/>
+          <p:cNvPicPr>
+            <a:picLocks noChangeAspect="1"/>
+          </p:cNvPicPr>
+          <p:nvPr/>
+        </p:nvPicPr>
+        <p:blipFill>
+          <a:blip r:embed="rId2" cstate="print">
+            <a:extLst>
+              <a:ext uri="{28A0092B-C50C-407E-A947-70E740481C1C}">
+                <a14:useLocalDpi xmlns:a14="http://schemas.microsoft.com/office/drawing/2010/main" val="0"/>
+              </a:ext>
+            </a:extLst>
+          </a:blip>
+          <a:stretch>
+            <a:fillRect/>
+          </a:stretch>
+        </p:blipFill>
+        <p:spPr>
+          <a:xfrm>
+            <a:off x="6553200" y="3962400"/>
+            <a:ext cx="2165863" cy="2710354"/>
+          </a:xfrm>
+          <a:prstGeom prst="rect">
+            <a:avLst/>
+          </a:prstGeom>
+        </p:spPr>
+      </p:pic>
+      <p:sp>
+        <p:nvSpPr>
+          <p:cNvPr id="5" name="TextBox 4"/>
+          <p:cNvSpPr txBox="1"/>
+          <p:nvPr/>
+        </p:nvSpPr>
+        <p:spPr>
+          <a:xfrm>
+            <a:off x="6386896" y="3505200"/>
+            <a:ext cx="2498469" cy="369332"/>
+          </a:xfrm>
+          <a:prstGeom prst="rect">
+            <a:avLst/>
+          </a:prstGeom>
+          <a:noFill/>
+        </p:spPr>
+        <p:txBody>
+          <a:bodyPr wrap="square" rtlCol="0">
+            <a:spAutoFit/>
+          </a:bodyPr>
+          <a:lstStyle/>
+          <a:p>
+            <a:r>
+              <a:rPr lang="en-US" dirty="0" smtClean="0"/>
+              <a:t>Available export formats</a:t>
+            </a:r>
+            <a:endParaRPr lang="en-US" dirty="0"/>
+          </a:p>
+        </p:txBody>
+      </p:sp>
+    </p:spTree>
+    <p:extLst>
+      <p:ext uri="{BB962C8B-B14F-4D97-AF65-F5344CB8AC3E}">
+        <p14:creationId xmlns:p14="http://schemas.microsoft.com/office/powerpoint/2010/main" val="1093862541"/>
+      </p:ext>
+    </p:extLst>
+  </p:cSld>
+  <p:clrMapOvr>
+    <a:masterClrMapping/>
+  </p:clrMapOvr>
+  <p:timing>
+    <p:tnLst>
+      <p:par>
+        <p:cTn id="1" dur="indefinite" restart="never" nodeType="tmRoot"/>
+      </p:par>
+    </p:tnLst>
+  </p:timing>
+</p:sld>
+</file>
+
+<file path=ppt/slides/slide11.xml><?xml version="1.0" encoding="utf-8"?>
+<p:sld xmlns:a="http://schemas.openxmlformats.org/drawingml/2006/main" xmlns:r="http://schemas.openxmlformats.org/officeDocument/2006/relationships" xmlns:p="http://schemas.openxmlformats.org/presentationml/2006/main">
+  <p:cSld>
+    <p:spTree>
+      <p:nvGrpSpPr>
+        <p:cNvPr id="1" name=""/>
+        <p:cNvGrpSpPr/>
+        <p:nvPr/>
+      </p:nvGrpSpPr>
+      <p:grpSpPr>
+        <a:xfrm>
+          <a:off x="0" y="0"/>
+          <a:ext cx="0" cy="0"/>
+          <a:chOff x="0" y="0"/>
+          <a:chExt cx="0" cy="0"/>
+        </a:xfrm>
+      </p:grpSpPr>
+      <p:sp>
+        <p:nvSpPr>
+          <p:cNvPr id="2" name="Title 1"/>
+          <p:cNvSpPr>
+            <a:spLocks noGrp="1"/>
+          </p:cNvSpPr>
+          <p:nvPr>
+            <p:ph type="title"/>
+          </p:nvPr>
+        </p:nvSpPr>
+        <p:spPr>
+          <a:xfrm>
+            <a:off x="76200" y="76200"/>
+            <a:ext cx="8991600" cy="762000"/>
+          </a:xfrm>
+          <a:solidFill>
+            <a:schemeClr val="accent6">
+              <a:lumMod val="75000"/>
+            </a:schemeClr>
+          </a:solidFill>
+        </p:spPr>
+        <p:txBody>
+          <a:bodyPr>
+            <a:normAutofit/>
+          </a:bodyPr>
+          <a:lstStyle/>
+          <a:p>
+            <a:pPr>
+              <a:spcBef>
+                <a:spcPts val="0"/>
+              </a:spcBef>
+              <a:defRPr/>
+            </a:pPr>
+            <a:r>
+              <a:rPr lang="en-US" dirty="0"/>
+              <a:t>Data Export Tool</a:t>
+            </a:r>
+          </a:p>
+        </p:txBody>
+      </p:sp>
+      <p:sp>
+        <p:nvSpPr>
+          <p:cNvPr id="3" name="Content Placeholder 2"/>
+          <p:cNvSpPr>
+            <a:spLocks noGrp="1"/>
+          </p:cNvSpPr>
+          <p:nvPr>
+            <p:ph idx="1"/>
+          </p:nvPr>
+        </p:nvSpPr>
+        <p:spPr>
+          <a:xfrm>
+            <a:off x="0" y="914400"/>
+            <a:ext cx="9144000" cy="5943600"/>
+          </a:xfrm>
+        </p:spPr>
+        <p:txBody>
+          <a:bodyPr>
+            <a:normAutofit/>
+          </a:bodyPr>
+          <a:lstStyle/>
+          <a:p>
             <a:pPr marL="0" indent="0">
               <a:buNone/>
             </a:pPr>
@@ -4170,7 +4443,7 @@
 </p:sld>
 </file>
 
-<file path=ppt/slides/slide11.xml><?xml version="1.0" encoding="utf-8"?>
+<file path=ppt/slides/slide12.xml><?xml version="1.0" encoding="utf-8"?>
 <p:sld xmlns:a="http://schemas.openxmlformats.org/drawingml/2006/main" xmlns:r="http://schemas.openxmlformats.org/officeDocument/2006/relationships" xmlns:p="http://schemas.openxmlformats.org/presentationml/2006/main">
   <p:cSld>
     <p:spTree>
@@ -4461,1004 +4734,6 @@
 </p:sld>
 </file>
 
-<file path=ppt/slides/slide12.xml><?xml version="1.0" encoding="utf-8"?>
-<p:sld xmlns:a="http://schemas.openxmlformats.org/drawingml/2006/main" xmlns:r="http://schemas.openxmlformats.org/officeDocument/2006/relationships" xmlns:p="http://schemas.openxmlformats.org/presentationml/2006/main">
-  <p:cSld>
-    <p:spTree>
-      <p:nvGrpSpPr>
-        <p:cNvPr id="1" name=""/>
-        <p:cNvGrpSpPr/>
-        <p:nvPr/>
-      </p:nvGrpSpPr>
-      <p:grpSpPr>
-        <a:xfrm>
-          <a:off x="0" y="0"/>
-          <a:ext cx="0" cy="0"/>
-          <a:chOff x="0" y="0"/>
-          <a:chExt cx="0" cy="0"/>
-        </a:xfrm>
-      </p:grpSpPr>
-      <p:sp>
-        <p:nvSpPr>
-          <p:cNvPr id="2" name="Title 1"/>
-          <p:cNvSpPr>
-            <a:spLocks noGrp="1"/>
-          </p:cNvSpPr>
-          <p:nvPr>
-            <p:ph type="title"/>
-          </p:nvPr>
-        </p:nvSpPr>
-        <p:spPr>
-          <a:xfrm>
-            <a:off x="76200" y="76200"/>
-            <a:ext cx="8991600" cy="762000"/>
-          </a:xfrm>
-          <a:solidFill>
-            <a:schemeClr val="accent6">
-              <a:lumMod val="40000"/>
-              <a:lumOff val="60000"/>
-            </a:schemeClr>
-          </a:solidFill>
-        </p:spPr>
-        <p:txBody>
-          <a:bodyPr>
-            <a:normAutofit fontScale="90000"/>
-          </a:bodyPr>
-          <a:lstStyle/>
-          <a:p>
-            <a:pPr marL="0" indent="0"/>
-            <a:r>
-              <a:rPr lang="en-US" sz="4900" dirty="0" smtClean="0"/>
-              <a:t>API Data Export Example</a:t>
-            </a:r>
-            <a:endParaRPr lang="en-US" dirty="0"/>
-          </a:p>
-        </p:txBody>
-      </p:sp>
-      <p:sp>
-        <p:nvSpPr>
-          <p:cNvPr id="3" name="Content Placeholder 2"/>
-          <p:cNvSpPr>
-            <a:spLocks noGrp="1"/>
-          </p:cNvSpPr>
-          <p:nvPr>
-            <p:ph idx="1"/>
-          </p:nvPr>
-        </p:nvSpPr>
-        <p:spPr>
-          <a:xfrm>
-            <a:off x="0" y="838200"/>
-            <a:ext cx="9144000" cy="6019800"/>
-          </a:xfrm>
-        </p:spPr>
-        <p:txBody>
-          <a:bodyPr>
-            <a:normAutofit fontScale="32500" lnSpcReduction="20000"/>
-          </a:bodyPr>
-          <a:lstStyle/>
-          <a:p>
-            <a:pPr marL="0" indent="0">
-              <a:buNone/>
-            </a:pPr>
-            <a:endParaRPr lang="en-US" dirty="0" smtClean="0"/>
-          </a:p>
-          <a:p>
-            <a:pPr marL="0" indent="0">
-              <a:buNone/>
-              <a:tabLst>
-                <a:tab pos="396875" algn="l"/>
-              </a:tabLst>
-            </a:pPr>
-            <a:r>
-              <a:rPr lang="en-US" i="1" dirty="0"/>
-              <a:t>#############################</a:t>
-            </a:r>
-            <a:endParaRPr lang="en-US" dirty="0"/>
-          </a:p>
-          <a:p>
-            <a:pPr marL="0" indent="0">
-              <a:buNone/>
-              <a:tabLst>
-                <a:tab pos="396875" algn="l"/>
-              </a:tabLst>
-            </a:pPr>
-            <a:r>
-              <a:rPr lang="en-US" i="1" dirty="0"/>
-              <a:t>### Retrieve token and REDCap URL</a:t>
-            </a:r>
-            <a:endParaRPr lang="en-US" dirty="0"/>
-          </a:p>
-          <a:p>
-            <a:pPr marL="0" indent="0">
-              <a:buNone/>
-              <a:tabLst>
-                <a:tab pos="396875" algn="l"/>
-              </a:tabLst>
-            </a:pPr>
-            <a:r>
-              <a:rPr lang="en-US" i="1" dirty="0"/>
-              <a:t>#############################</a:t>
-            </a:r>
-            <a:endParaRPr lang="en-US" dirty="0"/>
-          </a:p>
-          <a:p>
-            <a:pPr marL="0" indent="0">
-              <a:buNone/>
-              <a:tabLst>
-                <a:tab pos="396875" algn="l"/>
-              </a:tabLst>
-            </a:pPr>
-            <a:r>
-              <a:rPr lang="en-US" dirty="0" err="1"/>
-              <a:t>dsnName</a:t>
-            </a:r>
-            <a:r>
-              <a:rPr lang="en-US" dirty="0"/>
-              <a:t> </a:t>
-            </a:r>
-            <a:r>
-              <a:rPr lang="en-US" b="1" dirty="0"/>
-              <a:t>&lt;-</a:t>
-            </a:r>
-            <a:r>
-              <a:rPr lang="en-US" dirty="0"/>
-              <a:t> "</a:t>
-            </a:r>
-            <a:r>
-              <a:rPr lang="en-US" dirty="0" err="1"/>
-              <a:t>NothingToSeeHere</a:t>
-            </a:r>
-            <a:r>
-              <a:rPr lang="en-US" dirty="0"/>
-              <a:t>"</a:t>
-            </a:r>
-          </a:p>
-          <a:p>
-            <a:pPr marL="0" indent="0">
-              <a:buNone/>
-              <a:tabLst>
-                <a:tab pos="396875" algn="l"/>
-              </a:tabLst>
-            </a:pPr>
-            <a:r>
-              <a:rPr lang="en-US" dirty="0"/>
-              <a:t>channel </a:t>
-            </a:r>
-            <a:r>
-              <a:rPr lang="en-US" b="1" dirty="0"/>
-              <a:t>&lt;-</a:t>
-            </a:r>
-            <a:r>
-              <a:rPr lang="en-US" dirty="0"/>
-              <a:t> RODBC</a:t>
-            </a:r>
-            <a:r>
-              <a:rPr lang="en-US" b="1" dirty="0"/>
-              <a:t>::</a:t>
-            </a:r>
-            <a:r>
-              <a:rPr lang="en-US" dirty="0" err="1"/>
-              <a:t>odbcConnect</a:t>
-            </a:r>
-            <a:r>
-              <a:rPr lang="en-US" dirty="0"/>
-              <a:t>(</a:t>
-            </a:r>
-            <a:r>
-              <a:rPr lang="en-US" dirty="0" err="1"/>
-              <a:t>dsnName</a:t>
-            </a:r>
-            <a:r>
-              <a:rPr lang="en-US" dirty="0"/>
-              <a:t>) </a:t>
-            </a:r>
-            <a:r>
-              <a:rPr lang="en-US" i="1" dirty="0"/>
-              <a:t>#</a:t>
-            </a:r>
-            <a:r>
-              <a:rPr lang="en-US" i="1" dirty="0" err="1"/>
-              <a:t>getSqlTypeInfo</a:t>
-            </a:r>
-            <a:r>
-              <a:rPr lang="en-US" i="1" dirty="0"/>
-              <a:t>("Microsoft SQL Server") #</a:t>
-            </a:r>
-            <a:r>
-              <a:rPr lang="en-US" i="1" dirty="0" err="1"/>
-              <a:t>odbcGetInfo</a:t>
-            </a:r>
-            <a:r>
-              <a:rPr lang="en-US" i="1" dirty="0"/>
-              <a:t>(channel)</a:t>
-            </a:r>
-            <a:endParaRPr lang="en-US" dirty="0"/>
-          </a:p>
-          <a:p>
-            <a:pPr marL="0" indent="0">
-              <a:buNone/>
-              <a:tabLst>
-                <a:tab pos="396875" algn="l"/>
-              </a:tabLst>
-            </a:pPr>
-            <a:r>
-              <a:rPr lang="en-US" dirty="0"/>
-              <a:t> </a:t>
-            </a:r>
-          </a:p>
-          <a:p>
-            <a:pPr marL="0" indent="0">
-              <a:buNone/>
-              <a:tabLst>
-                <a:tab pos="396875" algn="l"/>
-              </a:tabLst>
-            </a:pPr>
-            <a:r>
-              <a:rPr lang="en-US" dirty="0" err="1"/>
-              <a:t>redcapUri</a:t>
-            </a:r>
-            <a:r>
-              <a:rPr lang="en-US" dirty="0"/>
-              <a:t> </a:t>
-            </a:r>
-            <a:r>
-              <a:rPr lang="en-US" b="1" dirty="0"/>
-              <a:t>&lt;-</a:t>
-            </a:r>
-            <a:r>
-              <a:rPr lang="en-US" dirty="0"/>
-              <a:t> RODBC</a:t>
-            </a:r>
-            <a:r>
-              <a:rPr lang="en-US" b="1" dirty="0"/>
-              <a:t>::</a:t>
-            </a:r>
-            <a:r>
-              <a:rPr lang="en-US" dirty="0" err="1"/>
-              <a:t>sqlQuery</a:t>
-            </a:r>
-            <a:r>
-              <a:rPr lang="en-US" dirty="0"/>
-              <a:t>(channel, "EXEC </a:t>
-            </a:r>
-            <a:r>
-              <a:rPr lang="en-US" dirty="0" err="1"/>
-              <a:t>Security.prcUri</a:t>
-            </a:r>
-            <a:r>
-              <a:rPr lang="en-US" dirty="0"/>
-              <a:t> @</a:t>
-            </a:r>
-            <a:r>
-              <a:rPr lang="en-US" dirty="0" err="1"/>
-              <a:t>UriName</a:t>
-            </a:r>
-            <a:r>
-              <a:rPr lang="en-US" dirty="0"/>
-              <a:t> = 'ABCD1'", </a:t>
-            </a:r>
-            <a:r>
-              <a:rPr lang="en-US" dirty="0" err="1"/>
-              <a:t>stringsAsFactors</a:t>
-            </a:r>
-            <a:r>
-              <a:rPr lang="en-US" b="1" dirty="0"/>
-              <a:t>=FALSE</a:t>
-            </a:r>
-            <a:r>
-              <a:rPr lang="en-US" dirty="0"/>
-              <a:t>)[1, 'Value']</a:t>
-            </a:r>
-          </a:p>
-          <a:p>
-            <a:pPr marL="0" indent="0">
-              <a:buNone/>
-              <a:tabLst>
-                <a:tab pos="396875" algn="l"/>
-              </a:tabLst>
-            </a:pPr>
-            <a:r>
-              <a:rPr lang="en-US" dirty="0"/>
-              <a:t>token </a:t>
-            </a:r>
-            <a:r>
-              <a:rPr lang="en-US" b="1" dirty="0"/>
-              <a:t>&lt;-</a:t>
-            </a:r>
-            <a:r>
-              <a:rPr lang="en-US" dirty="0"/>
-              <a:t> RODBC</a:t>
-            </a:r>
-            <a:r>
-              <a:rPr lang="en-US" b="1" dirty="0"/>
-              <a:t>::</a:t>
-            </a:r>
-            <a:r>
-              <a:rPr lang="en-US" dirty="0" err="1"/>
-              <a:t>sqlQuery</a:t>
-            </a:r>
-            <a:r>
-              <a:rPr lang="en-US" dirty="0"/>
-              <a:t>(channel, "EXEC [Security].[</a:t>
-            </a:r>
-            <a:r>
-              <a:rPr lang="en-US" dirty="0" err="1"/>
-              <a:t>prcRedcapToken</a:t>
-            </a:r>
-            <a:r>
-              <a:rPr lang="en-US" dirty="0"/>
-              <a:t>] @</a:t>
-            </a:r>
-            <a:r>
-              <a:rPr lang="en-US" dirty="0" err="1"/>
-              <a:t>RedcapProjectName</a:t>
-            </a:r>
-            <a:r>
-              <a:rPr lang="en-US" dirty="0"/>
-              <a:t> = '</a:t>
-            </a:r>
-            <a:r>
-              <a:rPr lang="en-US" dirty="0" err="1"/>
-              <a:t>NullResearchProject</a:t>
-            </a:r>
-            <a:r>
-              <a:rPr lang="en-US" dirty="0"/>
-              <a:t>'", </a:t>
-            </a:r>
-            <a:r>
-              <a:rPr lang="en-US" dirty="0" err="1"/>
-              <a:t>stringsAsFactors</a:t>
-            </a:r>
-            <a:r>
-              <a:rPr lang="en-US" b="1" dirty="0"/>
-              <a:t>=FALSE</a:t>
-            </a:r>
-            <a:r>
-              <a:rPr lang="en-US" dirty="0"/>
-              <a:t>)[1, 'Token']</a:t>
-            </a:r>
-          </a:p>
-          <a:p>
-            <a:pPr marL="0" indent="0">
-              <a:buNone/>
-              <a:tabLst>
-                <a:tab pos="396875" algn="l"/>
-              </a:tabLst>
-            </a:pPr>
-            <a:r>
-              <a:rPr lang="en-US" dirty="0"/>
-              <a:t>RODBC</a:t>
-            </a:r>
-            <a:r>
-              <a:rPr lang="en-US" b="1" dirty="0"/>
-              <a:t>::</a:t>
-            </a:r>
-            <a:r>
-              <a:rPr lang="en-US" dirty="0" err="1"/>
-              <a:t>odbcClose</a:t>
-            </a:r>
-            <a:r>
-              <a:rPr lang="en-US" dirty="0"/>
-              <a:t>(channel)</a:t>
-            </a:r>
-          </a:p>
-          <a:p>
-            <a:pPr marL="0" indent="0">
-              <a:buNone/>
-              <a:tabLst>
-                <a:tab pos="396875" algn="l"/>
-              </a:tabLst>
-            </a:pPr>
-            <a:r>
-              <a:rPr lang="en-US" i="1" dirty="0"/>
-              <a:t> </a:t>
-            </a:r>
-            <a:endParaRPr lang="en-US" dirty="0"/>
-          </a:p>
-          <a:p>
-            <a:pPr marL="0" indent="0">
-              <a:buNone/>
-              <a:tabLst>
-                <a:tab pos="396875" algn="l"/>
-              </a:tabLst>
-            </a:pPr>
-            <a:r>
-              <a:rPr lang="en-US" i="1" dirty="0"/>
-              <a:t># Removes the channel and the </a:t>
-            </a:r>
-            <a:r>
-              <a:rPr lang="en-US" i="1" dirty="0" err="1"/>
-              <a:t>dsnName</a:t>
-            </a:r>
-            <a:r>
-              <a:rPr lang="en-US" dirty="0"/>
-              <a:t> </a:t>
-            </a:r>
-          </a:p>
-          <a:p>
-            <a:pPr marL="0" indent="0">
-              <a:buNone/>
-              <a:tabLst>
-                <a:tab pos="396875" algn="l"/>
-              </a:tabLst>
-            </a:pPr>
-            <a:r>
-              <a:rPr lang="en-US" dirty="0" err="1"/>
-              <a:t>rm</a:t>
-            </a:r>
-            <a:r>
-              <a:rPr lang="en-US" dirty="0"/>
-              <a:t>(channel, </a:t>
-            </a:r>
-            <a:r>
-              <a:rPr lang="en-US" dirty="0" err="1"/>
-              <a:t>dsnName</a:t>
-            </a:r>
-            <a:r>
-              <a:rPr lang="en-US" dirty="0"/>
-              <a:t>)</a:t>
-            </a:r>
-          </a:p>
-          <a:p>
-            <a:pPr marL="0" indent="0">
-              <a:buNone/>
-              <a:tabLst>
-                <a:tab pos="396875" algn="l"/>
-              </a:tabLst>
-            </a:pPr>
-            <a:r>
-              <a:rPr lang="en-US" i="1" dirty="0"/>
-              <a:t> </a:t>
-            </a:r>
-            <a:endParaRPr lang="en-US" dirty="0"/>
-          </a:p>
-          <a:p>
-            <a:pPr marL="0" indent="0">
-              <a:buNone/>
-              <a:tabLst>
-                <a:tab pos="396875" algn="l"/>
-              </a:tabLst>
-            </a:pPr>
-            <a:r>
-              <a:rPr lang="en-US" i="1" dirty="0"/>
-              <a:t>#############################</a:t>
-            </a:r>
-            <a:endParaRPr lang="en-US" dirty="0"/>
-          </a:p>
-          <a:p>
-            <a:pPr marL="0" indent="0">
-              <a:buNone/>
-              <a:tabLst>
-                <a:tab pos="396875" algn="l"/>
-              </a:tabLst>
-            </a:pPr>
-            <a:r>
-              <a:rPr lang="en-US" i="1" dirty="0"/>
-              <a:t>### Query REDCap API</a:t>
-            </a:r>
-            <a:endParaRPr lang="en-US" dirty="0"/>
-          </a:p>
-          <a:p>
-            <a:pPr marL="0" indent="0">
-              <a:buNone/>
-              <a:tabLst>
-                <a:tab pos="396875" algn="l"/>
-              </a:tabLst>
-            </a:pPr>
-            <a:r>
-              <a:rPr lang="en-US" i="1" dirty="0"/>
-              <a:t>#############################</a:t>
-            </a:r>
-            <a:endParaRPr lang="en-US" dirty="0"/>
-          </a:p>
-          <a:p>
-            <a:pPr marL="0" indent="0">
-              <a:buNone/>
-              <a:tabLst>
-                <a:tab pos="396875" algn="l"/>
-              </a:tabLst>
-            </a:pPr>
-            <a:r>
-              <a:rPr lang="en-US" i="1" dirty="0"/>
-              <a:t>#Call REDCap</a:t>
-            </a:r>
-            <a:endParaRPr lang="en-US" dirty="0"/>
-          </a:p>
-          <a:p>
-            <a:pPr marL="0" indent="0">
-              <a:buNone/>
-              <a:tabLst>
-                <a:tab pos="396875" algn="l"/>
-              </a:tabLst>
-            </a:pPr>
-            <a:r>
-              <a:rPr lang="en-US" dirty="0" err="1"/>
-              <a:t>system.time</a:t>
-            </a:r>
-            <a:r>
-              <a:rPr lang="en-US" dirty="0"/>
-              <a:t>(</a:t>
-            </a:r>
-            <a:r>
-              <a:rPr lang="en-US" dirty="0" err="1"/>
-              <a:t>gcFirst</a:t>
-            </a:r>
-            <a:r>
-              <a:rPr lang="en-US" b="1" dirty="0"/>
-              <a:t>=</a:t>
-            </a:r>
-            <a:r>
-              <a:rPr lang="en-US" dirty="0"/>
-              <a:t>T, expr</a:t>
-            </a:r>
-            <a:r>
-              <a:rPr lang="en-US" b="1" dirty="0"/>
-              <a:t>=</a:t>
-            </a:r>
-            <a:r>
-              <a:rPr lang="en-US" dirty="0"/>
-              <a:t>{</a:t>
-            </a:r>
-          </a:p>
-          <a:p>
-            <a:pPr marL="0" indent="0">
-              <a:buNone/>
-              <a:tabLst>
-                <a:tab pos="396875" algn="l"/>
-              </a:tabLst>
-            </a:pPr>
-            <a:r>
-              <a:rPr lang="en-US" dirty="0"/>
-              <a:t>  </a:t>
-            </a:r>
-            <a:r>
-              <a:rPr lang="en-US" dirty="0" err="1"/>
-              <a:t>rawCsvText</a:t>
-            </a:r>
-            <a:r>
-              <a:rPr lang="en-US" dirty="0"/>
-              <a:t> </a:t>
-            </a:r>
-            <a:r>
-              <a:rPr lang="en-US" b="1" dirty="0"/>
-              <a:t>&lt;-</a:t>
-            </a:r>
-            <a:r>
-              <a:rPr lang="en-US" dirty="0"/>
-              <a:t> </a:t>
-            </a:r>
-            <a:r>
-              <a:rPr lang="en-US" dirty="0" err="1"/>
-              <a:t>RCurl</a:t>
-            </a:r>
-            <a:r>
-              <a:rPr lang="en-US" b="1" dirty="0"/>
-              <a:t>::</a:t>
-            </a:r>
-            <a:r>
-              <a:rPr lang="en-US" dirty="0" err="1"/>
-              <a:t>postForm</a:t>
-            </a:r>
-            <a:r>
-              <a:rPr lang="en-US" dirty="0"/>
-              <a:t>(</a:t>
-            </a:r>
-          </a:p>
-          <a:p>
-            <a:pPr marL="0" indent="0">
-              <a:buNone/>
-              <a:tabLst>
-                <a:tab pos="396875" algn="l"/>
-              </a:tabLst>
-            </a:pPr>
-            <a:r>
-              <a:rPr lang="en-US" dirty="0"/>
-              <a:t>    </a:t>
-            </a:r>
-            <a:r>
-              <a:rPr lang="en-US" dirty="0" err="1"/>
-              <a:t>uri</a:t>
-            </a:r>
-            <a:r>
-              <a:rPr lang="en-US" b="1" dirty="0"/>
-              <a:t>=</a:t>
-            </a:r>
-            <a:r>
-              <a:rPr lang="en-US" dirty="0" err="1"/>
-              <a:t>redcapUri</a:t>
-            </a:r>
-            <a:r>
-              <a:rPr lang="en-US" dirty="0"/>
-              <a:t>, </a:t>
-            </a:r>
-          </a:p>
-          <a:p>
-            <a:pPr marL="0" indent="0">
-              <a:buNone/>
-              <a:tabLst>
-                <a:tab pos="396875" algn="l"/>
-              </a:tabLst>
-            </a:pPr>
-            <a:r>
-              <a:rPr lang="en-US" dirty="0"/>
-              <a:t>    token</a:t>
-            </a:r>
-            <a:r>
-              <a:rPr lang="en-US" b="1" dirty="0"/>
-              <a:t>=</a:t>
-            </a:r>
-            <a:r>
-              <a:rPr lang="en-US" dirty="0"/>
-              <a:t>token,</a:t>
-            </a:r>
-          </a:p>
-          <a:p>
-            <a:pPr marL="0" indent="0">
-              <a:buNone/>
-              <a:tabLst>
-                <a:tab pos="396875" algn="l"/>
-              </a:tabLst>
-            </a:pPr>
-            <a:r>
-              <a:rPr lang="en-US" dirty="0"/>
-              <a:t>    content</a:t>
-            </a:r>
-            <a:r>
-              <a:rPr lang="en-US" b="1" dirty="0"/>
-              <a:t>=</a:t>
-            </a:r>
-            <a:r>
-              <a:rPr lang="en-US" dirty="0"/>
-              <a:t>'record',</a:t>
-            </a:r>
-          </a:p>
-          <a:p>
-            <a:pPr marL="0" indent="0">
-              <a:buNone/>
-              <a:tabLst>
-                <a:tab pos="396875" algn="l"/>
-              </a:tabLst>
-            </a:pPr>
-            <a:r>
-              <a:rPr lang="en-US" dirty="0"/>
-              <a:t>    format</a:t>
-            </a:r>
-            <a:r>
-              <a:rPr lang="en-US" b="1" dirty="0"/>
-              <a:t>=</a:t>
-            </a:r>
-            <a:r>
-              <a:rPr lang="en-US" dirty="0"/>
-              <a:t>'csv', </a:t>
-            </a:r>
-          </a:p>
-          <a:p>
-            <a:pPr marL="0" indent="0">
-              <a:buNone/>
-              <a:tabLst>
-                <a:tab pos="396875" algn="l"/>
-              </a:tabLst>
-            </a:pPr>
-            <a:r>
-              <a:rPr lang="en-US" dirty="0"/>
-              <a:t>    type</a:t>
-            </a:r>
-            <a:r>
-              <a:rPr lang="en-US" b="1" dirty="0"/>
-              <a:t>=</a:t>
-            </a:r>
-            <a:r>
-              <a:rPr lang="en-US" dirty="0"/>
-              <a:t>'flat', </a:t>
-            </a:r>
-          </a:p>
-          <a:p>
-            <a:pPr marL="0" indent="0">
-              <a:buNone/>
-              <a:tabLst>
-                <a:tab pos="396875" algn="l"/>
-              </a:tabLst>
-            </a:pPr>
-            <a:r>
-              <a:rPr lang="en-US" dirty="0"/>
-              <a:t>    .opts</a:t>
-            </a:r>
-            <a:r>
-              <a:rPr lang="en-US" b="1" dirty="0"/>
-              <a:t>=</a:t>
-            </a:r>
-            <a:r>
-              <a:rPr lang="en-US" dirty="0" err="1"/>
-              <a:t>curlOptions</a:t>
-            </a:r>
-            <a:r>
-              <a:rPr lang="en-US" dirty="0"/>
-              <a:t>(</a:t>
-            </a:r>
-            <a:r>
-              <a:rPr lang="en-US" dirty="0" err="1"/>
-              <a:t>cainfo</a:t>
-            </a:r>
-            <a:r>
-              <a:rPr lang="en-US" b="1" dirty="0"/>
-              <a:t>=</a:t>
-            </a:r>
-            <a:r>
-              <a:rPr lang="en-US" dirty="0"/>
-              <a:t>"./Dal/Certs/ca-bundle.crt")</a:t>
-            </a:r>
-          </a:p>
-          <a:p>
-            <a:pPr marL="0" indent="0">
-              <a:buNone/>
-              <a:tabLst>
-                <a:tab pos="396875" algn="l"/>
-              </a:tabLst>
-            </a:pPr>
-            <a:r>
-              <a:rPr lang="en-US" i="1" dirty="0"/>
-              <a:t>#     .opts=</a:t>
-            </a:r>
-            <a:r>
-              <a:rPr lang="en-US" i="1" dirty="0" err="1"/>
-              <a:t>curlOptions</a:t>
-            </a:r>
-            <a:r>
-              <a:rPr lang="en-US" i="1" dirty="0"/>
-              <a:t>(</a:t>
-            </a:r>
-            <a:r>
-              <a:rPr lang="en-US" i="1" dirty="0" err="1"/>
-              <a:t>ssl.verifypeer</a:t>
-            </a:r>
-            <a:r>
-              <a:rPr lang="en-US" i="1" dirty="0"/>
-              <a:t>=FALSE)</a:t>
-            </a:r>
-            <a:endParaRPr lang="en-US" dirty="0"/>
-          </a:p>
-          <a:p>
-            <a:pPr marL="0" indent="0">
-              <a:buNone/>
-              <a:tabLst>
-                <a:tab pos="396875" algn="l"/>
-              </a:tabLst>
-            </a:pPr>
-            <a:r>
-              <a:rPr lang="en-US" dirty="0"/>
-              <a:t>  )</a:t>
-            </a:r>
-          </a:p>
-          <a:p>
-            <a:pPr marL="0" indent="0">
-              <a:buNone/>
-              <a:tabLst>
-                <a:tab pos="396875" algn="l"/>
-              </a:tabLst>
-            </a:pPr>
-            <a:r>
-              <a:rPr lang="en-US" dirty="0"/>
-              <a:t>})  </a:t>
-            </a:r>
-          </a:p>
-          <a:p>
-            <a:pPr marL="0" indent="0">
-              <a:buNone/>
-              <a:tabLst>
-                <a:tab pos="396875" algn="l"/>
-              </a:tabLst>
-            </a:pPr>
-            <a:r>
-              <a:rPr lang="en-US" i="1" dirty="0"/>
-              <a:t># head(</a:t>
-            </a:r>
-            <a:r>
-              <a:rPr lang="en-US" i="1" dirty="0" err="1"/>
-              <a:t>rawCsvText</a:t>
-            </a:r>
-            <a:r>
-              <a:rPr lang="en-US" i="1" dirty="0"/>
-              <a:t>) #Inspect the raw data, if desired.</a:t>
-            </a:r>
-            <a:endParaRPr lang="en-US" dirty="0"/>
-          </a:p>
-          <a:p>
-            <a:pPr marL="0" indent="0">
-              <a:buNone/>
-              <a:tabLst>
-                <a:tab pos="396875" algn="l"/>
-              </a:tabLst>
-            </a:pPr>
-            <a:r>
-              <a:rPr lang="en-US" dirty="0"/>
-              <a:t>ds </a:t>
-            </a:r>
-            <a:r>
-              <a:rPr lang="en-US" b="1" dirty="0"/>
-              <a:t>&lt;-</a:t>
-            </a:r>
-            <a:r>
-              <a:rPr lang="en-US" dirty="0"/>
-              <a:t> read.csv(text</a:t>
-            </a:r>
-            <a:r>
-              <a:rPr lang="en-US" b="1" dirty="0"/>
-              <a:t>=</a:t>
-            </a:r>
-            <a:r>
-              <a:rPr lang="en-US" dirty="0" err="1"/>
-              <a:t>rawCsvText</a:t>
-            </a:r>
-            <a:r>
-              <a:rPr lang="en-US" dirty="0"/>
-              <a:t>, </a:t>
-            </a:r>
-            <a:r>
-              <a:rPr lang="en-US" dirty="0" err="1"/>
-              <a:t>stringsAsFactors</a:t>
-            </a:r>
-            <a:r>
-              <a:rPr lang="en-US" b="1" dirty="0"/>
-              <a:t>=FALSE</a:t>
-            </a:r>
-            <a:r>
-              <a:rPr lang="en-US" dirty="0"/>
-              <a:t>) </a:t>
-            </a:r>
-            <a:r>
-              <a:rPr lang="en-US" i="1" dirty="0"/>
-              <a:t>#Convert the raw text to a dataset.</a:t>
-            </a:r>
-            <a:endParaRPr lang="en-US" dirty="0"/>
-          </a:p>
-          <a:p>
-            <a:pPr marL="0" indent="0">
-              <a:buNone/>
-              <a:tabLst>
-                <a:tab pos="396875" algn="l"/>
-              </a:tabLst>
-            </a:pPr>
-            <a:r>
-              <a:rPr lang="en-US" dirty="0" err="1"/>
-              <a:t>ds</a:t>
-            </a:r>
-            <a:r>
-              <a:rPr lang="en-US" b="1" dirty="0" err="1"/>
-              <a:t>$</a:t>
-            </a:r>
-            <a:r>
-              <a:rPr lang="en-US" dirty="0" err="1"/>
-              <a:t>RowID</a:t>
-            </a:r>
-            <a:r>
-              <a:rPr lang="en-US" dirty="0"/>
-              <a:t> </a:t>
-            </a:r>
-            <a:r>
-              <a:rPr lang="en-US" b="1" dirty="0"/>
-              <a:t>&lt;-</a:t>
-            </a:r>
-            <a:r>
-              <a:rPr lang="en-US" dirty="0"/>
-              <a:t> </a:t>
-            </a:r>
-            <a:r>
-              <a:rPr lang="en-US" dirty="0" err="1"/>
-              <a:t>as.integer</a:t>
-            </a:r>
-            <a:r>
-              <a:rPr lang="en-US" dirty="0"/>
-              <a:t>(</a:t>
-            </a:r>
-            <a:r>
-              <a:rPr lang="en-US" dirty="0" err="1"/>
-              <a:t>row.names</a:t>
-            </a:r>
-            <a:r>
-              <a:rPr lang="en-US" dirty="0"/>
-              <a:t>(ds))</a:t>
-            </a:r>
-          </a:p>
-          <a:p>
-            <a:pPr marL="0" indent="0">
-              <a:buNone/>
-              <a:tabLst>
-                <a:tab pos="396875" algn="l"/>
-              </a:tabLst>
-            </a:pPr>
-            <a:r>
-              <a:rPr lang="en-US" dirty="0" err="1"/>
-              <a:t>object.size</a:t>
-            </a:r>
-            <a:r>
-              <a:rPr lang="en-US" dirty="0"/>
-              <a:t>(ds)</a:t>
-            </a:r>
-          </a:p>
-          <a:p>
-            <a:pPr marL="0" indent="0">
-              <a:buNone/>
-              <a:tabLst>
-                <a:tab pos="396875" algn="l"/>
-              </a:tabLst>
-            </a:pPr>
-            <a:r>
-              <a:rPr lang="en-US" dirty="0"/>
-              <a:t> </a:t>
-            </a:r>
-          </a:p>
-          <a:p>
-            <a:pPr marL="0" indent="0">
-              <a:buNone/>
-              <a:tabLst>
-                <a:tab pos="396875" algn="l"/>
-              </a:tabLst>
-            </a:pPr>
-            <a:r>
-              <a:rPr lang="en-US" dirty="0" err="1"/>
-              <a:t>rm</a:t>
-            </a:r>
-            <a:r>
-              <a:rPr lang="en-US" dirty="0"/>
-              <a:t>(</a:t>
-            </a:r>
-            <a:r>
-              <a:rPr lang="en-US" dirty="0" err="1"/>
-              <a:t>redcapUri</a:t>
-            </a:r>
-            <a:r>
-              <a:rPr lang="en-US" dirty="0"/>
-              <a:t>, token, </a:t>
-            </a:r>
-            <a:r>
-              <a:rPr lang="en-US" dirty="0" err="1"/>
-              <a:t>rawCsvText</a:t>
-            </a:r>
-            <a:r>
-              <a:rPr lang="en-US" dirty="0"/>
-              <a:t>)</a:t>
-            </a:r>
-          </a:p>
-          <a:p>
-            <a:pPr marL="0" indent="0">
-              <a:buNone/>
-              <a:tabLst>
-                <a:tab pos="396875" algn="l"/>
-              </a:tabLst>
-            </a:pPr>
-            <a:endParaRPr lang="en-US" dirty="0"/>
-          </a:p>
-          <a:p>
-            <a:pPr marL="0" indent="0">
-              <a:buNone/>
-              <a:tabLst>
-                <a:tab pos="396875" algn="l"/>
-              </a:tabLst>
-            </a:pPr>
-            <a:endParaRPr lang="en-US" dirty="0" smtClean="0"/>
-          </a:p>
-        </p:txBody>
-      </p:sp>
-    </p:spTree>
-    <p:extLst>
-      <p:ext uri="{BB962C8B-B14F-4D97-AF65-F5344CB8AC3E}">
-        <p14:creationId xmlns:p14="http://schemas.microsoft.com/office/powerpoint/2010/main" val="3136932402"/>
-      </p:ext>
-    </p:extLst>
-  </p:cSld>
-  <p:clrMapOvr>
-    <a:masterClrMapping/>
-  </p:clrMapOvr>
-  <p:timing>
-    <p:tnLst>
-      <p:par>
-        <p:cTn id="1" dur="indefinite" restart="never" nodeType="tmRoot"/>
-      </p:par>
-    </p:tnLst>
-  </p:timing>
-</p:sld>
-</file>
-
 <file path=ppt/slides/slide13.xml><?xml version="1.0" encoding="utf-8"?>
 <p:sld xmlns:a="http://schemas.openxmlformats.org/drawingml/2006/main" xmlns:r="http://schemas.openxmlformats.org/officeDocument/2006/relationships" xmlns:p="http://schemas.openxmlformats.org/presentationml/2006/main">
   <p:cSld>
@@ -5478,6 +4753,43 @@
       </p:grpSpPr>
       <p:sp>
         <p:nvSpPr>
+          <p:cNvPr id="2" name="Title 1"/>
+          <p:cNvSpPr>
+            <a:spLocks noGrp="1"/>
+          </p:cNvSpPr>
+          <p:nvPr>
+            <p:ph type="title"/>
+          </p:nvPr>
+        </p:nvSpPr>
+        <p:spPr>
+          <a:xfrm>
+            <a:off x="76200" y="76200"/>
+            <a:ext cx="8991600" cy="762000"/>
+          </a:xfrm>
+          <a:solidFill>
+            <a:schemeClr val="accent6">
+              <a:lumMod val="40000"/>
+              <a:lumOff val="60000"/>
+            </a:schemeClr>
+          </a:solidFill>
+        </p:spPr>
+        <p:txBody>
+          <a:bodyPr>
+            <a:normAutofit fontScale="90000"/>
+          </a:bodyPr>
+          <a:lstStyle/>
+          <a:p>
+            <a:pPr marL="0" indent="0"/>
+            <a:r>
+              <a:rPr lang="en-US" sz="4900" dirty="0" smtClean="0"/>
+              <a:t>API Data Export Example</a:t>
+            </a:r>
+            <a:endParaRPr lang="en-US" dirty="0"/>
+          </a:p>
+        </p:txBody>
+      </p:sp>
+      <p:sp>
+        <p:nvSpPr>
           <p:cNvPr id="3" name="Content Placeholder 2"/>
           <p:cNvSpPr>
             <a:spLocks noGrp="1"/>
@@ -5488,167 +4800,922 @@
         </p:nvSpPr>
         <p:spPr>
           <a:xfrm>
-            <a:off x="0" y="1219200"/>
-            <a:ext cx="9144000" cy="5638800"/>
+            <a:off x="0" y="838200"/>
+            <a:ext cx="9144000" cy="6019800"/>
           </a:xfrm>
         </p:spPr>
         <p:txBody>
           <a:bodyPr>
-            <a:normAutofit/>
+            <a:normAutofit fontScale="32500" lnSpcReduction="20000"/>
           </a:bodyPr>
           <a:lstStyle/>
           <a:p>
             <a:pPr marL="0" indent="0">
               <a:buNone/>
             </a:pPr>
-            <a:r>
-              <a:rPr lang="en-US" dirty="0" smtClean="0"/>
-              <a:t>What is this </a:t>
-            </a:r>
-            <a:r>
-              <a:rPr lang="en-US" dirty="0" err="1" smtClean="0"/>
-              <a:t>REDCapR</a:t>
-            </a:r>
-            <a:r>
-              <a:rPr lang="en-US" dirty="0" smtClean="0"/>
-              <a:t> you speak of?</a:t>
-            </a:r>
-          </a:p>
-          <a:p>
-            <a:pPr marL="0" indent="0">
-              <a:buNone/>
-            </a:pPr>
             <a:endParaRPr lang="en-US" dirty="0" smtClean="0"/>
           </a:p>
           <a:p>
             <a:pPr marL="0" indent="0">
               <a:buNone/>
-            </a:pPr>
-            <a:r>
-              <a:rPr lang="en-US" sz="2800" dirty="0" smtClean="0"/>
-              <a:t>Written by Will Beasley, </a:t>
-            </a:r>
-            <a:r>
-              <a:rPr lang="en-US" sz="2800" dirty="0" err="1" smtClean="0"/>
-              <a:t>REDCapR</a:t>
-            </a:r>
-            <a:r>
-              <a:rPr lang="en-US" sz="2800" dirty="0" smtClean="0"/>
-              <a:t> is an R package containing the functions </a:t>
-            </a:r>
-            <a:r>
-              <a:rPr lang="en-US" sz="2800" dirty="0" err="1" smtClean="0"/>
-              <a:t>redcap_read_oneshot</a:t>
-            </a:r>
-            <a:r>
-              <a:rPr lang="en-US" sz="2800" dirty="0" smtClean="0"/>
+              <a:tabLst>
+                <a:tab pos="396875" algn="l"/>
+              </a:tabLst>
+            </a:pPr>
+            <a:r>
+              <a:rPr lang="en-US" i="1" dirty="0"/>
+              <a:t>#############################</a:t>
+            </a:r>
+            <a:endParaRPr lang="en-US" dirty="0"/>
+          </a:p>
+          <a:p>
+            <a:pPr marL="0" indent="0">
+              <a:buNone/>
+              <a:tabLst>
+                <a:tab pos="396875" algn="l"/>
+              </a:tabLst>
+            </a:pPr>
+            <a:r>
+              <a:rPr lang="en-US" i="1" dirty="0"/>
+              <a:t>### Retrieve token and REDCap URL</a:t>
+            </a:r>
+            <a:endParaRPr lang="en-US" dirty="0"/>
+          </a:p>
+          <a:p>
+            <a:pPr marL="0" indent="0">
+              <a:buNone/>
+              <a:tabLst>
+                <a:tab pos="396875" algn="l"/>
+              </a:tabLst>
+            </a:pPr>
+            <a:r>
+              <a:rPr lang="en-US" i="1" dirty="0"/>
+              <a:t>#############################</a:t>
+            </a:r>
+            <a:endParaRPr lang="en-US" dirty="0"/>
+          </a:p>
+          <a:p>
+            <a:pPr marL="0" indent="0">
+              <a:buNone/>
+              <a:tabLst>
+                <a:tab pos="396875" algn="l"/>
+              </a:tabLst>
+            </a:pPr>
+            <a:r>
+              <a:rPr lang="en-US" dirty="0" err="1"/>
+              <a:t>dsnName</a:t>
+            </a:r>
+            <a:r>
+              <a:rPr lang="en-US" dirty="0"/>
+              <a:t> </a:t>
+            </a:r>
+            <a:r>
+              <a:rPr lang="en-US" b="1" dirty="0"/>
+              <a:t>&lt;-</a:t>
+            </a:r>
+            <a:r>
+              <a:rPr lang="en-US" dirty="0"/>
+              <a:t> "</a:t>
+            </a:r>
+            <a:r>
+              <a:rPr lang="en-US" dirty="0" err="1"/>
+              <a:t>NothingToSeeHere</a:t>
+            </a:r>
+            <a:r>
+              <a:rPr lang="en-US" dirty="0"/>
+              <a:t>"</a:t>
+            </a:r>
+          </a:p>
+          <a:p>
+            <a:pPr marL="0" indent="0">
+              <a:buNone/>
+              <a:tabLst>
+                <a:tab pos="396875" algn="l"/>
+              </a:tabLst>
+            </a:pPr>
+            <a:r>
+              <a:rPr lang="en-US" dirty="0"/>
+              <a:t>channel </a:t>
+            </a:r>
+            <a:r>
+              <a:rPr lang="en-US" b="1" dirty="0"/>
+              <a:t>&lt;-</a:t>
+            </a:r>
+            <a:r>
+              <a:rPr lang="en-US" dirty="0"/>
+              <a:t> RODBC</a:t>
+            </a:r>
+            <a:r>
+              <a:rPr lang="en-US" b="1" dirty="0"/>
+              <a:t>::</a:t>
+            </a:r>
+            <a:r>
+              <a:rPr lang="en-US" dirty="0" err="1"/>
+              <a:t>odbcConnect</a:t>
+            </a:r>
+            <a:r>
+              <a:rPr lang="en-US" dirty="0"/>
+              <a:t>(</a:t>
+            </a:r>
+            <a:r>
+              <a:rPr lang="en-US" dirty="0" err="1"/>
+              <a:t>dsnName</a:t>
+            </a:r>
+            <a:r>
+              <a:rPr lang="en-US" dirty="0"/>
+              <a:t>) </a:t>
+            </a:r>
+            <a:r>
+              <a:rPr lang="en-US" i="1" dirty="0"/>
+              <a:t>#</a:t>
+            </a:r>
+            <a:r>
+              <a:rPr lang="en-US" i="1" dirty="0" err="1"/>
+              <a:t>getSqlTypeInfo</a:t>
+            </a:r>
+            <a:r>
+              <a:rPr lang="en-US" i="1" dirty="0"/>
+              <a:t>("Microsoft SQL Server") #</a:t>
+            </a:r>
+            <a:r>
+              <a:rPr lang="en-US" i="1" dirty="0" err="1"/>
+              <a:t>odbcGetInfo</a:t>
+            </a:r>
+            <a:r>
+              <a:rPr lang="en-US" i="1" dirty="0"/>
+              <a:t>(channel)</a:t>
+            </a:r>
+            <a:endParaRPr lang="en-US" dirty="0"/>
+          </a:p>
+          <a:p>
+            <a:pPr marL="0" indent="0">
+              <a:buNone/>
+              <a:tabLst>
+                <a:tab pos="396875" algn="l"/>
+              </a:tabLst>
+            </a:pPr>
+            <a:r>
+              <a:rPr lang="en-US" dirty="0"/>
+              <a:t> </a:t>
+            </a:r>
+          </a:p>
+          <a:p>
+            <a:pPr marL="0" indent="0">
+              <a:buNone/>
+              <a:tabLst>
+                <a:tab pos="396875" algn="l"/>
+              </a:tabLst>
+            </a:pPr>
+            <a:r>
+              <a:rPr lang="en-US" dirty="0" err="1"/>
+              <a:t>redcapUri</a:t>
+            </a:r>
+            <a:r>
+              <a:rPr lang="en-US" dirty="0"/>
+              <a:t> </a:t>
+            </a:r>
+            <a:r>
+              <a:rPr lang="en-US" b="1" dirty="0"/>
+              <a:t>&lt;-</a:t>
+            </a:r>
+            <a:r>
+              <a:rPr lang="en-US" dirty="0"/>
+              <a:t> RODBC</a:t>
+            </a:r>
+            <a:r>
+              <a:rPr lang="en-US" b="1" dirty="0"/>
+              <a:t>::</a:t>
+            </a:r>
+            <a:r>
+              <a:rPr lang="en-US" dirty="0" err="1"/>
+              <a:t>sqlQuery</a:t>
+            </a:r>
+            <a:r>
+              <a:rPr lang="en-US" dirty="0"/>
+              <a:t>(channel, "EXEC </a:t>
+            </a:r>
+            <a:r>
+              <a:rPr lang="en-US" dirty="0" err="1"/>
+              <a:t>Security.prcUri</a:t>
+            </a:r>
+            <a:r>
+              <a:rPr lang="en-US" dirty="0"/>
+              <a:t> @</a:t>
+            </a:r>
+            <a:r>
+              <a:rPr lang="en-US" dirty="0" err="1"/>
+              <a:t>UriName</a:t>
+            </a:r>
+            <a:r>
+              <a:rPr lang="en-US" dirty="0"/>
+              <a:t> = 'ABCD1'", </a:t>
+            </a:r>
+            <a:r>
+              <a:rPr lang="en-US" dirty="0" err="1"/>
+              <a:t>stringsAsFactors</a:t>
+            </a:r>
+            <a:r>
+              <a:rPr lang="en-US" b="1" dirty="0"/>
+              <a:t>=FALSE</a:t>
+            </a:r>
+            <a:r>
+              <a:rPr lang="en-US" dirty="0"/>
+              <a:t>)[1, 'Value']</a:t>
+            </a:r>
+          </a:p>
+          <a:p>
+            <a:pPr marL="0" indent="0">
+              <a:buNone/>
+              <a:tabLst>
+                <a:tab pos="396875" algn="l"/>
+              </a:tabLst>
+            </a:pPr>
+            <a:r>
+              <a:rPr lang="en-US" dirty="0"/>
+              <a:t>token </a:t>
+            </a:r>
+            <a:r>
+              <a:rPr lang="en-US" b="1" dirty="0"/>
+              <a:t>&lt;-</a:t>
+            </a:r>
+            <a:r>
+              <a:rPr lang="en-US" dirty="0"/>
+              <a:t> RODBC</a:t>
+            </a:r>
+            <a:r>
+              <a:rPr lang="en-US" b="1" dirty="0"/>
+              <a:t>::</a:t>
+            </a:r>
+            <a:r>
+              <a:rPr lang="en-US" dirty="0" err="1"/>
+              <a:t>sqlQuery</a:t>
+            </a:r>
+            <a:r>
+              <a:rPr lang="en-US" dirty="0"/>
+              <a:t>(channel, "EXEC [Security].[</a:t>
+            </a:r>
+            <a:r>
+              <a:rPr lang="en-US" dirty="0" err="1"/>
+              <a:t>prcRedcapToken</a:t>
+            </a:r>
+            <a:r>
+              <a:rPr lang="en-US" dirty="0"/>
+              <a:t>] @</a:t>
+            </a:r>
+            <a:r>
+              <a:rPr lang="en-US" dirty="0" err="1"/>
+              <a:t>RedcapProjectName</a:t>
+            </a:r>
+            <a:r>
+              <a:rPr lang="en-US" dirty="0"/>
+              <a:t> = '</a:t>
+            </a:r>
+            <a:r>
+              <a:rPr lang="en-US" dirty="0" err="1"/>
+              <a:t>NullResearchProject</a:t>
+            </a:r>
+            <a:r>
+              <a:rPr lang="en-US" dirty="0"/>
+              <a:t>'", </a:t>
+            </a:r>
+            <a:r>
+              <a:rPr lang="en-US" dirty="0" err="1"/>
+              <a:t>stringsAsFactors</a:t>
+            </a:r>
+            <a:r>
+              <a:rPr lang="en-US" b="1" dirty="0"/>
+              <a:t>=FALSE</a:t>
+            </a:r>
+            <a:r>
+              <a:rPr lang="en-US" dirty="0"/>
+              <a:t>)[1, 'Token']</a:t>
+            </a:r>
+          </a:p>
+          <a:p>
+            <a:pPr marL="0" indent="0">
+              <a:buNone/>
+              <a:tabLst>
+                <a:tab pos="396875" algn="l"/>
+              </a:tabLst>
+            </a:pPr>
+            <a:r>
+              <a:rPr lang="en-US" dirty="0"/>
+              <a:t>RODBC</a:t>
+            </a:r>
+            <a:r>
+              <a:rPr lang="en-US" b="1" dirty="0"/>
+              <a:t>::</a:t>
+            </a:r>
+            <a:r>
+              <a:rPr lang="en-US" dirty="0" err="1"/>
+              <a:t>odbcClose</a:t>
+            </a:r>
+            <a:r>
+              <a:rPr lang="en-US" dirty="0"/>
+              <a:t>(channel)</a:t>
+            </a:r>
+          </a:p>
+          <a:p>
+            <a:pPr marL="0" indent="0">
+              <a:buNone/>
+              <a:tabLst>
+                <a:tab pos="396875" algn="l"/>
+              </a:tabLst>
+            </a:pPr>
+            <a:r>
+              <a:rPr lang="en-US" i="1" dirty="0"/>
+              <a:t> </a:t>
+            </a:r>
+            <a:endParaRPr lang="en-US" dirty="0"/>
+          </a:p>
+          <a:p>
+            <a:pPr marL="0" indent="0">
+              <a:buNone/>
+              <a:tabLst>
+                <a:tab pos="396875" algn="l"/>
+              </a:tabLst>
+            </a:pPr>
+            <a:r>
+              <a:rPr lang="en-US" i="1" dirty="0"/>
+              <a:t># Removes the channel and the </a:t>
+            </a:r>
+            <a:r>
+              <a:rPr lang="en-US" i="1" dirty="0" err="1"/>
+              <a:t>dsnName</a:t>
+            </a:r>
+            <a:r>
+              <a:rPr lang="en-US" dirty="0"/>
+              <a:t> </a:t>
+            </a:r>
+          </a:p>
+          <a:p>
+            <a:pPr marL="0" indent="0">
+              <a:buNone/>
+              <a:tabLst>
+                <a:tab pos="396875" algn="l"/>
+              </a:tabLst>
+            </a:pPr>
+            <a:r>
+              <a:rPr lang="en-US" dirty="0" err="1"/>
+              <a:t>rm</a:t>
+            </a:r>
+            <a:r>
+              <a:rPr lang="en-US" dirty="0"/>
+              <a:t>(channel, </a:t>
+            </a:r>
+            <a:r>
+              <a:rPr lang="en-US" dirty="0" err="1"/>
+              <a:t>dsnName</a:t>
+            </a:r>
+            <a:r>
+              <a:rPr lang="en-US" dirty="0"/>
+              <a:t>)</a:t>
+            </a:r>
+          </a:p>
+          <a:p>
+            <a:pPr marL="0" indent="0">
+              <a:buNone/>
+              <a:tabLst>
+                <a:tab pos="396875" algn="l"/>
+              </a:tabLst>
+            </a:pPr>
+            <a:r>
+              <a:rPr lang="en-US" i="1" dirty="0"/>
+              <a:t> </a:t>
+            </a:r>
+            <a:endParaRPr lang="en-US" dirty="0"/>
+          </a:p>
+          <a:p>
+            <a:pPr marL="0" indent="0">
+              <a:buNone/>
+              <a:tabLst>
+                <a:tab pos="396875" algn="l"/>
+              </a:tabLst>
+            </a:pPr>
+            <a:r>
+              <a:rPr lang="en-US" i="1" dirty="0"/>
+              <a:t>#############################</a:t>
+            </a:r>
+            <a:endParaRPr lang="en-US" dirty="0"/>
+          </a:p>
+          <a:p>
+            <a:pPr marL="0" indent="0">
+              <a:buNone/>
+              <a:tabLst>
+                <a:tab pos="396875" algn="l"/>
+              </a:tabLst>
+            </a:pPr>
+            <a:r>
+              <a:rPr lang="en-US" i="1" dirty="0"/>
+              <a:t>### Query REDCap API</a:t>
+            </a:r>
+            <a:endParaRPr lang="en-US" dirty="0"/>
+          </a:p>
+          <a:p>
+            <a:pPr marL="0" indent="0">
+              <a:buNone/>
+              <a:tabLst>
+                <a:tab pos="396875" algn="l"/>
+              </a:tabLst>
+            </a:pPr>
+            <a:r>
+              <a:rPr lang="en-US" i="1" dirty="0"/>
+              <a:t>#############################</a:t>
+            </a:r>
+            <a:endParaRPr lang="en-US" dirty="0"/>
+          </a:p>
+          <a:p>
+            <a:pPr marL="0" indent="0">
+              <a:buNone/>
+              <a:tabLst>
+                <a:tab pos="396875" algn="l"/>
+              </a:tabLst>
+            </a:pPr>
+            <a:r>
+              <a:rPr lang="en-US" i="1" dirty="0"/>
+              <a:t>#Call REDCap</a:t>
+            </a:r>
+            <a:endParaRPr lang="en-US" dirty="0"/>
+          </a:p>
+          <a:p>
+            <a:pPr marL="0" indent="0">
+              <a:buNone/>
+              <a:tabLst>
+                <a:tab pos="396875" algn="l"/>
+              </a:tabLst>
+            </a:pPr>
+            <a:r>
+              <a:rPr lang="en-US" dirty="0" err="1"/>
+              <a:t>system.time</a:t>
+            </a:r>
+            <a:r>
+              <a:rPr lang="en-US" dirty="0"/>
+              <a:t>(</a:t>
+            </a:r>
+            <a:r>
+              <a:rPr lang="en-US" dirty="0" err="1"/>
+              <a:t>gcFirst</a:t>
+            </a:r>
+            <a:r>
+              <a:rPr lang="en-US" b="1" dirty="0"/>
+              <a:t>=</a:t>
+            </a:r>
+            <a:r>
+              <a:rPr lang="en-US" dirty="0"/>
+              <a:t>T, expr</a:t>
+            </a:r>
+            <a:r>
+              <a:rPr lang="en-US" b="1" dirty="0"/>
+              <a:t>=</a:t>
+            </a:r>
+            <a:r>
+              <a:rPr lang="en-US" dirty="0"/>
+              <a:t>{</a:t>
+            </a:r>
+          </a:p>
+          <a:p>
+            <a:pPr marL="0" indent="0">
+              <a:buNone/>
+              <a:tabLst>
+                <a:tab pos="396875" algn="l"/>
+              </a:tabLst>
+            </a:pPr>
+            <a:r>
+              <a:rPr lang="en-US" dirty="0"/>
+              <a:t>  </a:t>
+            </a:r>
+            <a:r>
+              <a:rPr lang="en-US" dirty="0" err="1"/>
+              <a:t>rawCsvText</a:t>
+            </a:r>
+            <a:r>
+              <a:rPr lang="en-US" dirty="0"/>
+              <a:t> </a:t>
+            </a:r>
+            <a:r>
+              <a:rPr lang="en-US" b="1" dirty="0"/>
+              <a:t>&lt;-</a:t>
+            </a:r>
+            <a:r>
+              <a:rPr lang="en-US" dirty="0"/>
+              <a:t> </a:t>
+            </a:r>
+            <a:r>
+              <a:rPr lang="en-US" dirty="0" err="1"/>
+              <a:t>RCurl</a:t>
+            </a:r>
+            <a:r>
+              <a:rPr lang="en-US" b="1" dirty="0"/>
+              <a:t>::</a:t>
+            </a:r>
+            <a:r>
+              <a:rPr lang="en-US" dirty="0" err="1"/>
+              <a:t>postForm</a:t>
+            </a:r>
+            <a:r>
+              <a:rPr lang="en-US" dirty="0"/>
+              <a:t>(</a:t>
+            </a:r>
+          </a:p>
+          <a:p>
+            <a:pPr marL="0" indent="0">
+              <a:buNone/>
+              <a:tabLst>
+                <a:tab pos="396875" algn="l"/>
+              </a:tabLst>
+            </a:pPr>
+            <a:r>
+              <a:rPr lang="en-US" dirty="0"/>
+              <a:t>    </a:t>
+            </a:r>
+            <a:r>
+              <a:rPr lang="en-US" dirty="0" err="1"/>
+              <a:t>uri</a:t>
+            </a:r>
+            <a:r>
+              <a:rPr lang="en-US" b="1" dirty="0"/>
+              <a:t>=</a:t>
+            </a:r>
+            <a:r>
+              <a:rPr lang="en-US" dirty="0" err="1"/>
+              <a:t>redcapUri</a:t>
+            </a:r>
+            <a:r>
+              <a:rPr lang="en-US" dirty="0"/>
               <a:t>, </a:t>
             </a:r>
-            <a:r>
-              <a:rPr lang="en-US" sz="2800" dirty="0" err="1" smtClean="0"/>
-              <a:t>redcap_read</a:t>
-            </a:r>
-            <a:r>
-              <a:rPr lang="en-US" sz="2800" dirty="0" smtClean="0"/>
-              <a:t>, and </a:t>
-            </a:r>
-            <a:r>
-              <a:rPr lang="en-US" sz="2800" dirty="0" err="1" smtClean="0"/>
-              <a:t>redcap_write</a:t>
-            </a:r>
-            <a:r>
-              <a:rPr lang="en-US" sz="2800" dirty="0" smtClean="0"/>
-              <a:t>.</a:t>
-            </a:r>
-          </a:p>
-          <a:p>
-            <a:pPr marL="0" indent="0">
-              <a:buNone/>
-            </a:pPr>
-            <a:endParaRPr lang="en-US" sz="2800" dirty="0"/>
-          </a:p>
-          <a:p>
-            <a:pPr marL="0" indent="0">
-              <a:buNone/>
-            </a:pPr>
-            <a:r>
-              <a:rPr lang="en-US" sz="2800" dirty="0" smtClean="0"/>
-              <a:t>These functions communicate with REDCap using its API capabilities.</a:t>
-            </a:r>
-          </a:p>
-          <a:p>
-            <a:pPr marL="0" indent="0">
-              <a:buNone/>
-            </a:pPr>
-            <a:endParaRPr lang="en-US" sz="2800" dirty="0" smtClean="0"/>
-          </a:p>
-          <a:p>
-            <a:pPr marL="0" indent="0">
-              <a:buNone/>
+          </a:p>
+          <a:p>
+            <a:pPr marL="0" indent="0">
+              <a:buNone/>
+              <a:tabLst>
+                <a:tab pos="396875" algn="l"/>
+              </a:tabLst>
+            </a:pPr>
+            <a:r>
+              <a:rPr lang="en-US" dirty="0"/>
+              <a:t>    token</a:t>
+            </a:r>
+            <a:r>
+              <a:rPr lang="en-US" b="1" dirty="0"/>
+              <a:t>=</a:t>
+            </a:r>
+            <a:r>
+              <a:rPr lang="en-US" dirty="0"/>
+              <a:t>token,</a:t>
+            </a:r>
+          </a:p>
+          <a:p>
+            <a:pPr marL="0" indent="0">
+              <a:buNone/>
+              <a:tabLst>
+                <a:tab pos="396875" algn="l"/>
+              </a:tabLst>
+            </a:pPr>
+            <a:r>
+              <a:rPr lang="en-US" dirty="0"/>
+              <a:t>    content</a:t>
+            </a:r>
+            <a:r>
+              <a:rPr lang="en-US" b="1" dirty="0"/>
+              <a:t>=</a:t>
+            </a:r>
+            <a:r>
+              <a:rPr lang="en-US" dirty="0"/>
+              <a:t>'record',</a:t>
+            </a:r>
+          </a:p>
+          <a:p>
+            <a:pPr marL="0" indent="0">
+              <a:buNone/>
+              <a:tabLst>
+                <a:tab pos="396875" algn="l"/>
+              </a:tabLst>
+            </a:pPr>
+            <a:r>
+              <a:rPr lang="en-US" dirty="0"/>
+              <a:t>    format</a:t>
+            </a:r>
+            <a:r>
+              <a:rPr lang="en-US" b="1" dirty="0"/>
+              <a:t>=</a:t>
+            </a:r>
+            <a:r>
+              <a:rPr lang="en-US" dirty="0"/>
+              <a:t>'csv', </a:t>
+            </a:r>
+          </a:p>
+          <a:p>
+            <a:pPr marL="0" indent="0">
+              <a:buNone/>
+              <a:tabLst>
+                <a:tab pos="396875" algn="l"/>
+              </a:tabLst>
+            </a:pPr>
+            <a:r>
+              <a:rPr lang="en-US" dirty="0"/>
+              <a:t>    type</a:t>
+            </a:r>
+            <a:r>
+              <a:rPr lang="en-US" b="1" dirty="0"/>
+              <a:t>=</a:t>
+            </a:r>
+            <a:r>
+              <a:rPr lang="en-US" dirty="0"/>
+              <a:t>'flat', </a:t>
+            </a:r>
+          </a:p>
+          <a:p>
+            <a:pPr marL="0" indent="0">
+              <a:buNone/>
+              <a:tabLst>
+                <a:tab pos="396875" algn="l"/>
+              </a:tabLst>
+            </a:pPr>
+            <a:r>
+              <a:rPr lang="en-US" dirty="0"/>
+              <a:t>    .opts</a:t>
+            </a:r>
+            <a:r>
+              <a:rPr lang="en-US" b="1" dirty="0"/>
+              <a:t>=</a:t>
+            </a:r>
+            <a:r>
+              <a:rPr lang="en-US" dirty="0" err="1"/>
+              <a:t>curlOptions</a:t>
+            </a:r>
+            <a:r>
+              <a:rPr lang="en-US" dirty="0"/>
+              <a:t>(</a:t>
+            </a:r>
+            <a:r>
+              <a:rPr lang="en-US" dirty="0" err="1"/>
+              <a:t>cainfo</a:t>
+            </a:r>
+            <a:r>
+              <a:rPr lang="en-US" b="1" dirty="0"/>
+              <a:t>=</a:t>
+            </a:r>
+            <a:r>
+              <a:rPr lang="en-US" dirty="0"/>
+              <a:t>"./Dal/Certs/ca-bundle.crt")</a:t>
+            </a:r>
+          </a:p>
+          <a:p>
+            <a:pPr marL="0" indent="0">
+              <a:buNone/>
+              <a:tabLst>
+                <a:tab pos="396875" algn="l"/>
+              </a:tabLst>
+            </a:pPr>
+            <a:r>
+              <a:rPr lang="en-US" i="1" dirty="0"/>
+              <a:t>#     .opts=</a:t>
+            </a:r>
+            <a:r>
+              <a:rPr lang="en-US" i="1" dirty="0" err="1"/>
+              <a:t>curlOptions</a:t>
+            </a:r>
+            <a:r>
+              <a:rPr lang="en-US" i="1" dirty="0"/>
+              <a:t>(</a:t>
+            </a:r>
+            <a:r>
+              <a:rPr lang="en-US" i="1" dirty="0" err="1"/>
+              <a:t>ssl.verifypeer</a:t>
+            </a:r>
+            <a:r>
+              <a:rPr lang="en-US" i="1" dirty="0"/>
+              <a:t>=FALSE)</a:t>
+            </a:r>
+            <a:endParaRPr lang="en-US" dirty="0"/>
+          </a:p>
+          <a:p>
+            <a:pPr marL="0" indent="0">
+              <a:buNone/>
+              <a:tabLst>
+                <a:tab pos="396875" algn="l"/>
+              </a:tabLst>
+            </a:pPr>
+            <a:r>
+              <a:rPr lang="en-US" dirty="0"/>
+              <a:t>  )</a:t>
+            </a:r>
+          </a:p>
+          <a:p>
+            <a:pPr marL="0" indent="0">
+              <a:buNone/>
+              <a:tabLst>
+                <a:tab pos="396875" algn="l"/>
+              </a:tabLst>
+            </a:pPr>
+            <a:r>
+              <a:rPr lang="en-US" dirty="0"/>
+              <a:t>})  </a:t>
+            </a:r>
+          </a:p>
+          <a:p>
+            <a:pPr marL="0" indent="0">
+              <a:buNone/>
+              <a:tabLst>
+                <a:tab pos="396875" algn="l"/>
+              </a:tabLst>
+            </a:pPr>
+            <a:r>
+              <a:rPr lang="en-US" i="1" dirty="0"/>
+              <a:t># head(</a:t>
+            </a:r>
+            <a:r>
+              <a:rPr lang="en-US" i="1" dirty="0" err="1"/>
+              <a:t>rawCsvText</a:t>
+            </a:r>
+            <a:r>
+              <a:rPr lang="en-US" i="1" dirty="0"/>
+              <a:t>) #Inspect the raw data, if desired.</a:t>
+            </a:r>
+            <a:endParaRPr lang="en-US" dirty="0"/>
+          </a:p>
+          <a:p>
+            <a:pPr marL="0" indent="0">
+              <a:buNone/>
+              <a:tabLst>
+                <a:tab pos="396875" algn="l"/>
+              </a:tabLst>
+            </a:pPr>
+            <a:r>
+              <a:rPr lang="en-US" dirty="0"/>
+              <a:t>ds </a:t>
+            </a:r>
+            <a:r>
+              <a:rPr lang="en-US" b="1" dirty="0"/>
+              <a:t>&lt;-</a:t>
+            </a:r>
+            <a:r>
+              <a:rPr lang="en-US" dirty="0"/>
+              <a:t> read.csv(text</a:t>
+            </a:r>
+            <a:r>
+              <a:rPr lang="en-US" b="1" dirty="0"/>
+              <a:t>=</a:t>
+            </a:r>
+            <a:r>
+              <a:rPr lang="en-US" dirty="0" err="1"/>
+              <a:t>rawCsvText</a:t>
+            </a:r>
+            <a:r>
+              <a:rPr lang="en-US" dirty="0"/>
+              <a:t>, </a:t>
+            </a:r>
+            <a:r>
+              <a:rPr lang="en-US" dirty="0" err="1"/>
+              <a:t>stringsAsFactors</a:t>
+            </a:r>
+            <a:r>
+              <a:rPr lang="en-US" b="1" dirty="0"/>
+              <a:t>=FALSE</a:t>
+            </a:r>
+            <a:r>
+              <a:rPr lang="en-US" dirty="0"/>
+              <a:t>) </a:t>
+            </a:r>
+            <a:r>
+              <a:rPr lang="en-US" i="1" dirty="0"/>
+              <a:t>#Convert the raw text to a dataset.</a:t>
+            </a:r>
+            <a:endParaRPr lang="en-US" dirty="0"/>
+          </a:p>
+          <a:p>
+            <a:pPr marL="0" indent="0">
+              <a:buNone/>
+              <a:tabLst>
+                <a:tab pos="396875" algn="l"/>
+              </a:tabLst>
+            </a:pPr>
+            <a:r>
+              <a:rPr lang="en-US" dirty="0" err="1"/>
+              <a:t>ds</a:t>
+            </a:r>
+            <a:r>
+              <a:rPr lang="en-US" b="1" dirty="0" err="1"/>
+              <a:t>$</a:t>
+            </a:r>
+            <a:r>
+              <a:rPr lang="en-US" dirty="0" err="1"/>
+              <a:t>RowID</a:t>
+            </a:r>
+            <a:r>
+              <a:rPr lang="en-US" dirty="0"/>
+              <a:t> </a:t>
+            </a:r>
+            <a:r>
+              <a:rPr lang="en-US" b="1" dirty="0"/>
+              <a:t>&lt;-</a:t>
+            </a:r>
+            <a:r>
+              <a:rPr lang="en-US" dirty="0"/>
+              <a:t> </a:t>
+            </a:r>
+            <a:r>
+              <a:rPr lang="en-US" dirty="0" err="1"/>
+              <a:t>as.integer</a:t>
+            </a:r>
+            <a:r>
+              <a:rPr lang="en-US" dirty="0"/>
+              <a:t>(</a:t>
+            </a:r>
+            <a:r>
+              <a:rPr lang="en-US" dirty="0" err="1"/>
+              <a:t>row.names</a:t>
+            </a:r>
+            <a:r>
+              <a:rPr lang="en-US" dirty="0"/>
+              <a:t>(ds))</a:t>
+            </a:r>
+          </a:p>
+          <a:p>
+            <a:pPr marL="0" indent="0">
+              <a:buNone/>
+              <a:tabLst>
+                <a:tab pos="396875" algn="l"/>
+              </a:tabLst>
+            </a:pPr>
+            <a:r>
+              <a:rPr lang="en-US" dirty="0" err="1"/>
+              <a:t>object.size</a:t>
+            </a:r>
+            <a:r>
+              <a:rPr lang="en-US" dirty="0"/>
+              <a:t>(ds)</a:t>
+            </a:r>
+          </a:p>
+          <a:p>
+            <a:pPr marL="0" indent="0">
+              <a:buNone/>
+              <a:tabLst>
+                <a:tab pos="396875" algn="l"/>
+              </a:tabLst>
+            </a:pPr>
+            <a:r>
+              <a:rPr lang="en-US" dirty="0"/>
+              <a:t> </a:t>
+            </a:r>
+          </a:p>
+          <a:p>
+            <a:pPr marL="0" indent="0">
+              <a:buNone/>
+              <a:tabLst>
+                <a:tab pos="396875" algn="l"/>
+              </a:tabLst>
+            </a:pPr>
+            <a:r>
+              <a:rPr lang="en-US" dirty="0" err="1"/>
+              <a:t>rm</a:t>
+            </a:r>
+            <a:r>
+              <a:rPr lang="en-US" dirty="0"/>
+              <a:t>(</a:t>
+            </a:r>
+            <a:r>
+              <a:rPr lang="en-US" dirty="0" err="1"/>
+              <a:t>redcapUri</a:t>
+            </a:r>
+            <a:r>
+              <a:rPr lang="en-US" dirty="0"/>
+              <a:t>, token, </a:t>
+            </a:r>
+            <a:r>
+              <a:rPr lang="en-US" dirty="0" err="1"/>
+              <a:t>rawCsvText</a:t>
+            </a:r>
+            <a:r>
+              <a:rPr lang="en-US" dirty="0"/>
+              <a:t>)</a:t>
+            </a:r>
+          </a:p>
+          <a:p>
+            <a:pPr marL="0" indent="0">
+              <a:buNone/>
+              <a:tabLst>
+                <a:tab pos="396875" algn="l"/>
+              </a:tabLst>
+            </a:pPr>
+            <a:endParaRPr lang="en-US" dirty="0"/>
+          </a:p>
+          <a:p>
+            <a:pPr marL="0" indent="0">
+              <a:buNone/>
+              <a:tabLst>
+                <a:tab pos="396875" algn="l"/>
+              </a:tabLst>
             </a:pPr>
             <a:endParaRPr lang="en-US" dirty="0" smtClean="0"/>
-          </a:p>
-        </p:txBody>
-      </p:sp>
-      <p:sp>
-        <p:nvSpPr>
-          <p:cNvPr id="5" name="Title 1"/>
-          <p:cNvSpPr txBox="1">
-            <a:spLocks/>
-          </p:cNvSpPr>
-          <p:nvPr/>
-        </p:nvSpPr>
-        <p:spPr>
-          <a:xfrm>
-            <a:off x="76200" y="76200"/>
-            <a:ext cx="8991600" cy="758952"/>
-          </a:xfrm>
-          <a:prstGeom prst="rect">
-            <a:avLst/>
-          </a:prstGeom>
-          <a:solidFill>
-            <a:srgbClr val="E6F598"/>
-          </a:solidFill>
-        </p:spPr>
-        <p:txBody>
-          <a:bodyPr vert="horz" lIns="91440" tIns="45720" rIns="91440" bIns="45720" rtlCol="0" anchor="ctr">
-            <a:normAutofit fontScale="97500"/>
-          </a:bodyPr>
-          <a:lstStyle>
-            <a:lvl1pPr algn="ctr" defTabSz="914400" rtl="0" eaLnBrk="1" latinLnBrk="0" hangingPunct="1">
-              <a:spcBef>
-                <a:spcPct val="0"/>
-              </a:spcBef>
-              <a:buNone/>
-              <a:defRPr sz="4400" kern="1200">
-                <a:solidFill>
-                  <a:schemeClr val="tx1"/>
-                </a:solidFill>
-                <a:latin typeface="+mj-lt"/>
-                <a:ea typeface="+mj-ea"/>
-                <a:cs typeface="+mj-cs"/>
-              </a:defRPr>
-            </a:lvl1pPr>
-          </a:lstStyle>
-          <a:p>
-            <a:pPr>
-              <a:spcBef>
-                <a:spcPts val="0"/>
-              </a:spcBef>
-              <a:defRPr/>
-            </a:pPr>
-            <a:r>
-              <a:rPr lang="en-US" dirty="0" err="1" smtClean="0"/>
-              <a:t>REDCapR</a:t>
-            </a:r>
-            <a:endParaRPr lang="en-US" dirty="0"/>
           </a:p>
         </p:txBody>
       </p:sp>
     </p:spTree>
     <p:extLst>
       <p:ext uri="{BB962C8B-B14F-4D97-AF65-F5344CB8AC3E}">
-        <p14:creationId xmlns:p14="http://schemas.microsoft.com/office/powerpoint/2010/main" val="1505413520"/>
+        <p14:creationId xmlns:p14="http://schemas.microsoft.com/office/powerpoint/2010/main" val="3136932402"/>
       </p:ext>
     </p:extLst>
   </p:cSld>
@@ -5708,57 +5775,91 @@
               <a:buNone/>
             </a:pPr>
             <a:r>
-              <a:rPr lang="en-US" dirty="0" err="1"/>
+              <a:rPr lang="en-US" dirty="0" smtClean="0"/>
+              <a:t>What is this </a:t>
+            </a:r>
+            <a:r>
+              <a:rPr lang="en-US" dirty="0" err="1" smtClean="0"/>
+              <a:t>REDCapR</a:t>
+            </a:r>
+            <a:r>
+              <a:rPr lang="en-US" dirty="0" smtClean="0"/>
+              <a:t> you speak of?</a:t>
+            </a:r>
+          </a:p>
+          <a:p>
+            <a:pPr marL="0" indent="0">
+              <a:buNone/>
+            </a:pPr>
+            <a:endParaRPr lang="en-US" dirty="0" smtClean="0"/>
+          </a:p>
+          <a:p>
+            <a:pPr marL="0" indent="0">
+              <a:buNone/>
+            </a:pPr>
+            <a:r>
+              <a:rPr lang="en-US" sz="2800" dirty="0" smtClean="0"/>
+              <a:t>Written by Will Beasley, </a:t>
+            </a:r>
+            <a:r>
+              <a:rPr lang="en-US" sz="2800" dirty="0" err="1" smtClean="0"/>
+              <a:t>REDCapR</a:t>
+            </a:r>
+            <a:r>
+              <a:rPr lang="en-US" sz="2800" dirty="0" smtClean="0"/>
+              <a:t> is an R package containing the functions </a:t>
+            </a:r>
+            <a:r>
+              <a:rPr lang="en-US" sz="2800" dirty="0" err="1" smtClean="0"/>
               <a:t>redcap_read_oneshot</a:t>
             </a:r>
             <a:r>
-              <a:rPr lang="en-US" dirty="0"/>
-              <a:t>: retrieves data all at once from REDCap</a:t>
-            </a:r>
-          </a:p>
-          <a:p>
-            <a:pPr marL="0" indent="0">
-              <a:buNone/>
-            </a:pPr>
-            <a:endParaRPr lang="en-US" dirty="0"/>
-          </a:p>
-          <a:p>
-            <a:pPr marL="0" indent="0">
-              <a:buNone/>
-            </a:pPr>
-            <a:r>
-              <a:rPr lang="en-US" dirty="0" err="1"/>
+              <a:rPr lang="en-US" sz="2800" dirty="0" smtClean="0"/>
+              <a:t>, </a:t>
+            </a:r>
+            <a:r>
+              <a:rPr lang="en-US" sz="2800" dirty="0" err="1" smtClean="0"/>
               <a:t>redcap_read</a:t>
             </a:r>
             <a:r>
-              <a:rPr lang="en-US" dirty="0"/>
-              <a:t>: retrieves data in subsets and then combines them into a single </a:t>
-            </a:r>
-            <a:r>
-              <a:rPr lang="en-US" dirty="0" err="1" smtClean="0"/>
-              <a:t>data.frame</a:t>
-            </a:r>
+              <a:rPr lang="en-US" sz="2800" dirty="0" smtClean="0"/>
+              <a:t>, and </a:t>
+            </a:r>
+            <a:r>
+              <a:rPr lang="en-US" sz="2800" dirty="0" err="1" smtClean="0"/>
+              <a:t>redcap_write</a:t>
+            </a:r>
+            <a:r>
+              <a:rPr lang="en-US" sz="2800" dirty="0" smtClean="0"/>
+              <a:t>.</a:t>
+            </a:r>
+          </a:p>
+          <a:p>
+            <a:pPr marL="0" indent="0">
+              <a:buNone/>
+            </a:pPr>
+            <a:endParaRPr lang="en-US" sz="2800" dirty="0"/>
+          </a:p>
+          <a:p>
+            <a:pPr marL="0" indent="0">
+              <a:buNone/>
+            </a:pPr>
+            <a:r>
+              <a:rPr lang="en-US" sz="2800" dirty="0" smtClean="0"/>
+              <a:t>These functions communicate with REDCap using its API capabilities.</a:t>
+            </a:r>
+          </a:p>
+          <a:p>
+            <a:pPr marL="0" indent="0">
+              <a:buNone/>
+            </a:pPr>
+            <a:endParaRPr lang="en-US" sz="2800" dirty="0" smtClean="0"/>
+          </a:p>
+          <a:p>
+            <a:pPr marL="0" indent="0">
+              <a:buNone/>
+            </a:pPr>
             <a:endParaRPr lang="en-US" dirty="0" smtClean="0"/>
-          </a:p>
-          <a:p>
-            <a:pPr marL="0" indent="0">
-              <a:buNone/>
-            </a:pPr>
-            <a:endParaRPr lang="en-US" dirty="0"/>
-          </a:p>
-          <a:p>
-            <a:pPr marL="0" indent="0">
-              <a:buNone/>
-            </a:pPr>
-            <a:r>
-              <a:rPr lang="en-US" dirty="0" err="1" smtClean="0"/>
-              <a:t>redcap_write</a:t>
-            </a:r>
-            <a:r>
-              <a:rPr lang="en-US" dirty="0" smtClean="0"/>
-              <a:t>: writes data to REDCap (data import)</a:t>
-            </a:r>
-            <a:endParaRPr lang="en-US" dirty="0"/>
           </a:p>
         </p:txBody>
       </p:sp>
@@ -5820,7 +5921,7 @@
     </p:spTree>
     <p:extLst>
       <p:ext uri="{BB962C8B-B14F-4D97-AF65-F5344CB8AC3E}">
-        <p14:creationId xmlns:p14="http://schemas.microsoft.com/office/powerpoint/2010/main" val="3836758940"/>
+        <p14:creationId xmlns:p14="http://schemas.microsoft.com/office/powerpoint/2010/main" val="1505413520"/>
       </p:ext>
     </p:extLst>
   </p:cSld>
@@ -5880,157 +5981,57 @@
               <a:buNone/>
             </a:pPr>
             <a:r>
+              <a:rPr lang="en-US" dirty="0" err="1"/>
+              <a:t>redcap_read_oneshot</a:t>
+            </a:r>
+            <a:r>
+              <a:rPr lang="en-US" dirty="0"/>
+              <a:t>: retrieves data all at once from REDCap</a:t>
+            </a:r>
+          </a:p>
+          <a:p>
+            <a:pPr marL="0" indent="0">
+              <a:buNone/>
+            </a:pPr>
+            <a:endParaRPr lang="en-US" dirty="0"/>
+          </a:p>
+          <a:p>
+            <a:pPr marL="0" indent="0">
+              <a:buNone/>
+            </a:pPr>
+            <a:r>
+              <a:rPr lang="en-US" dirty="0" err="1"/>
+              <a:t>redcap_read</a:t>
+            </a:r>
+            <a:r>
+              <a:rPr lang="en-US" dirty="0"/>
+              <a:t>: retrieves data in subsets and then combines them into a single </a:t>
+            </a:r>
+            <a:r>
+              <a:rPr lang="en-US" dirty="0" err="1" smtClean="0"/>
+              <a:t>data.frame</a:t>
+            </a:r>
+            <a:endParaRPr lang="en-US" dirty="0" smtClean="0"/>
+          </a:p>
+          <a:p>
+            <a:pPr marL="0" indent="0">
+              <a:buNone/>
+            </a:pPr>
+            <a:endParaRPr lang="en-US" dirty="0"/>
+          </a:p>
+          <a:p>
+            <a:pPr marL="0" indent="0">
+              <a:buNone/>
+            </a:pPr>
+            <a:r>
+              <a:rPr lang="en-US" dirty="0" err="1" smtClean="0"/>
+              <a:t>redcap_write</a:t>
+            </a:r>
+            <a:r>
               <a:rPr lang="en-US" dirty="0" smtClean="0"/>
-              <a:t>Usage</a:t>
-            </a:r>
-          </a:p>
-          <a:p>
-            <a:pPr marL="0" indent="0">
-              <a:buNone/>
-            </a:pPr>
-            <a:endParaRPr lang="en-US" dirty="0" smtClean="0"/>
-          </a:p>
-          <a:p>
-            <a:pPr marL="0" indent="0">
-              <a:buNone/>
-            </a:pPr>
-            <a:r>
-              <a:rPr lang="en-US" sz="2000" dirty="0" err="1"/>
-              <a:t>redcap_read</a:t>
-            </a:r>
-            <a:r>
-              <a:rPr lang="en-US" sz="2000" dirty="0"/>
-              <a:t>(</a:t>
-            </a:r>
-            <a:r>
-              <a:rPr lang="en-US" sz="2000" dirty="0" err="1"/>
-              <a:t>batch_size</a:t>
-            </a:r>
-            <a:r>
-              <a:rPr lang="en-US" sz="2000" dirty="0"/>
-              <a:t> = 100L, </a:t>
-            </a:r>
-            <a:r>
-              <a:rPr lang="en-US" sz="2000" dirty="0" err="1"/>
-              <a:t>interbatch_delay</a:t>
-            </a:r>
-            <a:r>
-              <a:rPr lang="en-US" sz="2000" dirty="0"/>
-              <a:t> = 0, </a:t>
-            </a:r>
-            <a:r>
-              <a:rPr lang="en-US" sz="2000" dirty="0" err="1"/>
-              <a:t>redcap_uri</a:t>
-            </a:r>
-            <a:r>
-              <a:rPr lang="en-US" sz="2000" dirty="0"/>
-              <a:t>, token, records = NULL, </a:t>
-            </a:r>
-            <a:r>
-              <a:rPr lang="en-US" sz="2000" dirty="0" err="1"/>
-              <a:t>records_collapsed</a:t>
-            </a:r>
-            <a:r>
-              <a:rPr lang="en-US" sz="2000" dirty="0"/>
-              <a:t> = NULL, fields = NULL, </a:t>
-            </a:r>
-            <a:r>
-              <a:rPr lang="en-US" sz="2000" dirty="0" err="1"/>
-              <a:t>fields_collapsed</a:t>
-            </a:r>
-            <a:r>
-              <a:rPr lang="en-US" sz="2000" dirty="0"/>
-              <a:t> = NULL, </a:t>
-            </a:r>
-            <a:r>
-              <a:rPr lang="en-US" sz="2000" dirty="0" err="1"/>
-              <a:t>export_data_access_groups</a:t>
-            </a:r>
-            <a:r>
-              <a:rPr lang="en-US" sz="2000" dirty="0"/>
-              <a:t> = FALSE, </a:t>
-            </a:r>
-            <a:r>
-              <a:rPr lang="en-US" sz="2000" dirty="0" err="1"/>
-              <a:t>raw_or_label</a:t>
-            </a:r>
-            <a:r>
-              <a:rPr lang="en-US" sz="2000" dirty="0"/>
-              <a:t> = "raw", verbose = TRUE, </a:t>
-            </a:r>
-            <a:r>
-              <a:rPr lang="en-US" sz="2000" dirty="0" err="1"/>
-              <a:t>cert_location</a:t>
-            </a:r>
-            <a:r>
-              <a:rPr lang="en-US" sz="2000" dirty="0"/>
-              <a:t> = NULL</a:t>
-            </a:r>
-            <a:r>
-              <a:rPr lang="en-US" sz="2000" dirty="0" smtClean="0"/>
-              <a:t>)</a:t>
-            </a:r>
-          </a:p>
-          <a:p>
-            <a:pPr marL="0" indent="0">
-              <a:buNone/>
-            </a:pPr>
-            <a:endParaRPr lang="en-US" sz="2000" dirty="0"/>
-          </a:p>
-          <a:p>
-            <a:pPr marL="0" indent="0">
-              <a:buNone/>
-            </a:pPr>
-            <a:r>
-              <a:rPr lang="en-US" sz="2000" dirty="0" smtClean="0"/>
-              <a:t>All arguments of the </a:t>
-            </a:r>
-            <a:r>
-              <a:rPr lang="en-US" sz="2000" dirty="0" err="1" smtClean="0"/>
-              <a:t>redcap_read</a:t>
-            </a:r>
-            <a:r>
-              <a:rPr lang="en-US" sz="2000" dirty="0" smtClean="0"/>
-              <a:t> function will be discuss, however it should be noted that not all arguments are required. This function can be used with a statement as simple as:</a:t>
-            </a:r>
-          </a:p>
-          <a:p>
-            <a:pPr marL="0" indent="0">
-              <a:buNone/>
-            </a:pPr>
-            <a:endParaRPr lang="en-US" sz="2000" dirty="0"/>
-          </a:p>
-          <a:p>
-            <a:pPr marL="0" indent="0">
-              <a:buNone/>
-            </a:pPr>
-            <a:r>
-              <a:rPr lang="en-US" sz="2000" dirty="0" err="1" smtClean="0"/>
-              <a:t>redcap_read</a:t>
-            </a:r>
-            <a:r>
-              <a:rPr lang="en-US" sz="2000" dirty="0" smtClean="0"/>
-              <a:t>(</a:t>
-            </a:r>
-            <a:r>
-              <a:rPr lang="en-US" sz="2000" dirty="0" err="1" smtClean="0"/>
-              <a:t>redcap_uri</a:t>
-            </a:r>
-            <a:r>
-              <a:rPr lang="en-US" sz="2000" dirty="0"/>
-              <a:t>, </a:t>
-            </a:r>
-            <a:r>
-              <a:rPr lang="en-US" sz="2000" dirty="0" smtClean="0"/>
-              <a:t>token)</a:t>
-            </a:r>
-            <a:endParaRPr lang="en-US" sz="2000" dirty="0"/>
-          </a:p>
-          <a:p>
-            <a:pPr marL="0" indent="0">
-              <a:buNone/>
-            </a:pPr>
-            <a:endParaRPr lang="en-US" sz="2000" dirty="0"/>
+              <a:t>: writes data to REDCap (data import)</a:t>
+            </a:r>
+            <a:endParaRPr lang="en-US" dirty="0"/>
           </a:p>
         </p:txBody>
       </p:sp>
@@ -6092,7 +6093,7 @@
     </p:spTree>
     <p:extLst>
       <p:ext uri="{BB962C8B-B14F-4D97-AF65-F5344CB8AC3E}">
-        <p14:creationId xmlns:p14="http://schemas.microsoft.com/office/powerpoint/2010/main" val="2005260728"/>
+        <p14:creationId xmlns:p14="http://schemas.microsoft.com/office/powerpoint/2010/main" val="3836758940"/>
       </p:ext>
     </p:extLst>
   </p:cSld>
@@ -6175,24 +6176,12 @@
               <a:t>(</a:t>
             </a:r>
             <a:r>
-              <a:rPr lang="en-US" sz="2000" dirty="0" err="1">
-                <a:solidFill>
-                  <a:srgbClr val="FF0000"/>
-                </a:solidFill>
-              </a:rPr>
+              <a:rPr lang="en-US" sz="2000" dirty="0" err="1"/>
               <a:t>batch_size</a:t>
             </a:r>
             <a:r>
-              <a:rPr lang="en-US" sz="2000" dirty="0">
-                <a:solidFill>
-                  <a:srgbClr val="FF0000"/>
-                </a:solidFill>
-              </a:rPr>
-              <a:t> = 100L</a:t>
-            </a:r>
-            <a:r>
-              <a:rPr lang="en-US" sz="2000" dirty="0"/>
-              <a:t>, </a:t>
+              <a:rPr lang="en-US" sz="2000" dirty="0"/>
+              <a:t> = 100L, </a:t>
             </a:r>
             <a:r>
               <a:rPr lang="en-US" sz="2000" dirty="0" err="1"/>
@@ -6243,16 +6232,12 @@
               <a:t> = "raw", verbose = TRUE, </a:t>
             </a:r>
             <a:r>
-              <a:rPr lang="en-US" sz="2000" dirty="0" err="1" smtClean="0"/>
+              <a:rPr lang="en-US" sz="2000" dirty="0" err="1"/>
               <a:t>cert_location</a:t>
             </a:r>
             <a:r>
-              <a:rPr lang="en-US" sz="2000" dirty="0" smtClean="0"/>
-              <a:t> </a:t>
-            </a:r>
-            <a:r>
-              <a:rPr lang="en-US" sz="2000" dirty="0"/>
-              <a:t>= NULL</a:t>
+              <a:rPr lang="en-US" sz="2000" dirty="0"/>
+              <a:t> = NULL</a:t>
             </a:r>
             <a:r>
               <a:rPr lang="en-US" sz="2000" dirty="0" smtClean="0"/>
@@ -6270,26 +6255,54 @@
               <a:buNone/>
             </a:pPr>
             <a:r>
+              <a:rPr lang="en-US" sz="2000" dirty="0" smtClean="0"/>
+              <a:t>All arguments of the </a:t>
+            </a:r>
+            <a:r>
               <a:rPr lang="en-US" sz="2000" dirty="0" err="1" smtClean="0"/>
-              <a:t>batch_size</a:t>
+              <a:t>redcap_read</a:t>
             </a:r>
             <a:r>
               <a:rPr lang="en-US" sz="2000" dirty="0" smtClean="0"/>
-              <a:t>:	The maximum number of subject records a single batch should</a:t>
-            </a:r>
-          </a:p>
-          <a:p>
-            <a:pPr marL="0" indent="0">
-              <a:buNone/>
-            </a:pPr>
-            <a:r>
-              <a:rPr lang="en-US" sz="2000" dirty="0"/>
-              <a:t>	</a:t>
+              <a:t> function will be discuss, however it should be noted that not all arguments are required. This function can be used with a statement as simple as:</a:t>
+            </a:r>
+          </a:p>
+          <a:p>
+            <a:pPr marL="0" indent="0">
+              <a:buNone/>
+            </a:pPr>
+            <a:endParaRPr lang="en-US" sz="2000" dirty="0"/>
+          </a:p>
+          <a:p>
+            <a:pPr marL="0" indent="0">
+              <a:buNone/>
+            </a:pPr>
+            <a:r>
+              <a:rPr lang="en-US" sz="2000" dirty="0" err="1" smtClean="0"/>
+              <a:t>redcap_read</a:t>
             </a:r>
             <a:r>
               <a:rPr lang="en-US" sz="2000" dirty="0" smtClean="0"/>
-              <a:t>	contain. The default is 100.</a:t>
-            </a:r>
+              <a:t>(</a:t>
+            </a:r>
+            <a:r>
+              <a:rPr lang="en-US" sz="2000" dirty="0" err="1" smtClean="0"/>
+              <a:t>redcap_uri</a:t>
+            </a:r>
+            <a:r>
+              <a:rPr lang="en-US" sz="2000" dirty="0"/>
+              <a:t>, </a:t>
+            </a:r>
+            <a:r>
+              <a:rPr lang="en-US" sz="2000" dirty="0" smtClean="0"/>
+              <a:t>token)</a:t>
+            </a:r>
+            <a:endParaRPr lang="en-US" sz="2000" dirty="0"/>
+          </a:p>
+          <a:p>
+            <a:pPr marL="0" indent="0">
+              <a:buNone/>
+            </a:pPr>
             <a:endParaRPr lang="en-US" sz="2000" dirty="0"/>
           </a:p>
         </p:txBody>
@@ -6352,7 +6365,7 @@
     </p:spTree>
     <p:extLst>
       <p:ext uri="{BB962C8B-B14F-4D97-AF65-F5344CB8AC3E}">
-        <p14:creationId xmlns:p14="http://schemas.microsoft.com/office/powerpoint/2010/main" val="1967847261"/>
+        <p14:creationId xmlns:p14="http://schemas.microsoft.com/office/powerpoint/2010/main" val="2005260728"/>
       </p:ext>
     </p:extLst>
   </p:cSld>
@@ -6435,20 +6448,12 @@
               <a:t>(</a:t>
             </a:r>
             <a:r>
-              <a:rPr lang="en-US" sz="2000" dirty="0" err="1"/>
-              <a:t>batch_size</a:t>
-            </a:r>
-            <a:r>
-              <a:rPr lang="en-US" sz="2000" dirty="0"/>
-              <a:t> = 100L, </a:t>
-            </a:r>
-            <a:r>
               <a:rPr lang="en-US" sz="2000" dirty="0" err="1">
                 <a:solidFill>
                   <a:srgbClr val="FF0000"/>
                 </a:solidFill>
               </a:rPr>
-              <a:t>interbatch_delay</a:t>
+              <a:t>batch_size</a:t>
             </a:r>
             <a:r>
               <a:rPr lang="en-US" sz="2000" dirty="0">
@@ -6456,11 +6461,19 @@
                   <a:srgbClr val="FF0000"/>
                 </a:solidFill>
               </a:rPr>
-              <a:t> = 0</a:t>
+              <a:t> = 100L</a:t>
             </a:r>
             <a:r>
               <a:rPr lang="en-US" sz="2000" dirty="0"/>
               <a:t>, </a:t>
+            </a:r>
+            <a:r>
+              <a:rPr lang="en-US" sz="2000" dirty="0" err="1"/>
+              <a:t>interbatch_delay</a:t>
+            </a:r>
+            <a:r>
+              <a:rPr lang="en-US" sz="2000" dirty="0"/>
+              <a:t> = 0, </a:t>
             </a:r>
             <a:r>
               <a:rPr lang="en-US" sz="2000" dirty="0" err="1"/>
@@ -6531,11 +6544,11 @@
             </a:pPr>
             <a:r>
               <a:rPr lang="en-US" sz="2000" dirty="0" err="1" smtClean="0"/>
-              <a:t>interbatch_delay</a:t>
+              <a:t>batch_size</a:t>
             </a:r>
             <a:r>
               <a:rPr lang="en-US" sz="2000" dirty="0" smtClean="0"/>
-              <a:t>:		The number of seconds the function will wait before</a:t>
+              <a:t>:	The maximum number of subject records a single batch should</a:t>
             </a:r>
           </a:p>
           <a:p>
@@ -6548,20 +6561,7 @@
             </a:r>
             <a:r>
               <a:rPr lang="en-US" sz="2000" dirty="0" smtClean="0"/>
-              <a:t>		requesting a new subset from REDCap.  The default</a:t>
-            </a:r>
-          </a:p>
-          <a:p>
-            <a:pPr marL="0" indent="0">
-              <a:buNone/>
-            </a:pPr>
-            <a:r>
-              <a:rPr lang="en-US" sz="2000" dirty="0"/>
-              <a:t>	</a:t>
-            </a:r>
-            <a:r>
-              <a:rPr lang="en-US" sz="2000" dirty="0" smtClean="0"/>
-              <a:t>		is 0.5 seconds</a:t>
+              <a:t>	contain. The default is 100.</a:t>
             </a:r>
             <a:endParaRPr lang="en-US" sz="2000" dirty="0"/>
           </a:p>
@@ -6625,7 +6625,7 @@
     </p:spTree>
     <p:extLst>
       <p:ext uri="{BB962C8B-B14F-4D97-AF65-F5344CB8AC3E}">
-        <p14:creationId xmlns:p14="http://schemas.microsoft.com/office/powerpoint/2010/main" val="172033235"/>
+        <p14:creationId xmlns:p14="http://schemas.microsoft.com/office/powerpoint/2010/main" val="1967847261"/>
       </p:ext>
     </p:extLst>
   </p:cSld>
@@ -6716,19 +6716,27 @@
               <a:t> = 100L, </a:t>
             </a:r>
             <a:r>
-              <a:rPr lang="en-US" sz="2000" dirty="0" err="1"/>
-              <a:t>interbatch_delay</a:t>
-            </a:r>
-            <a:r>
-              <a:rPr lang="en-US" sz="2000" dirty="0"/>
-              <a:t> = 0, </a:t>
-            </a:r>
-            <a:r>
               <a:rPr lang="en-US" sz="2000" dirty="0" err="1">
                 <a:solidFill>
                   <a:srgbClr val="FF0000"/>
                 </a:solidFill>
               </a:rPr>
+              <a:t>interbatch_delay</a:t>
+            </a:r>
+            <a:r>
+              <a:rPr lang="en-US" sz="2000" dirty="0">
+                <a:solidFill>
+                  <a:srgbClr val="FF0000"/>
+                </a:solidFill>
+              </a:rPr>
+              <a:t> = 0</a:t>
+            </a:r>
+            <a:r>
+              <a:rPr lang="en-US" sz="2000" dirty="0"/>
+              <a:t>, </a:t>
+            </a:r>
+            <a:r>
+              <a:rPr lang="en-US" sz="2000" dirty="0" err="1"/>
               <a:t>redcap_uri</a:t>
             </a:r>
             <a:r>
@@ -6796,65 +6804,39 @@
             </a:pPr>
             <a:r>
               <a:rPr lang="en-US" sz="2000" dirty="0" err="1" smtClean="0"/>
-              <a:t>redcap_uri</a:t>
+              <a:t>interbatch_delay</a:t>
             </a:r>
             <a:r>
               <a:rPr lang="en-US" sz="2000" dirty="0" smtClean="0"/>
-              <a:t>:</a:t>
-            </a:r>
+              <a:t>:		The number of seconds the function will wait before</a:t>
+            </a:r>
+          </a:p>
+          <a:p>
+            <a:pPr marL="0" indent="0">
+              <a:buNone/>
+            </a:pPr>
             <a:r>
               <a:rPr lang="en-US" sz="2000" dirty="0"/>
               <a:t>	</a:t>
             </a:r>
             <a:r>
               <a:rPr lang="en-US" sz="2000" dirty="0" smtClean="0"/>
-              <a:t>The URI of the REDCap project.  Required.</a:t>
-            </a:r>
-          </a:p>
-          <a:p>
-            <a:pPr marL="0" indent="0">
-              <a:buNone/>
-            </a:pPr>
+              <a:t>		requesting a new subset from REDCap.  The default</a:t>
+            </a:r>
+          </a:p>
+          <a:p>
+            <a:pPr marL="0" indent="0">
+              <a:buNone/>
+            </a:pPr>
+            <a:r>
+              <a:rPr lang="en-US" sz="2000" dirty="0"/>
+              <a:t>	</a:t>
+            </a:r>
+            <a:r>
+              <a:rPr lang="en-US" sz="2000" dirty="0" smtClean="0"/>
+              <a:t>		is 0.5 seconds</a:t>
+            </a:r>
             <a:endParaRPr lang="en-US" sz="2000" dirty="0"/>
-          </a:p>
-          <a:p>
-            <a:pPr marL="0" indent="0">
-              <a:buNone/>
-            </a:pPr>
-            <a:endParaRPr lang="en-US" sz="2000" dirty="0" smtClean="0"/>
-          </a:p>
-          <a:p>
-            <a:pPr marL="0" indent="0">
-              <a:buNone/>
-            </a:pPr>
-            <a:endParaRPr lang="en-US" sz="2000" dirty="0"/>
-          </a:p>
-          <a:p>
-            <a:pPr marL="0" indent="0">
-              <a:buNone/>
-            </a:pPr>
-            <a:endParaRPr lang="en-US" sz="2000" dirty="0" smtClean="0"/>
-          </a:p>
-          <a:p>
-            <a:pPr marL="0" indent="0">
-              <a:buNone/>
-            </a:pPr>
-            <a:r>
-              <a:rPr lang="en-US" sz="1400" dirty="0" smtClean="0"/>
-              <a:t>Note: </a:t>
-            </a:r>
-            <a:r>
-              <a:rPr lang="en-US" sz="1400" dirty="0"/>
-              <a:t>In computing, a uniform resource identifier (</a:t>
-            </a:r>
-            <a:r>
-              <a:rPr lang="en-US" sz="1400" b="1" dirty="0"/>
-              <a:t>URI</a:t>
-            </a:r>
-            <a:r>
-              <a:rPr lang="en-US" sz="1400" dirty="0"/>
-              <a:t>) is a string of characters used to identify a name of a web resource. Such identification enables interaction with representations of the web resource over a network (typically the World Wide Web) using specific protocols.</a:t>
-            </a:r>
           </a:p>
         </p:txBody>
       </p:sp>
@@ -6916,7 +6898,7 @@
     </p:spTree>
     <p:extLst>
       <p:ext uri="{BB962C8B-B14F-4D97-AF65-F5344CB8AC3E}">
-        <p14:creationId xmlns:p14="http://schemas.microsoft.com/office/powerpoint/2010/main" val="160161231"/>
+        <p14:creationId xmlns:p14="http://schemas.microsoft.com/office/powerpoint/2010/main" val="172033235"/>
       </p:ext>
     </p:extLst>
   </p:cSld>
@@ -7015,24 +6997,16 @@
               <a:t> = 0, </a:t>
             </a:r>
             <a:r>
-              <a:rPr lang="en-US" sz="2000" dirty="0" err="1"/>
-              <a:t>redcap_uri</a:t>
-            </a:r>
-            <a:r>
-              <a:rPr lang="en-US" sz="2000" dirty="0"/>
-              <a:t>, </a:t>
-            </a:r>
-            <a:r>
-              <a:rPr lang="en-US" sz="2000" dirty="0">
+              <a:rPr lang="en-US" sz="2000" dirty="0" err="1">
                 <a:solidFill>
                   <a:srgbClr val="FF0000"/>
                 </a:solidFill>
               </a:rPr>
-              <a:t>token</a:t>
-            </a:r>
-            <a:r>
-              <a:rPr lang="en-US" sz="2000" dirty="0"/>
-              <a:t>, records = NULL, </a:t>
+              <a:t>redcap_uri</a:t>
+            </a:r>
+            <a:r>
+              <a:rPr lang="en-US" sz="2000" dirty="0"/>
+              <a:t>, token, records = NULL, </a:t>
             </a:r>
             <a:r>
               <a:rPr lang="en-US" sz="2000" dirty="0" err="1"/>
@@ -7094,8 +7068,20 @@
               <a:buNone/>
             </a:pPr>
             <a:r>
+              <a:rPr lang="en-US" sz="2000" dirty="0" err="1" smtClean="0"/>
+              <a:t>redcap_uri</a:t>
+            </a:r>
+            <a:r>
               <a:rPr lang="en-US" sz="2000" dirty="0" smtClean="0"/>
-              <a:t>token:	The user-specific string that serves as the password for a project.  Required.</a:t>
+              <a:t>:</a:t>
+            </a:r>
+            <a:r>
+              <a:rPr lang="en-US" sz="2000" dirty="0"/>
+              <a:t>	</a:t>
+            </a:r>
+            <a:r>
+              <a:rPr lang="en-US" sz="2000" dirty="0" smtClean="0"/>
+              <a:t>The URI of the REDCap project.  Required.</a:t>
             </a:r>
           </a:p>
           <a:p>
@@ -7103,6 +7089,45 @@
               <a:buNone/>
             </a:pPr>
             <a:endParaRPr lang="en-US" sz="2000" dirty="0"/>
+          </a:p>
+          <a:p>
+            <a:pPr marL="0" indent="0">
+              <a:buNone/>
+            </a:pPr>
+            <a:endParaRPr lang="en-US" sz="2000" dirty="0" smtClean="0"/>
+          </a:p>
+          <a:p>
+            <a:pPr marL="0" indent="0">
+              <a:buNone/>
+            </a:pPr>
+            <a:endParaRPr lang="en-US" sz="2000" dirty="0"/>
+          </a:p>
+          <a:p>
+            <a:pPr marL="0" indent="0">
+              <a:buNone/>
+            </a:pPr>
+            <a:endParaRPr lang="en-US" sz="2000" dirty="0" smtClean="0"/>
+          </a:p>
+          <a:p>
+            <a:pPr marL="0" indent="0">
+              <a:buNone/>
+            </a:pPr>
+            <a:r>
+              <a:rPr lang="en-US" sz="1400" dirty="0" smtClean="0"/>
+              <a:t>Note: </a:t>
+            </a:r>
+            <a:r>
+              <a:rPr lang="en-US" sz="1400" dirty="0"/>
+              <a:t>In computing, a uniform resource identifier (</a:t>
+            </a:r>
+            <a:r>
+              <a:rPr lang="en-US" sz="1400" b="1" dirty="0"/>
+              <a:t>URI</a:t>
+            </a:r>
+            <a:r>
+              <a:rPr lang="en-US" sz="1400" dirty="0"/>
+              <a:t>) is a string of characters used to identify a name of a web resource. Such identification enables interaction with representations of the web resource over a network (typically the World Wide Web) using specific protocols.</a:t>
+            </a:r>
           </a:p>
         </p:txBody>
       </p:sp>
@@ -7164,7 +7189,7 @@
     </p:spTree>
     <p:extLst>
       <p:ext uri="{BB962C8B-B14F-4D97-AF65-F5344CB8AC3E}">
-        <p14:creationId xmlns:p14="http://schemas.microsoft.com/office/powerpoint/2010/main" val="2257959587"/>
+        <p14:creationId xmlns:p14="http://schemas.microsoft.com/office/powerpoint/2010/main" val="160161231"/>
       </p:ext>
     </p:extLst>
   </p:cSld>
@@ -7403,11 +7428,7 @@
                       </a:r>
                       <a:r>
                         <a:rPr lang="en-US" sz="3600" baseline="0" dirty="0" smtClean="0"/>
-                        <a:t> </a:t>
-                      </a:r>
-                      <a:r>
-                        <a:rPr lang="en-US" sz="3600" baseline="0" dirty="0" smtClean="0"/>
-                        <a:t>&amp; Reproducible Research</a:t>
+                        <a:t> &amp; Reproducible Research</a:t>
                       </a:r>
                       <a:endParaRPr lang="en-US" sz="3600" dirty="0" smtClean="0"/>
                     </a:p>
@@ -7755,7 +7776,7 @@
             </a:r>
             <a:r>
               <a:rPr lang="en-US" sz="2000" dirty="0"/>
-              <a:t>, token, </a:t>
+              <a:t>, </a:t>
             </a:r>
             <a:r>
               <a:rPr lang="en-US" sz="2000" dirty="0">
@@ -7763,11 +7784,11 @@
                   <a:srgbClr val="FF0000"/>
                 </a:solidFill>
               </a:rPr>
-              <a:t>records = NULL</a:t>
-            </a:r>
-            <a:r>
-              <a:rPr lang="en-US" sz="2000" dirty="0"/>
-              <a:t>, </a:t>
+              <a:t>token</a:t>
+            </a:r>
+            <a:r>
+              <a:rPr lang="en-US" sz="2000" dirty="0"/>
+              <a:t>, records = NULL, </a:t>
             </a:r>
             <a:r>
               <a:rPr lang="en-US" sz="2000" dirty="0" err="1"/>
@@ -7802,12 +7823,16 @@
               <a:t> = "raw", verbose = TRUE, </a:t>
             </a:r>
             <a:r>
-              <a:rPr lang="en-US" sz="2000" dirty="0" err="1"/>
+              <a:rPr lang="en-US" sz="2000" dirty="0" err="1" smtClean="0"/>
               <a:t>cert_location</a:t>
             </a:r>
             <a:r>
-              <a:rPr lang="en-US" sz="2000" dirty="0"/>
-              <a:t> = NULL</a:t>
+              <a:rPr lang="en-US" sz="2000" dirty="0" smtClean="0"/>
+              <a:t> </a:t>
+            </a:r>
+            <a:r>
+              <a:rPr lang="en-US" sz="2000" dirty="0"/>
+              <a:t>= NULL</a:t>
             </a:r>
             <a:r>
               <a:rPr lang="en-US" sz="2000" dirty="0" smtClean="0"/>
@@ -7826,29 +7851,13 @@
             </a:pPr>
             <a:r>
               <a:rPr lang="en-US" sz="2000" dirty="0" smtClean="0"/>
-              <a:t>records:	</a:t>
-            </a:r>
-            <a:r>
-              <a:rPr lang="en-US" sz="2000" dirty="0"/>
-              <a:t>	</a:t>
-            </a:r>
-            <a:r>
-              <a:rPr lang="en-US" sz="2000" dirty="0" smtClean="0"/>
-              <a:t>An array, where each element corresponds to the ID of a desired</a:t>
-            </a:r>
-          </a:p>
-          <a:p>
-            <a:pPr marL="0" indent="0">
-              <a:buNone/>
-            </a:pPr>
-            <a:r>
-              <a:rPr lang="en-US" sz="2000" dirty="0"/>
-              <a:t>	</a:t>
-            </a:r>
-            <a:r>
-              <a:rPr lang="en-US" sz="2000" dirty="0" smtClean="0"/>
-              <a:t>	record.  Optional.</a:t>
-            </a:r>
+              <a:t>token:	The user-specific string that serves as the password for a project.  Required.</a:t>
+            </a:r>
+          </a:p>
+          <a:p>
+            <a:pPr marL="0" indent="0">
+              <a:buNone/>
+            </a:pPr>
             <a:endParaRPr lang="en-US" sz="2000" dirty="0"/>
           </a:p>
         </p:txBody>
@@ -7911,7 +7920,7 @@
     </p:spTree>
     <p:extLst>
       <p:ext uri="{BB962C8B-B14F-4D97-AF65-F5344CB8AC3E}">
-        <p14:creationId xmlns:p14="http://schemas.microsoft.com/office/powerpoint/2010/main" val="1794959244"/>
+        <p14:creationId xmlns:p14="http://schemas.microsoft.com/office/powerpoint/2010/main" val="2257959587"/>
       </p:ext>
     </p:extLst>
   </p:cSld>
@@ -8015,15 +8024,7 @@
             </a:r>
             <a:r>
               <a:rPr lang="en-US" sz="2000" dirty="0"/>
-              <a:t>, token, records = NULL, </a:t>
-            </a:r>
-            <a:r>
-              <a:rPr lang="en-US" sz="2000" dirty="0" err="1">
-                <a:solidFill>
-                  <a:srgbClr val="FF0000"/>
-                </a:solidFill>
-              </a:rPr>
-              <a:t>records_collapsed</a:t>
+              <a:t>, token, </a:t>
             </a:r>
             <a:r>
               <a:rPr lang="en-US" sz="2000" dirty="0">
@@ -8031,11 +8032,19 @@
                   <a:srgbClr val="FF0000"/>
                 </a:solidFill>
               </a:rPr>
-              <a:t> = NULL</a:t>
-            </a:r>
-            <a:r>
-              <a:rPr lang="en-US" sz="2000" dirty="0"/>
-              <a:t>, fields = NULL, </a:t>
+              <a:t>records = NULL</a:t>
+            </a:r>
+            <a:r>
+              <a:rPr lang="en-US" sz="2000" dirty="0"/>
+              <a:t>, </a:t>
+            </a:r>
+            <a:r>
+              <a:rPr lang="en-US" sz="2000" dirty="0" err="1"/>
+              <a:t>records_collapsed</a:t>
+            </a:r>
+            <a:r>
+              <a:rPr lang="en-US" sz="2000" dirty="0"/>
+              <a:t> = NULL, fields = NULL, </a:t>
             </a:r>
             <a:r>
               <a:rPr lang="en-US" sz="2000" dirty="0" err="1"/>
@@ -8085,25 +8094,29 @@
               <a:buNone/>
             </a:pPr>
             <a:r>
-              <a:rPr lang="en-US" sz="2000" dirty="0" err="1" smtClean="0"/>
-              <a:t>records_collapsed</a:t>
-            </a:r>
-            <a:r>
               <a:rPr lang="en-US" sz="2000" dirty="0" smtClean="0"/>
-              <a:t>:	A single string, where the desired ID values are separated</a:t>
-            </a:r>
-          </a:p>
-          <a:p>
-            <a:pPr marL="0" indent="0">
-              <a:buNone/>
-            </a:pPr>
+              <a:t>records:	</a:t>
+            </a:r>
             <a:r>
               <a:rPr lang="en-US" sz="2000" dirty="0"/>
               <a:t>	</a:t>
             </a:r>
             <a:r>
               <a:rPr lang="en-US" sz="2000" dirty="0" smtClean="0"/>
-              <a:t>		by commas.  Optional.</a:t>
+              <a:t>An array, where each element corresponds to the ID of a desired</a:t>
+            </a:r>
+          </a:p>
+          <a:p>
+            <a:pPr marL="0" indent="0">
+              <a:buNone/>
+            </a:pPr>
+            <a:r>
+              <a:rPr lang="en-US" sz="2000" dirty="0"/>
+              <a:t>	</a:t>
+            </a:r>
+            <a:r>
+              <a:rPr lang="en-US" sz="2000" dirty="0" smtClean="0"/>
+              <a:t>	record.  Optional.</a:t>
             </a:r>
             <a:endParaRPr lang="en-US" sz="2000" dirty="0"/>
           </a:p>
@@ -8167,7 +8180,7 @@
     </p:spTree>
     <p:extLst>
       <p:ext uri="{BB962C8B-B14F-4D97-AF65-F5344CB8AC3E}">
-        <p14:creationId xmlns:p14="http://schemas.microsoft.com/office/powerpoint/2010/main" val="2935658833"/>
+        <p14:creationId xmlns:p14="http://schemas.microsoft.com/office/powerpoint/2010/main" val="1794959244"/>
       </p:ext>
     </p:extLst>
   </p:cSld>
@@ -8274,12 +8287,12 @@
               <a:t>, token, records = NULL, </a:t>
             </a:r>
             <a:r>
-              <a:rPr lang="en-US" sz="2000" dirty="0" err="1"/>
+              <a:rPr lang="en-US" sz="2000" dirty="0" err="1">
+                <a:solidFill>
+                  <a:srgbClr val="FF0000"/>
+                </a:solidFill>
+              </a:rPr>
               <a:t>records_collapsed</a:t>
-            </a:r>
-            <a:r>
-              <a:rPr lang="en-US" sz="2000" dirty="0"/>
-              <a:t> = NULL, </a:t>
             </a:r>
             <a:r>
               <a:rPr lang="en-US" sz="2000" dirty="0">
@@ -8287,11 +8300,11 @@
                   <a:srgbClr val="FF0000"/>
                 </a:solidFill>
               </a:rPr>
-              <a:t>fields = NULL</a:t>
-            </a:r>
-            <a:r>
-              <a:rPr lang="en-US" sz="2000" dirty="0"/>
-              <a:t>, </a:t>
+              <a:t> = NULL</a:t>
+            </a:r>
+            <a:r>
+              <a:rPr lang="en-US" sz="2000" dirty="0"/>
+              <a:t>, fields = NULL, </a:t>
             </a:r>
             <a:r>
               <a:rPr lang="en-US" sz="2000" dirty="0" err="1"/>
@@ -8341,8 +8354,12 @@
               <a:buNone/>
             </a:pPr>
             <a:r>
+              <a:rPr lang="en-US" sz="2000" dirty="0" err="1" smtClean="0"/>
+              <a:t>records_collapsed</a:t>
+            </a:r>
+            <a:r>
               <a:rPr lang="en-US" sz="2000" dirty="0" smtClean="0"/>
-              <a:t>fields:	An array, where each element corresponds to a desired project field.</a:t>
+              <a:t>:	A single string, where the desired ID values are separated</a:t>
             </a:r>
           </a:p>
           <a:p>
@@ -8355,7 +8372,7 @@
             </a:r>
             <a:r>
               <a:rPr lang="en-US" sz="2000" dirty="0" smtClean="0"/>
-              <a:t>Optional.</a:t>
+              <a:t>		by commas.  Optional.</a:t>
             </a:r>
             <a:endParaRPr lang="en-US" sz="2000" dirty="0"/>
           </a:p>
@@ -8419,7 +8436,7 @@
     </p:spTree>
     <p:extLst>
       <p:ext uri="{BB962C8B-B14F-4D97-AF65-F5344CB8AC3E}">
-        <p14:creationId xmlns:p14="http://schemas.microsoft.com/office/powerpoint/2010/main" val="486919693"/>
+        <p14:creationId xmlns:p14="http://schemas.microsoft.com/office/powerpoint/2010/main" val="2935658833"/>
       </p:ext>
     </p:extLst>
   </p:cSld>
@@ -8531,15 +8548,7 @@
             </a:r>
             <a:r>
               <a:rPr lang="en-US" sz="2000" dirty="0"/>
-              <a:t> = NULL, fields = NULL, </a:t>
-            </a:r>
-            <a:r>
-              <a:rPr lang="en-US" sz="2000" dirty="0" err="1">
-                <a:solidFill>
-                  <a:srgbClr val="FF0000"/>
-                </a:solidFill>
-              </a:rPr>
-              <a:t>fields_collapsed</a:t>
+              <a:t> = NULL, </a:t>
             </a:r>
             <a:r>
               <a:rPr lang="en-US" sz="2000" dirty="0">
@@ -8547,11 +8556,19 @@
                   <a:srgbClr val="FF0000"/>
                 </a:solidFill>
               </a:rPr>
-              <a:t> = NULL</a:t>
+              <a:t>fields = NULL</a:t>
             </a:r>
             <a:r>
               <a:rPr lang="en-US" sz="2000" dirty="0"/>
               <a:t>, </a:t>
+            </a:r>
+            <a:r>
+              <a:rPr lang="en-US" sz="2000" dirty="0" err="1"/>
+              <a:t>fields_collapsed</a:t>
+            </a:r>
+            <a:r>
+              <a:rPr lang="en-US" sz="2000" dirty="0"/>
+              <a:t> = NULL, </a:t>
             </a:r>
             <a:r>
               <a:rPr lang="en-US" sz="2000" dirty="0" err="1"/>
@@ -8593,12 +8610,8 @@
               <a:buNone/>
             </a:pPr>
             <a:r>
-              <a:rPr lang="en-US" sz="2000" dirty="0" err="1" smtClean="0"/>
-              <a:t>fields_collapsed</a:t>
-            </a:r>
-            <a:r>
               <a:rPr lang="en-US" sz="2000" dirty="0" smtClean="0"/>
-              <a:t>:	A single string, where the desired field names are separated by</a:t>
+              <a:t>fields:	An array, where each element corresponds to a desired project field.</a:t>
             </a:r>
           </a:p>
           <a:p>
@@ -8611,7 +8624,7 @@
             </a:r>
             <a:r>
               <a:rPr lang="en-US" sz="2000" dirty="0" smtClean="0"/>
-              <a:t>	commas.  Optional.</a:t>
+              <a:t>Optional.</a:t>
             </a:r>
             <a:endParaRPr lang="en-US" sz="2000" dirty="0"/>
           </a:p>
@@ -8675,7 +8688,7 @@
     </p:spTree>
     <p:extLst>
       <p:ext uri="{BB962C8B-B14F-4D97-AF65-F5344CB8AC3E}">
-        <p14:creationId xmlns:p14="http://schemas.microsoft.com/office/powerpoint/2010/main" val="1210136252"/>
+        <p14:creationId xmlns:p14="http://schemas.microsoft.com/office/powerpoint/2010/main" val="486919693"/>
       </p:ext>
     </p:extLst>
   </p:cSld>
@@ -8790,20 +8803,12 @@
               <a:t> = NULL, fields = NULL, </a:t>
             </a:r>
             <a:r>
-              <a:rPr lang="en-US" sz="2000" dirty="0" err="1"/>
-              <a:t>fields_collapsed</a:t>
-            </a:r>
-            <a:r>
-              <a:rPr lang="en-US" sz="2000" dirty="0"/>
-              <a:t> = NULL, </a:t>
-            </a:r>
-            <a:r>
               <a:rPr lang="en-US" sz="2000" dirty="0" err="1">
                 <a:solidFill>
                   <a:srgbClr val="FF0000"/>
                 </a:solidFill>
               </a:rPr>
-              <a:t>export_data_access_groups</a:t>
+              <a:t>fields_collapsed</a:t>
             </a:r>
             <a:r>
               <a:rPr lang="en-US" sz="2000" dirty="0">
@@ -8811,11 +8816,19 @@
                   <a:srgbClr val="FF0000"/>
                 </a:solidFill>
               </a:rPr>
-              <a:t> = FALSE</a:t>
+              <a:t> = NULL</a:t>
             </a:r>
             <a:r>
               <a:rPr lang="en-US" sz="2000" dirty="0"/>
               <a:t>, </a:t>
+            </a:r>
+            <a:r>
+              <a:rPr lang="en-US" sz="2000" dirty="0" err="1"/>
+              <a:t>export_data_access_groups</a:t>
+            </a:r>
+            <a:r>
+              <a:rPr lang="en-US" sz="2000" dirty="0"/>
+              <a:t> = FALSE, </a:t>
             </a:r>
             <a:r>
               <a:rPr lang="en-US" sz="2000" dirty="0" err="1"/>
@@ -8850,66 +8863,24 @@
             </a:pPr>
             <a:r>
               <a:rPr lang="en-US" sz="2000" dirty="0" err="1" smtClean="0"/>
-              <a:t>export_data_access_groups</a:t>
+              <a:t>fields_collapsed</a:t>
             </a:r>
             <a:r>
               <a:rPr lang="en-US" sz="2000" dirty="0" smtClean="0"/>
-              <a:t>:	A </a:t>
-            </a:r>
-            <a:r>
-              <a:rPr lang="en-US" sz="2000" dirty="0" err="1" smtClean="0"/>
-              <a:t>boolean</a:t>
+              <a:t>:	A single string, where the desired field names are separated by</a:t>
+            </a:r>
+          </a:p>
+          <a:p>
+            <a:pPr marL="0" indent="0">
+              <a:buNone/>
+            </a:pPr>
+            <a:r>
+              <a:rPr lang="en-US" sz="2000" dirty="0"/>
+              <a:t>	</a:t>
             </a:r>
             <a:r>
               <a:rPr lang="en-US" sz="2000" dirty="0" smtClean="0"/>
-              <a:t> value that specifies whether or</a:t>
-            </a:r>
-          </a:p>
-          <a:p>
-            <a:pPr marL="0" indent="0">
-              <a:buNone/>
-            </a:pPr>
-            <a:r>
-              <a:rPr lang="en-US" sz="2000" dirty="0"/>
-              <a:t>	</a:t>
-            </a:r>
-            <a:r>
-              <a:rPr lang="en-US" sz="2000" dirty="0" smtClean="0"/>
-              <a:t>			not to export the “</a:t>
-            </a:r>
-            <a:r>
-              <a:rPr lang="en-US" sz="2000" dirty="0" err="1" smtClean="0"/>
-              <a:t>redcap_data_access_group</a:t>
-            </a:r>
-            <a:r>
-              <a:rPr lang="en-US" sz="2000" dirty="0" smtClean="0"/>
-              <a:t>”</a:t>
-            </a:r>
-          </a:p>
-          <a:p>
-            <a:pPr marL="0" indent="0">
-              <a:buNone/>
-            </a:pPr>
-            <a:r>
-              <a:rPr lang="en-US" sz="2000" dirty="0"/>
-              <a:t>	</a:t>
-            </a:r>
-            <a:r>
-              <a:rPr lang="en-US" sz="2000" dirty="0" smtClean="0"/>
-              <a:t>			field when data access groups are utilized in the</a:t>
-            </a:r>
-          </a:p>
-          <a:p>
-            <a:pPr marL="0" indent="0">
-              <a:buNone/>
-            </a:pPr>
-            <a:r>
-              <a:rPr lang="en-US" sz="2000" dirty="0"/>
-              <a:t>	</a:t>
-            </a:r>
-            <a:r>
-              <a:rPr lang="en-US" sz="2000" dirty="0" smtClean="0"/>
-              <a:t>			project.  Default is FALSE.  </a:t>
+              <a:t>	commas.  Optional.</a:t>
             </a:r>
             <a:endParaRPr lang="en-US" sz="2000" dirty="0"/>
           </a:p>
@@ -8973,7 +8944,7 @@
     </p:spTree>
     <p:extLst>
       <p:ext uri="{BB962C8B-B14F-4D97-AF65-F5344CB8AC3E}">
-        <p14:creationId xmlns:p14="http://schemas.microsoft.com/office/powerpoint/2010/main" val="4089122093"/>
+        <p14:creationId xmlns:p14="http://schemas.microsoft.com/office/powerpoint/2010/main" val="1210136252"/>
       </p:ext>
     </p:extLst>
   </p:cSld>
@@ -9096,20 +9067,12 @@
               <a:t> = NULL, </a:t>
             </a:r>
             <a:r>
-              <a:rPr lang="en-US" sz="2000" dirty="0" err="1"/>
-              <a:t>export_data_access_groups</a:t>
-            </a:r>
-            <a:r>
-              <a:rPr lang="en-US" sz="2000" dirty="0"/>
-              <a:t> = FALSE, </a:t>
-            </a:r>
-            <a:r>
               <a:rPr lang="en-US" sz="2000" dirty="0" err="1">
                 <a:solidFill>
                   <a:srgbClr val="FF0000"/>
                 </a:solidFill>
               </a:rPr>
-              <a:t>raw_or_label</a:t>
+              <a:t>export_data_access_groups</a:t>
             </a:r>
             <a:r>
               <a:rPr lang="en-US" sz="2000" dirty="0">
@@ -9117,11 +9080,19 @@
                   <a:srgbClr val="FF0000"/>
                 </a:solidFill>
               </a:rPr>
-              <a:t> = "raw"</a:t>
-            </a:r>
-            <a:r>
-              <a:rPr lang="en-US" sz="2000" dirty="0"/>
-              <a:t>, verbose = TRUE, </a:t>
+              <a:t> = FALSE</a:t>
+            </a:r>
+            <a:r>
+              <a:rPr lang="en-US" sz="2000" dirty="0"/>
+              <a:t>, </a:t>
+            </a:r>
+            <a:r>
+              <a:rPr lang="en-US" sz="2000" dirty="0" err="1"/>
+              <a:t>raw_or_label</a:t>
+            </a:r>
+            <a:r>
+              <a:rPr lang="en-US" sz="2000" dirty="0"/>
+              <a:t> = "raw", verbose = TRUE, </a:t>
             </a:r>
             <a:r>
               <a:rPr lang="en-US" sz="2000" dirty="0" err="1"/>
@@ -9148,11 +9119,19 @@
             </a:pPr>
             <a:r>
               <a:rPr lang="en-US" sz="2000" dirty="0" err="1" smtClean="0"/>
-              <a:t>raw_or_label</a:t>
+              <a:t>export_data_access_groups</a:t>
             </a:r>
             <a:r>
               <a:rPr lang="en-US" sz="2000" dirty="0" smtClean="0"/>
-              <a:t>:	A string (either ‘raw’ or ‘label’) that specifies whether to export</a:t>
+              <a:t>:	A </a:t>
+            </a:r>
+            <a:r>
+              <a:rPr lang="en-US" sz="2000" dirty="0" err="1" smtClean="0"/>
+              <a:t>boolean</a:t>
+            </a:r>
+            <a:r>
+              <a:rPr lang="en-US" sz="2000" dirty="0" smtClean="0"/>
+              <a:t> value that specifies whether or</a:t>
             </a:r>
           </a:p>
           <a:p>
@@ -9165,7 +9144,15 @@
             </a:r>
             <a:r>
               <a:rPr lang="en-US" sz="2000" dirty="0" smtClean="0"/>
-              <a:t>	the raw coded values or the labels for the options of multiple</a:t>
+              <a:t>			not to export the “</a:t>
+            </a:r>
+            <a:r>
+              <a:rPr lang="en-US" sz="2000" dirty="0" err="1" smtClean="0"/>
+              <a:t>redcap_data_access_group</a:t>
+            </a:r>
+            <a:r>
+              <a:rPr lang="en-US" sz="2000" dirty="0" smtClean="0"/>
+              <a:t>”</a:t>
             </a:r>
           </a:p>
           <a:p>
@@ -9178,7 +9165,20 @@
             </a:r>
             <a:r>
               <a:rPr lang="en-US" sz="2000" dirty="0" smtClean="0"/>
-              <a:t>	choice fields.  Default is ‘raw’.</a:t>
+              <a:t>			field when data access groups are utilized in the</a:t>
+            </a:r>
+          </a:p>
+          <a:p>
+            <a:pPr marL="0" indent="0">
+              <a:buNone/>
+            </a:pPr>
+            <a:r>
+              <a:rPr lang="en-US" sz="2000" dirty="0"/>
+              <a:t>	</a:t>
+            </a:r>
+            <a:r>
+              <a:rPr lang="en-US" sz="2000" dirty="0" smtClean="0"/>
+              <a:t>			project.  Default is FALSE.  </a:t>
             </a:r>
             <a:endParaRPr lang="en-US" sz="2000" dirty="0"/>
           </a:p>
@@ -9242,7 +9242,7 @@
     </p:spTree>
     <p:extLst>
       <p:ext uri="{BB962C8B-B14F-4D97-AF65-F5344CB8AC3E}">
-        <p14:creationId xmlns:p14="http://schemas.microsoft.com/office/powerpoint/2010/main" val="1610841167"/>
+        <p14:creationId xmlns:p14="http://schemas.microsoft.com/office/powerpoint/2010/main" val="4089122093"/>
       </p:ext>
     </p:extLst>
   </p:cSld>
@@ -9373,12 +9373,12 @@
               <a:t> = FALSE, </a:t>
             </a:r>
             <a:r>
-              <a:rPr lang="en-US" sz="2000" dirty="0" err="1"/>
+              <a:rPr lang="en-US" sz="2000" dirty="0" err="1">
+                <a:solidFill>
+                  <a:srgbClr val="FF0000"/>
+                </a:solidFill>
+              </a:rPr>
               <a:t>raw_or_label</a:t>
-            </a:r>
-            <a:r>
-              <a:rPr lang="en-US" sz="2000" dirty="0"/>
-              <a:t> = "raw", </a:t>
             </a:r>
             <a:r>
               <a:rPr lang="en-US" sz="2000" dirty="0">
@@ -9386,11 +9386,11 @@
                   <a:srgbClr val="FF0000"/>
                 </a:solidFill>
               </a:rPr>
-              <a:t>verbose = TRUE</a:t>
-            </a:r>
-            <a:r>
-              <a:rPr lang="en-US" sz="2000" dirty="0"/>
-              <a:t>, </a:t>
+              <a:t> = "raw"</a:t>
+            </a:r>
+            <a:r>
+              <a:rPr lang="en-US" sz="2000" dirty="0"/>
+              <a:t>, verbose = TRUE, </a:t>
             </a:r>
             <a:r>
               <a:rPr lang="en-US" sz="2000" dirty="0" err="1"/>
@@ -9416,16 +9416,25 @@
               <a:buNone/>
             </a:pPr>
             <a:r>
+              <a:rPr lang="en-US" sz="2000" dirty="0" err="1" smtClean="0"/>
+              <a:t>raw_or_label</a:t>
+            </a:r>
+            <a:r>
               <a:rPr lang="en-US" sz="2000" dirty="0" smtClean="0"/>
-              <a:t>verbose:		A </a:t>
-            </a:r>
-            <a:r>
-              <a:rPr lang="en-US" sz="2000" dirty="0" err="1" smtClean="0"/>
-              <a:t>boolean</a:t>
+              <a:t>:	A string (either ‘raw’ or ‘label’) that specifies whether to export</a:t>
+            </a:r>
+          </a:p>
+          <a:p>
+            <a:pPr marL="0" indent="0">
+              <a:buNone/>
+            </a:pPr>
+            <a:r>
+              <a:rPr lang="en-US" sz="2000" dirty="0"/>
+              <a:t>	</a:t>
             </a:r>
             <a:r>
               <a:rPr lang="en-US" sz="2000" dirty="0" smtClean="0"/>
-              <a:t> value indicating if messages should be printed</a:t>
+              <a:t>	the raw coded values or the labels for the options of multiple</a:t>
             </a:r>
           </a:p>
           <a:p>
@@ -9438,7 +9447,7 @@
             </a:r>
             <a:r>
               <a:rPr lang="en-US" sz="2000" dirty="0" smtClean="0"/>
-              <a:t>	to the R console during the operation.  Optional.</a:t>
+              <a:t>	choice fields.  Default is ‘raw’.</a:t>
             </a:r>
             <a:endParaRPr lang="en-US" sz="2000" dirty="0"/>
           </a:p>
@@ -9502,7 +9511,7 @@
     </p:spTree>
     <p:extLst>
       <p:ext uri="{BB962C8B-B14F-4D97-AF65-F5344CB8AC3E}">
-        <p14:creationId xmlns:p14="http://schemas.microsoft.com/office/powerpoint/2010/main" val="2904820133"/>
+        <p14:creationId xmlns:p14="http://schemas.microsoft.com/office/powerpoint/2010/main" val="1610841167"/>
       </p:ext>
     </p:extLst>
   </p:cSld>
@@ -9638,15 +9647,7 @@
             </a:r>
             <a:r>
               <a:rPr lang="en-US" sz="2000" dirty="0"/>
-              <a:t> = "raw", verbose = TRUE, </a:t>
-            </a:r>
-            <a:r>
-              <a:rPr lang="en-US" sz="2000" dirty="0" err="1">
-                <a:solidFill>
-                  <a:srgbClr val="FF0000"/>
-                </a:solidFill>
-              </a:rPr>
-              <a:t>cert_location</a:t>
+              <a:t> = "raw", </a:t>
             </a:r>
             <a:r>
               <a:rPr lang="en-US" sz="2000" dirty="0">
@@ -9654,6 +9655,18 @@
                   <a:srgbClr val="FF0000"/>
                 </a:solidFill>
               </a:rPr>
+              <a:t>verbose = TRUE</a:t>
+            </a:r>
+            <a:r>
+              <a:rPr lang="en-US" sz="2000" dirty="0"/>
+              <a:t>, </a:t>
+            </a:r>
+            <a:r>
+              <a:rPr lang="en-US" sz="2000" dirty="0" err="1"/>
+              <a:t>cert_location</a:t>
+            </a:r>
+            <a:r>
+              <a:rPr lang="en-US" sz="2000" dirty="0"/>
               <a:t> = NULL</a:t>
             </a:r>
             <a:r>
@@ -9672,12 +9685,16 @@
               <a:buNone/>
             </a:pPr>
             <a:r>
+              <a:rPr lang="en-US" sz="2000" dirty="0" smtClean="0"/>
+              <a:t>verbose:		A </a:t>
+            </a:r>
+            <a:r>
               <a:rPr lang="en-US" sz="2000" dirty="0" err="1" smtClean="0"/>
-              <a:t>cert_location</a:t>
+              <a:t>boolean</a:t>
             </a:r>
             <a:r>
               <a:rPr lang="en-US" sz="2000" dirty="0" smtClean="0"/>
-              <a:t>:	If present, this string should point to the location of cert</a:t>
+              <a:t> value indicating if messages should be printed</a:t>
             </a:r>
           </a:p>
           <a:p>
@@ -9690,41 +9707,7 @@
             </a:r>
             <a:r>
               <a:rPr lang="en-US" sz="2000" dirty="0" smtClean="0"/>
-              <a:t>	files required for SSL verification.  If the value is missing or NULL,</a:t>
-            </a:r>
-          </a:p>
-          <a:p>
-            <a:pPr marL="0" indent="0">
-              <a:buNone/>
-            </a:pPr>
-            <a:r>
-              <a:rPr lang="en-US" sz="2000" dirty="0"/>
-              <a:t>	</a:t>
-            </a:r>
-            <a:r>
-              <a:rPr lang="en-US" sz="2000" dirty="0" smtClean="0"/>
-              <a:t>	the server’s identity will be verified using a recent CA bundle</a:t>
-            </a:r>
-          </a:p>
-          <a:p>
-            <a:pPr marL="0" indent="0">
-              <a:buNone/>
-            </a:pPr>
-            <a:r>
-              <a:rPr lang="en-US" sz="2000" dirty="0"/>
-              <a:t>	</a:t>
-            </a:r>
-            <a:r>
-              <a:rPr lang="en-US" sz="2000" dirty="0" smtClean="0"/>
-              <a:t>	from the </a:t>
-            </a:r>
-            <a:r>
-              <a:rPr lang="en-US" sz="2000" dirty="0" err="1" smtClean="0"/>
-              <a:t>cURL</a:t>
-            </a:r>
-            <a:r>
-              <a:rPr lang="en-US" sz="2000" dirty="0" smtClean="0"/>
-              <a:t> website.  Optional.</a:t>
+              <a:t>	to the R console during the operation.  Optional.</a:t>
             </a:r>
             <a:endParaRPr lang="en-US" sz="2000" dirty="0"/>
           </a:p>
@@ -9788,7 +9771,7 @@
     </p:spTree>
     <p:extLst>
       <p:ext uri="{BB962C8B-B14F-4D97-AF65-F5344CB8AC3E}">
-        <p14:creationId xmlns:p14="http://schemas.microsoft.com/office/powerpoint/2010/main" val="4003326735"/>
+        <p14:creationId xmlns:p14="http://schemas.microsoft.com/office/powerpoint/2010/main" val="2904820133"/>
       </p:ext>
     </p:extLst>
   </p:cSld>
@@ -9849,63 +9832,170 @@
             </a:pPr>
             <a:r>
               <a:rPr lang="en-US" dirty="0" smtClean="0"/>
-              <a:t>Details</a:t>
-            </a:r>
-          </a:p>
-          <a:p>
-            <a:pPr marL="0" indent="0">
-              <a:buNone/>
-            </a:pPr>
-            <a:endParaRPr lang="en-US" sz="2800" dirty="0" smtClean="0"/>
-          </a:p>
-          <a:p>
-            <a:pPr marL="0" indent="0">
-              <a:buNone/>
-            </a:pPr>
-            <a:r>
-              <a:rPr lang="en-US" sz="2800" dirty="0" smtClean="0"/>
-              <a:t>Specifically, </a:t>
-            </a:r>
-            <a:r>
-              <a:rPr lang="en-US" sz="2800" dirty="0" err="1" smtClean="0"/>
-              <a:t>REDCapR</a:t>
-            </a:r>
-            <a:r>
-              <a:rPr lang="en-US" sz="2800" dirty="0" smtClean="0"/>
-              <a:t> internally uses multiple calls to </a:t>
-            </a:r>
-            <a:r>
-              <a:rPr lang="en-US" sz="2800" dirty="0" err="1" smtClean="0"/>
-              <a:t>redcap_read_oneshot</a:t>
-            </a:r>
-            <a:r>
-              <a:rPr lang="en-US" sz="2800" dirty="0" smtClean="0"/>
-              <a:t> to select and return data.  Initially, only primary key is queried through the REDCap API.  The long list is then </a:t>
-            </a:r>
-            <a:r>
-              <a:rPr lang="en-US" sz="2800" dirty="0" err="1" smtClean="0"/>
-              <a:t>subsetted</a:t>
-            </a:r>
-            <a:r>
-              <a:rPr lang="en-US" sz="2800" dirty="0" smtClean="0"/>
-              <a:t> into partitions, whose sizes are determined by the </a:t>
-            </a:r>
-            <a:r>
-              <a:rPr lang="en-US" sz="2800" dirty="0" err="1" smtClean="0"/>
+              <a:t>Usage</a:t>
+            </a:r>
+          </a:p>
+          <a:p>
+            <a:pPr marL="0" indent="0">
+              <a:buNone/>
+            </a:pPr>
+            <a:endParaRPr lang="en-US" dirty="0" smtClean="0"/>
+          </a:p>
+          <a:p>
+            <a:pPr marL="0" indent="0">
+              <a:buNone/>
+            </a:pPr>
+            <a:r>
+              <a:rPr lang="en-US" sz="2000" dirty="0" err="1"/>
+              <a:t>redcap_read</a:t>
+            </a:r>
+            <a:r>
+              <a:rPr lang="en-US" sz="2000" dirty="0"/>
+              <a:t>(</a:t>
+            </a:r>
+            <a:r>
+              <a:rPr lang="en-US" sz="2000" dirty="0" err="1"/>
               <a:t>batch_size</a:t>
             </a:r>
             <a:r>
-              <a:rPr lang="en-US" sz="2800" dirty="0" smtClean="0"/>
-              <a:t> parameter.  REDCap is then queried for all variables of the subset’s subjects.  This is repeated for each subset, before returning a unified </a:t>
-            </a:r>
-            <a:r>
-              <a:rPr lang="en-US" sz="2800" dirty="0" err="1" smtClean="0"/>
-              <a:t>data.frame</a:t>
-            </a:r>
-            <a:r>
-              <a:rPr lang="en-US" sz="2800" dirty="0" smtClean="0"/>
-              <a:t>.  The function allows a delay between calls, which allows the server to attend to other users’ requests.</a:t>
-            </a:r>
+              <a:rPr lang="en-US" sz="2000" dirty="0"/>
+              <a:t> = 100L, </a:t>
+            </a:r>
+            <a:r>
+              <a:rPr lang="en-US" sz="2000" dirty="0" err="1"/>
+              <a:t>interbatch_delay</a:t>
+            </a:r>
+            <a:r>
+              <a:rPr lang="en-US" sz="2000" dirty="0"/>
+              <a:t> = 0, </a:t>
+            </a:r>
+            <a:r>
+              <a:rPr lang="en-US" sz="2000" dirty="0" err="1"/>
+              <a:t>redcap_uri</a:t>
+            </a:r>
+            <a:r>
+              <a:rPr lang="en-US" sz="2000" dirty="0"/>
+              <a:t>, token, records = NULL, </a:t>
+            </a:r>
+            <a:r>
+              <a:rPr lang="en-US" sz="2000" dirty="0" err="1"/>
+              <a:t>records_collapsed</a:t>
+            </a:r>
+            <a:r>
+              <a:rPr lang="en-US" sz="2000" dirty="0"/>
+              <a:t> = NULL, fields = NULL, </a:t>
+            </a:r>
+            <a:r>
+              <a:rPr lang="en-US" sz="2000" dirty="0" err="1"/>
+              <a:t>fields_collapsed</a:t>
+            </a:r>
+            <a:r>
+              <a:rPr lang="en-US" sz="2000" dirty="0"/>
+              <a:t> = NULL, </a:t>
+            </a:r>
+            <a:r>
+              <a:rPr lang="en-US" sz="2000" dirty="0" err="1"/>
+              <a:t>export_data_access_groups</a:t>
+            </a:r>
+            <a:r>
+              <a:rPr lang="en-US" sz="2000" dirty="0"/>
+              <a:t> = FALSE, </a:t>
+            </a:r>
+            <a:r>
+              <a:rPr lang="en-US" sz="2000" dirty="0" err="1"/>
+              <a:t>raw_or_label</a:t>
+            </a:r>
+            <a:r>
+              <a:rPr lang="en-US" sz="2000" dirty="0"/>
+              <a:t> = "raw", verbose = TRUE, </a:t>
+            </a:r>
+            <a:r>
+              <a:rPr lang="en-US" sz="2000" dirty="0" err="1">
+                <a:solidFill>
+                  <a:srgbClr val="FF0000"/>
+                </a:solidFill>
+              </a:rPr>
+              <a:t>cert_location</a:t>
+            </a:r>
+            <a:r>
+              <a:rPr lang="en-US" sz="2000" dirty="0">
+                <a:solidFill>
+                  <a:srgbClr val="FF0000"/>
+                </a:solidFill>
+              </a:rPr>
+              <a:t> = NULL</a:t>
+            </a:r>
+            <a:r>
+              <a:rPr lang="en-US" sz="2000" dirty="0" smtClean="0"/>
+              <a:t>)</a:t>
+            </a:r>
+          </a:p>
+          <a:p>
+            <a:pPr marL="0" indent="0">
+              <a:buNone/>
+            </a:pPr>
+            <a:endParaRPr lang="en-US" sz="2000" dirty="0"/>
+          </a:p>
+          <a:p>
+            <a:pPr marL="0" indent="0">
+              <a:buNone/>
+            </a:pPr>
+            <a:r>
+              <a:rPr lang="en-US" sz="2000" dirty="0" err="1" smtClean="0"/>
+              <a:t>cert_location</a:t>
+            </a:r>
+            <a:r>
+              <a:rPr lang="en-US" sz="2000" dirty="0" smtClean="0"/>
+              <a:t>:	If present, this string should point to the location of cert</a:t>
+            </a:r>
+          </a:p>
+          <a:p>
+            <a:pPr marL="0" indent="0">
+              <a:buNone/>
+            </a:pPr>
+            <a:r>
+              <a:rPr lang="en-US" sz="2000" dirty="0"/>
+              <a:t>	</a:t>
+            </a:r>
+            <a:r>
+              <a:rPr lang="en-US" sz="2000" dirty="0" smtClean="0"/>
+              <a:t>	files required for SSL verification.  If the value is missing or NULL,</a:t>
+            </a:r>
+          </a:p>
+          <a:p>
+            <a:pPr marL="0" indent="0">
+              <a:buNone/>
+            </a:pPr>
+            <a:r>
+              <a:rPr lang="en-US" sz="2000" dirty="0"/>
+              <a:t>	</a:t>
+            </a:r>
+            <a:r>
+              <a:rPr lang="en-US" sz="2000" dirty="0" smtClean="0"/>
+              <a:t>	the server’s identity will be verified using a recent CA bundle</a:t>
+            </a:r>
+          </a:p>
+          <a:p>
+            <a:pPr marL="0" indent="0">
+              <a:buNone/>
+            </a:pPr>
+            <a:r>
+              <a:rPr lang="en-US" sz="2000" dirty="0"/>
+              <a:t>	</a:t>
+            </a:r>
+            <a:r>
+              <a:rPr lang="en-US" sz="2000" dirty="0" smtClean="0"/>
+              <a:t>	from the </a:t>
+            </a:r>
+            <a:r>
+              <a:rPr lang="en-US" sz="2000" dirty="0" err="1" smtClean="0"/>
+              <a:t>cURL</a:t>
+            </a:r>
+            <a:r>
+              <a:rPr lang="en-US" sz="2000" dirty="0" smtClean="0"/>
+              <a:t> website.  Optional.</a:t>
+            </a:r>
+            <a:endParaRPr lang="en-US" sz="2000" dirty="0"/>
           </a:p>
         </p:txBody>
       </p:sp>
@@ -9967,7 +10057,7 @@
     </p:spTree>
     <p:extLst>
       <p:ext uri="{BB962C8B-B14F-4D97-AF65-F5344CB8AC3E}">
-        <p14:creationId xmlns:p14="http://schemas.microsoft.com/office/powerpoint/2010/main" val="1849194995"/>
+        <p14:creationId xmlns:p14="http://schemas.microsoft.com/office/powerpoint/2010/main" val="4003326735"/>
       </p:ext>
     </p:extLst>
   </p:cSld>
@@ -10027,75 +10117,55 @@
               <a:buNone/>
             </a:pPr>
             <a:r>
-              <a:rPr lang="en-US" dirty="0" err="1" smtClean="0"/>
-              <a:t>redcap_write</a:t>
-            </a:r>
-            <a:r>
               <a:rPr lang="en-US" dirty="0" smtClean="0"/>
-              <a:t>(</a:t>
-            </a:r>
-            <a:r>
-              <a:rPr lang="en-US" dirty="0" err="1" smtClean="0"/>
-              <a:t>ds_to_write</a:t>
-            </a:r>
-            <a:r>
-              <a:rPr lang="en-US" dirty="0" smtClean="0"/>
-              <a:t>, </a:t>
-            </a:r>
-            <a:r>
-              <a:rPr lang="en-US" dirty="0" err="1" smtClean="0"/>
+              <a:t>Details</a:t>
+            </a:r>
+          </a:p>
+          <a:p>
+            <a:pPr marL="0" indent="0">
+              <a:buNone/>
+            </a:pPr>
+            <a:endParaRPr lang="en-US" sz="2800" dirty="0" smtClean="0"/>
+          </a:p>
+          <a:p>
+            <a:pPr marL="0" indent="0">
+              <a:buNone/>
+            </a:pPr>
+            <a:r>
+              <a:rPr lang="en-US" sz="2800" dirty="0" smtClean="0"/>
+              <a:t>Specifically, </a:t>
+            </a:r>
+            <a:r>
+              <a:rPr lang="en-US" sz="2800" dirty="0" err="1" smtClean="0"/>
+              <a:t>REDCapR</a:t>
+            </a:r>
+            <a:r>
+              <a:rPr lang="en-US" sz="2800" dirty="0" smtClean="0"/>
+              <a:t> internally uses multiple calls to </a:t>
+            </a:r>
+            <a:r>
+              <a:rPr lang="en-US" sz="2800" dirty="0" err="1" smtClean="0"/>
+              <a:t>redcap_read_oneshot</a:t>
+            </a:r>
+            <a:r>
+              <a:rPr lang="en-US" sz="2800" dirty="0" smtClean="0"/>
+              <a:t> to select and return data.  Initially, only primary key is queried through the REDCap API.  The long list is then </a:t>
+            </a:r>
+            <a:r>
+              <a:rPr lang="en-US" sz="2800" dirty="0" err="1" smtClean="0"/>
+              <a:t>subsetted</a:t>
+            </a:r>
+            <a:r>
+              <a:rPr lang="en-US" sz="2800" dirty="0" smtClean="0"/>
+              <a:t> into partitions, whose sizes are determined by the </a:t>
+            </a:r>
+            <a:r>
+              <a:rPr lang="en-US" sz="2800" dirty="0" err="1" smtClean="0"/>
               <a:t>batch_size</a:t>
             </a:r>
             <a:r>
-              <a:rPr lang="en-US" dirty="0" smtClean="0"/>
-              <a:t> = 10L, </a:t>
-            </a:r>
-            <a:r>
-              <a:rPr lang="en-US" dirty="0" err="1" smtClean="0"/>
-              <a:t>interbatch_delay</a:t>
-            </a:r>
-            <a:r>
-              <a:rPr lang="en-US" dirty="0" smtClean="0"/>
-              <a:t> = 0, </a:t>
-            </a:r>
-            <a:r>
-              <a:rPr lang="en-US" dirty="0" err="1" smtClean="0"/>
-              <a:t>redcap_uri</a:t>
-            </a:r>
-            <a:r>
-              <a:rPr lang="en-US" dirty="0" smtClean="0"/>
-              <a:t>, token, verbose = TRUE)</a:t>
-            </a:r>
-          </a:p>
-          <a:p>
-            <a:pPr marL="0" indent="0">
-              <a:buNone/>
-            </a:pPr>
-            <a:endParaRPr lang="en-US" sz="2800" dirty="0"/>
-          </a:p>
-          <a:p>
-            <a:pPr marL="0" indent="0">
-              <a:buNone/>
-            </a:pPr>
-            <a:r>
               <a:rPr lang="en-US" sz="2800" dirty="0" smtClean="0"/>
-              <a:t>This function contains many similar arguments to </a:t>
-            </a:r>
-            <a:r>
-              <a:rPr lang="en-US" sz="2800" dirty="0" err="1" smtClean="0"/>
-              <a:t>redcap_read</a:t>
-            </a:r>
-            <a:r>
-              <a:rPr lang="en-US" sz="2800" dirty="0" smtClean="0"/>
-              <a:t>.  The new argument, </a:t>
-            </a:r>
-            <a:r>
-              <a:rPr lang="en-US" sz="2800" dirty="0" err="1" smtClean="0"/>
-              <a:t>ds_to_write</a:t>
-            </a:r>
-            <a:r>
-              <a:rPr lang="en-US" sz="2800" dirty="0" smtClean="0"/>
-              <a:t>, is the R </a:t>
+              <a:t> parameter.  REDCap is then queried for all variables of the subset’s subjects.  This is repeated for each subset, before returning a unified </a:t>
             </a:r>
             <a:r>
               <a:rPr lang="en-US" sz="2800" dirty="0" err="1" smtClean="0"/>
@@ -10103,9 +10173,8 @@
             </a:r>
             <a:r>
               <a:rPr lang="en-US" sz="2800" dirty="0" smtClean="0"/>
-              <a:t> that is going to be imported into a REDCap project.</a:t>
-            </a:r>
-            <a:endParaRPr lang="en-US" sz="2800" dirty="0" smtClean="0"/>
+              <a:t>.  The function allows a delay between calls, which allows the server to attend to other users’ requests.</a:t>
+            </a:r>
           </a:p>
         </p:txBody>
       </p:sp>
@@ -10167,7 +10236,7 @@
     </p:spTree>
     <p:extLst>
       <p:ext uri="{BB962C8B-B14F-4D97-AF65-F5344CB8AC3E}">
-        <p14:creationId xmlns:p14="http://schemas.microsoft.com/office/powerpoint/2010/main" val="1920673231"/>
+        <p14:creationId xmlns:p14="http://schemas.microsoft.com/office/powerpoint/2010/main" val="1849194995"/>
       </p:ext>
     </p:extLst>
   </p:cSld>
@@ -10441,44 +10510,6 @@
       </p:grpSpPr>
       <p:sp>
         <p:nvSpPr>
-          <p:cNvPr id="2" name="Title 1"/>
-          <p:cNvSpPr>
-            <a:spLocks noGrp="1"/>
-          </p:cNvSpPr>
-          <p:nvPr>
-            <p:ph type="title"/>
-          </p:nvPr>
-        </p:nvSpPr>
-        <p:spPr>
-          <a:xfrm>
-            <a:off x="76200" y="76200"/>
-            <a:ext cx="8991600" cy="762000"/>
-          </a:xfrm>
-          <a:solidFill>
-            <a:srgbClr val="66C2A5"/>
-          </a:solidFill>
-        </p:spPr>
-        <p:txBody>
-          <a:bodyPr>
-            <a:normAutofit fontScale="90000"/>
-          </a:bodyPr>
-          <a:lstStyle/>
-          <a:p>
-            <a:pPr marL="0" indent="0"/>
-            <a:r>
-              <a:rPr lang="en-US" sz="4900" dirty="0" err="1" smtClean="0"/>
-              <a:t>REDCapR</a:t>
-            </a:r>
-            <a:r>
-              <a:rPr lang="en-US" sz="4900" dirty="0" smtClean="0"/>
-              <a:t> API Example</a:t>
-            </a:r>
-            <a:endParaRPr lang="en-US" dirty="0"/>
-          </a:p>
-        </p:txBody>
-      </p:sp>
-      <p:sp>
-        <p:nvSpPr>
           <p:cNvPr id="3" name="Content Placeholder 2"/>
           <p:cNvSpPr>
             <a:spLocks noGrp="1"/>
@@ -10489,8 +10520,8 @@
         </p:nvSpPr>
         <p:spPr>
           <a:xfrm>
-            <a:off x="0" y="838200"/>
-            <a:ext cx="9144000" cy="6019800"/>
+            <a:off x="0" y="1219200"/>
+            <a:ext cx="9144000" cy="5638800"/>
           </a:xfrm>
         </p:spPr>
         <p:txBody>
@@ -10499,29 +10530,142 @@
           </a:bodyPr>
           <a:lstStyle/>
           <a:p>
-            <a:endParaRPr lang="en-US" dirty="0" smtClean="0"/>
-          </a:p>
-          <a:p>
-            <a:r>
-              <a:rPr lang="en-US" sz="2500" dirty="0" smtClean="0"/>
-              <a:t>Using the </a:t>
-            </a:r>
-            <a:r>
-              <a:rPr lang="en-US" sz="2500" dirty="0" err="1" smtClean="0"/>
+            <a:pPr marL="0" indent="0">
+              <a:buNone/>
+            </a:pPr>
+            <a:r>
+              <a:rPr lang="en-US" dirty="0" err="1" smtClean="0"/>
+              <a:t>redcap_write</a:t>
+            </a:r>
+            <a:r>
+              <a:rPr lang="en-US" dirty="0" smtClean="0"/>
+              <a:t>(</a:t>
+            </a:r>
+            <a:r>
+              <a:rPr lang="en-US" dirty="0" err="1" smtClean="0"/>
+              <a:t>ds_to_write</a:t>
+            </a:r>
+            <a:r>
+              <a:rPr lang="en-US" dirty="0" smtClean="0"/>
+              <a:t>, </a:t>
+            </a:r>
+            <a:r>
+              <a:rPr lang="en-US" dirty="0" err="1" smtClean="0"/>
+              <a:t>batch_size</a:t>
+            </a:r>
+            <a:r>
+              <a:rPr lang="en-US" dirty="0" smtClean="0"/>
+              <a:t> = 10L, </a:t>
+            </a:r>
+            <a:r>
+              <a:rPr lang="en-US" dirty="0" err="1" smtClean="0"/>
+              <a:t>interbatch_delay</a:t>
+            </a:r>
+            <a:r>
+              <a:rPr lang="en-US" dirty="0" smtClean="0"/>
+              <a:t> = 0, </a:t>
+            </a:r>
+            <a:r>
+              <a:rPr lang="en-US" dirty="0" err="1" smtClean="0"/>
+              <a:t>redcap_uri</a:t>
+            </a:r>
+            <a:r>
+              <a:rPr lang="en-US" dirty="0" smtClean="0"/>
+              <a:t>, token, verbose = TRUE)</a:t>
+            </a:r>
+          </a:p>
+          <a:p>
+            <a:pPr marL="0" indent="0">
+              <a:buNone/>
+            </a:pPr>
+            <a:endParaRPr lang="en-US" sz="2800" dirty="0"/>
+          </a:p>
+          <a:p>
+            <a:pPr marL="0" indent="0">
+              <a:buNone/>
+            </a:pPr>
+            <a:r>
+              <a:rPr lang="en-US" sz="2800" dirty="0" smtClean="0"/>
+              <a:t>This function contains many similar arguments to </a:t>
+            </a:r>
+            <a:r>
+              <a:rPr lang="en-US" sz="2800" dirty="0" err="1" smtClean="0"/>
               <a:t>redcap_read</a:t>
             </a:r>
             <a:r>
-              <a:rPr lang="en-US" sz="2500" dirty="0" smtClean="0"/>
-              <a:t>() function data can be extracted from REDCap with only one line</a:t>
-            </a:r>
-          </a:p>
-          <a:p>
-            <a:endParaRPr lang="en-US" dirty="0"/>
-          </a:p>
-          <a:p>
-            <a:pPr marL="0" indent="0">
-              <a:buNone/>
-            </a:pPr>
+              <a:rPr lang="en-US" sz="2800" dirty="0" smtClean="0"/>
+              <a:t>.  The new argument, </a:t>
+            </a:r>
+            <a:r>
+              <a:rPr lang="en-US" sz="2800" dirty="0" err="1" smtClean="0"/>
+              <a:t>ds_to_write</a:t>
+            </a:r>
+            <a:r>
+              <a:rPr lang="en-US" sz="2800" dirty="0" smtClean="0"/>
+              <a:t>, is the R </a:t>
+            </a:r>
+            <a:r>
+              <a:rPr lang="en-US" sz="2800" dirty="0" err="1" smtClean="0"/>
+              <a:t>data.frame</a:t>
+            </a:r>
+            <a:r>
+              <a:rPr lang="en-US" sz="2800" dirty="0" smtClean="0"/>
+              <a:t> that is going to be imported into a REDCap project.</a:t>
+            </a:r>
+          </a:p>
+        </p:txBody>
+      </p:sp>
+      <p:sp>
+        <p:nvSpPr>
+          <p:cNvPr id="5" name="Title 1"/>
+          <p:cNvSpPr txBox="1">
+            <a:spLocks/>
+          </p:cNvSpPr>
+          <p:nvPr/>
+        </p:nvSpPr>
+        <p:spPr>
+          <a:xfrm>
+            <a:off x="76200" y="76200"/>
+            <a:ext cx="8991600" cy="758952"/>
+          </a:xfrm>
+          <a:prstGeom prst="rect">
+            <a:avLst/>
+          </a:prstGeom>
+          <a:solidFill>
+            <a:srgbClr val="E6F598"/>
+          </a:solidFill>
+        </p:spPr>
+        <p:txBody>
+          <a:bodyPr vert="horz" lIns="91440" tIns="45720" rIns="91440" bIns="45720" rtlCol="0" anchor="ctr">
+            <a:normAutofit fontScale="97500"/>
+          </a:bodyPr>
+          <a:lstStyle>
+            <a:lvl1pPr algn="ctr" defTabSz="914400" rtl="0" eaLnBrk="1" latinLnBrk="0" hangingPunct="1">
+              <a:spcBef>
+                <a:spcPct val="0"/>
+              </a:spcBef>
+              <a:buNone/>
+              <a:defRPr sz="4400" kern="1200">
+                <a:solidFill>
+                  <a:schemeClr val="tx1"/>
+                </a:solidFill>
+                <a:latin typeface="+mj-lt"/>
+                <a:ea typeface="+mj-ea"/>
+                <a:cs typeface="+mj-cs"/>
+              </a:defRPr>
+            </a:lvl1pPr>
+          </a:lstStyle>
+          <a:p>
+            <a:pPr>
+              <a:spcBef>
+                <a:spcPts val="0"/>
+              </a:spcBef>
+              <a:defRPr/>
+            </a:pPr>
+            <a:r>
+              <a:rPr lang="en-US" dirty="0" err="1" smtClean="0"/>
+              <a:t>REDCapR</a:t>
+            </a:r>
             <a:endParaRPr lang="en-US" dirty="0"/>
           </a:p>
         </p:txBody>
@@ -10529,7 +10673,7 @@
     </p:spTree>
     <p:extLst>
       <p:ext uri="{BB962C8B-B14F-4D97-AF65-F5344CB8AC3E}">
-        <p14:creationId xmlns:p14="http://schemas.microsoft.com/office/powerpoint/2010/main" val="2857515703"/>
+        <p14:creationId xmlns:p14="http://schemas.microsoft.com/office/powerpoint/2010/main" val="1920673231"/>
       </p:ext>
     </p:extLst>
   </p:cSld>
@@ -10623,98 +10767,23 @@
           </a:bodyPr>
           <a:lstStyle/>
           <a:p>
-            <a:pPr marL="0" indent="0">
-              <a:buNone/>
-            </a:pPr>
             <a:endParaRPr lang="en-US" dirty="0" smtClean="0"/>
           </a:p>
           <a:p>
-            <a:pPr marL="0" indent="0">
-              <a:buNone/>
-            </a:pPr>
-            <a:r>
-              <a:rPr lang="en-US" dirty="0" smtClean="0"/>
-              <a:t>Simple </a:t>
-            </a:r>
-            <a:r>
-              <a:rPr lang="en-US" dirty="0" err="1" smtClean="0"/>
-              <a:t>REDCapR</a:t>
-            </a:r>
-            <a:r>
-              <a:rPr lang="en-US" dirty="0" smtClean="0"/>
-              <a:t> example using the default settings.</a:t>
-            </a:r>
-          </a:p>
-          <a:p>
-            <a:pPr marL="0" indent="0">
-              <a:buNone/>
-            </a:pPr>
-            <a:endParaRPr lang="en-US" dirty="0" smtClean="0"/>
-          </a:p>
-          <a:p>
-            <a:pPr marL="0" indent="0">
-              <a:buNone/>
-            </a:pPr>
-            <a:r>
-              <a:rPr lang="en-US" dirty="0"/>
-              <a:t>ds &lt;- </a:t>
-            </a:r>
-            <a:r>
-              <a:rPr lang="en-US" dirty="0" err="1"/>
+            <a:r>
+              <a:rPr lang="en-US" sz="2500" dirty="0" smtClean="0"/>
+              <a:t>Using the </a:t>
+            </a:r>
+            <a:r>
+              <a:rPr lang="en-US" sz="2500" dirty="0" err="1" smtClean="0"/>
               <a:t>redcap_read</a:t>
             </a:r>
             <a:r>
-              <a:rPr lang="en-US" dirty="0"/>
-              <a:t>(</a:t>
-            </a:r>
-            <a:r>
-              <a:rPr lang="en-US" dirty="0" err="1"/>
-              <a:t>redcap_uri</a:t>
-            </a:r>
-            <a:r>
-              <a:rPr lang="en-US" dirty="0"/>
-              <a:t>=</a:t>
-            </a:r>
-            <a:r>
-              <a:rPr lang="en-US" dirty="0" err="1"/>
-              <a:t>uri</a:t>
-            </a:r>
-            <a:r>
-              <a:rPr lang="en-US" dirty="0"/>
-              <a:t>, token=token)$</a:t>
-            </a:r>
-            <a:r>
-              <a:rPr lang="en-US" dirty="0" smtClean="0"/>
-              <a:t>data</a:t>
-            </a:r>
-          </a:p>
-          <a:p>
-            <a:pPr marL="0" indent="0">
-              <a:buNone/>
-            </a:pPr>
-            <a:endParaRPr lang="en-US" dirty="0"/>
-          </a:p>
-          <a:p>
-            <a:pPr marL="0" indent="0">
-              <a:buNone/>
-            </a:pPr>
-            <a:r>
-              <a:rPr lang="en-US" dirty="0" smtClean="0"/>
-              <a:t>User must supply the two required parameters: </a:t>
-            </a:r>
-          </a:p>
-          <a:p>
-            <a:pPr marL="0" indent="0">
-              <a:buNone/>
-            </a:pPr>
-            <a:r>
-              <a:rPr lang="en-US" dirty="0" err="1" smtClean="0"/>
-              <a:t>uri</a:t>
-            </a:r>
-            <a:r>
-              <a:rPr lang="en-US" dirty="0" smtClean="0"/>
-              <a:t> and token</a:t>
-            </a:r>
+              <a:rPr lang="en-US" sz="2500" dirty="0" smtClean="0"/>
+              <a:t>() function data can be extracted from REDCap with only one line</a:t>
+            </a:r>
+          </a:p>
+          <a:p>
             <a:endParaRPr lang="en-US" dirty="0"/>
           </a:p>
           <a:p>
@@ -10728,7 +10797,7 @@
     </p:spTree>
     <p:extLst>
       <p:ext uri="{BB962C8B-B14F-4D97-AF65-F5344CB8AC3E}">
-        <p14:creationId xmlns:p14="http://schemas.microsoft.com/office/powerpoint/2010/main" val="3385533368"/>
+        <p14:creationId xmlns:p14="http://schemas.microsoft.com/office/powerpoint/2010/main" val="2857515703"/>
       </p:ext>
     </p:extLst>
   </p:cSld>
@@ -10832,6 +10901,205 @@
               <a:buNone/>
             </a:pPr>
             <a:r>
+              <a:rPr lang="en-US" dirty="0" smtClean="0"/>
+              <a:t>Simple </a:t>
+            </a:r>
+            <a:r>
+              <a:rPr lang="en-US" dirty="0" err="1" smtClean="0"/>
+              <a:t>REDCapR</a:t>
+            </a:r>
+            <a:r>
+              <a:rPr lang="en-US" dirty="0" smtClean="0"/>
+              <a:t> example using the default settings.</a:t>
+            </a:r>
+          </a:p>
+          <a:p>
+            <a:pPr marL="0" indent="0">
+              <a:buNone/>
+            </a:pPr>
+            <a:endParaRPr lang="en-US" dirty="0" smtClean="0"/>
+          </a:p>
+          <a:p>
+            <a:pPr marL="0" indent="0">
+              <a:buNone/>
+            </a:pPr>
+            <a:r>
+              <a:rPr lang="en-US" dirty="0"/>
+              <a:t>ds &lt;- </a:t>
+            </a:r>
+            <a:r>
+              <a:rPr lang="en-US" dirty="0" err="1"/>
+              <a:t>redcap_read</a:t>
+            </a:r>
+            <a:r>
+              <a:rPr lang="en-US" dirty="0"/>
+              <a:t>(</a:t>
+            </a:r>
+            <a:r>
+              <a:rPr lang="en-US" dirty="0" err="1"/>
+              <a:t>redcap_uri</a:t>
+            </a:r>
+            <a:r>
+              <a:rPr lang="en-US" dirty="0"/>
+              <a:t>=</a:t>
+            </a:r>
+            <a:r>
+              <a:rPr lang="en-US" dirty="0" err="1"/>
+              <a:t>uri</a:t>
+            </a:r>
+            <a:r>
+              <a:rPr lang="en-US" dirty="0"/>
+              <a:t>, token=token)$</a:t>
+            </a:r>
+            <a:r>
+              <a:rPr lang="en-US" dirty="0" smtClean="0"/>
+              <a:t>data</a:t>
+            </a:r>
+          </a:p>
+          <a:p>
+            <a:pPr marL="0" indent="0">
+              <a:buNone/>
+            </a:pPr>
+            <a:endParaRPr lang="en-US" dirty="0"/>
+          </a:p>
+          <a:p>
+            <a:pPr marL="0" indent="0">
+              <a:buNone/>
+            </a:pPr>
+            <a:r>
+              <a:rPr lang="en-US" dirty="0" smtClean="0"/>
+              <a:t>User must supply the two required parameters: </a:t>
+            </a:r>
+          </a:p>
+          <a:p>
+            <a:pPr marL="0" indent="0">
+              <a:buNone/>
+            </a:pPr>
+            <a:r>
+              <a:rPr lang="en-US" dirty="0" err="1" smtClean="0"/>
+              <a:t>uri</a:t>
+            </a:r>
+            <a:r>
+              <a:rPr lang="en-US" dirty="0" smtClean="0"/>
+              <a:t> and token</a:t>
+            </a:r>
+            <a:endParaRPr lang="en-US" dirty="0"/>
+          </a:p>
+          <a:p>
+            <a:pPr marL="0" indent="0">
+              <a:buNone/>
+            </a:pPr>
+            <a:endParaRPr lang="en-US" dirty="0"/>
+          </a:p>
+        </p:txBody>
+      </p:sp>
+    </p:spTree>
+    <p:extLst>
+      <p:ext uri="{BB962C8B-B14F-4D97-AF65-F5344CB8AC3E}">
+        <p14:creationId xmlns:p14="http://schemas.microsoft.com/office/powerpoint/2010/main" val="3385533368"/>
+      </p:ext>
+    </p:extLst>
+  </p:cSld>
+  <p:clrMapOvr>
+    <a:masterClrMapping/>
+  </p:clrMapOvr>
+  <p:timing>
+    <p:tnLst>
+      <p:par>
+        <p:cTn id="1" dur="indefinite" restart="never" nodeType="tmRoot"/>
+      </p:par>
+    </p:tnLst>
+  </p:timing>
+</p:sld>
+</file>
+
+<file path=ppt/slides/slide33.xml><?xml version="1.0" encoding="utf-8"?>
+<p:sld xmlns:a="http://schemas.openxmlformats.org/drawingml/2006/main" xmlns:r="http://schemas.openxmlformats.org/officeDocument/2006/relationships" xmlns:p="http://schemas.openxmlformats.org/presentationml/2006/main">
+  <p:cSld>
+    <p:spTree>
+      <p:nvGrpSpPr>
+        <p:cNvPr id="1" name=""/>
+        <p:cNvGrpSpPr/>
+        <p:nvPr/>
+      </p:nvGrpSpPr>
+      <p:grpSpPr>
+        <a:xfrm>
+          <a:off x="0" y="0"/>
+          <a:ext cx="0" cy="0"/>
+          <a:chOff x="0" y="0"/>
+          <a:chExt cx="0" cy="0"/>
+        </a:xfrm>
+      </p:grpSpPr>
+      <p:sp>
+        <p:nvSpPr>
+          <p:cNvPr id="2" name="Title 1"/>
+          <p:cNvSpPr>
+            <a:spLocks noGrp="1"/>
+          </p:cNvSpPr>
+          <p:nvPr>
+            <p:ph type="title"/>
+          </p:nvPr>
+        </p:nvSpPr>
+        <p:spPr>
+          <a:xfrm>
+            <a:off x="76200" y="76200"/>
+            <a:ext cx="8991600" cy="762000"/>
+          </a:xfrm>
+          <a:solidFill>
+            <a:srgbClr val="66C2A5"/>
+          </a:solidFill>
+        </p:spPr>
+        <p:txBody>
+          <a:bodyPr>
+            <a:normAutofit fontScale="90000"/>
+          </a:bodyPr>
+          <a:lstStyle/>
+          <a:p>
+            <a:pPr marL="0" indent="0"/>
+            <a:r>
+              <a:rPr lang="en-US" sz="4900" dirty="0" err="1" smtClean="0"/>
+              <a:t>REDCapR</a:t>
+            </a:r>
+            <a:r>
+              <a:rPr lang="en-US" sz="4900" dirty="0" smtClean="0"/>
+              <a:t> API Example</a:t>
+            </a:r>
+            <a:endParaRPr lang="en-US" dirty="0"/>
+          </a:p>
+        </p:txBody>
+      </p:sp>
+      <p:sp>
+        <p:nvSpPr>
+          <p:cNvPr id="3" name="Content Placeholder 2"/>
+          <p:cNvSpPr>
+            <a:spLocks noGrp="1"/>
+          </p:cNvSpPr>
+          <p:nvPr>
+            <p:ph idx="1"/>
+          </p:nvPr>
+        </p:nvSpPr>
+        <p:spPr>
+          <a:xfrm>
+            <a:off x="0" y="838200"/>
+            <a:ext cx="9144000" cy="6019800"/>
+          </a:xfrm>
+        </p:spPr>
+        <p:txBody>
+          <a:bodyPr>
+            <a:normAutofit/>
+          </a:bodyPr>
+          <a:lstStyle/>
+          <a:p>
+            <a:pPr marL="0" indent="0">
+              <a:buNone/>
+            </a:pPr>
+            <a:endParaRPr lang="en-US" dirty="0" smtClean="0"/>
+          </a:p>
+          <a:p>
+            <a:pPr marL="0" indent="0">
+              <a:buNone/>
+            </a:pPr>
+            <a:r>
               <a:rPr lang="en-US" dirty="0" err="1" smtClean="0"/>
               <a:t>REDCapR</a:t>
             </a:r>
@@ -10949,7 +11217,7 @@
 </p:sld>
 </file>
 
-<file path=ppt/slides/slide33.xml><?xml version="1.0" encoding="utf-8"?>
+<file path=ppt/slides/slide34.xml><?xml version="1.0" encoding="utf-8"?>
 <p:sld xmlns:a="http://schemas.openxmlformats.org/drawingml/2006/main" xmlns:r="http://schemas.openxmlformats.org/officeDocument/2006/relationships" xmlns:p="http://schemas.openxmlformats.org/presentationml/2006/main">
   <p:cSld>
     <p:spTree>
@@ -11920,48 +12188,40 @@
           </a:bodyPr>
           <a:lstStyle/>
           <a:p>
-            <a:r>
-              <a:rPr lang="en-US" dirty="0" smtClean="0"/>
-              <a:t>Designed </a:t>
-            </a:r>
-            <a:r>
-              <a:rPr lang="en-US" dirty="0" smtClean="0"/>
-              <a:t>for data collection and management</a:t>
-            </a:r>
-          </a:p>
-          <a:p>
-            <a:r>
-              <a:rPr lang="en-US" dirty="0" smtClean="0"/>
-              <a:t>Has very limited reporting capabilities</a:t>
-            </a:r>
-          </a:p>
-          <a:p>
-            <a:r>
-              <a:rPr lang="en-US" dirty="0" smtClean="0"/>
-              <a:t>Analytic capabilities are limited to </a:t>
-            </a:r>
-            <a:r>
-              <a:rPr lang="en-US" dirty="0" err="1" smtClean="0"/>
-              <a:t>univariate</a:t>
-            </a:r>
-            <a:r>
-              <a:rPr lang="en-US" dirty="0" smtClean="0"/>
-              <a:t> summary statistics and plots</a:t>
-            </a:r>
-          </a:p>
-          <a:p>
-            <a:r>
-              <a:rPr lang="en-US" dirty="0" smtClean="0"/>
-              <a:t>For more sophisticated reports and analysis REDCap data must be exported</a:t>
-            </a:r>
-            <a:endParaRPr lang="en-US" sz="2200" b="1" dirty="0"/>
+            <a:pPr marL="0" indent="0">
+              <a:buNone/>
+            </a:pPr>
+            <a:r>
+              <a:rPr lang="en-US" sz="2200" dirty="0" smtClean="0"/>
+              <a:t>Why is there a need for reproducible research?</a:t>
+            </a:r>
+          </a:p>
+          <a:p>
+            <a:pPr marL="0" indent="0">
+              <a:buNone/>
+            </a:pPr>
+            <a:r>
+              <a:rPr lang="en-US" sz="2200" dirty="0"/>
+              <a:t>	</a:t>
+            </a:r>
+            <a:endParaRPr lang="en-US" sz="2200" dirty="0" smtClean="0"/>
+          </a:p>
+          <a:p>
+            <a:pPr marL="0" indent="0">
+              <a:buNone/>
+            </a:pPr>
+            <a:r>
+              <a:rPr lang="en-US" sz="2200" dirty="0" smtClean="0"/>
+              <a:t>Reproducible research embraces the concept that research is not only the scientific findings, but it is also the complete computational environment that was used to produce the results.  This includes details such as the analytical code, data, etc.</a:t>
+            </a:r>
+            <a:endParaRPr lang="en-US" sz="2200" dirty="0"/>
           </a:p>
         </p:txBody>
       </p:sp>
     </p:spTree>
     <p:extLst>
       <p:ext uri="{BB962C8B-B14F-4D97-AF65-F5344CB8AC3E}">
-        <p14:creationId xmlns:p14="http://schemas.microsoft.com/office/powerpoint/2010/main" val="501352803"/>
+        <p14:creationId xmlns:p14="http://schemas.microsoft.com/office/powerpoint/2010/main" val="1912212753"/>
       </p:ext>
     </p:extLst>
   </p:cSld>
@@ -12011,7 +12271,7 @@
             <a:ext cx="8991600" cy="762000"/>
           </a:xfrm>
           <a:solidFill>
-            <a:srgbClr val="5E4FA2"/>
+            <a:srgbClr val="3288BD"/>
           </a:solidFill>
         </p:spPr>
         <p:txBody>
@@ -12020,11 +12280,16 @@
           </a:bodyPr>
           <a:lstStyle/>
           <a:p>
-            <a:r>
-              <a:rPr lang="en-US" dirty="0" smtClean="0"/>
-              <a:t>REDCap Data Export Options</a:t>
-            </a:r>
-            <a:endParaRPr lang="en-US" dirty="0"/>
+            <a:pPr>
+              <a:spcBef>
+                <a:spcPts val="0"/>
+              </a:spcBef>
+              <a:defRPr/>
+            </a:pPr>
+            <a:r>
+              <a:rPr lang="en-US" dirty="0"/>
+              <a:t>REDCap &amp; Reproducible Research</a:t>
+            </a:r>
           </a:p>
         </p:txBody>
       </p:sp>
@@ -12040,8 +12305,8 @@
         </p:nvSpPr>
         <p:spPr>
           <a:xfrm>
-            <a:off x="0" y="1371600"/>
-            <a:ext cx="9144000" cy="5257800"/>
+            <a:off x="0" y="1447800"/>
+            <a:ext cx="9144000" cy="5410200"/>
           </a:xfrm>
         </p:spPr>
         <p:txBody>
@@ -12050,38 +12315,55 @@
           </a:bodyPr>
           <a:lstStyle/>
           <a:p>
-            <a:pPr marL="342900" lvl="2" indent="-342900"/>
             <a:r>
               <a:rPr lang="en-US" dirty="0" smtClean="0"/>
-              <a:t>REDCap offers two methods for data extraction</a:t>
-            </a:r>
-          </a:p>
-          <a:p>
-            <a:pPr marL="800100" lvl="3" indent="-342900"/>
+              <a:t>Designed </a:t>
+            </a:r>
             <a:r>
               <a:rPr lang="en-US" dirty="0" smtClean="0"/>
-              <a:t>The data export tool</a:t>
-            </a:r>
-          </a:p>
-          <a:p>
-            <a:pPr marL="800100" lvl="3" indent="-342900"/>
+              <a:t>for data collection and management</a:t>
+            </a:r>
+          </a:p>
+          <a:p>
             <a:r>
               <a:rPr lang="en-US" dirty="0" smtClean="0"/>
-              <a:t>Application Programming Interface (API)</a:t>
-            </a:r>
-          </a:p>
-          <a:p>
-            <a:pPr marL="914400" lvl="2" indent="0">
-              <a:buNone/>
-            </a:pPr>
-            <a:endParaRPr lang="en-US" dirty="0" smtClean="0"/>
+              <a:t>Has very limited reporting capabilities</a:t>
+            </a:r>
+          </a:p>
+          <a:p>
+            <a:r>
+              <a:rPr lang="en-US" dirty="0" smtClean="0"/>
+              <a:t>Analytic capabilities are limited to </a:t>
+            </a:r>
+            <a:r>
+              <a:rPr lang="en-US" dirty="0" err="1" smtClean="0"/>
+              <a:t>univariate</a:t>
+            </a:r>
+            <a:r>
+              <a:rPr lang="en-US" dirty="0" smtClean="0"/>
+              <a:t> summary statistics and plots</a:t>
+            </a:r>
+          </a:p>
+          <a:p>
+            <a:r>
+              <a:rPr lang="en-US" dirty="0" smtClean="0"/>
+              <a:t>REDCap used in conjunction with R is capable of producing sophisticated reproducible reports </a:t>
+            </a:r>
+            <a:r>
+              <a:rPr lang="en-US" dirty="0" smtClean="0"/>
+              <a:t>and </a:t>
+            </a:r>
+            <a:r>
+              <a:rPr lang="en-US" dirty="0" smtClean="0"/>
+              <a:t>analysis</a:t>
+            </a:r>
           </a:p>
         </p:txBody>
       </p:sp>
     </p:spTree>
     <p:extLst>
       <p:ext uri="{BB962C8B-B14F-4D97-AF65-F5344CB8AC3E}">
-        <p14:creationId xmlns:p14="http://schemas.microsoft.com/office/powerpoint/2010/main" val="1012087881"/>
+        <p14:creationId xmlns:p14="http://schemas.microsoft.com/office/powerpoint/2010/main" val="501352803"/>
       </p:ext>
     </p:extLst>
   </p:cSld>
@@ -12131,9 +12413,7 @@
             <a:ext cx="8991600" cy="762000"/>
           </a:xfrm>
           <a:solidFill>
-            <a:schemeClr val="accent6">
-              <a:lumMod val="75000"/>
-            </a:schemeClr>
+            <a:srgbClr val="5E4FA2"/>
           </a:solidFill>
         </p:spPr>
         <p:txBody>
@@ -12142,16 +12422,11 @@
           </a:bodyPr>
           <a:lstStyle/>
           <a:p>
-            <a:pPr>
-              <a:spcBef>
-                <a:spcPts val="0"/>
-              </a:spcBef>
-              <a:defRPr/>
-            </a:pPr>
-            <a:r>
-              <a:rPr lang="en-US" dirty="0"/>
-              <a:t>Data Export Tool</a:t>
-            </a:r>
+            <a:r>
+              <a:rPr lang="en-US" dirty="0" smtClean="0"/>
+              <a:t>REDCap Data Export Options</a:t>
+            </a:r>
+            <a:endParaRPr lang="en-US" dirty="0"/>
           </a:p>
         </p:txBody>
       </p:sp>
@@ -12167,8 +12442,8 @@
         </p:nvSpPr>
         <p:spPr>
           <a:xfrm>
-            <a:off x="0" y="914400"/>
-            <a:ext cx="9144000" cy="5943600"/>
+            <a:off x="0" y="1371600"/>
+            <a:ext cx="9144000" cy="5257800"/>
           </a:xfrm>
         </p:spPr>
         <p:txBody>
@@ -12177,183 +12452,38 @@
           </a:bodyPr>
           <a:lstStyle/>
           <a:p>
-            <a:pPr marL="342900" lvl="3" indent="-342900">
-              <a:buFont typeface="Arial" panose="020B0604020202020204" pitchFamily="34" charset="0"/>
-              <a:buChar char="•"/>
-            </a:pPr>
-            <a:r>
-              <a:rPr lang="en-US" sz="2500" dirty="0" smtClean="0"/>
-              <a:t>Clickable interface embedded in each project</a:t>
-            </a:r>
-          </a:p>
-          <a:p>
-            <a:pPr marL="342900" lvl="3" indent="-342900">
-              <a:buFont typeface="Arial" panose="020B0604020202020204" pitchFamily="34" charset="0"/>
-              <a:buChar char="•"/>
-            </a:pPr>
-            <a:r>
-              <a:rPr lang="en-US" sz="2500" dirty="0" smtClean="0"/>
-              <a:t>Project specific</a:t>
-            </a:r>
-          </a:p>
-          <a:p>
-            <a:pPr marL="342900" lvl="3" indent="-342900">
-              <a:buFont typeface="Arial" panose="020B0604020202020204" pitchFamily="34" charset="0"/>
-              <a:buChar char="•"/>
-            </a:pPr>
-            <a:r>
-              <a:rPr lang="en-US" sz="2500" dirty="0" smtClean="0"/>
-              <a:t>Exports data in five formats (Excel .csv, SPSS, SAS, R, and STATA)</a:t>
-            </a:r>
-          </a:p>
-          <a:p>
-            <a:pPr marL="342900" lvl="3" indent="-342900">
-              <a:buFont typeface="Arial" panose="020B0604020202020204" pitchFamily="34" charset="0"/>
-              <a:buChar char="•"/>
-            </a:pPr>
-            <a:r>
-              <a:rPr lang="en-US" sz="2500" dirty="0" smtClean="0"/>
-              <a:t>Two options using the data export tool</a:t>
-            </a:r>
-          </a:p>
-          <a:p>
-            <a:pPr marL="800100" lvl="4" indent="-342900">
-              <a:buFont typeface="Arial" panose="020B0604020202020204" pitchFamily="34" charset="0"/>
-              <a:buChar char="–"/>
-            </a:pPr>
-            <a:r>
-              <a:rPr lang="en-US" sz="2200" dirty="0" smtClean="0"/>
-              <a:t>Simple Data Export: exports entire data set with one click</a:t>
-            </a:r>
-          </a:p>
-          <a:p>
-            <a:pPr marL="800100" lvl="4" indent="-342900">
-              <a:buFont typeface="Arial" panose="020B0604020202020204" pitchFamily="34" charset="0"/>
-              <a:buChar char="–"/>
-            </a:pPr>
-            <a:r>
-              <a:rPr lang="en-US" sz="2200" dirty="0" smtClean="0"/>
-              <a:t>Advanced Data Export: users choose which </a:t>
-            </a:r>
-          </a:p>
-          <a:p>
-            <a:pPr marL="457200" lvl="4" indent="0">
-              <a:buNone/>
-            </a:pPr>
-            <a:r>
-              <a:rPr lang="en-US" sz="2200" dirty="0"/>
-              <a:t> </a:t>
-            </a:r>
-            <a:r>
-              <a:rPr lang="en-US" sz="2200" dirty="0" smtClean="0"/>
-              <a:t>    fields to export and has </a:t>
-            </a:r>
-          </a:p>
-          <a:p>
-            <a:pPr marL="457200" lvl="4" indent="0">
-              <a:buNone/>
-            </a:pPr>
-            <a:r>
-              <a:rPr lang="en-US" sz="2200" dirty="0"/>
-              <a:t> </a:t>
-            </a:r>
-            <a:r>
-              <a:rPr lang="en-US" sz="2200" dirty="0" smtClean="0"/>
-              <a:t>    de-identification options</a:t>
-            </a:r>
-          </a:p>
-          <a:p>
-            <a:pPr marL="342900" lvl="3" indent="-342900">
-              <a:buFont typeface="Arial" panose="020B0604020202020204" pitchFamily="34" charset="0"/>
-              <a:buChar char="•"/>
-            </a:pPr>
-            <a:r>
-              <a:rPr lang="en-US" sz="2500" dirty="0" smtClean="0"/>
-              <a:t>Manual interaction with REDCap </a:t>
-            </a:r>
-          </a:p>
-          <a:p>
-            <a:pPr marL="0" lvl="3" indent="0">
-              <a:buNone/>
-            </a:pPr>
-            <a:r>
-              <a:rPr lang="en-US" sz="2500" dirty="0" smtClean="0"/>
-              <a:t>     to retrieve data</a:t>
-            </a:r>
-          </a:p>
-          <a:p>
-            <a:pPr marL="342900" lvl="3" indent="-342900">
-              <a:buFont typeface="Arial" panose="020B0604020202020204" pitchFamily="34" charset="0"/>
-              <a:buChar char="•"/>
+            <a:pPr marL="342900" lvl="2" indent="-342900"/>
+            <a:r>
+              <a:rPr lang="en-US" dirty="0" smtClean="0"/>
+              <a:t>REDCap offers two methods for data extraction</a:t>
+            </a:r>
+          </a:p>
+          <a:p>
+            <a:pPr marL="800100" lvl="3" indent="-342900"/>
+            <a:r>
+              <a:rPr lang="en-US" dirty="0" smtClean="0"/>
+              <a:t>The data export tool</a:t>
+            </a:r>
+          </a:p>
+          <a:p>
+            <a:pPr marL="800100" lvl="3" indent="-342900"/>
+            <a:r>
+              <a:rPr lang="en-US" dirty="0" smtClean="0"/>
+              <a:t>Application Programming Interface (API)</a:t>
+            </a:r>
+          </a:p>
+          <a:p>
+            <a:pPr marL="914400" lvl="2" indent="0">
+              <a:buNone/>
             </a:pPr>
             <a:endParaRPr lang="en-US" dirty="0" smtClean="0"/>
-          </a:p>
-        </p:txBody>
-      </p:sp>
-      <p:pic>
-        <p:nvPicPr>
-          <p:cNvPr id="4" name="Picture 3"/>
-          <p:cNvPicPr>
-            <a:picLocks noChangeAspect="1"/>
-          </p:cNvPicPr>
-          <p:nvPr/>
-        </p:nvPicPr>
-        <p:blipFill>
-          <a:blip r:embed="rId2" cstate="print">
-            <a:extLst>
-              <a:ext uri="{28A0092B-C50C-407E-A947-70E740481C1C}">
-                <a14:useLocalDpi xmlns:a14="http://schemas.microsoft.com/office/drawing/2010/main" val="0"/>
-              </a:ext>
-            </a:extLst>
-          </a:blip>
-          <a:stretch>
-            <a:fillRect/>
-          </a:stretch>
-        </p:blipFill>
-        <p:spPr>
-          <a:xfrm>
-            <a:off x="6553200" y="3962400"/>
-            <a:ext cx="2165863" cy="2710354"/>
-          </a:xfrm>
-          <a:prstGeom prst="rect">
-            <a:avLst/>
-          </a:prstGeom>
-        </p:spPr>
-      </p:pic>
-      <p:sp>
-        <p:nvSpPr>
-          <p:cNvPr id="5" name="TextBox 4"/>
-          <p:cNvSpPr txBox="1"/>
-          <p:nvPr/>
-        </p:nvSpPr>
-        <p:spPr>
-          <a:xfrm>
-            <a:off x="6386896" y="3505200"/>
-            <a:ext cx="2498469" cy="369332"/>
-          </a:xfrm>
-          <a:prstGeom prst="rect">
-            <a:avLst/>
-          </a:prstGeom>
-          <a:noFill/>
-        </p:spPr>
-        <p:txBody>
-          <a:bodyPr wrap="square" rtlCol="0">
-            <a:spAutoFit/>
-          </a:bodyPr>
-          <a:lstStyle/>
-          <a:p>
-            <a:r>
-              <a:rPr lang="en-US" dirty="0" smtClean="0"/>
-              <a:t>Available export formats</a:t>
-            </a:r>
-            <a:endParaRPr lang="en-US" dirty="0"/>
           </a:p>
         </p:txBody>
       </p:sp>
     </p:spTree>
     <p:extLst>
       <p:ext uri="{BB962C8B-B14F-4D97-AF65-F5344CB8AC3E}">
-        <p14:creationId xmlns:p14="http://schemas.microsoft.com/office/powerpoint/2010/main" val="1093862541"/>
+        <p14:creationId xmlns:p14="http://schemas.microsoft.com/office/powerpoint/2010/main" val="1012087881"/>
       </p:ext>
     </p:extLst>
   </p:cSld>

--- a/Publications/Presentation2014-04-07-MIECHV Paper Discussion/REDCapR.pptx
+++ b/Publications/Presentation2014-04-07-MIECHV Paper Discussion/REDCapR.pptx
@@ -4626,8 +4626,27 @@
             </a:pPr>
             <a:r>
               <a:rPr lang="en-US" dirty="0" smtClean="0"/>
-              <a:t>Offers a higher level of data security</a:t>
-            </a:r>
+              <a:t>Offers a higher level of data </a:t>
+            </a:r>
+            <a:r>
+              <a:rPr lang="en-US" dirty="0" smtClean="0"/>
+              <a:t>security</a:t>
+            </a:r>
+          </a:p>
+          <a:p>
+            <a:pPr marL="342900" lvl="3" indent="-342900">
+              <a:buFont typeface="Arial" panose="020B0604020202020204" pitchFamily="34" charset="0"/>
+              <a:buChar char="•"/>
+            </a:pPr>
+            <a:r>
+              <a:rPr lang="en-US" dirty="0" smtClean="0"/>
+              <a:t>Allows reports to be </a:t>
+            </a:r>
+            <a:r>
+              <a:rPr lang="en-US" smtClean="0"/>
+              <a:t>created dynamically (on the fly)</a:t>
+            </a:r>
+            <a:endParaRPr lang="en-US" dirty="0" smtClean="0"/>
           </a:p>
           <a:p>
             <a:pPr marL="342900" lvl="3" indent="-342900">
@@ -12317,11 +12336,7 @@
           <a:p>
             <a:r>
               <a:rPr lang="en-US" dirty="0" smtClean="0"/>
-              <a:t>Designed </a:t>
-            </a:r>
-            <a:r>
-              <a:rPr lang="en-US" dirty="0" smtClean="0"/>
-              <a:t>for data collection and management</a:t>
+              <a:t>Designed for data collection and management</a:t>
             </a:r>
           </a:p>
           <a:p>
@@ -12347,15 +12362,7 @@
           <a:p>
             <a:r>
               <a:rPr lang="en-US" dirty="0" smtClean="0"/>
-              <a:t>REDCap used in conjunction with R is capable of producing sophisticated reproducible reports </a:t>
-            </a:r>
-            <a:r>
-              <a:rPr lang="en-US" dirty="0" smtClean="0"/>
-              <a:t>and </a:t>
-            </a:r>
-            <a:r>
-              <a:rPr lang="en-US" dirty="0" smtClean="0"/>
-              <a:t>analysis</a:t>
+              <a:t>REDCap used in conjunction with R is capable of producing sophisticated reproducible reports and analysis</a:t>
             </a:r>
           </a:p>
         </p:txBody>
